--- a/projects/kog.3gr.020-gom/lab.pptx
+++ b/projects/kog.3gr.020-gom/lab.pptx
@@ -51,7 +51,7 @@
       <p:boldItalic r:id="rId34"/>
     </p:embeddedFont>
     <p:embeddedFont>
-      <p:font typeface="Whipsmart" panose="020B0604020202020204" charset="0"/>
+      <p:font typeface="Whipsmart" panose="020B0502030203050204" pitchFamily="34" charset="0"/>
       <p:regular r:id="rId35"/>
     </p:embeddedFont>
   </p:embeddedFontLst>
@@ -240,7 +240,7 @@
           <a:p>
             <a:fld id="{865F36A5-2623-498E-9F4A-90F99F2366D7}" type="datetimeFigureOut">
               <a:rPr lang="en-US" smtClean="0"/>
-              <a:t>2/22/2021</a:t>
+              <a:t>3/3/2021</a:t>
             </a:fld>
             <a:endParaRPr lang="en-US"/>
           </a:p>
@@ -939,7 +939,7 @@
           <a:p>
             <a:fld id="{233D5BDB-207A-4240-9DD0-70E5211C08C1}" type="datetimeFigureOut">
               <a:rPr lang="en-US" smtClean="0"/>
-              <a:t>2/22/2021</a:t>
+              <a:t>3/3/2021</a:t>
             </a:fld>
             <a:endParaRPr lang="en-US"/>
           </a:p>
@@ -1184,7 +1184,7 @@
             <a:fld id="{233D5BDB-207A-4240-9DD0-70E5211C08C1}" type="datetimeFigureOut">
               <a:rPr lang="en-US" smtClean="0"/>
               <a:pPr/>
-              <a:t>2/22/2021</a:t>
+              <a:t>3/3/2021</a:t>
             </a:fld>
             <a:endParaRPr lang="en-US"/>
           </a:p>
@@ -11166,10 +11166,20 @@
                 <a:ea typeface="Times New Roman" panose="02020603050405020304" pitchFamily="18" charset="0"/>
                 <a:cs typeface="Times New Roman" panose="02020603050405020304" pitchFamily="18" charset="0"/>
               </a:rPr>
-              <a:t>      scale(</a:t>
-            </a:r>
-            <a:r>
-              <a:rPr lang="en-US" dirty="0">
+              <a:t>      scale</a:t>
+            </a:r>
+            <a:r>
+              <a:rPr lang="en-US">
+                <a:solidFill>
+                  <a:srgbClr val="000000"/>
+                </a:solidFill>
+                <a:ea typeface="Times New Roman" panose="02020603050405020304" pitchFamily="18" charset="0"/>
+                <a:cs typeface="Times New Roman" panose="02020603050405020304" pitchFamily="18" charset="0"/>
+              </a:rPr>
+              <a:t>(</a:t>
+            </a:r>
+            <a:r>
+              <a:rPr lang="en-US">
                 <a:solidFill>
                   <a:srgbClr val="7C4FCD"/>
                 </a:solidFill>
@@ -11177,6 +11187,35 @@
                 <a:cs typeface="Times New Roman" panose="02020603050405020304" pitchFamily="18" charset="0"/>
               </a:rPr>
               <a:t>0.5f</a:t>
+            </a:r>
+            <a:r>
+              <a:rPr lang="hu-HU" dirty="0">
+                <a:solidFill>
+                  <a:srgbClr val="000000"/>
+                </a:solidFill>
+                <a:cs typeface="Times New Roman" panose="02020603050405020304" pitchFamily="18" charset="0"/>
+              </a:rPr>
+              <a:t>, </a:t>
+            </a:r>
+            <a:r>
+              <a:rPr lang="en-US">
+                <a:solidFill>
+                  <a:srgbClr val="7C4FCD"/>
+                </a:solidFill>
+                <a:ea typeface="Times New Roman" panose="02020603050405020304" pitchFamily="18" charset="0"/>
+                <a:cs typeface="Times New Roman" panose="02020603050405020304" pitchFamily="18" charset="0"/>
+              </a:rPr>
+              <a:t>0</a:t>
+            </a:r>
+            <a:r>
+              <a:rPr lang="hu-HU" dirty="0">
+                <a:solidFill>
+                  <a:srgbClr val="7C4FCD"/>
+                </a:solidFill>
+                <a:ea typeface="Times New Roman" panose="02020603050405020304" pitchFamily="18" charset="0"/>
+                <a:cs typeface="Times New Roman" panose="02020603050405020304" pitchFamily="18" charset="0"/>
+              </a:rPr>
+              <a:t>.5f</a:t>
             </a:r>
             <a:r>
               <a:rPr lang="en-US" dirty="0">

--- a/projects/kog.3gr.020-gom/lab.pptx
+++ b/projects/kog.3gr.020-gom/lab.pptx
@@ -240,7 +240,7 @@
           <a:p>
             <a:fld id="{865F36A5-2623-498E-9F4A-90F99F2366D7}" type="datetimeFigureOut">
               <a:rPr lang="en-US" smtClean="0"/>
-              <a:t>3/3/2021</a:t>
+              <a:t>3/5/2021</a:t>
             </a:fld>
             <a:endParaRPr lang="en-US"/>
           </a:p>
@@ -939,7 +939,7 @@
           <a:p>
             <a:fld id="{233D5BDB-207A-4240-9DD0-70E5211C08C1}" type="datetimeFigureOut">
               <a:rPr lang="en-US" smtClean="0"/>
-              <a:t>3/3/2021</a:t>
+              <a:t>3/5/2021</a:t>
             </a:fld>
             <a:endParaRPr lang="en-US"/>
           </a:p>
@@ -1184,7 +1184,7 @@
             <a:fld id="{233D5BDB-207A-4240-9DD0-70E5211C08C1}" type="datetimeFigureOut">
               <a:rPr lang="en-US" smtClean="0"/>
               <a:pPr/>
-              <a:t>3/3/2021</a:t>
+              <a:t>3/5/2021</a:t>
             </a:fld>
             <a:endParaRPr lang="en-US"/>
           </a:p>
@@ -9833,10 +9833,20 @@
                 <a:ea typeface="Times New Roman" panose="02020603050405020304" pitchFamily="18" charset="0"/>
                 <a:cs typeface="Times New Roman" panose="02020603050405020304" pitchFamily="18" charset="0"/>
               </a:rPr>
-              <a:t>val</a:t>
-            </a:r>
-            <a:r>
-              <a:rPr lang="en-US" dirty="0">
+              <a:t>va</a:t>
+            </a:r>
+            <a:r>
+              <a:rPr lang="hu-HU">
+                <a:solidFill>
+                  <a:srgbClr val="C70040"/>
+                </a:solidFill>
+                <a:ea typeface="Times New Roman" panose="02020603050405020304" pitchFamily="18" charset="0"/>
+                <a:cs typeface="Times New Roman" panose="02020603050405020304" pitchFamily="18" charset="0"/>
+              </a:rPr>
+              <a:t>r</a:t>
+            </a:r>
+            <a:r>
+              <a:rPr lang="en-US">
                 <a:solidFill>
                   <a:srgbClr val="C70040"/>
                 </a:solidFill>

--- a/projects/kog.3gr.020-gom/lab.pptx
+++ b/projects/kog.3gr.020-gom/lab.pptx
@@ -23,8 +23,8 @@
     <p:sldId id="351" r:id="rId14"/>
     <p:sldId id="340" r:id="rId15"/>
     <p:sldId id="300" r:id="rId16"/>
-    <p:sldId id="352" r:id="rId17"/>
-    <p:sldId id="353" r:id="rId18"/>
+    <p:sldId id="357" r:id="rId17"/>
+    <p:sldId id="358" r:id="rId18"/>
     <p:sldId id="319" r:id="rId19"/>
     <p:sldId id="354" r:id="rId20"/>
     <p:sldId id="355" r:id="rId21"/>
@@ -240,7 +240,7 @@
           <a:p>
             <a:fld id="{865F36A5-2623-498E-9F4A-90F99F2366D7}" type="datetimeFigureOut">
               <a:rPr lang="en-US" smtClean="0"/>
-              <a:t>3/5/2021</a:t>
+              <a:t>3/2/2022</a:t>
             </a:fld>
             <a:endParaRPr lang="en-US"/>
           </a:p>
@@ -939,7 +939,7 @@
           <a:p>
             <a:fld id="{233D5BDB-207A-4240-9DD0-70E5211C08C1}" type="datetimeFigureOut">
               <a:rPr lang="en-US" smtClean="0"/>
-              <a:t>3/5/2021</a:t>
+              <a:t>3/2/2022</a:t>
             </a:fld>
             <a:endParaRPr lang="en-US"/>
           </a:p>
@@ -1184,7 +1184,7 @@
             <a:fld id="{233D5BDB-207A-4240-9DD0-70E5211C08C1}" type="datetimeFigureOut">
               <a:rPr lang="en-US" smtClean="0"/>
               <a:pPr/>
-              <a:t>3/5/2021</a:t>
+              <a:t>3/2/2022</a:t>
             </a:fld>
             <a:endParaRPr lang="en-US"/>
           </a:p>
@@ -2211,7 +2211,7 @@
         <p:spPr/>
         <p:txBody>
           <a:bodyPr>
-            <a:normAutofit lnSpcReduction="10000"/>
+            <a:noAutofit/>
           </a:bodyPr>
           <a:lstStyle/>
           <a:p>
@@ -2470,13 +2470,20 @@
             </a:endParaRPr>
           </a:p>
           <a:p>
-            <a:pPr>
+            <a:pPr marL="0" marR="0" lvl="0" indent="0" algn="l" defTabSz="914400" rtl="0" eaLnBrk="1" fontAlgn="auto" latinLnBrk="0" hangingPunct="1">
               <a:lnSpc>
                 <a:spcPct val="107000"/>
               </a:lnSpc>
+              <a:spcBef>
+                <a:spcPts val="0"/>
+              </a:spcBef>
               <a:spcAft>
                 <a:spcPts val="0"/>
               </a:spcAft>
+              <a:buClrTx/>
+              <a:buSzTx/>
+              <a:buFont typeface="Arial" panose="020B0604020202020204" pitchFamily="34" charset="0"/>
+              <a:buNone/>
               <a:tabLst>
                 <a:tab pos="581660" algn="l"/>
                 <a:tab pos="1163320" algn="l"/>
@@ -2495,51 +2502,225 @@
                 <a:tab pos="8724900" algn="l"/>
                 <a:tab pos="9306560" algn="l"/>
               </a:tabLst>
+              <a:defRPr/>
             </a:pPr>
             <a:r>
-              <a:rPr lang="en-US" dirty="0">
+              <a:rPr kumimoji="0" lang="en-US" sz="2400" b="0" i="0" u="none" strike="noStrike" kern="1200" cap="none" spc="0" normalizeH="0" baseline="0" noProof="0" dirty="0">
+                <a:ln>
+                  <a:noFill/>
+                </a:ln>
                 <a:solidFill>
                   <a:srgbClr val="C70040"/>
                 </a:solidFill>
+                <a:effectLst/>
+                <a:uLnTx/>
+                <a:uFillTx/>
+                <a:latin typeface="Consolas" panose="020B0609020204030204" pitchFamily="49" charset="0"/>
                 <a:ea typeface="Times New Roman" panose="02020603050405020304" pitchFamily="18" charset="0"/>
                 <a:cs typeface="Times New Roman" panose="02020603050405020304" pitchFamily="18" charset="0"/>
               </a:rPr>
               <a:t>class </a:t>
             </a:r>
             <a:r>
-              <a:rPr lang="en-US" dirty="0" err="1">
-                <a:solidFill>
-                  <a:srgbClr val="000000"/>
-                </a:solidFill>
+              <a:rPr kumimoji="0" lang="en-US" sz="2400" b="0" i="0" u="none" strike="noStrike" kern="1200" cap="none" spc="0" normalizeH="0" baseline="0" noProof="0" dirty="0" err="1">
+                <a:ln>
+                  <a:noFill/>
+                </a:ln>
+                <a:solidFill>
+                  <a:srgbClr val="000000"/>
+                </a:solidFill>
+                <a:effectLst/>
+                <a:uLnTx/>
+                <a:uFillTx/>
+                <a:latin typeface="Consolas" panose="020B0609020204030204" pitchFamily="49" charset="0"/>
                 <a:ea typeface="Times New Roman" panose="02020603050405020304" pitchFamily="18" charset="0"/>
                 <a:cs typeface="Times New Roman" panose="02020603050405020304" pitchFamily="18" charset="0"/>
               </a:rPr>
               <a:t>GameObject</a:t>
             </a:r>
             <a:r>
-              <a:rPr lang="en-US" dirty="0">
-                <a:solidFill>
-                  <a:srgbClr val="000000"/>
-                </a:solidFill>
+              <a:rPr kumimoji="0" lang="en-US" sz="2400" b="0" i="0" u="none" strike="noStrike" kern="1200" cap="none" spc="0" normalizeH="0" baseline="0" noProof="0" dirty="0">
+                <a:ln>
+                  <a:noFill/>
+                </a:ln>
+                <a:solidFill>
+                  <a:srgbClr val="000000"/>
+                </a:solidFill>
+                <a:effectLst/>
+                <a:uLnTx/>
+                <a:uFillTx/>
+                <a:latin typeface="Consolas" panose="020B0609020204030204" pitchFamily="49" charset="0"/>
                 <a:ea typeface="Times New Roman" panose="02020603050405020304" pitchFamily="18" charset="0"/>
                 <a:cs typeface="Times New Roman" panose="02020603050405020304" pitchFamily="18" charset="0"/>
               </a:rPr>
               <a:t>(</a:t>
             </a:r>
-            <a:endParaRPr lang="en-US" sz="2000" dirty="0">
+            <a:r>
+              <a:rPr kumimoji="0" lang="hu-HU" sz="2000" b="0" i="0" u="none" strike="noStrike" kern="1200" cap="none" spc="0" normalizeH="0" baseline="0" noProof="0" dirty="0">
+                <a:ln>
+                  <a:noFill/>
+                </a:ln>
+                <a:solidFill>
+                  <a:prstClr val="black"/>
+                </a:solidFill>
+                <a:effectLst/>
+                <a:uLnTx/>
+                <a:uFillTx/>
+                <a:latin typeface="Calibri" panose="020F0502020204030204" pitchFamily="34" charset="0"/>
+                <a:ea typeface="Times New Roman" panose="02020603050405020304" pitchFamily="18" charset="0"/>
+                <a:cs typeface="Times New Roman" panose="02020603050405020304" pitchFamily="18" charset="0"/>
+              </a:rPr>
+              <a:t>  </a:t>
+            </a:r>
+            <a:r>
+              <a:rPr kumimoji="0" lang="hu-HU" sz="2400" b="0" i="0" u="none" strike="noStrike" kern="1200" cap="none" spc="0" normalizeH="0" baseline="0" noProof="0" dirty="0" err="1">
+                <a:ln>
+                  <a:noFill/>
+                </a:ln>
+                <a:solidFill>
+                  <a:srgbClr val="C70040"/>
+                </a:solidFill>
+                <a:effectLst/>
+                <a:uLnTx/>
+                <a:uFillTx/>
+                <a:latin typeface="Consolas" panose="020B0609020204030204" pitchFamily="49" charset="0"/>
+                <a:ea typeface="Times New Roman" panose="02020603050405020304" pitchFamily="18" charset="0"/>
+                <a:cs typeface="Times New Roman" panose="02020603050405020304" pitchFamily="18" charset="0"/>
+              </a:rPr>
+              <a:t>vararg</a:t>
+            </a:r>
+            <a:r>
+              <a:rPr kumimoji="0" lang="hu-HU" sz="2400" b="0" i="0" u="none" strike="noStrike" kern="1200" cap="none" spc="0" normalizeH="0" baseline="0" noProof="0" dirty="0">
+                <a:ln>
+                  <a:noFill/>
+                </a:ln>
+                <a:solidFill>
+                  <a:srgbClr val="C70040"/>
+                </a:solidFill>
+                <a:effectLst/>
+                <a:uLnTx/>
+                <a:uFillTx/>
+                <a:latin typeface="Consolas" panose="020B0609020204030204" pitchFamily="49" charset="0"/>
+                <a:ea typeface="Times New Roman" panose="02020603050405020304" pitchFamily="18" charset="0"/>
+                <a:cs typeface="Times New Roman" panose="02020603050405020304" pitchFamily="18" charset="0"/>
+              </a:rPr>
+              <a:t> </a:t>
+            </a:r>
+            <a:r>
+              <a:rPr kumimoji="0" lang="en-US" sz="2400" b="0" i="1" u="none" strike="noStrike" kern="1200" cap="none" spc="0" normalizeH="0" baseline="0" noProof="0" dirty="0">
+                <a:ln>
+                  <a:noFill/>
+                </a:ln>
+                <a:solidFill>
+                  <a:srgbClr val="CB6500"/>
+                </a:solidFill>
+                <a:effectLst/>
+                <a:uLnTx/>
+                <a:uFillTx/>
+                <a:latin typeface="Consolas" panose="020B0609020204030204" pitchFamily="49" charset="0"/>
+                <a:ea typeface="Times New Roman" panose="02020603050405020304" pitchFamily="18" charset="0"/>
+                <a:cs typeface="Times New Roman" panose="02020603050405020304" pitchFamily="18" charset="0"/>
+              </a:rPr>
+              <a:t>mesh</a:t>
+            </a:r>
+            <a:r>
+              <a:rPr kumimoji="0" lang="hu-HU" sz="2400" b="0" i="1" u="none" strike="noStrike" kern="1200" cap="none" spc="0" normalizeH="0" baseline="0" noProof="0" dirty="0">
+                <a:ln>
+                  <a:noFill/>
+                </a:ln>
+                <a:solidFill>
+                  <a:srgbClr val="CB6500"/>
+                </a:solidFill>
+                <a:effectLst/>
+                <a:uLnTx/>
+                <a:uFillTx/>
+                <a:latin typeface="Consolas" panose="020B0609020204030204" pitchFamily="49" charset="0"/>
+                <a:ea typeface="Times New Roman" panose="02020603050405020304" pitchFamily="18" charset="0"/>
+                <a:cs typeface="Times New Roman" panose="02020603050405020304" pitchFamily="18" charset="0"/>
+              </a:rPr>
+              <a:t>es</a:t>
+            </a:r>
+            <a:r>
+              <a:rPr kumimoji="0" lang="en-US" sz="2400" b="0" i="1" u="none" strike="noStrike" kern="1200" cap="none" spc="0" normalizeH="0" baseline="0" noProof="0" dirty="0">
+                <a:ln>
+                  <a:noFill/>
+                </a:ln>
+                <a:solidFill>
+                  <a:srgbClr val="CB6500"/>
+                </a:solidFill>
+                <a:effectLst/>
+                <a:uLnTx/>
+                <a:uFillTx/>
+                <a:latin typeface="Consolas" panose="020B0609020204030204" pitchFamily="49" charset="0"/>
+                <a:ea typeface="Times New Roman" panose="02020603050405020304" pitchFamily="18" charset="0"/>
+                <a:cs typeface="Times New Roman" panose="02020603050405020304" pitchFamily="18" charset="0"/>
+              </a:rPr>
+              <a:t> </a:t>
+            </a:r>
+            <a:r>
+              <a:rPr kumimoji="0" lang="en-US" sz="2400" b="0" i="0" u="none" strike="noStrike" kern="1200" cap="none" spc="0" normalizeH="0" baseline="0" noProof="0" dirty="0">
+                <a:ln>
+                  <a:noFill/>
+                </a:ln>
+                <a:solidFill>
+                  <a:srgbClr val="C70040"/>
+                </a:solidFill>
+                <a:effectLst/>
+                <a:uLnTx/>
+                <a:uFillTx/>
+                <a:latin typeface="Consolas" panose="020B0609020204030204" pitchFamily="49" charset="0"/>
+                <a:ea typeface="Times New Roman" panose="02020603050405020304" pitchFamily="18" charset="0"/>
+                <a:cs typeface="Times New Roman" panose="02020603050405020304" pitchFamily="18" charset="0"/>
+              </a:rPr>
+              <a:t>: </a:t>
+            </a:r>
+            <a:r>
+              <a:rPr kumimoji="0" lang="hu-HU" sz="2400" b="1" i="0" u="none" strike="noStrike" kern="1200" cap="none" spc="0" normalizeH="0" baseline="0" noProof="0" dirty="0" err="1">
+                <a:ln>
+                  <a:noFill/>
+                </a:ln>
+                <a:solidFill>
+                  <a:srgbClr val="000000"/>
+                </a:solidFill>
+                <a:effectLst/>
+                <a:uLnTx/>
+                <a:uFillTx/>
+                <a:latin typeface="Consolas" panose="020B0609020204030204" pitchFamily="49" charset="0"/>
+                <a:ea typeface="Times New Roman" panose="02020603050405020304" pitchFamily="18" charset="0"/>
+                <a:cs typeface="Times New Roman" panose="02020603050405020304" pitchFamily="18" charset="0"/>
+              </a:rPr>
+              <a:t>Mesh</a:t>
+            </a:r>
+            <a:endParaRPr kumimoji="0" lang="en-US" sz="2000" b="0" i="0" u="none" strike="noStrike" kern="1200" cap="none" spc="0" normalizeH="0" baseline="0" noProof="0" dirty="0">
+              <a:ln>
+                <a:noFill/>
+              </a:ln>
+              <a:solidFill>
+                <a:prstClr val="black"/>
+              </a:solidFill>
+              <a:effectLst/>
+              <a:uLnTx/>
+              <a:uFillTx/>
               <a:latin typeface="Calibri" panose="020F0502020204030204" pitchFamily="34" charset="0"/>
               <a:ea typeface="Calibri" panose="020F0502020204030204" pitchFamily="34" charset="0"/>
               <a:cs typeface="Times New Roman" panose="02020603050405020304" pitchFamily="18" charset="0"/>
             </a:endParaRPr>
           </a:p>
           <a:p>
-            <a:pPr>
+            <a:pPr marL="0" marR="0" lvl="0" indent="0" algn="l" defTabSz="914400" rtl="0" eaLnBrk="1" fontAlgn="auto" latinLnBrk="0" hangingPunct="1">
               <a:lnSpc>
                 <a:spcPct val="107000"/>
               </a:lnSpc>
+              <a:spcBef>
+                <a:spcPts val="0"/>
+              </a:spcBef>
               <a:spcAft>
                 <a:spcPts val="0"/>
               </a:spcAft>
+              <a:buClrTx/>
+              <a:buSzTx/>
+              <a:buFont typeface="Arial" panose="020B0604020202020204" pitchFamily="34" charset="0"/>
+              <a:buNone/>
               <a:tabLst>
                 <a:tab pos="581660" algn="l"/>
                 <a:tab pos="1163320" algn="l"/>
@@ -2558,71 +2739,160 @@
                 <a:tab pos="8724900" algn="l"/>
                 <a:tab pos="9306560" algn="l"/>
               </a:tabLst>
+              <a:defRPr/>
             </a:pPr>
             <a:r>
-              <a:rPr lang="en-US" dirty="0">
-                <a:solidFill>
-                  <a:srgbClr val="000000"/>
-                </a:solidFill>
-                <a:ea typeface="Times New Roman" panose="02020603050405020304" pitchFamily="18" charset="0"/>
-                <a:cs typeface="Times New Roman" panose="02020603050405020304" pitchFamily="18" charset="0"/>
-              </a:rPr>
-              <a:t>  </a:t>
-            </a:r>
-            <a:r>
-              <a:rPr lang="en-US" i="1" dirty="0">
-                <a:solidFill>
-                  <a:srgbClr val="CB6500"/>
-                </a:solidFill>
-                <a:ea typeface="Times New Roman" panose="02020603050405020304" pitchFamily="18" charset="0"/>
-                <a:cs typeface="Times New Roman" panose="02020603050405020304" pitchFamily="18" charset="0"/>
-              </a:rPr>
-              <a:t>mesh </a:t>
-            </a:r>
-            <a:r>
-              <a:rPr lang="en-US" dirty="0">
+              <a:rPr kumimoji="0" lang="en-US" sz="2400" b="0" i="0" u="none" strike="noStrike" kern="1200" cap="none" spc="0" normalizeH="0" baseline="0" noProof="0" dirty="0">
+                <a:ln>
+                  <a:noFill/>
+                </a:ln>
+                <a:solidFill>
+                  <a:srgbClr val="000000"/>
+                </a:solidFill>
+                <a:effectLst/>
+                <a:uLnTx/>
+                <a:uFillTx/>
+                <a:latin typeface="Consolas" panose="020B0609020204030204" pitchFamily="49" charset="0"/>
+                <a:ea typeface="Times New Roman" panose="02020603050405020304" pitchFamily="18" charset="0"/>
+                <a:cs typeface="Times New Roman" panose="02020603050405020304" pitchFamily="18" charset="0"/>
+              </a:rPr>
+              <a:t>   ) </a:t>
+            </a:r>
+            <a:r>
+              <a:rPr kumimoji="0" lang="en-US" sz="2400" b="0" i="0" u="none" strike="noStrike" kern="1200" cap="none" spc="0" normalizeH="0" baseline="0" noProof="0" dirty="0">
+                <a:ln>
+                  <a:noFill/>
+                </a:ln>
                 <a:solidFill>
                   <a:srgbClr val="C70040"/>
                 </a:solidFill>
+                <a:effectLst/>
+                <a:uLnTx/>
+                <a:uFillTx/>
+                <a:latin typeface="Consolas" panose="020B0609020204030204" pitchFamily="49" charset="0"/>
                 <a:ea typeface="Times New Roman" panose="02020603050405020304" pitchFamily="18" charset="0"/>
                 <a:cs typeface="Times New Roman" panose="02020603050405020304" pitchFamily="18" charset="0"/>
               </a:rPr>
               <a:t>: </a:t>
             </a:r>
             <a:r>
-              <a:rPr lang="hu-HU" dirty="0">
-                <a:solidFill>
-                  <a:srgbClr val="000000"/>
-                </a:solidFill>
+              <a:rPr kumimoji="0" lang="en-US" sz="2400" b="0" i="1" u="none" strike="noStrike" kern="1200" cap="none" spc="0" normalizeH="0" baseline="0" noProof="0" dirty="0" err="1">
+                <a:ln>
+                  <a:noFill/>
+                </a:ln>
+                <a:solidFill>
+                  <a:srgbClr val="427E00"/>
+                </a:solidFill>
+                <a:effectLst/>
+                <a:uLnTx/>
+                <a:uFillTx/>
+                <a:latin typeface="Consolas" panose="020B0609020204030204" pitchFamily="49" charset="0"/>
                 <a:ea typeface="Times New Roman" panose="02020603050405020304" pitchFamily="18" charset="0"/>
                 <a:cs typeface="Times New Roman" panose="02020603050405020304" pitchFamily="18" charset="0"/>
               </a:rPr>
               <a:t>UniformProvider</a:t>
             </a:r>
             <a:r>
-              <a:rPr lang="en-US" dirty="0">
-                <a:solidFill>
-                  <a:srgbClr val="000000"/>
-                </a:solidFill>
-                <a:ea typeface="Times New Roman" panose="02020603050405020304" pitchFamily="18" charset="0"/>
-                <a:cs typeface="Times New Roman" panose="02020603050405020304" pitchFamily="18" charset="0"/>
-              </a:rPr>
-              <a:t>,</a:t>
-            </a:r>
-            <a:endParaRPr lang="en-US" sz="2000" dirty="0">
-              <a:latin typeface="Calibri" panose="020F0502020204030204" pitchFamily="34" charset="0"/>
-              <a:ea typeface="Calibri" panose="020F0502020204030204" pitchFamily="34" charset="0"/>
-              <a:cs typeface="Times New Roman" panose="02020603050405020304" pitchFamily="18" charset="0"/>
-            </a:endParaRPr>
-          </a:p>
-          <a:p>
-            <a:pPr>
+              <a:rPr kumimoji="0" lang="en-US" sz="2400" b="0" i="0" u="none" strike="noStrike" kern="1200" cap="none" spc="0" normalizeH="0" baseline="0" noProof="0" dirty="0">
+                <a:ln>
+                  <a:noFill/>
+                </a:ln>
+                <a:solidFill>
+                  <a:srgbClr val="000000"/>
+                </a:solidFill>
+                <a:effectLst/>
+                <a:uLnTx/>
+                <a:uFillTx/>
+                <a:latin typeface="Consolas" panose="020B0609020204030204" pitchFamily="49" charset="0"/>
+                <a:ea typeface="Times New Roman" panose="02020603050405020304" pitchFamily="18" charset="0"/>
+                <a:cs typeface="Times New Roman" panose="02020603050405020304" pitchFamily="18" charset="0"/>
+              </a:rPr>
+              <a:t>(</a:t>
+            </a:r>
+            <a:r>
+              <a:rPr kumimoji="0" lang="en-US" sz="2400" b="0" i="0" u="none" strike="noStrike" kern="1200" cap="none" spc="0" normalizeH="0" baseline="0" noProof="0" dirty="0">
+                <a:ln>
+                  <a:noFill/>
+                </a:ln>
+                <a:solidFill>
+                  <a:srgbClr val="8F8634"/>
+                </a:solidFill>
+                <a:effectLst/>
+                <a:uLnTx/>
+                <a:uFillTx/>
+                <a:latin typeface="Consolas" panose="020B0609020204030204" pitchFamily="49" charset="0"/>
+                <a:ea typeface="Times New Roman" panose="02020603050405020304" pitchFamily="18" charset="0"/>
+                <a:cs typeface="Times New Roman" panose="02020603050405020304" pitchFamily="18" charset="0"/>
+              </a:rPr>
+              <a:t>"</a:t>
+            </a:r>
+            <a:r>
+              <a:rPr kumimoji="0" lang="en-US" sz="2400" b="0" i="0" u="none" strike="noStrike" kern="1200" cap="none" spc="0" normalizeH="0" baseline="0" noProof="0" dirty="0" err="1">
+                <a:ln>
+                  <a:noFill/>
+                </a:ln>
+                <a:solidFill>
+                  <a:srgbClr val="8F8634"/>
+                </a:solidFill>
+                <a:effectLst/>
+                <a:uLnTx/>
+                <a:uFillTx/>
+                <a:latin typeface="Consolas" panose="020B0609020204030204" pitchFamily="49" charset="0"/>
+                <a:ea typeface="Times New Roman" panose="02020603050405020304" pitchFamily="18" charset="0"/>
+                <a:cs typeface="Times New Roman" panose="02020603050405020304" pitchFamily="18" charset="0"/>
+              </a:rPr>
+              <a:t>gameObject</a:t>
+            </a:r>
+            <a:r>
+              <a:rPr kumimoji="0" lang="en-US" sz="2400" b="0" i="0" u="none" strike="noStrike" kern="1200" cap="none" spc="0" normalizeH="0" baseline="0" noProof="0" dirty="0">
+                <a:ln>
+                  <a:noFill/>
+                </a:ln>
+                <a:solidFill>
+                  <a:srgbClr val="8F8634"/>
+                </a:solidFill>
+                <a:effectLst/>
+                <a:uLnTx/>
+                <a:uFillTx/>
+                <a:latin typeface="Consolas" panose="020B0609020204030204" pitchFamily="49" charset="0"/>
+                <a:ea typeface="Times New Roman" panose="02020603050405020304" pitchFamily="18" charset="0"/>
+                <a:cs typeface="Times New Roman" panose="02020603050405020304" pitchFamily="18" charset="0"/>
+              </a:rPr>
+              <a:t>"</a:t>
+            </a:r>
+            <a:r>
+              <a:rPr kumimoji="0" lang="en-US" sz="2400" b="0" i="0" u="none" strike="noStrike" kern="1200" cap="none" spc="0" normalizeH="0" baseline="0" noProof="0" dirty="0">
+                <a:ln>
+                  <a:noFill/>
+                </a:ln>
+                <a:solidFill>
+                  <a:srgbClr val="000000"/>
+                </a:solidFill>
+                <a:effectLst/>
+                <a:uLnTx/>
+                <a:uFillTx/>
+                <a:latin typeface="Consolas" panose="020B0609020204030204" pitchFamily="49" charset="0"/>
+                <a:ea typeface="Times New Roman" panose="02020603050405020304" pitchFamily="18" charset="0"/>
+                <a:cs typeface="Times New Roman" panose="02020603050405020304" pitchFamily="18" charset="0"/>
+              </a:rPr>
+              <a:t>) {</a:t>
+            </a:r>
+          </a:p>
+          <a:p>
+            <a:pPr marL="0" marR="0" lvl="0" indent="0" algn="l" defTabSz="914400" rtl="0" eaLnBrk="1" fontAlgn="auto" latinLnBrk="0" hangingPunct="1">
               <a:lnSpc>
                 <a:spcPct val="107000"/>
               </a:lnSpc>
+              <a:spcBef>
+                <a:spcPts val="0"/>
+              </a:spcBef>
               <a:spcAft>
                 <a:spcPts val="0"/>
               </a:spcAft>
+              <a:buClrTx/>
+              <a:buSzTx/>
+              <a:buFont typeface="Arial" panose="020B0604020202020204" pitchFamily="34" charset="0"/>
+              <a:buNone/>
               <a:tabLst>
                 <a:tab pos="581660" algn="l"/>
                 <a:tab pos="1163320" algn="l"/>
@@ -2641,141 +2911,109 @@
                 <a:tab pos="8724900" algn="l"/>
                 <a:tab pos="9306560" algn="l"/>
               </a:tabLst>
+              <a:defRPr/>
             </a:pPr>
             <a:r>
-              <a:rPr lang="en-US" dirty="0">
-                <a:solidFill>
-                  <a:srgbClr val="000000"/>
-                </a:solidFill>
+              <a:rPr kumimoji="0" lang="sv-SE" sz="2400" b="0" i="0" u="none" strike="noStrike" kern="1200" cap="none" spc="0" normalizeH="0" baseline="0" noProof="0" dirty="0">
+                <a:ln>
+                  <a:noFill/>
+                </a:ln>
+                <a:solidFill>
+                  <a:srgbClr val="000000"/>
+                </a:solidFill>
+                <a:effectLst/>
+                <a:uLnTx/>
+                <a:uFillTx/>
+                <a:latin typeface="Consolas" panose="020B0609020204030204" pitchFamily="49" charset="0"/>
                 <a:ea typeface="Times New Roman" panose="02020603050405020304" pitchFamily="18" charset="0"/>
                 <a:cs typeface="Times New Roman" panose="02020603050405020304" pitchFamily="18" charset="0"/>
               </a:rPr>
               <a:t>  </a:t>
             </a:r>
             <a:r>
-              <a:rPr lang="en-US" dirty="0" err="1">
+              <a:rPr kumimoji="0" lang="sv-SE" sz="2400" b="0" i="0" u="none" strike="noStrike" kern="1200" cap="none" spc="0" normalizeH="0" baseline="0" noProof="0" dirty="0">
+                <a:ln>
+                  <a:noFill/>
+                </a:ln>
                 <a:solidFill>
                   <a:srgbClr val="C70040"/>
                 </a:solidFill>
+                <a:effectLst/>
+                <a:uLnTx/>
+                <a:uFillTx/>
+                <a:latin typeface="Consolas" panose="020B0609020204030204" pitchFamily="49" charset="0"/>
                 <a:ea typeface="Times New Roman" panose="02020603050405020304" pitchFamily="18" charset="0"/>
                 <a:cs typeface="Times New Roman" panose="02020603050405020304" pitchFamily="18" charset="0"/>
               </a:rPr>
               <a:t>val</a:t>
             </a:r>
             <a:r>
-              <a:rPr lang="en-US" dirty="0">
+              <a:rPr kumimoji="0" lang="sv-SE" sz="2400" b="0" i="0" u="none" strike="noStrike" kern="1200" cap="none" spc="0" normalizeH="0" baseline="0" noProof="0" dirty="0">
+                <a:ln>
+                  <a:noFill/>
+                </a:ln>
+                <a:solidFill>
+                  <a:srgbClr val="000000"/>
+                </a:solidFill>
+                <a:effectLst/>
+                <a:uLnTx/>
+                <a:uFillTx/>
+                <a:latin typeface="Consolas" panose="020B0609020204030204" pitchFamily="49" charset="0"/>
+                <a:ea typeface="Times New Roman" panose="02020603050405020304" pitchFamily="18" charset="0"/>
+                <a:cs typeface="Times New Roman" panose="02020603050405020304" pitchFamily="18" charset="0"/>
+              </a:rPr>
+              <a:t> position </a:t>
+            </a:r>
+            <a:r>
+              <a:rPr kumimoji="0" lang="sv-SE" sz="2400" b="0" i="0" u="none" strike="noStrike" kern="1200" cap="none" spc="0" normalizeH="0" baseline="0" noProof="0" dirty="0">
+                <a:ln>
+                  <a:noFill/>
+                </a:ln>
                 <a:solidFill>
                   <a:srgbClr val="C70040"/>
                 </a:solidFill>
-                <a:ea typeface="Times New Roman" panose="02020603050405020304" pitchFamily="18" charset="0"/>
-                <a:cs typeface="Times New Roman" panose="02020603050405020304" pitchFamily="18" charset="0"/>
-              </a:rPr>
-              <a:t> </a:t>
-            </a:r>
-            <a:r>
-              <a:rPr lang="en-US" i="1" dirty="0">
-                <a:solidFill>
-                  <a:srgbClr val="CB6500"/>
-                </a:solidFill>
-                <a:ea typeface="Times New Roman" panose="02020603050405020304" pitchFamily="18" charset="0"/>
-                <a:cs typeface="Times New Roman" panose="02020603050405020304" pitchFamily="18" charset="0"/>
-              </a:rPr>
-              <a:t>position </a:t>
-            </a:r>
-            <a:r>
-              <a:rPr lang="en-US" dirty="0">
-                <a:solidFill>
-                  <a:srgbClr val="C70040"/>
-                </a:solidFill>
-                <a:ea typeface="Times New Roman" panose="02020603050405020304" pitchFamily="18" charset="0"/>
-                <a:cs typeface="Times New Roman" panose="02020603050405020304" pitchFamily="18" charset="0"/>
-              </a:rPr>
-              <a:t>: </a:t>
-            </a:r>
-            <a:r>
-              <a:rPr lang="en-US" dirty="0">
-                <a:solidFill>
-                  <a:srgbClr val="000000"/>
-                </a:solidFill>
-                <a:ea typeface="Times New Roman" panose="02020603050405020304" pitchFamily="18" charset="0"/>
-                <a:cs typeface="Times New Roman" panose="02020603050405020304" pitchFamily="18" charset="0"/>
-              </a:rPr>
-              <a:t>Vec3 </a:t>
-            </a:r>
-            <a:r>
-              <a:rPr lang="en-US" dirty="0">
-                <a:solidFill>
-                  <a:srgbClr val="C70040"/>
-                </a:solidFill>
-                <a:ea typeface="Times New Roman" panose="02020603050405020304" pitchFamily="18" charset="0"/>
-                <a:cs typeface="Times New Roman" panose="02020603050405020304" pitchFamily="18" charset="0"/>
-              </a:rPr>
-              <a:t>= </a:t>
-            </a:r>
-            <a:r>
-              <a:rPr lang="en-US" dirty="0">
-                <a:solidFill>
-                  <a:srgbClr val="000000"/>
-                </a:solidFill>
-                <a:ea typeface="Times New Roman" panose="02020603050405020304" pitchFamily="18" charset="0"/>
-                <a:cs typeface="Times New Roman" panose="02020603050405020304" pitchFamily="18" charset="0"/>
-              </a:rPr>
-              <a:t>Vec3</a:t>
-            </a:r>
-            <a:r>
-              <a:rPr lang="en-US" dirty="0">
-                <a:solidFill>
-                  <a:srgbClr val="C70040"/>
-                </a:solidFill>
-                <a:ea typeface="Times New Roman" panose="02020603050405020304" pitchFamily="18" charset="0"/>
-                <a:cs typeface="Times New Roman" panose="02020603050405020304" pitchFamily="18" charset="0"/>
-              </a:rPr>
-              <a:t>.</a:t>
-            </a:r>
-            <a:r>
-              <a:rPr lang="en-US" dirty="0">
-                <a:solidFill>
-                  <a:srgbClr val="000000"/>
-                </a:solidFill>
-                <a:ea typeface="Times New Roman" panose="02020603050405020304" pitchFamily="18" charset="0"/>
-                <a:cs typeface="Times New Roman" panose="02020603050405020304" pitchFamily="18" charset="0"/>
-              </a:rPr>
-              <a:t>zeros</a:t>
-            </a:r>
-            <a:r>
-              <a:rPr lang="en-US" dirty="0">
-                <a:solidFill>
-                  <a:srgbClr val="C70040"/>
-                </a:solidFill>
-                <a:ea typeface="Times New Roman" panose="02020603050405020304" pitchFamily="18" charset="0"/>
-                <a:cs typeface="Times New Roman" panose="02020603050405020304" pitchFamily="18" charset="0"/>
-              </a:rPr>
-              <a:t>.</a:t>
-            </a:r>
-            <a:r>
-              <a:rPr lang="en-US" dirty="0">
-                <a:solidFill>
-                  <a:srgbClr val="000000"/>
-                </a:solidFill>
-                <a:ea typeface="Times New Roman" panose="02020603050405020304" pitchFamily="18" charset="0"/>
-                <a:cs typeface="Times New Roman" panose="02020603050405020304" pitchFamily="18" charset="0"/>
-              </a:rPr>
-              <a:t>clone(),</a:t>
-            </a:r>
-            <a:endParaRPr lang="en-US" sz="2000" dirty="0">
-              <a:latin typeface="Calibri" panose="020F0502020204030204" pitchFamily="34" charset="0"/>
-              <a:ea typeface="Calibri" panose="020F0502020204030204" pitchFamily="34" charset="0"/>
-              <a:cs typeface="Times New Roman" panose="02020603050405020304" pitchFamily="18" charset="0"/>
-            </a:endParaRPr>
-          </a:p>
-          <a:p>
-            <a:pPr>
+                <a:effectLst/>
+                <a:uLnTx/>
+                <a:uFillTx/>
+                <a:latin typeface="Consolas" panose="020B0609020204030204" pitchFamily="49" charset="0"/>
+                <a:ea typeface="Times New Roman" panose="02020603050405020304" pitchFamily="18" charset="0"/>
+                <a:cs typeface="Times New Roman" panose="02020603050405020304" pitchFamily="18" charset="0"/>
+              </a:rPr>
+              <a:t>=</a:t>
+            </a:r>
+            <a:r>
+              <a:rPr kumimoji="0" lang="sv-SE" sz="2400" b="0" i="0" u="none" strike="noStrike" kern="1200" cap="none" spc="0" normalizeH="0" baseline="0" noProof="0" dirty="0">
+                <a:ln>
+                  <a:noFill/>
+                </a:ln>
+                <a:solidFill>
+                  <a:srgbClr val="000000"/>
+                </a:solidFill>
+                <a:effectLst/>
+                <a:uLnTx/>
+                <a:uFillTx/>
+                <a:latin typeface="Consolas" panose="020B0609020204030204" pitchFamily="49" charset="0"/>
+                <a:ea typeface="Times New Roman" panose="02020603050405020304" pitchFamily="18" charset="0"/>
+                <a:cs typeface="Times New Roman" panose="02020603050405020304" pitchFamily="18" charset="0"/>
+              </a:rPr>
+              <a:t> Vec3()</a:t>
+            </a:r>
+          </a:p>
+          <a:p>
+            <a:pPr marL="0" marR="0" lvl="0" indent="0" algn="l" defTabSz="914400" rtl="0" eaLnBrk="1" fontAlgn="auto" latinLnBrk="0" hangingPunct="1">
               <a:lnSpc>
                 <a:spcPct val="107000"/>
               </a:lnSpc>
+              <a:spcBef>
+                <a:spcPts val="0"/>
+              </a:spcBef>
               <a:spcAft>
                 <a:spcPts val="0"/>
               </a:spcAft>
+              <a:buClrTx/>
+              <a:buSzTx/>
+              <a:buFont typeface="Arial" panose="020B0604020202020204" pitchFamily="34" charset="0"/>
+              <a:buNone/>
               <a:tabLst>
                 <a:tab pos="581660" algn="l"/>
                 <a:tab pos="1163320" algn="l"/>
@@ -2794,111 +3032,109 @@
                 <a:tab pos="8724900" algn="l"/>
                 <a:tab pos="9306560" algn="l"/>
               </a:tabLst>
+              <a:defRPr/>
             </a:pPr>
             <a:r>
-              <a:rPr lang="en-US" dirty="0">
-                <a:solidFill>
-                  <a:srgbClr val="000000"/>
-                </a:solidFill>
+              <a:rPr kumimoji="0" lang="sv-SE" sz="2400" b="0" i="0" u="none" strike="noStrike" kern="1200" cap="none" spc="0" normalizeH="0" baseline="0" noProof="0" dirty="0">
+                <a:ln>
+                  <a:noFill/>
+                </a:ln>
+                <a:solidFill>
+                  <a:srgbClr val="000000"/>
+                </a:solidFill>
+                <a:effectLst/>
+                <a:uLnTx/>
+                <a:uFillTx/>
+                <a:latin typeface="Consolas" panose="020B0609020204030204" pitchFamily="49" charset="0"/>
                 <a:ea typeface="Times New Roman" panose="02020603050405020304" pitchFamily="18" charset="0"/>
                 <a:cs typeface="Times New Roman" panose="02020603050405020304" pitchFamily="18" charset="0"/>
               </a:rPr>
               <a:t>  </a:t>
             </a:r>
             <a:r>
-              <a:rPr lang="en-US" dirty="0" err="1">
+              <a:rPr kumimoji="0" lang="sv-SE" sz="2400" b="0" i="0" u="none" strike="noStrike" kern="1200" cap="none" spc="0" normalizeH="0" baseline="0" noProof="0" dirty="0">
+                <a:ln>
+                  <a:noFill/>
+                </a:ln>
                 <a:solidFill>
                   <a:srgbClr val="C70040"/>
                 </a:solidFill>
+                <a:effectLst/>
+                <a:uLnTx/>
+                <a:uFillTx/>
+                <a:latin typeface="Consolas" panose="020B0609020204030204" pitchFamily="49" charset="0"/>
                 <a:ea typeface="Times New Roman" panose="02020603050405020304" pitchFamily="18" charset="0"/>
                 <a:cs typeface="Times New Roman" panose="02020603050405020304" pitchFamily="18" charset="0"/>
               </a:rPr>
               <a:t>var</a:t>
             </a:r>
             <a:r>
-              <a:rPr lang="en-US" dirty="0">
+              <a:rPr kumimoji="0" lang="sv-SE" sz="2400" b="0" i="0" u="none" strike="noStrike" kern="1200" cap="none" spc="0" normalizeH="0" baseline="0" noProof="0" dirty="0">
+                <a:ln>
+                  <a:noFill/>
+                </a:ln>
+                <a:solidFill>
+                  <a:srgbClr val="000000"/>
+                </a:solidFill>
+                <a:effectLst/>
+                <a:uLnTx/>
+                <a:uFillTx/>
+                <a:latin typeface="Consolas" panose="020B0609020204030204" pitchFamily="49" charset="0"/>
+                <a:ea typeface="Times New Roman" panose="02020603050405020304" pitchFamily="18" charset="0"/>
+                <a:cs typeface="Times New Roman" panose="02020603050405020304" pitchFamily="18" charset="0"/>
+              </a:rPr>
+              <a:t> roll </a:t>
+            </a:r>
+            <a:r>
+              <a:rPr kumimoji="0" lang="sv-SE" sz="2400" b="0" i="0" u="none" strike="noStrike" kern="1200" cap="none" spc="0" normalizeH="0" baseline="0" noProof="0" dirty="0">
+                <a:ln>
+                  <a:noFill/>
+                </a:ln>
                 <a:solidFill>
                   <a:srgbClr val="C70040"/>
                 </a:solidFill>
-                <a:ea typeface="Times New Roman" panose="02020603050405020304" pitchFamily="18" charset="0"/>
-                <a:cs typeface="Times New Roman" panose="02020603050405020304" pitchFamily="18" charset="0"/>
-              </a:rPr>
-              <a:t> </a:t>
-            </a:r>
-            <a:r>
-              <a:rPr lang="en-US" i="1" dirty="0">
-                <a:solidFill>
-                  <a:srgbClr val="CB6500"/>
-                </a:solidFill>
-                <a:ea typeface="Times New Roman" panose="02020603050405020304" pitchFamily="18" charset="0"/>
-                <a:cs typeface="Times New Roman" panose="02020603050405020304" pitchFamily="18" charset="0"/>
-              </a:rPr>
-              <a:t>roll </a:t>
-            </a:r>
-            <a:r>
-              <a:rPr lang="en-US" dirty="0">
-                <a:solidFill>
-                  <a:srgbClr val="C70040"/>
-                </a:solidFill>
-                <a:ea typeface="Times New Roman" panose="02020603050405020304" pitchFamily="18" charset="0"/>
-                <a:cs typeface="Times New Roman" panose="02020603050405020304" pitchFamily="18" charset="0"/>
-              </a:rPr>
-              <a:t>: </a:t>
-            </a:r>
-            <a:r>
-              <a:rPr lang="en-US" i="1" dirty="0">
-                <a:solidFill>
-                  <a:srgbClr val="34A7BD"/>
-                </a:solidFill>
-                <a:ea typeface="Times New Roman" panose="02020603050405020304" pitchFamily="18" charset="0"/>
-                <a:cs typeface="Times New Roman" panose="02020603050405020304" pitchFamily="18" charset="0"/>
-              </a:rPr>
-              <a:t>Float </a:t>
-            </a:r>
-            <a:r>
-              <a:rPr lang="en-US" dirty="0">
-                <a:solidFill>
-                  <a:srgbClr val="C70040"/>
-                </a:solidFill>
-                <a:ea typeface="Times New Roman" panose="02020603050405020304" pitchFamily="18" charset="0"/>
-                <a:cs typeface="Times New Roman" panose="02020603050405020304" pitchFamily="18" charset="0"/>
-              </a:rPr>
-              <a:t>= </a:t>
-            </a:r>
-            <a:r>
-              <a:rPr lang="en-US" dirty="0">
-                <a:solidFill>
-                  <a:srgbClr val="7C4FCD"/>
-                </a:solidFill>
-                <a:ea typeface="Times New Roman" panose="02020603050405020304" pitchFamily="18" charset="0"/>
-                <a:cs typeface="Times New Roman" panose="02020603050405020304" pitchFamily="18" charset="0"/>
-              </a:rPr>
-              <a:t>0.0f</a:t>
-            </a:r>
-            <a:r>
-              <a:rPr lang="en-US" dirty="0">
-                <a:solidFill>
-                  <a:srgbClr val="000000"/>
-                </a:solidFill>
-                <a:ea typeface="Times New Roman" panose="02020603050405020304" pitchFamily="18" charset="0"/>
-                <a:cs typeface="Times New Roman" panose="02020603050405020304" pitchFamily="18" charset="0"/>
-              </a:rPr>
-              <a:t>,</a:t>
-            </a:r>
-            <a:endParaRPr lang="en-US" sz="2000" dirty="0">
-              <a:latin typeface="Calibri" panose="020F0502020204030204" pitchFamily="34" charset="0"/>
-              <a:ea typeface="Calibri" panose="020F0502020204030204" pitchFamily="34" charset="0"/>
-              <a:cs typeface="Times New Roman" panose="02020603050405020304" pitchFamily="18" charset="0"/>
-            </a:endParaRPr>
-          </a:p>
-          <a:p>
-            <a:pPr>
+                <a:effectLst/>
+                <a:uLnTx/>
+                <a:uFillTx/>
+                <a:latin typeface="Consolas" panose="020B0609020204030204" pitchFamily="49" charset="0"/>
+                <a:ea typeface="Times New Roman" panose="02020603050405020304" pitchFamily="18" charset="0"/>
+                <a:cs typeface="Times New Roman" panose="02020603050405020304" pitchFamily="18" charset="0"/>
+              </a:rPr>
+              <a:t>=</a:t>
+            </a:r>
+            <a:r>
+              <a:rPr kumimoji="0" lang="sv-SE" sz="2400" b="0" i="0" u="none" strike="noStrike" kern="1200" cap="none" spc="0" normalizeH="0" baseline="0" noProof="0" dirty="0">
+                <a:ln>
+                  <a:noFill/>
+                </a:ln>
+                <a:solidFill>
+                  <a:srgbClr val="000000"/>
+                </a:solidFill>
+                <a:effectLst/>
+                <a:uLnTx/>
+                <a:uFillTx/>
+                <a:latin typeface="Consolas" panose="020B0609020204030204" pitchFamily="49" charset="0"/>
+                <a:ea typeface="Times New Roman" panose="02020603050405020304" pitchFamily="18" charset="0"/>
+                <a:cs typeface="Times New Roman" panose="02020603050405020304" pitchFamily="18" charset="0"/>
+              </a:rPr>
+              <a:t> 0.0f</a:t>
+            </a:r>
+          </a:p>
+          <a:p>
+            <a:pPr marL="0" marR="0" lvl="0" indent="0" algn="l" defTabSz="914400" rtl="0" eaLnBrk="1" fontAlgn="auto" latinLnBrk="0" hangingPunct="1">
               <a:lnSpc>
                 <a:spcPct val="107000"/>
               </a:lnSpc>
+              <a:spcBef>
+                <a:spcPts val="0"/>
+              </a:spcBef>
               <a:spcAft>
                 <a:spcPts val="0"/>
               </a:spcAft>
+              <a:buClrTx/>
+              <a:buSzTx/>
+              <a:buFont typeface="Arial" panose="020B0604020202020204" pitchFamily="34" charset="0"/>
+              <a:buNone/>
               <a:tabLst>
                 <a:tab pos="581660" algn="l"/>
                 <a:tab pos="1163320" algn="l"/>
@@ -2917,141 +3153,123 @@
                 <a:tab pos="8724900" algn="l"/>
                 <a:tab pos="9306560" algn="l"/>
               </a:tabLst>
+              <a:defRPr/>
             </a:pPr>
             <a:r>
-              <a:rPr lang="en-US" dirty="0">
-                <a:solidFill>
-                  <a:srgbClr val="000000"/>
-                </a:solidFill>
+              <a:rPr kumimoji="0" lang="sv-SE" sz="2400" b="0" i="0" u="none" strike="noStrike" kern="1200" cap="none" spc="0" normalizeH="0" baseline="0" noProof="0" dirty="0">
+                <a:ln>
+                  <a:noFill/>
+                </a:ln>
+                <a:solidFill>
+                  <a:srgbClr val="000000"/>
+                </a:solidFill>
+                <a:effectLst/>
+                <a:uLnTx/>
+                <a:uFillTx/>
+                <a:latin typeface="Consolas" panose="020B0609020204030204" pitchFamily="49" charset="0"/>
                 <a:ea typeface="Times New Roman" panose="02020603050405020304" pitchFamily="18" charset="0"/>
                 <a:cs typeface="Times New Roman" panose="02020603050405020304" pitchFamily="18" charset="0"/>
               </a:rPr>
               <a:t>  </a:t>
             </a:r>
             <a:r>
-              <a:rPr lang="en-US" dirty="0" err="1">
+              <a:rPr kumimoji="0" lang="sv-SE" sz="2400" b="0" i="0" u="none" strike="noStrike" kern="1200" cap="none" spc="0" normalizeH="0" baseline="0" noProof="0" dirty="0">
+                <a:ln>
+                  <a:noFill/>
+                </a:ln>
                 <a:solidFill>
                   <a:srgbClr val="C70040"/>
                 </a:solidFill>
+                <a:effectLst/>
+                <a:uLnTx/>
+                <a:uFillTx/>
+                <a:latin typeface="Consolas" panose="020B0609020204030204" pitchFamily="49" charset="0"/>
                 <a:ea typeface="Times New Roman" panose="02020603050405020304" pitchFamily="18" charset="0"/>
                 <a:cs typeface="Times New Roman" panose="02020603050405020304" pitchFamily="18" charset="0"/>
               </a:rPr>
               <a:t>val</a:t>
             </a:r>
             <a:r>
-              <a:rPr lang="en-US" dirty="0">
+              <a:rPr kumimoji="0" lang="sv-SE" sz="2400" b="0" i="0" u="none" strike="noStrike" kern="1200" cap="none" spc="0" normalizeH="0" baseline="0" noProof="0" dirty="0">
+                <a:ln>
+                  <a:noFill/>
+                </a:ln>
+                <a:solidFill>
+                  <a:srgbClr val="000000"/>
+                </a:solidFill>
+                <a:effectLst/>
+                <a:uLnTx/>
+                <a:uFillTx/>
+                <a:latin typeface="Consolas" panose="020B0609020204030204" pitchFamily="49" charset="0"/>
+                <a:ea typeface="Times New Roman" panose="02020603050405020304" pitchFamily="18" charset="0"/>
+                <a:cs typeface="Times New Roman" panose="02020603050405020304" pitchFamily="18" charset="0"/>
+              </a:rPr>
+              <a:t> scale </a:t>
+            </a:r>
+            <a:r>
+              <a:rPr kumimoji="0" lang="sv-SE" sz="2400" b="0" i="0" u="none" strike="noStrike" kern="1200" cap="none" spc="0" normalizeH="0" baseline="0" noProof="0" dirty="0">
+                <a:ln>
+                  <a:noFill/>
+                </a:ln>
                 <a:solidFill>
                   <a:srgbClr val="C70040"/>
                 </a:solidFill>
-                <a:ea typeface="Times New Roman" panose="02020603050405020304" pitchFamily="18" charset="0"/>
-                <a:cs typeface="Times New Roman" panose="02020603050405020304" pitchFamily="18" charset="0"/>
-              </a:rPr>
-              <a:t> </a:t>
-            </a:r>
-            <a:r>
-              <a:rPr lang="en-US" i="1" dirty="0">
-                <a:solidFill>
-                  <a:srgbClr val="CB6500"/>
-                </a:solidFill>
-                <a:ea typeface="Times New Roman" panose="02020603050405020304" pitchFamily="18" charset="0"/>
-                <a:cs typeface="Times New Roman" panose="02020603050405020304" pitchFamily="18" charset="0"/>
-              </a:rPr>
-              <a:t>scale </a:t>
-            </a:r>
-            <a:r>
-              <a:rPr lang="en-US" dirty="0">
-                <a:solidFill>
-                  <a:srgbClr val="C70040"/>
-                </a:solidFill>
-                <a:ea typeface="Times New Roman" panose="02020603050405020304" pitchFamily="18" charset="0"/>
-                <a:cs typeface="Times New Roman" panose="02020603050405020304" pitchFamily="18" charset="0"/>
-              </a:rPr>
-              <a:t>: </a:t>
-            </a:r>
-            <a:r>
-              <a:rPr lang="en-US" dirty="0">
-                <a:solidFill>
-                  <a:srgbClr val="000000"/>
-                </a:solidFill>
-                <a:ea typeface="Times New Roman" panose="02020603050405020304" pitchFamily="18" charset="0"/>
-                <a:cs typeface="Times New Roman" panose="02020603050405020304" pitchFamily="18" charset="0"/>
-              </a:rPr>
-              <a:t>Vec3 </a:t>
-            </a:r>
-            <a:r>
-              <a:rPr lang="en-US" dirty="0">
-                <a:solidFill>
-                  <a:srgbClr val="C70040"/>
-                </a:solidFill>
-                <a:ea typeface="Times New Roman" panose="02020603050405020304" pitchFamily="18" charset="0"/>
-                <a:cs typeface="Times New Roman" panose="02020603050405020304" pitchFamily="18" charset="0"/>
-              </a:rPr>
-              <a:t>= </a:t>
-            </a:r>
-            <a:r>
-              <a:rPr lang="en-US" dirty="0">
-                <a:solidFill>
-                  <a:srgbClr val="000000"/>
-                </a:solidFill>
-                <a:ea typeface="Times New Roman" panose="02020603050405020304" pitchFamily="18" charset="0"/>
-                <a:cs typeface="Times New Roman" panose="02020603050405020304" pitchFamily="18" charset="0"/>
-              </a:rPr>
-              <a:t>Vec3</a:t>
-            </a:r>
-            <a:r>
-              <a:rPr lang="en-US" dirty="0">
-                <a:solidFill>
-                  <a:srgbClr val="C70040"/>
-                </a:solidFill>
-                <a:ea typeface="Times New Roman" panose="02020603050405020304" pitchFamily="18" charset="0"/>
-                <a:cs typeface="Times New Roman" panose="02020603050405020304" pitchFamily="18" charset="0"/>
-              </a:rPr>
-              <a:t>.</a:t>
-            </a:r>
-            <a:r>
-              <a:rPr lang="en-US" dirty="0">
-                <a:solidFill>
-                  <a:srgbClr val="000000"/>
-                </a:solidFill>
-                <a:ea typeface="Times New Roman" panose="02020603050405020304" pitchFamily="18" charset="0"/>
-                <a:cs typeface="Times New Roman" panose="02020603050405020304" pitchFamily="18" charset="0"/>
-              </a:rPr>
-              <a:t>ones</a:t>
-            </a:r>
-            <a:r>
-              <a:rPr lang="en-US" dirty="0">
-                <a:solidFill>
-                  <a:srgbClr val="C70040"/>
-                </a:solidFill>
-                <a:ea typeface="Times New Roman" panose="02020603050405020304" pitchFamily="18" charset="0"/>
-                <a:cs typeface="Times New Roman" panose="02020603050405020304" pitchFamily="18" charset="0"/>
-              </a:rPr>
-              <a:t>.</a:t>
-            </a:r>
-            <a:r>
-              <a:rPr lang="en-US" dirty="0">
-                <a:solidFill>
-                  <a:srgbClr val="000000"/>
-                </a:solidFill>
-                <a:ea typeface="Times New Roman" panose="02020603050405020304" pitchFamily="18" charset="0"/>
-                <a:cs typeface="Times New Roman" panose="02020603050405020304" pitchFamily="18" charset="0"/>
-              </a:rPr>
-              <a:t>clone()</a:t>
-            </a:r>
-            <a:endParaRPr lang="en-US" sz="2000" dirty="0">
-              <a:latin typeface="Calibri" panose="020F0502020204030204" pitchFamily="34" charset="0"/>
-              <a:ea typeface="Calibri" panose="020F0502020204030204" pitchFamily="34" charset="0"/>
+                <a:effectLst/>
+                <a:uLnTx/>
+                <a:uFillTx/>
+                <a:latin typeface="Consolas" panose="020B0609020204030204" pitchFamily="49" charset="0"/>
+                <a:ea typeface="Times New Roman" panose="02020603050405020304" pitchFamily="18" charset="0"/>
+                <a:cs typeface="Times New Roman" panose="02020603050405020304" pitchFamily="18" charset="0"/>
+              </a:rPr>
+              <a:t>=</a:t>
+            </a:r>
+            <a:r>
+              <a:rPr kumimoji="0" lang="sv-SE" sz="2400" b="0" i="0" u="none" strike="noStrike" kern="1200" cap="none" spc="0" normalizeH="0" baseline="0" noProof="0" dirty="0">
+                <a:ln>
+                  <a:noFill/>
+                </a:ln>
+                <a:solidFill>
+                  <a:srgbClr val="000000"/>
+                </a:solidFill>
+                <a:effectLst/>
+                <a:uLnTx/>
+                <a:uFillTx/>
+                <a:latin typeface="Consolas" panose="020B0609020204030204" pitchFamily="49" charset="0"/>
+                <a:ea typeface="Times New Roman" panose="02020603050405020304" pitchFamily="18" charset="0"/>
+                <a:cs typeface="Times New Roman" panose="02020603050405020304" pitchFamily="18" charset="0"/>
+              </a:rPr>
+              <a:t> Vec3(1.0f, 1.0f, 1.0f)</a:t>
+            </a:r>
+            <a:endParaRPr kumimoji="0" lang="en-US" sz="2400" b="0" i="0" u="none" strike="noStrike" kern="1200" cap="none" spc="0" normalizeH="0" baseline="0" noProof="0" dirty="0">
+              <a:ln>
+                <a:noFill/>
+              </a:ln>
+              <a:solidFill>
+                <a:srgbClr val="000000"/>
+              </a:solidFill>
+              <a:effectLst/>
+              <a:uLnTx/>
+              <a:uFillTx/>
+              <a:latin typeface="Consolas" panose="020B0609020204030204" pitchFamily="49" charset="0"/>
+              <a:ea typeface="Times New Roman" panose="02020603050405020304" pitchFamily="18" charset="0"/>
               <a:cs typeface="Times New Roman" panose="02020603050405020304" pitchFamily="18" charset="0"/>
             </a:endParaRPr>
           </a:p>
           <a:p>
-            <a:pPr>
+            <a:pPr marL="0" marR="0" lvl="0" indent="0" algn="l" defTabSz="914400" rtl="0" eaLnBrk="1" fontAlgn="auto" latinLnBrk="0" hangingPunct="1">
               <a:lnSpc>
                 <a:spcPct val="107000"/>
               </a:lnSpc>
+              <a:spcBef>
+                <a:spcPts val="0"/>
+              </a:spcBef>
               <a:spcAft>
                 <a:spcPts val="0"/>
               </a:spcAft>
+              <a:buClrTx/>
+              <a:buSzTx/>
+              <a:buFont typeface="Arial" panose="020B0604020202020204" pitchFamily="34" charset="0"/>
+              <a:buNone/>
               <a:tabLst>
                 <a:tab pos="581660" algn="l"/>
                 <a:tab pos="1163320" algn="l"/>
@@ -3070,101 +3288,89 @@
                 <a:tab pos="8724900" algn="l"/>
                 <a:tab pos="9306560" algn="l"/>
               </a:tabLst>
+              <a:defRPr/>
             </a:pPr>
             <a:r>
-              <a:rPr lang="en-US" dirty="0">
-                <a:solidFill>
-                  <a:srgbClr val="000000"/>
-                </a:solidFill>
-                <a:ea typeface="Times New Roman" panose="02020603050405020304" pitchFamily="18" charset="0"/>
-                <a:cs typeface="Times New Roman" panose="02020603050405020304" pitchFamily="18" charset="0"/>
-              </a:rPr>
-              <a:t>   ) </a:t>
-            </a:r>
-            <a:r>
-              <a:rPr lang="en-US" dirty="0">
-                <a:solidFill>
-                  <a:srgbClr val="C70040"/>
-                </a:solidFill>
-                <a:ea typeface="Times New Roman" panose="02020603050405020304" pitchFamily="18" charset="0"/>
-                <a:cs typeface="Times New Roman" panose="02020603050405020304" pitchFamily="18" charset="0"/>
-              </a:rPr>
-              <a:t>: </a:t>
-            </a:r>
-            <a:r>
-              <a:rPr lang="en-US" i="1" dirty="0" err="1">
-                <a:solidFill>
-                  <a:srgbClr val="427E00"/>
-                </a:solidFill>
-                <a:ea typeface="Times New Roman" panose="02020603050405020304" pitchFamily="18" charset="0"/>
-                <a:cs typeface="Times New Roman" panose="02020603050405020304" pitchFamily="18" charset="0"/>
-              </a:rPr>
-              <a:t>UniformProvider</a:t>
-            </a:r>
-            <a:r>
-              <a:rPr lang="en-US" dirty="0">
-                <a:solidFill>
-                  <a:srgbClr val="000000"/>
-                </a:solidFill>
-                <a:ea typeface="Times New Roman" panose="02020603050405020304" pitchFamily="18" charset="0"/>
-                <a:cs typeface="Times New Roman" panose="02020603050405020304" pitchFamily="18" charset="0"/>
-              </a:rPr>
-              <a:t>(</a:t>
-            </a:r>
-            <a:r>
-              <a:rPr lang="en-US" dirty="0">
-                <a:solidFill>
-                  <a:srgbClr val="8F8634"/>
-                </a:solidFill>
-                <a:ea typeface="Times New Roman" panose="02020603050405020304" pitchFamily="18" charset="0"/>
-                <a:cs typeface="Times New Roman" panose="02020603050405020304" pitchFamily="18" charset="0"/>
-              </a:rPr>
-              <a:t>"</a:t>
-            </a:r>
-            <a:r>
-              <a:rPr lang="en-US" dirty="0" err="1">
-                <a:solidFill>
-                  <a:srgbClr val="8F8634"/>
-                </a:solidFill>
-                <a:ea typeface="Times New Roman" panose="02020603050405020304" pitchFamily="18" charset="0"/>
-                <a:cs typeface="Times New Roman" panose="02020603050405020304" pitchFamily="18" charset="0"/>
-              </a:rPr>
-              <a:t>gameObject</a:t>
-            </a:r>
-            <a:r>
-              <a:rPr lang="en-US" dirty="0">
-                <a:solidFill>
-                  <a:srgbClr val="8F8634"/>
-                </a:solidFill>
-                <a:ea typeface="Times New Roman" panose="02020603050405020304" pitchFamily="18" charset="0"/>
-                <a:cs typeface="Times New Roman" panose="02020603050405020304" pitchFamily="18" charset="0"/>
-              </a:rPr>
-              <a:t>"</a:t>
-            </a:r>
-            <a:r>
-              <a:rPr lang="en-US" dirty="0">
-                <a:solidFill>
-                  <a:srgbClr val="000000"/>
-                </a:solidFill>
-                <a:ea typeface="Times New Roman" panose="02020603050405020304" pitchFamily="18" charset="0"/>
-                <a:cs typeface="Times New Roman" panose="02020603050405020304" pitchFamily="18" charset="0"/>
-              </a:rPr>
-              <a:t>) {</a:t>
-            </a:r>
-            <a:endParaRPr lang="en-US" sz="2000" dirty="0">
+              <a:rPr kumimoji="0" lang="en-US" sz="2400" b="0" i="0" u="none" strike="noStrike" kern="1200" cap="none" spc="0" normalizeH="0" baseline="0" noProof="0" dirty="0">
+                <a:ln>
+                  <a:noFill/>
+                </a:ln>
+                <a:solidFill>
+                  <a:srgbClr val="000000"/>
+                </a:solidFill>
+                <a:effectLst/>
+                <a:uLnTx/>
+                <a:uFillTx/>
+                <a:latin typeface="Consolas" panose="020B0609020204030204" pitchFamily="49" charset="0"/>
+                <a:ea typeface="Times New Roman" panose="02020603050405020304" pitchFamily="18" charset="0"/>
+                <a:cs typeface="Times New Roman" panose="02020603050405020304" pitchFamily="18" charset="0"/>
+              </a:rPr>
+              <a:t>  </a:t>
+            </a:r>
+            <a:r>
+              <a:rPr kumimoji="0" lang="en-US" sz="2400" b="0" i="0" u="none" strike="noStrike" kern="1200" cap="none" spc="0" normalizeH="0" baseline="0" noProof="0" dirty="0" err="1">
+                <a:ln>
+                  <a:noFill/>
+                </a:ln>
+                <a:solidFill>
+                  <a:srgbClr val="000000"/>
+                </a:solidFill>
+                <a:effectLst/>
+                <a:uLnTx/>
+                <a:uFillTx/>
+                <a:latin typeface="Consolas" panose="020B0609020204030204" pitchFamily="49" charset="0"/>
+                <a:ea typeface="Times New Roman" panose="02020603050405020304" pitchFamily="18" charset="0"/>
+                <a:cs typeface="Times New Roman" panose="02020603050405020304" pitchFamily="18" charset="0"/>
+              </a:rPr>
+              <a:t>init</a:t>
+            </a:r>
+            <a:r>
+              <a:rPr kumimoji="0" lang="en-US" sz="2400" b="0" i="0" u="none" strike="noStrike" kern="1200" cap="none" spc="0" normalizeH="0" baseline="0" noProof="0" dirty="0">
+                <a:ln>
+                  <a:noFill/>
+                </a:ln>
+                <a:solidFill>
+                  <a:srgbClr val="000000"/>
+                </a:solidFill>
+                <a:effectLst/>
+                <a:uLnTx/>
+                <a:uFillTx/>
+                <a:latin typeface="Consolas" panose="020B0609020204030204" pitchFamily="49" charset="0"/>
+                <a:ea typeface="Times New Roman" panose="02020603050405020304" pitchFamily="18" charset="0"/>
+                <a:cs typeface="Times New Roman" panose="02020603050405020304" pitchFamily="18" charset="0"/>
+              </a:rPr>
+              <a:t> { </a:t>
+            </a:r>
+            <a:endParaRPr kumimoji="0" lang="en-US" sz="2000" b="0" i="0" u="none" strike="noStrike" kern="1200" cap="none" spc="0" normalizeH="0" baseline="0" noProof="0" dirty="0">
+              <a:ln>
+                <a:noFill/>
+              </a:ln>
+              <a:solidFill>
+                <a:prstClr val="black"/>
+              </a:solidFill>
+              <a:effectLst/>
+              <a:uLnTx/>
+              <a:uFillTx/>
               <a:latin typeface="Calibri" panose="020F0502020204030204" pitchFamily="34" charset="0"/>
               <a:ea typeface="Calibri" panose="020F0502020204030204" pitchFamily="34" charset="0"/>
               <a:cs typeface="Times New Roman" panose="02020603050405020304" pitchFamily="18" charset="0"/>
             </a:endParaRPr>
           </a:p>
           <a:p>
-            <a:pPr>
+            <a:pPr marL="0" marR="0" lvl="0" indent="0" algn="l" defTabSz="914400" rtl="0" eaLnBrk="1" fontAlgn="auto" latinLnBrk="0" hangingPunct="1">
               <a:lnSpc>
                 <a:spcPct val="107000"/>
               </a:lnSpc>
+              <a:spcBef>
+                <a:spcPts val="0"/>
+              </a:spcBef>
               <a:spcAft>
                 <a:spcPts val="0"/>
               </a:spcAft>
+              <a:buClrTx/>
+              <a:buSzTx/>
+              <a:buFont typeface="Arial" panose="020B0604020202020204" pitchFamily="34" charset="0"/>
+              <a:buNone/>
               <a:tabLst>
                 <a:tab pos="581660" algn="l"/>
                 <a:tab pos="1163320" algn="l"/>
@@ -3183,51 +3389,157 @@
                 <a:tab pos="8724900" algn="l"/>
                 <a:tab pos="9306560" algn="l"/>
               </a:tabLst>
+              <a:defRPr/>
             </a:pPr>
             <a:r>
-              <a:rPr lang="en-US" dirty="0">
-                <a:solidFill>
-                  <a:srgbClr val="000000"/>
-                </a:solidFill>
-                <a:ea typeface="Times New Roman" panose="02020603050405020304" pitchFamily="18" charset="0"/>
-                <a:cs typeface="Times New Roman" panose="02020603050405020304" pitchFamily="18" charset="0"/>
-              </a:rPr>
-              <a:t> </a:t>
-            </a:r>
-            <a:r>
-              <a:rPr lang="en-US" dirty="0" err="1">
-                <a:solidFill>
-                  <a:srgbClr val="000000"/>
-                </a:solidFill>
-                <a:ea typeface="Times New Roman" panose="02020603050405020304" pitchFamily="18" charset="0"/>
-                <a:cs typeface="Times New Roman" panose="02020603050405020304" pitchFamily="18" charset="0"/>
-              </a:rPr>
-              <a:t>init</a:t>
-            </a:r>
-            <a:r>
-              <a:rPr lang="en-US" dirty="0">
-                <a:solidFill>
-                  <a:srgbClr val="000000"/>
-                </a:solidFill>
-                <a:ea typeface="Times New Roman" panose="02020603050405020304" pitchFamily="18" charset="0"/>
-                <a:cs typeface="Times New Roman" panose="02020603050405020304" pitchFamily="18" charset="0"/>
-              </a:rPr>
-              <a:t> { </a:t>
-            </a:r>
-            <a:endParaRPr lang="en-US" sz="2000" dirty="0">
+              <a:rPr kumimoji="0" lang="en-US" sz="2400" b="0" i="0" u="none" strike="noStrike" kern="1200" cap="none" spc="0" normalizeH="0" baseline="0" noProof="0" dirty="0">
+                <a:ln>
+                  <a:noFill/>
+                </a:ln>
+                <a:solidFill>
+                  <a:srgbClr val="000000"/>
+                </a:solidFill>
+                <a:effectLst/>
+                <a:uLnTx/>
+                <a:uFillTx/>
+                <a:latin typeface="Consolas" panose="020B0609020204030204" pitchFamily="49" charset="0"/>
+                <a:ea typeface="Times New Roman" panose="02020603050405020304" pitchFamily="18" charset="0"/>
+                <a:cs typeface="Times New Roman" panose="02020603050405020304" pitchFamily="18" charset="0"/>
+              </a:rPr>
+              <a:t>    </a:t>
+            </a:r>
+            <a:r>
+              <a:rPr kumimoji="0" lang="en-US" sz="2400" b="0" i="0" u="none" strike="noStrike" kern="1200" cap="none" spc="0" normalizeH="0" baseline="0" noProof="0" dirty="0" err="1">
+                <a:ln>
+                  <a:noFill/>
+                </a:ln>
+                <a:solidFill>
+                  <a:srgbClr val="000000"/>
+                </a:solidFill>
+                <a:effectLst/>
+                <a:uLnTx/>
+                <a:uFillTx/>
+                <a:latin typeface="Consolas" panose="020B0609020204030204" pitchFamily="49" charset="0"/>
+                <a:ea typeface="Times New Roman" panose="02020603050405020304" pitchFamily="18" charset="0"/>
+                <a:cs typeface="Times New Roman" panose="02020603050405020304" pitchFamily="18" charset="0"/>
+              </a:rPr>
+              <a:t>addComponentsAndGatherUniforms</a:t>
+            </a:r>
+            <a:r>
+              <a:rPr kumimoji="0" lang="en-US" sz="2400" b="0" i="0" u="none" strike="noStrike" kern="1200" cap="none" spc="0" normalizeH="0" baseline="0" noProof="0" dirty="0">
+                <a:ln>
+                  <a:noFill/>
+                </a:ln>
+                <a:solidFill>
+                  <a:srgbClr val="000000"/>
+                </a:solidFill>
+                <a:effectLst/>
+                <a:uLnTx/>
+                <a:uFillTx/>
+                <a:latin typeface="Consolas" panose="020B0609020204030204" pitchFamily="49" charset="0"/>
+                <a:ea typeface="Times New Roman" panose="02020603050405020304" pitchFamily="18" charset="0"/>
+                <a:cs typeface="Times New Roman" panose="02020603050405020304" pitchFamily="18" charset="0"/>
+              </a:rPr>
+              <a:t>(</a:t>
+            </a:r>
+            <a:r>
+              <a:rPr kumimoji="0" lang="hu-HU" sz="2400" b="0" i="0" u="none" strike="noStrike" kern="1200" cap="none" spc="0" normalizeH="0" baseline="0" noProof="0" dirty="0">
+                <a:ln>
+                  <a:noFill/>
+                </a:ln>
+                <a:solidFill>
+                  <a:srgbClr val="000000"/>
+                </a:solidFill>
+                <a:effectLst/>
+                <a:uLnTx/>
+                <a:uFillTx/>
+                <a:latin typeface="Consolas" panose="020B0609020204030204" pitchFamily="49" charset="0"/>
+                <a:ea typeface="Times New Roman" panose="02020603050405020304" pitchFamily="18" charset="0"/>
+                <a:cs typeface="Times New Roman" panose="02020603050405020304" pitchFamily="18" charset="0"/>
+              </a:rPr>
+              <a:t>*</a:t>
+            </a:r>
+            <a:r>
+              <a:rPr kumimoji="0" lang="en-US" sz="2400" b="0" i="0" u="none" strike="noStrike" kern="1200" cap="none" spc="0" normalizeH="0" baseline="0" noProof="0" dirty="0">
+                <a:ln>
+                  <a:noFill/>
+                </a:ln>
+                <a:solidFill>
+                  <a:srgbClr val="000000"/>
+                </a:solidFill>
+                <a:effectLst/>
+                <a:uLnTx/>
+                <a:uFillTx/>
+                <a:latin typeface="Consolas" panose="020B0609020204030204" pitchFamily="49" charset="0"/>
+                <a:ea typeface="Times New Roman" panose="02020603050405020304" pitchFamily="18" charset="0"/>
+                <a:cs typeface="Times New Roman" panose="02020603050405020304" pitchFamily="18" charset="0"/>
+              </a:rPr>
+              <a:t>mesh</a:t>
+            </a:r>
+            <a:r>
+              <a:rPr kumimoji="0" lang="hu-HU" sz="2400" b="0" i="0" u="none" strike="noStrike" kern="1200" cap="none" spc="0" normalizeH="0" baseline="0" noProof="0" dirty="0">
+                <a:ln>
+                  <a:noFill/>
+                </a:ln>
+                <a:solidFill>
+                  <a:srgbClr val="000000"/>
+                </a:solidFill>
+                <a:effectLst/>
+                <a:uLnTx/>
+                <a:uFillTx/>
+                <a:latin typeface="Consolas" panose="020B0609020204030204" pitchFamily="49" charset="0"/>
+                <a:ea typeface="Times New Roman" panose="02020603050405020304" pitchFamily="18" charset="0"/>
+                <a:cs typeface="Times New Roman" panose="02020603050405020304" pitchFamily="18" charset="0"/>
+              </a:rPr>
+              <a:t>es</a:t>
+            </a:r>
+            <a:r>
+              <a:rPr kumimoji="0" lang="en-US" sz="2400" b="0" i="0" u="none" strike="noStrike" kern="1200" cap="none" spc="0" normalizeH="0" baseline="0" noProof="0" dirty="0">
+                <a:ln>
+                  <a:noFill/>
+                </a:ln>
+                <a:solidFill>
+                  <a:srgbClr val="000000"/>
+                </a:solidFill>
+                <a:effectLst/>
+                <a:uLnTx/>
+                <a:uFillTx/>
+                <a:latin typeface="Consolas" panose="020B0609020204030204" pitchFamily="49" charset="0"/>
+                <a:ea typeface="Times New Roman" panose="02020603050405020304" pitchFamily="18" charset="0"/>
+                <a:cs typeface="Times New Roman" panose="02020603050405020304" pitchFamily="18" charset="0"/>
+              </a:rPr>
+              <a:t>)</a:t>
+            </a:r>
+            <a:endParaRPr kumimoji="0" lang="en-US" sz="2000" b="0" i="0" u="none" strike="noStrike" kern="1200" cap="none" spc="0" normalizeH="0" baseline="0" noProof="0" dirty="0">
+              <a:ln>
+                <a:noFill/>
+              </a:ln>
+              <a:solidFill>
+                <a:prstClr val="black"/>
+              </a:solidFill>
+              <a:effectLst/>
+              <a:uLnTx/>
+              <a:uFillTx/>
               <a:latin typeface="Calibri" panose="020F0502020204030204" pitchFamily="34" charset="0"/>
               <a:ea typeface="Calibri" panose="020F0502020204030204" pitchFamily="34" charset="0"/>
               <a:cs typeface="Times New Roman" panose="02020603050405020304" pitchFamily="18" charset="0"/>
             </a:endParaRPr>
           </a:p>
           <a:p>
-            <a:pPr>
+            <a:pPr marL="0" marR="0" lvl="0" indent="0" algn="l" defTabSz="914400" rtl="0" eaLnBrk="1" fontAlgn="auto" latinLnBrk="0" hangingPunct="1">
               <a:lnSpc>
                 <a:spcPct val="107000"/>
               </a:lnSpc>
+              <a:spcBef>
+                <a:spcPts val="0"/>
+              </a:spcBef>
               <a:spcAft>
                 <a:spcPts val="0"/>
               </a:spcAft>
+              <a:buClrTx/>
+              <a:buSzTx/>
+              <a:buFont typeface="Arial" panose="020B0604020202020204" pitchFamily="34" charset="0"/>
+              <a:buNone/>
               <a:tabLst>
                 <a:tab pos="581660" algn="l"/>
                 <a:tab pos="1163320" algn="l"/>
@@ -3246,51 +3558,55 @@
                 <a:tab pos="8724900" algn="l"/>
                 <a:tab pos="9306560" algn="l"/>
               </a:tabLst>
+              <a:defRPr/>
             </a:pPr>
             <a:r>
-              <a:rPr lang="en-US" dirty="0">
-                <a:solidFill>
-                  <a:srgbClr val="000000"/>
-                </a:solidFill>
-                <a:ea typeface="Times New Roman" panose="02020603050405020304" pitchFamily="18" charset="0"/>
-                <a:cs typeface="Times New Roman" panose="02020603050405020304" pitchFamily="18" charset="0"/>
-              </a:rPr>
-              <a:t>    </a:t>
-            </a:r>
-            <a:r>
-              <a:rPr lang="en-US" dirty="0" err="1">
-                <a:solidFill>
-                  <a:srgbClr val="000000"/>
-                </a:solidFill>
-                <a:ea typeface="Times New Roman" panose="02020603050405020304" pitchFamily="18" charset="0"/>
-                <a:cs typeface="Times New Roman" panose="02020603050405020304" pitchFamily="18" charset="0"/>
-              </a:rPr>
-              <a:t>addComponentsAndGatherUniforms</a:t>
-            </a:r>
-            <a:r>
-              <a:rPr lang="en-US" dirty="0">
-                <a:solidFill>
-                  <a:srgbClr val="000000"/>
-                </a:solidFill>
-                <a:ea typeface="Times New Roman" panose="02020603050405020304" pitchFamily="18" charset="0"/>
-                <a:cs typeface="Times New Roman" panose="02020603050405020304" pitchFamily="18" charset="0"/>
-              </a:rPr>
-              <a:t>(mesh)</a:t>
-            </a:r>
-            <a:endParaRPr lang="en-US" sz="2000" dirty="0">
+              <a:rPr kumimoji="0" lang="en-US" sz="2400" b="0" i="0" u="none" strike="noStrike" kern="1200" cap="none" spc="0" normalizeH="0" baseline="0" noProof="0" dirty="0">
+                <a:ln>
+                  <a:noFill/>
+                </a:ln>
+                <a:solidFill>
+                  <a:srgbClr val="000000"/>
+                </a:solidFill>
+                <a:effectLst/>
+                <a:uLnTx/>
+                <a:uFillTx/>
+                <a:latin typeface="Consolas" panose="020B0609020204030204" pitchFamily="49" charset="0"/>
+                <a:ea typeface="Times New Roman" panose="02020603050405020304" pitchFamily="18" charset="0"/>
+                <a:cs typeface="Times New Roman" panose="02020603050405020304" pitchFamily="18" charset="0"/>
+              </a:rPr>
+              <a:t>  }</a:t>
+            </a:r>
+            <a:endParaRPr kumimoji="0" lang="en-US" sz="2000" b="0" i="0" u="none" strike="noStrike" kern="1200" cap="none" spc="0" normalizeH="0" baseline="0" noProof="0" dirty="0">
+              <a:ln>
+                <a:noFill/>
+              </a:ln>
+              <a:solidFill>
+                <a:prstClr val="black"/>
+              </a:solidFill>
+              <a:effectLst/>
+              <a:uLnTx/>
+              <a:uFillTx/>
               <a:latin typeface="Calibri" panose="020F0502020204030204" pitchFamily="34" charset="0"/>
               <a:ea typeface="Calibri" panose="020F0502020204030204" pitchFamily="34" charset="0"/>
               <a:cs typeface="Times New Roman" panose="02020603050405020304" pitchFamily="18" charset="0"/>
             </a:endParaRPr>
           </a:p>
           <a:p>
-            <a:pPr>
+            <a:pPr marL="0" marR="0" lvl="0" indent="0" algn="l" defTabSz="914400" rtl="0" eaLnBrk="1" fontAlgn="auto" latinLnBrk="0" hangingPunct="1">
               <a:lnSpc>
                 <a:spcPct val="107000"/>
               </a:lnSpc>
+              <a:spcBef>
+                <a:spcPts val="0"/>
+              </a:spcBef>
               <a:spcAft>
                 <a:spcPts val="0"/>
               </a:spcAft>
+              <a:buClrTx/>
+              <a:buSzTx/>
+              <a:buFont typeface="Arial" panose="020B0604020202020204" pitchFamily="34" charset="0"/>
+              <a:buNone/>
               <a:tabLst>
                 <a:tab pos="581660" algn="l"/>
                 <a:tab pos="1163320" algn="l"/>
@@ -3309,34 +3625,41 @@
                 <a:tab pos="8724900" algn="l"/>
                 <a:tab pos="9306560" algn="l"/>
               </a:tabLst>
+              <a:defRPr/>
             </a:pPr>
             <a:r>
-              <a:rPr lang="en-US" dirty="0">
-                <a:solidFill>
-                  <a:srgbClr val="000000"/>
-                </a:solidFill>
-                <a:ea typeface="Times New Roman" panose="02020603050405020304" pitchFamily="18" charset="0"/>
-                <a:cs typeface="Times New Roman" panose="02020603050405020304" pitchFamily="18" charset="0"/>
-              </a:rPr>
-              <a:t>  }</a:t>
-            </a:r>
-            <a:endParaRPr lang="hu-HU" dirty="0">
+              <a:rPr kumimoji="0" lang="en-US" sz="2400" b="0" i="0" u="none" strike="noStrike" kern="1200" cap="none" spc="0" normalizeH="0" baseline="0" noProof="0" dirty="0">
+                <a:ln>
+                  <a:noFill/>
+                </a:ln>
+                <a:solidFill>
+                  <a:srgbClr val="000000"/>
+                </a:solidFill>
+                <a:effectLst/>
+                <a:uLnTx/>
+                <a:uFillTx/>
+                <a:latin typeface="Consolas" panose="020B0609020204030204" pitchFamily="49" charset="0"/>
+                <a:ea typeface="Times New Roman" panose="02020603050405020304" pitchFamily="18" charset="0"/>
+                <a:cs typeface="Times New Roman" panose="02020603050405020304" pitchFamily="18" charset="0"/>
+              </a:rPr>
+              <a:t>}</a:t>
+            </a:r>
+            <a:endParaRPr kumimoji="0" lang="en-US" sz="2000" b="0" i="0" u="none" strike="noStrike" kern="1200" cap="none" spc="0" normalizeH="0" baseline="0" noProof="0" dirty="0">
+              <a:ln>
+                <a:noFill/>
+              </a:ln>
               <a:solidFill>
-                <a:srgbClr val="000000"/>
+                <a:prstClr val="black"/>
               </a:solidFill>
-              <a:ea typeface="Times New Roman" panose="02020603050405020304" pitchFamily="18" charset="0"/>
+              <a:effectLst/>
+              <a:uLnTx/>
+              <a:uFillTx/>
+              <a:latin typeface="Calibri" panose="020F0502020204030204" pitchFamily="34" charset="0"/>
+              <a:ea typeface="Calibri" panose="020F0502020204030204" pitchFamily="34" charset="0"/>
+              <a:cs typeface="Times New Roman" panose="02020603050405020304" pitchFamily="18" charset="0"/>
             </a:endParaRPr>
           </a:p>
           <a:p>
-            <a:r>
-              <a:rPr lang="en-US" dirty="0">
-                <a:solidFill>
-                  <a:srgbClr val="000000"/>
-                </a:solidFill>
-                <a:ea typeface="Times New Roman" panose="02020603050405020304" pitchFamily="18" charset="0"/>
-              </a:rPr>
-              <a:t>}</a:t>
-            </a:r>
             <a:endParaRPr lang="en-US" sz="1600" dirty="0">
               <a:effectLst/>
               <a:latin typeface="Calibri" panose="020F0502020204030204" pitchFamily="34" charset="0"/>
@@ -3354,7 +3677,7 @@
         </p:nvSpPr>
         <p:spPr>
           <a:xfrm>
-            <a:off x="5819777" y="2888775"/>
+            <a:off x="5835961" y="3948832"/>
             <a:ext cx="3143248" cy="369332"/>
           </a:xfrm>
           <a:prstGeom prst="rect">
@@ -3390,14 +3713,15 @@
         <p:nvCxnSpPr>
           <p:cNvPr id="5" name="Straight Arrow Connector 4"/>
           <p:cNvCxnSpPr>
+            <a:cxnSpLocks/>
             <a:stCxn id="4" idx="1"/>
           </p:cNvCxnSpPr>
           <p:nvPr/>
         </p:nvCxnSpPr>
         <p:spPr>
           <a:xfrm flipH="1">
-            <a:off x="1828800" y="3073441"/>
-            <a:ext cx="3990977" cy="1247817"/>
+            <a:off x="3091158" y="4133498"/>
+            <a:ext cx="2744803" cy="184666"/>
           </a:xfrm>
           <a:prstGeom prst="straightConnector1">
             <a:avLst/>
@@ -5683,8 +6007,16 @@
               <a:t> </a:t>
             </a:r>
             <a:r>
-              <a:rPr lang="hu-HU" dirty="0" err="1"/>
-              <a:t>tömbhőz</a:t>
+              <a:rPr lang="hu-HU" dirty="0"/>
+              <a:t>tömbhöz (vagy +</a:t>
+            </a:r>
+            <a:r>
+              <a:rPr lang="en-US" dirty="0"/>
+              <a:t>=</a:t>
+            </a:r>
+            <a:r>
+              <a:rPr lang="hu-HU" dirty="0"/>
+              <a:t>)</a:t>
             </a:r>
             <a:endParaRPr lang="en-US" dirty="0"/>
           </a:p>
@@ -5859,6 +6191,243 @@
               <a:t>de animálni animálhat, és a képet törölheti</a:t>
             </a:r>
             <a:endParaRPr lang="en-US" dirty="0"/>
+          </a:p>
+        </p:txBody>
+      </p:sp>
+      <p:sp>
+        <p:nvSpPr>
+          <p:cNvPr id="5" name="Rectangle 4">
+            <a:extLst>
+              <a:ext uri="{FF2B5EF4-FFF2-40B4-BE49-F238E27FC236}">
+                <a16:creationId xmlns:a16="http://schemas.microsoft.com/office/drawing/2014/main" id="{59009544-E13B-4985-B863-2742A3B9D4E7}"/>
+              </a:ext>
+            </a:extLst>
+          </p:cNvPr>
+          <p:cNvSpPr/>
+          <p:nvPr/>
+        </p:nvSpPr>
+        <p:spPr>
+          <a:xfrm>
+            <a:off x="3767292" y="1019815"/>
+            <a:ext cx="4227639" cy="881813"/>
+          </a:xfrm>
+          <a:prstGeom prst="rect">
+            <a:avLst/>
+          </a:prstGeom>
+          <a:solidFill>
+            <a:schemeClr val="accent4">
+              <a:lumMod val="20000"/>
+              <a:lumOff val="80000"/>
+            </a:schemeClr>
+          </a:solidFill>
+          <a:ln>
+            <a:solidFill>
+              <a:schemeClr val="accent4">
+                <a:lumMod val="50000"/>
+              </a:schemeClr>
+            </a:solidFill>
+          </a:ln>
+        </p:spPr>
+        <p:txBody>
+          <a:bodyPr vert="horz" lIns="91440" tIns="45720" rIns="91440" bIns="45720" rtlCol="0">
+            <a:noAutofit/>
+          </a:bodyPr>
+          <a:lstStyle/>
+          <a:p>
+            <a:pPr>
+              <a:lnSpc>
+                <a:spcPct val="107000"/>
+              </a:lnSpc>
+              <a:buFont typeface="Arial" panose="020B0604020202020204" pitchFamily="34" charset="0"/>
+              <a:buNone/>
+              <a:tabLst>
+                <a:tab pos="581660" algn="l"/>
+                <a:tab pos="1163320" algn="l"/>
+                <a:tab pos="1744980" algn="l"/>
+                <a:tab pos="2326640" algn="l"/>
+                <a:tab pos="2908300" algn="l"/>
+                <a:tab pos="3489960" algn="l"/>
+                <a:tab pos="4071620" algn="l"/>
+                <a:tab pos="4653280" algn="l"/>
+                <a:tab pos="5234940" algn="l"/>
+                <a:tab pos="5816600" algn="l"/>
+                <a:tab pos="6398260" algn="l"/>
+                <a:tab pos="6979920" algn="l"/>
+                <a:tab pos="7561580" algn="l"/>
+                <a:tab pos="8143240" algn="l"/>
+                <a:tab pos="8724900" algn="l"/>
+                <a:tab pos="9306560" algn="l"/>
+              </a:tabLst>
+            </a:pPr>
+            <a:r>
+              <a:rPr lang="en-US" sz="1200" dirty="0" err="1">
+                <a:latin typeface="Consolas" panose="020B0609020204030204" pitchFamily="49" charset="0"/>
+                <a:ea typeface="Times New Roman" panose="02020603050405020304" pitchFamily="18" charset="0"/>
+                <a:cs typeface="Times New Roman" panose="02020603050405020304" pitchFamily="18" charset="0"/>
+              </a:rPr>
+              <a:t>gameObjects</a:t>
+            </a:r>
+            <a:r>
+              <a:rPr lang="en-US" sz="1200" dirty="0">
+                <a:latin typeface="Consolas" panose="020B0609020204030204" pitchFamily="49" charset="0"/>
+                <a:ea typeface="Times New Roman" panose="02020603050405020304" pitchFamily="18" charset="0"/>
+                <a:cs typeface="Times New Roman" panose="02020603050405020304" pitchFamily="18" charset="0"/>
+              </a:rPr>
+              <a:t> += </a:t>
+            </a:r>
+          </a:p>
+          <a:p>
+            <a:pPr>
+              <a:lnSpc>
+                <a:spcPct val="107000"/>
+              </a:lnSpc>
+              <a:buFont typeface="Arial" panose="020B0604020202020204" pitchFamily="34" charset="0"/>
+              <a:buNone/>
+              <a:tabLst>
+                <a:tab pos="581660" algn="l"/>
+                <a:tab pos="1163320" algn="l"/>
+                <a:tab pos="1744980" algn="l"/>
+                <a:tab pos="2326640" algn="l"/>
+                <a:tab pos="2908300" algn="l"/>
+                <a:tab pos="3489960" algn="l"/>
+                <a:tab pos="4071620" algn="l"/>
+                <a:tab pos="4653280" algn="l"/>
+                <a:tab pos="5234940" algn="l"/>
+                <a:tab pos="5816600" algn="l"/>
+                <a:tab pos="6398260" algn="l"/>
+                <a:tab pos="6979920" algn="l"/>
+                <a:tab pos="7561580" algn="l"/>
+                <a:tab pos="8143240" algn="l"/>
+                <a:tab pos="8724900" algn="l"/>
+                <a:tab pos="9306560" algn="l"/>
+              </a:tabLst>
+            </a:pPr>
+            <a:r>
+              <a:rPr lang="en-US" sz="1200" dirty="0">
+                <a:latin typeface="Consolas" panose="020B0609020204030204" pitchFamily="49" charset="0"/>
+                <a:ea typeface="Times New Roman" panose="02020603050405020304" pitchFamily="18" charset="0"/>
+                <a:cs typeface="Times New Roman" panose="02020603050405020304" pitchFamily="18" charset="0"/>
+              </a:rPr>
+              <a:t>  </a:t>
+            </a:r>
+            <a:r>
+              <a:rPr lang="en-US" sz="1200" dirty="0" err="1">
+                <a:latin typeface="Consolas" panose="020B0609020204030204" pitchFamily="49" charset="0"/>
+                <a:ea typeface="Times New Roman" panose="02020603050405020304" pitchFamily="18" charset="0"/>
+                <a:cs typeface="Times New Roman" panose="02020603050405020304" pitchFamily="18" charset="0"/>
+              </a:rPr>
+              <a:t>GameObject</a:t>
+            </a:r>
+            <a:r>
+              <a:rPr lang="en-US" sz="1200" dirty="0">
+                <a:latin typeface="Consolas" panose="020B0609020204030204" pitchFamily="49" charset="0"/>
+                <a:ea typeface="Times New Roman" panose="02020603050405020304" pitchFamily="18" charset="0"/>
+                <a:cs typeface="Times New Roman" panose="02020603050405020304" pitchFamily="18" charset="0"/>
+              </a:rPr>
+              <a:t>(</a:t>
+            </a:r>
+            <a:r>
+              <a:rPr lang="en-US" sz="1200" dirty="0" err="1">
+                <a:latin typeface="Consolas" panose="020B0609020204030204" pitchFamily="49" charset="0"/>
+                <a:ea typeface="Times New Roman" panose="02020603050405020304" pitchFamily="18" charset="0"/>
+                <a:cs typeface="Times New Roman" panose="02020603050405020304" pitchFamily="18" charset="0"/>
+              </a:rPr>
+              <a:t>tealTriangleMesh</a:t>
+            </a:r>
+            <a:r>
+              <a:rPr lang="en-US" sz="1200" dirty="0">
+                <a:latin typeface="Consolas" panose="020B0609020204030204" pitchFamily="49" charset="0"/>
+                <a:ea typeface="Times New Roman" panose="02020603050405020304" pitchFamily="18" charset="0"/>
+                <a:cs typeface="Times New Roman" panose="02020603050405020304" pitchFamily="18" charset="0"/>
+              </a:rPr>
+              <a:t>).apply{</a:t>
+            </a:r>
+          </a:p>
+          <a:p>
+            <a:pPr>
+              <a:lnSpc>
+                <a:spcPct val="107000"/>
+              </a:lnSpc>
+              <a:buFont typeface="Arial" panose="020B0604020202020204" pitchFamily="34" charset="0"/>
+              <a:buNone/>
+              <a:tabLst>
+                <a:tab pos="581660" algn="l"/>
+                <a:tab pos="1163320" algn="l"/>
+                <a:tab pos="1744980" algn="l"/>
+                <a:tab pos="2326640" algn="l"/>
+                <a:tab pos="2908300" algn="l"/>
+                <a:tab pos="3489960" algn="l"/>
+                <a:tab pos="4071620" algn="l"/>
+                <a:tab pos="4653280" algn="l"/>
+                <a:tab pos="5234940" algn="l"/>
+                <a:tab pos="5816600" algn="l"/>
+                <a:tab pos="6398260" algn="l"/>
+                <a:tab pos="6979920" algn="l"/>
+                <a:tab pos="7561580" algn="l"/>
+                <a:tab pos="8143240" algn="l"/>
+                <a:tab pos="8724900" algn="l"/>
+                <a:tab pos="9306560" algn="l"/>
+              </a:tabLst>
+            </a:pPr>
+            <a:r>
+              <a:rPr lang="en-US" sz="1200" dirty="0">
+                <a:latin typeface="Consolas" panose="020B0609020204030204" pitchFamily="49" charset="0"/>
+                <a:ea typeface="Times New Roman" panose="02020603050405020304" pitchFamily="18" charset="0"/>
+                <a:cs typeface="Times New Roman" panose="02020603050405020304" pitchFamily="18" charset="0"/>
+              </a:rPr>
+              <a:t>    </a:t>
+            </a:r>
+            <a:r>
+              <a:rPr lang="en-US" sz="1200" dirty="0" err="1">
+                <a:latin typeface="Consolas" panose="020B0609020204030204" pitchFamily="49" charset="0"/>
+                <a:ea typeface="Times New Roman" panose="02020603050405020304" pitchFamily="18" charset="0"/>
+                <a:cs typeface="Times New Roman" panose="02020603050405020304" pitchFamily="18" charset="0"/>
+              </a:rPr>
+              <a:t>position.set</a:t>
+            </a:r>
+            <a:r>
+              <a:rPr lang="en-US" sz="1200" dirty="0">
+                <a:latin typeface="Consolas" panose="020B0609020204030204" pitchFamily="49" charset="0"/>
+                <a:ea typeface="Times New Roman" panose="02020603050405020304" pitchFamily="18" charset="0"/>
+                <a:cs typeface="Times New Roman" panose="02020603050405020304" pitchFamily="18" charset="0"/>
+              </a:rPr>
+              <a:t>(0.5f, 0.5f)</a:t>
+            </a:r>
+          </a:p>
+          <a:p>
+            <a:pPr>
+              <a:lnSpc>
+                <a:spcPct val="107000"/>
+              </a:lnSpc>
+              <a:buFont typeface="Arial" panose="020B0604020202020204" pitchFamily="34" charset="0"/>
+              <a:buNone/>
+              <a:tabLst>
+                <a:tab pos="581660" algn="l"/>
+                <a:tab pos="1163320" algn="l"/>
+                <a:tab pos="1744980" algn="l"/>
+                <a:tab pos="2326640" algn="l"/>
+                <a:tab pos="2908300" algn="l"/>
+                <a:tab pos="3489960" algn="l"/>
+                <a:tab pos="4071620" algn="l"/>
+                <a:tab pos="4653280" algn="l"/>
+                <a:tab pos="5234940" algn="l"/>
+                <a:tab pos="5816600" algn="l"/>
+                <a:tab pos="6398260" algn="l"/>
+                <a:tab pos="6979920" algn="l"/>
+                <a:tab pos="7561580" algn="l"/>
+                <a:tab pos="8143240" algn="l"/>
+                <a:tab pos="8724900" algn="l"/>
+                <a:tab pos="9306560" algn="l"/>
+              </a:tabLst>
+            </a:pPr>
+            <a:r>
+              <a:rPr lang="en-US" sz="1200" dirty="0">
+                <a:latin typeface="Consolas" panose="020B0609020204030204" pitchFamily="49" charset="0"/>
+                <a:ea typeface="Times New Roman" panose="02020603050405020304" pitchFamily="18" charset="0"/>
+                <a:cs typeface="Times New Roman" panose="02020603050405020304" pitchFamily="18" charset="0"/>
+              </a:rPr>
+              <a:t>  }</a:t>
+            </a:r>
           </a:p>
         </p:txBody>
       </p:sp>
@@ -6076,7 +6645,7 @@
                 <a:latin typeface="Consolas" panose="020B0609020204030204" pitchFamily="49" charset="0"/>
                 <a:cs typeface="Consolas" panose="020B0609020204030204" pitchFamily="49" charset="0"/>
               </a:rPr>
-              <a:t>::move</a:t>
+              <a:t>.Motion</a:t>
             </a:r>
             <a:endParaRPr lang="en-US" dirty="0"/>
           </a:p>
@@ -6098,20 +6667,6 @@
             <a:noAutofit/>
           </a:bodyPr>
           <a:lstStyle/>
-          <a:p>
-            <a:pPr>
-              <a:lnSpc>
-                <a:spcPct val="107000"/>
-              </a:lnSpc>
-              <a:spcAft>
-                <a:spcPts val="800"/>
-              </a:spcAft>
-            </a:pPr>
-            <a:endParaRPr lang="en-US" sz="2000" dirty="0">
-              <a:ea typeface="Calibri" panose="020F0502020204030204" pitchFamily="34" charset="0"/>
-              <a:cs typeface="Times New Roman" panose="02020603050405020304" pitchFamily="18" charset="0"/>
-            </a:endParaRPr>
-          </a:p>
           <a:p>
             <a:pPr>
               <a:lnSpc>
@@ -6139,28 +6694,6 @@
                 <a:tab pos="9306560" algn="l"/>
               </a:tabLst>
             </a:pPr>
-            <a:r>
-              <a:rPr lang="hu-HU" sz="2000" dirty="0">
-                <a:solidFill>
-                  <a:srgbClr val="C70040"/>
-                </a:solidFill>
-                <a:ea typeface="Times New Roman" panose="02020603050405020304" pitchFamily="18" charset="0"/>
-                <a:cs typeface="Times New Roman" panose="02020603050405020304" pitchFamily="18" charset="0"/>
-              </a:rPr>
-              <a:t>open</a:t>
-            </a:r>
-            <a:r>
-              <a:rPr lang="hu-HU" sz="2000" dirty="0">
-                <a:solidFill>
-                  <a:schemeClr val="bg1">
-                    <a:lumMod val="50000"/>
-                  </a:schemeClr>
-                </a:solidFill>
-                <a:ea typeface="Times New Roman" panose="02020603050405020304" pitchFamily="18" charset="0"/>
-                <a:cs typeface="Times New Roman" panose="02020603050405020304" pitchFamily="18" charset="0"/>
-              </a:rPr>
-              <a:t> </a:t>
-            </a:r>
             <a:r>
               <a:rPr lang="en-US" sz="2000" dirty="0">
                 <a:solidFill>
@@ -6277,6 +6810,16 @@
               <a:t>  </a:t>
             </a:r>
             <a:r>
+              <a:rPr lang="hu-HU" sz="2000" dirty="0" err="1">
+                <a:solidFill>
+                  <a:srgbClr val="C70040"/>
+                </a:solidFill>
+                <a:ea typeface="Times New Roman" panose="02020603050405020304" pitchFamily="18" charset="0"/>
+                <a:cs typeface="Times New Roman" panose="02020603050405020304" pitchFamily="18" charset="0"/>
+              </a:rPr>
+              <a:t>open</a:t>
+            </a:r>
+            <a:r>
               <a:rPr lang="hu-HU" sz="2000" dirty="0">
                 <a:solidFill>
                   <a:srgbClr val="C70040"/>
@@ -6284,17 +6827,82 @@
                 <a:ea typeface="Times New Roman" panose="02020603050405020304" pitchFamily="18" charset="0"/>
                 <a:cs typeface="Times New Roman" panose="02020603050405020304" pitchFamily="18" charset="0"/>
               </a:rPr>
-              <a:t>open fun </a:t>
+              <a:t> </a:t>
+            </a:r>
+            <a:r>
+              <a:rPr lang="en-US" sz="2000" dirty="0">
+                <a:solidFill>
+                  <a:srgbClr val="C70040"/>
+                </a:solidFill>
+                <a:ea typeface="Times New Roman" panose="02020603050405020304" pitchFamily="18" charset="0"/>
+                <a:cs typeface="Times New Roman" panose="02020603050405020304" pitchFamily="18" charset="0"/>
+              </a:rPr>
+              <a:t>inner class Motion {</a:t>
+            </a:r>
+          </a:p>
+          <a:p>
+            <a:pPr>
+              <a:lnSpc>
+                <a:spcPct val="107000"/>
+              </a:lnSpc>
+              <a:tabLst>
+                <a:tab pos="581660" algn="l"/>
+                <a:tab pos="1163320" algn="l"/>
+                <a:tab pos="1744980" algn="l"/>
+                <a:tab pos="2326640" algn="l"/>
+                <a:tab pos="2908300" algn="l"/>
+                <a:tab pos="3489960" algn="l"/>
+                <a:tab pos="4071620" algn="l"/>
+                <a:tab pos="4653280" algn="l"/>
+                <a:tab pos="5234940" algn="l"/>
+                <a:tab pos="5816600" algn="l"/>
+                <a:tab pos="6398260" algn="l"/>
+                <a:tab pos="6979920" algn="l"/>
+                <a:tab pos="7561580" algn="l"/>
+                <a:tab pos="8143240" algn="l"/>
+                <a:tab pos="8724900" algn="l"/>
+                <a:tab pos="9306560" algn="l"/>
+              </a:tabLst>
+            </a:pPr>
+            <a:r>
+              <a:rPr lang="en-US" sz="2000" dirty="0">
+                <a:solidFill>
+                  <a:srgbClr val="C70040"/>
+                </a:solidFill>
+                <a:ea typeface="Times New Roman" panose="02020603050405020304" pitchFamily="18" charset="0"/>
+                <a:cs typeface="Times New Roman" panose="02020603050405020304" pitchFamily="18" charset="0"/>
+              </a:rPr>
+              <a:t>    open operator </a:t>
+            </a:r>
+            <a:r>
+              <a:rPr lang="hu-HU" sz="2000" dirty="0" err="1">
+                <a:solidFill>
+                  <a:srgbClr val="C70040"/>
+                </a:solidFill>
+                <a:ea typeface="Times New Roman" panose="02020603050405020304" pitchFamily="18" charset="0"/>
+                <a:cs typeface="Times New Roman" panose="02020603050405020304" pitchFamily="18" charset="0"/>
+              </a:rPr>
+              <a:t>fun</a:t>
             </a:r>
             <a:r>
               <a:rPr lang="hu-HU" sz="2000" dirty="0">
                 <a:solidFill>
+                  <a:srgbClr val="C70040"/>
+                </a:solidFill>
+                <a:ea typeface="Times New Roman" panose="02020603050405020304" pitchFamily="18" charset="0"/>
+                <a:cs typeface="Times New Roman" panose="02020603050405020304" pitchFamily="18" charset="0"/>
+              </a:rPr>
+              <a:t> </a:t>
+            </a:r>
+            <a:r>
+              <a:rPr lang="en-US" sz="2000" dirty="0">
+                <a:solidFill>
                   <a:srgbClr val="427E00"/>
                 </a:solidFill>
                 <a:ea typeface="Times New Roman" panose="02020603050405020304" pitchFamily="18" charset="0"/>
                 <a:cs typeface="Times New Roman" panose="02020603050405020304" pitchFamily="18" charset="0"/>
               </a:rPr>
-              <a:t>move</a:t>
+              <a:t>invoke</a:t>
             </a:r>
             <a:r>
               <a:rPr lang="hu-HU" sz="2000" dirty="0">
@@ -6306,23 +6914,98 @@
               </a:rPr>
               <a:t>(</a:t>
             </a:r>
+          </a:p>
+          <a:p>
+            <a:pPr fontAlgn="t"/>
             <a:r>
               <a:rPr lang="en-US" sz="2000" dirty="0">
                 <a:solidFill>
                   <a:srgbClr val="000000"/>
                 </a:solidFill>
-                <a:ea typeface="Times New Roman" panose="02020603050405020304" pitchFamily="18" charset="0"/>
-                <a:cs typeface="Times New Roman" panose="02020603050405020304" pitchFamily="18" charset="0"/>
-              </a:rPr>
-              <a:t>) {</a:t>
-            </a:r>
-            <a:endParaRPr lang="hu-HU" sz="2000" dirty="0">
-              <a:solidFill>
-                <a:srgbClr val="000000"/>
-              </a:solidFill>
-              <a:ea typeface="Times New Roman" panose="02020603050405020304" pitchFamily="18" charset="0"/>
-              <a:cs typeface="Times New Roman" panose="02020603050405020304" pitchFamily="18" charset="0"/>
-            </a:endParaRPr>
+              </a:rPr>
+              <a:t>      </a:t>
+            </a:r>
+            <a:r>
+              <a:rPr lang="en-US" sz="2000" dirty="0" err="1">
+                <a:solidFill>
+                  <a:srgbClr val="CB6500"/>
+                </a:solidFill>
+              </a:rPr>
+              <a:t>dt</a:t>
+            </a:r>
+            <a:r>
+              <a:rPr lang="en-US" sz="2000" dirty="0">
+                <a:solidFill>
+                  <a:srgbClr val="000000"/>
+                </a:solidFill>
+              </a:rPr>
+              <a:t> </a:t>
+            </a:r>
+            <a:r>
+              <a:rPr lang="en-US" sz="2000" dirty="0">
+                <a:solidFill>
+                  <a:srgbClr val="C70040"/>
+                </a:solidFill>
+              </a:rPr>
+              <a:t>:</a:t>
+            </a:r>
+            <a:r>
+              <a:rPr lang="en-US" sz="2000" dirty="0">
+                <a:solidFill>
+                  <a:srgbClr val="000000"/>
+                </a:solidFill>
+              </a:rPr>
+              <a:t> </a:t>
+            </a:r>
+            <a:r>
+              <a:rPr lang="en-US" sz="2000" dirty="0">
+                <a:solidFill>
+                  <a:srgbClr val="34A7BD"/>
+                </a:solidFill>
+              </a:rPr>
+              <a:t>Float</a:t>
+            </a:r>
+            <a:r>
+              <a:rPr lang="en-US" sz="2000" dirty="0">
+                <a:solidFill>
+                  <a:srgbClr val="000000"/>
+                </a:solidFill>
+              </a:rPr>
+              <a:t> </a:t>
+            </a:r>
+            <a:r>
+              <a:rPr lang="en-US" sz="2000" dirty="0">
+                <a:solidFill>
+                  <a:srgbClr val="C70040"/>
+                </a:solidFill>
+              </a:rPr>
+              <a:t>=</a:t>
+            </a:r>
+            <a:r>
+              <a:rPr lang="en-US" sz="2000" dirty="0">
+                <a:solidFill>
+                  <a:srgbClr val="000000"/>
+                </a:solidFill>
+              </a:rPr>
+              <a:t> </a:t>
+            </a:r>
+            <a:r>
+              <a:rPr lang="en-US" sz="2000" dirty="0">
+                <a:solidFill>
+                  <a:srgbClr val="7C4FCD"/>
+                </a:solidFill>
+              </a:rPr>
+              <a:t>0.016666f</a:t>
+            </a:r>
+            <a:r>
+              <a:rPr lang="en-US" sz="2000" dirty="0">
+                <a:solidFill>
+                  <a:srgbClr val="000000"/>
+                </a:solidFill>
+              </a:rPr>
+              <a:t>, </a:t>
+            </a:r>
+            <a:endParaRPr lang="en-US" sz="2000" dirty="0"/>
           </a:p>
           <a:p>
             <a:pPr fontAlgn="t"/>
@@ -6335,12 +7018,104 @@
               <a:t>      </a:t>
             </a:r>
             <a:r>
+              <a:rPr lang="en-US" sz="2000" dirty="0">
+                <a:solidFill>
+                  <a:srgbClr val="CB6500"/>
+                </a:solidFill>
+              </a:rPr>
+              <a:t>t</a:t>
+            </a:r>
+            <a:r>
+              <a:rPr lang="en-US" sz="2000" dirty="0">
+                <a:solidFill>
+                  <a:srgbClr val="000000"/>
+                </a:solidFill>
+              </a:rPr>
+              <a:t> </a:t>
+            </a:r>
+            <a:r>
+              <a:rPr lang="en-US" sz="2000" dirty="0">
+                <a:solidFill>
+                  <a:srgbClr val="C70040"/>
+                </a:solidFill>
+              </a:rPr>
+              <a:t>:</a:t>
+            </a:r>
+            <a:r>
+              <a:rPr lang="en-US" sz="2000" dirty="0">
+                <a:solidFill>
+                  <a:srgbClr val="000000"/>
+                </a:solidFill>
+              </a:rPr>
+              <a:t> </a:t>
+            </a:r>
+            <a:r>
+              <a:rPr lang="en-US" sz="2000" dirty="0">
+                <a:solidFill>
+                  <a:srgbClr val="34A7BD"/>
+                </a:solidFill>
+              </a:rPr>
+              <a:t>Float</a:t>
+            </a:r>
+            <a:r>
+              <a:rPr lang="en-US" sz="2000" dirty="0">
+                <a:solidFill>
+                  <a:srgbClr val="000000"/>
+                </a:solidFill>
+              </a:rPr>
+              <a:t> </a:t>
+            </a:r>
+            <a:r>
+              <a:rPr lang="en-US" sz="2000" dirty="0">
+                <a:solidFill>
+                  <a:srgbClr val="C70040"/>
+                </a:solidFill>
+              </a:rPr>
+              <a:t>=</a:t>
+            </a:r>
+            <a:r>
+              <a:rPr lang="en-US" sz="2000" dirty="0">
+                <a:solidFill>
+                  <a:srgbClr val="000000"/>
+                </a:solidFill>
+              </a:rPr>
+              <a:t> </a:t>
+            </a:r>
+            <a:r>
+              <a:rPr lang="en-US" sz="2000" dirty="0">
+                <a:solidFill>
+                  <a:srgbClr val="7C4FCD"/>
+                </a:solidFill>
+              </a:rPr>
+              <a:t>0.0f</a:t>
+            </a:r>
+            <a:r>
+              <a:rPr lang="en-US" sz="2000" dirty="0">
+                <a:solidFill>
+                  <a:srgbClr val="000000"/>
+                </a:solidFill>
+              </a:rPr>
+              <a:t>, </a:t>
+            </a:r>
+            <a:endParaRPr lang="en-US" sz="2000" dirty="0"/>
+          </a:p>
+          <a:p>
+            <a:pPr fontAlgn="t"/>
+            <a:r>
+              <a:rPr lang="en-US" sz="2000" dirty="0">
+                <a:solidFill>
+                  <a:srgbClr val="000000"/>
+                </a:solidFill>
+              </a:rPr>
+              <a:t>      </a:t>
+            </a:r>
+            <a:r>
               <a:rPr lang="en-US" sz="2000" dirty="0" err="1">
                 <a:solidFill>
                   <a:srgbClr val="CB6500"/>
                 </a:solidFill>
               </a:rPr>
-              <a:t>dt</a:t>
+              <a:t>keysPressed</a:t>
             </a:r>
             <a:r>
               <a:rPr lang="en-US" sz="2000" dirty="0">
@@ -6372,7 +7147,7 @@
                   <a:srgbClr val="34A7BD"/>
                 </a:solidFill>
               </a:rPr>
-              <a:t>Float</a:t>
+              <a:t>Set</a:t>
             </a:r>
             <a:r>
               <a:rPr lang="en-US" sz="2000" dirty="0">
@@ -6380,14 +7155,154 @@
                   <a:srgbClr val="000000"/>
                 </a:solidFill>
               </a:rPr>
+              <a:t>&lt;</a:t>
+            </a:r>
+            <a:r>
+              <a:rPr lang="en-US" sz="2000" dirty="0">
+                <a:solidFill>
+                  <a:srgbClr val="34A7BD"/>
+                </a:solidFill>
+              </a:rPr>
+              <a:t>String</a:t>
+            </a:r>
+            <a:r>
+              <a:rPr lang="en-US" sz="2000" dirty="0">
+                <a:solidFill>
+                  <a:srgbClr val="000000"/>
+                </a:solidFill>
+              </a:rPr>
+              <a:t>&gt; </a:t>
+            </a:r>
+            <a:r>
+              <a:rPr lang="en-US" sz="2000" dirty="0">
+                <a:solidFill>
+                  <a:srgbClr val="C70040"/>
+                </a:solidFill>
+              </a:rPr>
+              <a:t>=</a:t>
+            </a:r>
+            <a:r>
+              <a:rPr lang="en-US" sz="2000" dirty="0">
+                <a:solidFill>
+                  <a:srgbClr val="000000"/>
+                </a:solidFill>
+              </a:rPr>
               <a:t> </a:t>
             </a:r>
             <a:r>
+              <a:rPr lang="en-US" sz="2000" dirty="0" err="1">
+                <a:solidFill>
+                  <a:srgbClr val="000000"/>
+                </a:solidFill>
+              </a:rPr>
+              <a:t>emptySet</a:t>
+            </a:r>
+            <a:r>
               <a:rPr lang="en-US" sz="2000" dirty="0">
                 <a:solidFill>
+                  <a:srgbClr val="000000"/>
+                </a:solidFill>
+              </a:rPr>
+              <a:t>&lt;</a:t>
+            </a:r>
+            <a:r>
+              <a:rPr lang="en-US" sz="2000" dirty="0">
+                <a:solidFill>
+                  <a:srgbClr val="34A7BD"/>
+                </a:solidFill>
+              </a:rPr>
+              <a:t>String</a:t>
+            </a:r>
+            <a:r>
+              <a:rPr lang="en-US" sz="2000" dirty="0">
+                <a:solidFill>
+                  <a:srgbClr val="000000"/>
+                </a:solidFill>
+              </a:rPr>
+              <a:t>&gt;(), </a:t>
+            </a:r>
+            <a:endParaRPr lang="en-US" sz="2000" dirty="0"/>
+          </a:p>
+          <a:p>
+            <a:pPr fontAlgn="t"/>
+            <a:r>
+              <a:rPr lang="en-US" sz="2000" dirty="0">
+                <a:solidFill>
+                  <a:srgbClr val="000000"/>
+                </a:solidFill>
+              </a:rPr>
+              <a:t>      </a:t>
+            </a:r>
+            <a:r>
+              <a:rPr lang="en-US" sz="2000" dirty="0" err="1">
+                <a:solidFill>
+                  <a:srgbClr val="CB6500"/>
+                </a:solidFill>
+              </a:rPr>
+              <a:t>gameObjects</a:t>
+            </a:r>
+            <a:r>
+              <a:rPr lang="en-US" sz="2000" dirty="0">
+                <a:solidFill>
+                  <a:srgbClr val="000000"/>
+                </a:solidFill>
+              </a:rPr>
+              <a:t> </a:t>
+            </a:r>
+            <a:r>
+              <a:rPr lang="en-US" sz="2000" dirty="0">
+                <a:solidFill>
                   <a:srgbClr val="C70040"/>
                 </a:solidFill>
               </a:rPr>
+              <a:t>:</a:t>
+            </a:r>
+            <a:r>
+              <a:rPr lang="en-US" sz="2000" dirty="0">
+                <a:solidFill>
+                  <a:srgbClr val="000000"/>
+                </a:solidFill>
+              </a:rPr>
+              <a:t> </a:t>
+            </a:r>
+            <a:r>
+              <a:rPr lang="en-US" sz="2000" dirty="0">
+                <a:solidFill>
+                  <a:srgbClr val="34A7BD"/>
+                </a:solidFill>
+              </a:rPr>
+              <a:t>List</a:t>
+            </a:r>
+            <a:r>
+              <a:rPr lang="en-US" sz="2000" dirty="0">
+                <a:solidFill>
+                  <a:srgbClr val="000000"/>
+                </a:solidFill>
+              </a:rPr>
+              <a:t>&lt;</a:t>
+            </a:r>
+            <a:r>
+              <a:rPr lang="en-US" sz="2000" dirty="0" err="1">
+                <a:solidFill>
+                  <a:srgbClr val="000000"/>
+                </a:solidFill>
+              </a:rPr>
+              <a:t>GameObject</a:t>
+            </a:r>
+            <a:r>
+              <a:rPr lang="en-US" sz="2000" dirty="0">
+                <a:solidFill>
+                  <a:srgbClr val="000000"/>
+                </a:solidFill>
+              </a:rPr>
+              <a:t>&gt; </a:t>
+            </a:r>
+            <a:r>
+              <a:rPr lang="en-US" sz="2000" dirty="0">
+                <a:solidFill>
+                  <a:srgbClr val="C70040"/>
+                </a:solidFill>
+              </a:rPr>
               <a:t>=</a:t>
             </a:r>
             <a:r>
@@ -6399,12 +7314,115 @@
               <a:t> </a:t>
             </a:r>
             <a:r>
+              <a:rPr lang="en-US" sz="2000" dirty="0" err="1">
+                <a:solidFill>
+                  <a:srgbClr val="000000"/>
+                </a:solidFill>
+              </a:rPr>
+              <a:t>emptyList</a:t>
+            </a:r>
+            <a:r>
               <a:rPr lang="en-US" sz="2000" dirty="0">
                 <a:solidFill>
+                  <a:srgbClr val="000000"/>
+                </a:solidFill>
+              </a:rPr>
+              <a:t>&lt;</a:t>
+            </a:r>
+            <a:r>
+              <a:rPr lang="en-US" sz="2000" dirty="0" err="1">
+                <a:solidFill>
+                  <a:srgbClr val="000000"/>
+                </a:solidFill>
+              </a:rPr>
+              <a:t>GameObject</a:t>
+            </a:r>
+            <a:r>
+              <a:rPr lang="en-US" sz="2000" dirty="0">
+                <a:solidFill>
+                  <a:srgbClr val="000000"/>
+                </a:solidFill>
+              </a:rPr>
+              <a:t>&gt;()</a:t>
+            </a:r>
+          </a:p>
+          <a:p>
+            <a:pPr fontAlgn="t"/>
+            <a:r>
+              <a:rPr lang="en-US" sz="2000" dirty="0">
+                <a:solidFill>
+                  <a:srgbClr val="000000"/>
+                </a:solidFill>
+              </a:rPr>
+              <a:t>      ) </a:t>
+            </a:r>
+            <a:r>
+              <a:rPr lang="en-US" sz="2000" dirty="0">
+                <a:solidFill>
+                  <a:srgbClr val="C70040"/>
+                </a:solidFill>
+              </a:rPr>
+              <a:t>:</a:t>
+            </a:r>
+            <a:r>
+              <a:rPr lang="en-US" sz="2000" dirty="0">
+                <a:solidFill>
+                  <a:srgbClr val="000000"/>
+                </a:solidFill>
+              </a:rPr>
+              <a:t> </a:t>
+            </a:r>
+            <a:r>
+              <a:rPr lang="en-US" sz="2000" dirty="0">
+                <a:solidFill>
+                  <a:srgbClr val="34A7BD"/>
+                </a:solidFill>
+              </a:rPr>
+              <a:t>Boolean</a:t>
+            </a:r>
+            <a:r>
+              <a:rPr lang="en-US" sz="2000" dirty="0">
+                <a:solidFill>
+                  <a:srgbClr val="000000"/>
+                </a:solidFill>
+              </a:rPr>
+              <a:t> { </a:t>
+            </a:r>
+            <a:endParaRPr lang="en-US" sz="2000" dirty="0"/>
+          </a:p>
+          <a:p>
+            <a:pPr fontAlgn="t"/>
+            <a:r>
+              <a:rPr lang="en-US" sz="2000" dirty="0">
+                <a:solidFill>
+                  <a:srgbClr val="000000"/>
+                </a:solidFill>
+              </a:rPr>
+              <a:t>        </a:t>
+            </a:r>
+            <a:r>
+              <a:rPr lang="en-US" sz="2000" dirty="0">
+                <a:solidFill>
+                  <a:srgbClr val="C70040"/>
+                </a:solidFill>
+              </a:rPr>
+              <a:t>return</a:t>
+            </a:r>
+            <a:r>
+              <a:rPr lang="en-US" sz="2000" dirty="0">
+                <a:solidFill>
+                  <a:srgbClr val="000000"/>
+                </a:solidFill>
+              </a:rPr>
+              <a:t> </a:t>
+            </a:r>
+            <a:r>
+              <a:rPr lang="en-US" sz="2000" dirty="0">
+                <a:solidFill>
                   <a:srgbClr val="7C4FCD"/>
                 </a:solidFill>
               </a:rPr>
-              <a:t>0.016666f</a:t>
+              <a:t>true</a:t>
             </a:r>
             <a:r>
               <a:rPr lang="en-US" sz="2000" dirty="0">
@@ -6412,7 +7430,7 @@
                   <a:srgbClr val="000000"/>
                 </a:solidFill>
               </a:rPr>
-              <a:t>, </a:t>
+              <a:t> </a:t>
             </a:r>
             <a:endParaRPr lang="en-US" sz="2000" dirty="0"/>
           </a:p>
@@ -6424,434 +7442,29 @@
                   <a:srgbClr val="000000"/>
                 </a:solidFill>
               </a:rPr>
-              <a:t>      </a:t>
-            </a:r>
+              <a:t>    }</a:t>
+            </a:r>
+          </a:p>
+          <a:p>
+            <a:pPr fontAlgn="t"/>
             <a:r>
               <a:rPr lang="en-US" sz="2000" dirty="0">
                 <a:solidFill>
-                  <a:srgbClr val="CB6500"/>
-                </a:solidFill>
-              </a:rPr>
-              <a:t>t</a:t>
-            </a:r>
+                  <a:srgbClr val="000000"/>
+                </a:solidFill>
+              </a:rPr>
+              <a:t>  }</a:t>
+            </a:r>
+          </a:p>
+          <a:p>
+            <a:pPr fontAlgn="t"/>
             <a:r>
               <a:rPr lang="en-US" sz="2000" dirty="0">
                 <a:solidFill>
                   <a:srgbClr val="000000"/>
                 </a:solidFill>
               </a:rPr>
-              <a:t> </a:t>
-            </a:r>
-            <a:r>
-              <a:rPr lang="en-US" sz="2000" dirty="0">
-                <a:solidFill>
-                  <a:srgbClr val="C70040"/>
-                </a:solidFill>
-              </a:rPr>
-              <a:t>:</a:t>
-            </a:r>
-            <a:r>
-              <a:rPr lang="en-US" sz="2000" dirty="0">
-                <a:solidFill>
-                  <a:srgbClr val="000000"/>
-                </a:solidFill>
-              </a:rPr>
-              <a:t> </a:t>
-            </a:r>
-            <a:r>
-              <a:rPr lang="en-US" sz="2000" dirty="0">
-                <a:solidFill>
-                  <a:srgbClr val="34A7BD"/>
-                </a:solidFill>
-              </a:rPr>
-              <a:t>Float</a:t>
-            </a:r>
-            <a:r>
-              <a:rPr lang="en-US" sz="2000" dirty="0">
-                <a:solidFill>
-                  <a:srgbClr val="000000"/>
-                </a:solidFill>
-              </a:rPr>
-              <a:t> </a:t>
-            </a:r>
-            <a:r>
-              <a:rPr lang="en-US" sz="2000" dirty="0">
-                <a:solidFill>
-                  <a:srgbClr val="C70040"/>
-                </a:solidFill>
-              </a:rPr>
-              <a:t>=</a:t>
-            </a:r>
-            <a:r>
-              <a:rPr lang="en-US" sz="2000" dirty="0">
-                <a:solidFill>
-                  <a:srgbClr val="000000"/>
-                </a:solidFill>
-              </a:rPr>
-              <a:t> </a:t>
-            </a:r>
-            <a:r>
-              <a:rPr lang="en-US" sz="2000" dirty="0">
-                <a:solidFill>
-                  <a:srgbClr val="7C4FCD"/>
-                </a:solidFill>
-              </a:rPr>
-              <a:t>0.0f</a:t>
-            </a:r>
-            <a:r>
-              <a:rPr lang="en-US" sz="2000" dirty="0">
-                <a:solidFill>
-                  <a:srgbClr val="000000"/>
-                </a:solidFill>
-              </a:rPr>
-              <a:t>, </a:t>
-            </a:r>
-            <a:endParaRPr lang="en-US" sz="2000" dirty="0"/>
-          </a:p>
-          <a:p>
-            <a:pPr fontAlgn="t"/>
-            <a:r>
-              <a:rPr lang="en-US" sz="2000" dirty="0">
-                <a:solidFill>
-                  <a:srgbClr val="000000"/>
-                </a:solidFill>
-              </a:rPr>
-              <a:t>      </a:t>
-            </a:r>
-            <a:r>
-              <a:rPr lang="en-US" sz="2000" dirty="0" err="1">
-                <a:solidFill>
-                  <a:srgbClr val="CB6500"/>
-                </a:solidFill>
-              </a:rPr>
-              <a:t>keysPressed</a:t>
-            </a:r>
-            <a:r>
-              <a:rPr lang="en-US" sz="2000" dirty="0">
-                <a:solidFill>
-                  <a:srgbClr val="000000"/>
-                </a:solidFill>
-              </a:rPr>
-              <a:t> </a:t>
-            </a:r>
-            <a:r>
-              <a:rPr lang="en-US" sz="2000" dirty="0">
-                <a:solidFill>
-                  <a:srgbClr val="C70040"/>
-                </a:solidFill>
-              </a:rPr>
-              <a:t>:</a:t>
-            </a:r>
-            <a:r>
-              <a:rPr lang="en-US" sz="2000" dirty="0">
-                <a:solidFill>
-                  <a:srgbClr val="000000"/>
-                </a:solidFill>
-              </a:rPr>
-              <a:t> </a:t>
-            </a:r>
-            <a:r>
-              <a:rPr lang="en-US" sz="2000" dirty="0">
-                <a:solidFill>
-                  <a:srgbClr val="34A7BD"/>
-                </a:solidFill>
-              </a:rPr>
-              <a:t>Set</a:t>
-            </a:r>
-            <a:r>
-              <a:rPr lang="en-US" sz="2000" dirty="0">
-                <a:solidFill>
-                  <a:srgbClr val="000000"/>
-                </a:solidFill>
-              </a:rPr>
-              <a:t>&lt;</a:t>
-            </a:r>
-            <a:r>
-              <a:rPr lang="en-US" sz="2000" dirty="0">
-                <a:solidFill>
-                  <a:srgbClr val="34A7BD"/>
-                </a:solidFill>
-              </a:rPr>
-              <a:t>String</a:t>
-            </a:r>
-            <a:r>
-              <a:rPr lang="en-US" sz="2000" dirty="0">
-                <a:solidFill>
-                  <a:srgbClr val="000000"/>
-                </a:solidFill>
-              </a:rPr>
-              <a:t>&gt; </a:t>
-            </a:r>
-            <a:r>
-              <a:rPr lang="en-US" sz="2000" dirty="0">
-                <a:solidFill>
-                  <a:srgbClr val="C70040"/>
-                </a:solidFill>
-              </a:rPr>
-              <a:t>=</a:t>
-            </a:r>
-            <a:r>
-              <a:rPr lang="en-US" sz="2000" dirty="0">
-                <a:solidFill>
-                  <a:srgbClr val="000000"/>
-                </a:solidFill>
-              </a:rPr>
-              <a:t> </a:t>
-            </a:r>
-            <a:r>
-              <a:rPr lang="en-US" sz="2000" dirty="0" err="1">
-                <a:solidFill>
-                  <a:srgbClr val="000000"/>
-                </a:solidFill>
-              </a:rPr>
-              <a:t>emptySet</a:t>
-            </a:r>
-            <a:r>
-              <a:rPr lang="en-US" sz="2000" dirty="0">
-                <a:solidFill>
-                  <a:srgbClr val="000000"/>
-                </a:solidFill>
-              </a:rPr>
-              <a:t>&lt;</a:t>
-            </a:r>
-            <a:r>
-              <a:rPr lang="en-US" sz="2000" dirty="0">
-                <a:solidFill>
-                  <a:srgbClr val="34A7BD"/>
-                </a:solidFill>
-              </a:rPr>
-              <a:t>String</a:t>
-            </a:r>
-            <a:r>
-              <a:rPr lang="en-US" sz="2000" dirty="0">
-                <a:solidFill>
-                  <a:srgbClr val="000000"/>
-                </a:solidFill>
-              </a:rPr>
-              <a:t>&gt;(), </a:t>
-            </a:r>
-            <a:endParaRPr lang="en-US" sz="2000" dirty="0"/>
-          </a:p>
-          <a:p>
-            <a:pPr fontAlgn="t"/>
-            <a:r>
-              <a:rPr lang="en-US" sz="2000" dirty="0">
-                <a:solidFill>
-                  <a:srgbClr val="000000"/>
-                </a:solidFill>
-              </a:rPr>
-              <a:t>      </a:t>
-            </a:r>
-            <a:r>
-              <a:rPr lang="en-US" sz="2000" dirty="0" err="1">
-                <a:solidFill>
-                  <a:srgbClr val="CB6500"/>
-                </a:solidFill>
-              </a:rPr>
-              <a:t>gameObjects</a:t>
-            </a:r>
-            <a:r>
-              <a:rPr lang="en-US" sz="2000" dirty="0">
-                <a:solidFill>
-                  <a:srgbClr val="000000"/>
-                </a:solidFill>
-              </a:rPr>
-              <a:t> </a:t>
-            </a:r>
-            <a:r>
-              <a:rPr lang="en-US" sz="2000" dirty="0">
-                <a:solidFill>
-                  <a:srgbClr val="C70040"/>
-                </a:solidFill>
-              </a:rPr>
-              <a:t>:</a:t>
-            </a:r>
-            <a:r>
-              <a:rPr lang="en-US" sz="2000" dirty="0">
-                <a:solidFill>
-                  <a:srgbClr val="000000"/>
-                </a:solidFill>
-              </a:rPr>
-              <a:t> </a:t>
-            </a:r>
-            <a:r>
-              <a:rPr lang="en-US" sz="2000" dirty="0">
-                <a:solidFill>
-                  <a:srgbClr val="34A7BD"/>
-                </a:solidFill>
-              </a:rPr>
-              <a:t>List</a:t>
-            </a:r>
-            <a:r>
-              <a:rPr lang="en-US" sz="2000" dirty="0">
-                <a:solidFill>
-                  <a:srgbClr val="000000"/>
-                </a:solidFill>
-              </a:rPr>
-              <a:t>&lt;</a:t>
-            </a:r>
-            <a:r>
-              <a:rPr lang="en-US" sz="2000" dirty="0" err="1">
-                <a:solidFill>
-                  <a:srgbClr val="000000"/>
-                </a:solidFill>
-              </a:rPr>
-              <a:t>GameObject</a:t>
-            </a:r>
-            <a:r>
-              <a:rPr lang="en-US" sz="2000" dirty="0">
-                <a:solidFill>
-                  <a:srgbClr val="000000"/>
-                </a:solidFill>
-              </a:rPr>
-              <a:t>&gt; </a:t>
-            </a:r>
-            <a:r>
-              <a:rPr lang="en-US" sz="2000" dirty="0">
-                <a:solidFill>
-                  <a:srgbClr val="C70040"/>
-                </a:solidFill>
-              </a:rPr>
-              <a:t>=</a:t>
-            </a:r>
-            <a:r>
-              <a:rPr lang="en-US" sz="2000" dirty="0">
-                <a:solidFill>
-                  <a:srgbClr val="000000"/>
-                </a:solidFill>
-              </a:rPr>
-              <a:t> </a:t>
-            </a:r>
-            <a:r>
-              <a:rPr lang="en-US" sz="2000" dirty="0" err="1">
-                <a:solidFill>
-                  <a:srgbClr val="000000"/>
-                </a:solidFill>
-              </a:rPr>
-              <a:t>emptyList</a:t>
-            </a:r>
-            <a:r>
-              <a:rPr lang="en-US" sz="2000" dirty="0">
-                <a:solidFill>
-                  <a:srgbClr val="000000"/>
-                </a:solidFill>
-              </a:rPr>
-              <a:t>&lt;</a:t>
-            </a:r>
-            <a:r>
-              <a:rPr lang="en-US" sz="2000" dirty="0" err="1">
-                <a:solidFill>
-                  <a:srgbClr val="000000"/>
-                </a:solidFill>
-              </a:rPr>
-              <a:t>GameObject</a:t>
-            </a:r>
-            <a:r>
-              <a:rPr lang="en-US" sz="2000" dirty="0">
-                <a:solidFill>
-                  <a:srgbClr val="000000"/>
-                </a:solidFill>
-              </a:rPr>
-              <a:t>&gt;()</a:t>
-            </a:r>
-          </a:p>
-          <a:p>
-            <a:pPr fontAlgn="t"/>
-            <a:r>
-              <a:rPr lang="en-US" sz="2000" dirty="0">
-                <a:solidFill>
-                  <a:srgbClr val="000000"/>
-                </a:solidFill>
-              </a:rPr>
-              <a:t>      ) </a:t>
-            </a:r>
-            <a:r>
-              <a:rPr lang="en-US" sz="2000" dirty="0">
-                <a:solidFill>
-                  <a:srgbClr val="C70040"/>
-                </a:solidFill>
-              </a:rPr>
-              <a:t>:</a:t>
-            </a:r>
-            <a:r>
-              <a:rPr lang="en-US" sz="2000" dirty="0">
-                <a:solidFill>
-                  <a:srgbClr val="000000"/>
-                </a:solidFill>
-              </a:rPr>
-              <a:t> </a:t>
-            </a:r>
-            <a:r>
-              <a:rPr lang="en-US" sz="2000" dirty="0">
-                <a:solidFill>
-                  <a:srgbClr val="34A7BD"/>
-                </a:solidFill>
-              </a:rPr>
-              <a:t>Boolean</a:t>
-            </a:r>
-            <a:r>
-              <a:rPr lang="en-US" sz="2000" dirty="0">
-                <a:solidFill>
-                  <a:srgbClr val="000000"/>
-                </a:solidFill>
-              </a:rPr>
-              <a:t> { </a:t>
-            </a:r>
-            <a:endParaRPr lang="en-US" sz="2000" dirty="0"/>
-          </a:p>
-          <a:p>
-            <a:pPr fontAlgn="t"/>
-            <a:r>
-              <a:rPr lang="en-US" sz="2000" dirty="0">
-                <a:solidFill>
-                  <a:srgbClr val="000000"/>
-                </a:solidFill>
-              </a:rPr>
-              <a:t>    </a:t>
-            </a:r>
-            <a:r>
-              <a:rPr lang="en-US" sz="2000" dirty="0">
-                <a:solidFill>
-                  <a:srgbClr val="C70040"/>
-                </a:solidFill>
-              </a:rPr>
-              <a:t>return</a:t>
-            </a:r>
-            <a:r>
-              <a:rPr lang="en-US" sz="2000" dirty="0">
-                <a:solidFill>
-                  <a:srgbClr val="000000"/>
-                </a:solidFill>
-              </a:rPr>
-              <a:t> </a:t>
-            </a:r>
-            <a:r>
-              <a:rPr lang="en-US" sz="2000" dirty="0">
-                <a:solidFill>
-                  <a:srgbClr val="7C4FCD"/>
-                </a:solidFill>
-              </a:rPr>
-              <a:t>true</a:t>
-            </a:r>
-            <a:r>
-              <a:rPr lang="en-US" sz="2000" dirty="0">
-                <a:solidFill>
-                  <a:srgbClr val="000000"/>
-                </a:solidFill>
-              </a:rPr>
-              <a:t>; </a:t>
-            </a:r>
-            <a:endParaRPr lang="en-US" sz="2000" dirty="0"/>
-          </a:p>
-          <a:p>
-            <a:pPr fontAlgn="t"/>
-            <a:r>
-              <a:rPr lang="en-US" sz="2000" dirty="0">
-                <a:solidFill>
-                  <a:srgbClr val="000000"/>
-                </a:solidFill>
-              </a:rPr>
-              <a:t>  }</a:t>
+              <a:t>  var move = Motion()</a:t>
             </a:r>
             <a:endParaRPr lang="en-US" sz="2000" dirty="0"/>
           </a:p>
@@ -6949,7 +7562,7 @@
         </p:nvSpPr>
         <p:spPr>
           <a:xfrm>
-            <a:off x="6604572" y="4940522"/>
+            <a:off x="6883711" y="5072045"/>
             <a:ext cx="1362073" cy="1200329"/>
           </a:xfrm>
           <a:prstGeom prst="rect">
@@ -6991,7 +7604,7 @@
         </p:nvCxnSpPr>
         <p:spPr>
           <a:xfrm flipH="1" flipV="1">
-            <a:off x="2514600" y="4710793"/>
+            <a:off x="2793739" y="4842316"/>
             <a:ext cx="4089972" cy="829894"/>
           </a:xfrm>
           <a:prstGeom prst="straightConnector1">
@@ -7027,7 +7640,7 @@
         </p:nvSpPr>
         <p:spPr>
           <a:xfrm>
-            <a:off x="0" y="6140851"/>
+            <a:off x="339865" y="6229863"/>
             <a:ext cx="2614992" cy="369332"/>
           </a:xfrm>
           <a:prstGeom prst="rect">
@@ -7063,14 +7676,15 @@
         <p:nvCxnSpPr>
           <p:cNvPr id="16" name="Straight Arrow Connector 15"/>
           <p:cNvCxnSpPr>
+            <a:cxnSpLocks/>
             <a:stCxn id="15" idx="0"/>
           </p:cNvCxnSpPr>
           <p:nvPr/>
         </p:nvCxnSpPr>
         <p:spPr>
           <a:xfrm flipH="1" flipV="1">
-            <a:off x="210312" y="2642616"/>
-            <a:ext cx="1097184" cy="3498235"/>
+            <a:off x="461246" y="2864581"/>
+            <a:ext cx="1186115" cy="3365282"/>
           </a:xfrm>
           <a:prstGeom prst="straightConnector1">
             <a:avLst/>
@@ -7101,14 +7715,15 @@
         <p:nvCxnSpPr>
           <p:cNvPr id="19" name="Straight Arrow Connector 18"/>
           <p:cNvCxnSpPr>
+            <a:cxnSpLocks/>
             <a:stCxn id="15" idx="0"/>
           </p:cNvCxnSpPr>
           <p:nvPr/>
         </p:nvCxnSpPr>
         <p:spPr>
           <a:xfrm flipH="1" flipV="1">
-            <a:off x="704088" y="3246120"/>
-            <a:ext cx="603408" cy="2894731"/>
+            <a:off x="898216" y="3188262"/>
+            <a:ext cx="749145" cy="3041601"/>
           </a:xfrm>
           <a:prstGeom prst="straightConnector1">
             <a:avLst/>
@@ -7138,7 +7753,7 @@
     </p:spTree>
     <p:extLst>
       <p:ext uri="{BB962C8B-B14F-4D97-AF65-F5344CB8AC3E}">
-        <p14:creationId xmlns:p14="http://schemas.microsoft.com/office/powerpoint/2010/main" val="1101869073"/>
+        <p14:creationId xmlns:p14="http://schemas.microsoft.com/office/powerpoint/2010/main" val="4234883663"/>
       </p:ext>
     </p:extLst>
   </p:cSld>
@@ -7214,7 +7829,7 @@
               </a:lnSpc>
             </a:pPr>
             <a:r>
-              <a:rPr lang="en-US" sz="1800" dirty="0" err="1">
+              <a:rPr lang="en-US" sz="1600" dirty="0" err="1">
                 <a:solidFill>
                   <a:srgbClr val="C70040"/>
                 </a:solidFill>
@@ -7224,7 +7839,7 @@
               <a:t>val</a:t>
             </a:r>
             <a:r>
-              <a:rPr lang="en-US" sz="1800" dirty="0">
+              <a:rPr lang="en-US" sz="1600" dirty="0">
                 <a:solidFill>
                   <a:srgbClr val="000000"/>
                 </a:solidFill>
@@ -7234,7 +7849,7 @@
               <a:t> avatar </a:t>
             </a:r>
             <a:r>
-              <a:rPr lang="en-US" sz="1800" dirty="0">
+              <a:rPr lang="en-US" sz="1600" dirty="0">
                 <a:solidFill>
                   <a:srgbClr val="C70040"/>
                 </a:solidFill>
@@ -7244,7 +7859,7 @@
               <a:t>=</a:t>
             </a:r>
             <a:r>
-              <a:rPr lang="en-US" sz="1800" dirty="0">
+              <a:rPr lang="en-US" sz="1600" dirty="0">
                 <a:solidFill>
                   <a:srgbClr val="000000"/>
                 </a:solidFill>
@@ -7254,47 +7869,7 @@
               <a:t> </a:t>
             </a:r>
             <a:r>
-              <a:rPr lang="en-US" sz="1800" dirty="0">
-                <a:solidFill>
-                  <a:srgbClr val="C70040"/>
-                </a:solidFill>
-                <a:ea typeface="Times New Roman" panose="02020603050405020304" pitchFamily="18" charset="0"/>
-                <a:cs typeface="Times New Roman" panose="02020603050405020304" pitchFamily="18" charset="0"/>
-              </a:rPr>
-              <a:t>object</a:t>
-            </a:r>
-            <a:r>
-              <a:rPr lang="en-US" sz="1800" dirty="0">
-                <a:solidFill>
-                  <a:srgbClr val="000000"/>
-                </a:solidFill>
-                <a:ea typeface="Times New Roman" panose="02020603050405020304" pitchFamily="18" charset="0"/>
-                <a:cs typeface="Times New Roman" panose="02020603050405020304" pitchFamily="18" charset="0"/>
-              </a:rPr>
-              <a:t> </a:t>
-            </a:r>
-            <a:r>
-              <a:rPr lang="en-US" sz="1800" dirty="0">
-                <a:solidFill>
-                  <a:srgbClr val="C70040"/>
-                </a:solidFill>
-                <a:ea typeface="Times New Roman" panose="02020603050405020304" pitchFamily="18" charset="0"/>
-                <a:cs typeface="Times New Roman" panose="02020603050405020304" pitchFamily="18" charset="0"/>
-              </a:rPr>
-              <a:t>:</a:t>
-            </a:r>
-            <a:r>
-              <a:rPr lang="en-US" sz="1800" dirty="0">
-                <a:solidFill>
-                  <a:srgbClr val="000000"/>
-                </a:solidFill>
-                <a:ea typeface="Times New Roman" panose="02020603050405020304" pitchFamily="18" charset="0"/>
-                <a:cs typeface="Times New Roman" panose="02020603050405020304" pitchFamily="18" charset="0"/>
-              </a:rPr>
-              <a:t> </a:t>
-            </a:r>
-            <a:r>
-              <a:rPr lang="en-US" sz="1800" i="1" dirty="0" err="1">
+              <a:rPr lang="en-US" sz="1600" i="1" dirty="0" err="1">
                 <a:solidFill>
                   <a:srgbClr val="427E00"/>
                 </a:solidFill>
@@ -7304,7 +7879,7 @@
               <a:t>GameObject</a:t>
             </a:r>
             <a:r>
-              <a:rPr lang="en-US" sz="1800" dirty="0">
+              <a:rPr lang="en-US" sz="1600" dirty="0">
                 <a:solidFill>
                   <a:srgbClr val="000000"/>
                 </a:solidFill>
@@ -7314,7 +7889,7 @@
               <a:t>(Mesh(</a:t>
             </a:r>
             <a:r>
-              <a:rPr lang="en-US" sz="1800" dirty="0" err="1">
+              <a:rPr lang="en-US" sz="1600" dirty="0" err="1">
                 <a:solidFill>
                   <a:srgbClr val="000000"/>
                 </a:solidFill>
@@ -7324,7 +7899,7 @@
               <a:t>asteroidMaterial</a:t>
             </a:r>
             <a:r>
-              <a:rPr lang="en-US" sz="1800" dirty="0">
+              <a:rPr lang="en-US" sz="1600" dirty="0">
                 <a:solidFill>
                   <a:srgbClr val="000000"/>
                 </a:solidFill>
@@ -7334,7 +7909,7 @@
               <a:t>, </a:t>
             </a:r>
             <a:r>
-              <a:rPr lang="en-US" sz="1800" dirty="0" err="1">
+              <a:rPr lang="en-US" sz="1600" dirty="0" err="1">
                 <a:solidFill>
                   <a:srgbClr val="000000"/>
                 </a:solidFill>
@@ -7344,14 +7919,14 @@
               <a:t>quadGeometry</a:t>
             </a:r>
             <a:r>
-              <a:rPr lang="en-US" sz="1800" dirty="0">
-                <a:solidFill>
-                  <a:srgbClr val="000000"/>
-                </a:solidFill>
-                <a:ea typeface="Times New Roman" panose="02020603050405020304" pitchFamily="18" charset="0"/>
-                <a:cs typeface="Times New Roman" panose="02020603050405020304" pitchFamily="18" charset="0"/>
-              </a:rPr>
-              <a:t>)){</a:t>
+              <a:rPr lang="en-US" sz="1600" dirty="0">
+                <a:solidFill>
+                  <a:srgbClr val="000000"/>
+                </a:solidFill>
+                <a:ea typeface="Times New Roman" panose="02020603050405020304" pitchFamily="18" charset="0"/>
+                <a:cs typeface="Times New Roman" panose="02020603050405020304" pitchFamily="18" charset="0"/>
+              </a:rPr>
+              <a:t>)).apply{</a:t>
             </a:r>
           </a:p>
           <a:p>
@@ -7361,27 +7936,112 @@
               </a:lnSpc>
             </a:pPr>
             <a:r>
-              <a:rPr lang="en-US" sz="1800" dirty="0">
+              <a:rPr lang="en-US" sz="1600" dirty="0">
+                <a:solidFill>
+                  <a:srgbClr val="000000"/>
+                </a:solidFill>
+                <a:ea typeface="Times New Roman" panose="02020603050405020304" pitchFamily="18" charset="0"/>
+                <a:cs typeface="Times New Roman" panose="02020603050405020304" pitchFamily="18" charset="0"/>
+              </a:rPr>
+              <a:t>  move = </a:t>
+            </a:r>
+            <a:r>
+              <a:rPr lang="en-US" sz="1600" dirty="0">
                 <a:solidFill>
                   <a:srgbClr val="C70040"/>
                 </a:solidFill>
                 <a:ea typeface="Times New Roman" panose="02020603050405020304" pitchFamily="18" charset="0"/>
                 <a:cs typeface="Times New Roman" panose="02020603050405020304" pitchFamily="18" charset="0"/>
               </a:rPr>
-              <a:t>  </a:t>
-            </a:r>
-            <a:r>
-              <a:rPr lang="en-US" sz="1800" dirty="0" err="1">
+              <a:t>object</a:t>
+            </a:r>
+            <a:r>
+              <a:rPr lang="en-US" sz="1600" dirty="0">
+                <a:solidFill>
+                  <a:srgbClr val="000000"/>
+                </a:solidFill>
+                <a:ea typeface="Times New Roman" panose="02020603050405020304" pitchFamily="18" charset="0"/>
+                <a:cs typeface="Times New Roman" panose="02020603050405020304" pitchFamily="18" charset="0"/>
+              </a:rPr>
+              <a:t> </a:t>
+            </a:r>
+            <a:r>
+              <a:rPr lang="en-US" sz="1600" dirty="0">
                 <a:solidFill>
                   <a:srgbClr val="C70040"/>
                 </a:solidFill>
                 <a:ea typeface="Times New Roman" panose="02020603050405020304" pitchFamily="18" charset="0"/>
                 <a:cs typeface="Times New Roman" panose="02020603050405020304" pitchFamily="18" charset="0"/>
               </a:rPr>
+              <a:t>: </a:t>
+            </a:r>
+            <a:r>
+              <a:rPr lang="en-US" sz="1600" i="1" dirty="0" err="1">
+                <a:solidFill>
+                  <a:srgbClr val="427E00"/>
+                </a:solidFill>
+                <a:ea typeface="Times New Roman" panose="02020603050405020304" pitchFamily="18" charset="0"/>
+                <a:cs typeface="Times New Roman" panose="02020603050405020304" pitchFamily="18" charset="0"/>
+              </a:rPr>
+              <a:t>GameObject</a:t>
+            </a:r>
+            <a:r>
+              <a:rPr lang="en-US" sz="1600" dirty="0" err="1">
+                <a:solidFill>
+                  <a:srgbClr val="C70040"/>
+                </a:solidFill>
+                <a:cs typeface="Times New Roman" panose="02020603050405020304" pitchFamily="18" charset="0"/>
+              </a:rPr>
+              <a:t>.</a:t>
+            </a:r>
+            <a:r>
+              <a:rPr lang="en-US" sz="1600" i="1" dirty="0" err="1">
+                <a:solidFill>
+                  <a:srgbClr val="427E00"/>
+                </a:solidFill>
+                <a:ea typeface="Times New Roman" panose="02020603050405020304" pitchFamily="18" charset="0"/>
+                <a:cs typeface="Times New Roman" panose="02020603050405020304" pitchFamily="18" charset="0"/>
+              </a:rPr>
+              <a:t>Motion</a:t>
+            </a:r>
+            <a:r>
+              <a:rPr lang="en-US" sz="1600" dirty="0">
+                <a:solidFill>
+                  <a:srgbClr val="000000"/>
+                </a:solidFill>
+                <a:cs typeface="Times New Roman" panose="02020603050405020304" pitchFamily="18" charset="0"/>
+              </a:rPr>
+              <a:t>(){</a:t>
+            </a:r>
+          </a:p>
+          <a:p>
+            <a:pPr>
+              <a:lnSpc>
+                <a:spcPct val="107000"/>
+              </a:lnSpc>
+            </a:pPr>
+            <a:r>
+              <a:rPr lang="en-US" sz="1600" dirty="0">
+                <a:solidFill>
+                  <a:srgbClr val="C70040"/>
+                </a:solidFill>
+                <a:ea typeface="Times New Roman" panose="02020603050405020304" pitchFamily="18" charset="0"/>
+                <a:cs typeface="Times New Roman" panose="02020603050405020304" pitchFamily="18" charset="0"/>
+              </a:rPr>
+              <a:t>    </a:t>
+            </a:r>
+            <a:r>
+              <a:rPr lang="en-US" sz="1600" dirty="0" err="1">
+                <a:solidFill>
+                  <a:srgbClr val="C70040"/>
+                </a:solidFill>
+                <a:ea typeface="Times New Roman" panose="02020603050405020304" pitchFamily="18" charset="0"/>
+                <a:cs typeface="Times New Roman" panose="02020603050405020304" pitchFamily="18" charset="0"/>
+              </a:rPr>
               <a:t>val</a:t>
             </a:r>
             <a:r>
-              <a:rPr lang="en-US" sz="1800" dirty="0">
+              <a:rPr lang="en-US" sz="1600" dirty="0">
                 <a:solidFill>
                   <a:srgbClr val="C70040"/>
                 </a:solidFill>
@@ -7391,7 +8051,7 @@
               <a:t> </a:t>
             </a:r>
             <a:r>
-              <a:rPr lang="en-US" sz="1800" dirty="0">
+              <a:rPr lang="en-US" sz="1600" dirty="0">
                 <a:solidFill>
                   <a:srgbClr val="000000"/>
                 </a:solidFill>
@@ -7401,7 +8061,7 @@
               <a:t>velocity </a:t>
             </a:r>
             <a:r>
-              <a:rPr lang="en-US" sz="1800" dirty="0">
+              <a:rPr lang="en-US" sz="1600" dirty="0">
                 <a:solidFill>
                   <a:srgbClr val="C70040"/>
                 </a:solidFill>
@@ -7439,17 +8099,17 @@
               </a:tabLst>
             </a:pPr>
             <a:r>
-              <a:rPr lang="en-US" sz="1800" dirty="0">
+              <a:rPr lang="en-US" sz="1600" dirty="0">
                 <a:solidFill>
                   <a:srgbClr val="C70040"/>
                 </a:solidFill>
                 <a:ea typeface="Times New Roman" panose="02020603050405020304" pitchFamily="18" charset="0"/>
                 <a:cs typeface="Times New Roman" panose="02020603050405020304" pitchFamily="18" charset="0"/>
               </a:rPr>
-              <a:t>  override</a:t>
-            </a:r>
-            <a:r>
-              <a:rPr lang="en-US" sz="1800" dirty="0">
+              <a:t>    override operator fun</a:t>
+            </a:r>
+            <a:r>
+              <a:rPr lang="en-US" sz="1600" dirty="0">
                 <a:solidFill>
                   <a:srgbClr val="000000"/>
                 </a:solidFill>
@@ -7459,17 +8119,57 @@
               <a:t> </a:t>
             </a:r>
             <a:r>
-              <a:rPr lang="en-US" sz="1800" dirty="0">
+              <a:rPr lang="en-US" sz="1600" dirty="0">
+                <a:solidFill>
+                  <a:srgbClr val="427E00"/>
+                </a:solidFill>
+                <a:ea typeface="Times New Roman" panose="02020603050405020304" pitchFamily="18" charset="0"/>
+                <a:cs typeface="Times New Roman" panose="02020603050405020304" pitchFamily="18" charset="0"/>
+              </a:rPr>
+              <a:t>invoke</a:t>
+            </a:r>
+            <a:r>
+              <a:rPr lang="en-US" sz="1600" dirty="0">
+                <a:solidFill>
+                  <a:srgbClr val="000000"/>
+                </a:solidFill>
+                <a:ea typeface="Times New Roman" panose="02020603050405020304" pitchFamily="18" charset="0"/>
+                <a:cs typeface="Times New Roman" panose="02020603050405020304" pitchFamily="18" charset="0"/>
+              </a:rPr>
+              <a:t>(</a:t>
+            </a:r>
+            <a:r>
+              <a:rPr lang="en-US" sz="1600" i="1" dirty="0">
+                <a:solidFill>
+                  <a:srgbClr val="CB6500"/>
+                </a:solidFill>
+                <a:ea typeface="Times New Roman" panose="02020603050405020304" pitchFamily="18" charset="0"/>
+                <a:cs typeface="Times New Roman" panose="02020603050405020304" pitchFamily="18" charset="0"/>
+              </a:rPr>
+              <a:t>dt</a:t>
+            </a:r>
+            <a:r>
+              <a:rPr lang="en-US" sz="1600" dirty="0">
+                <a:solidFill>
+                  <a:srgbClr val="000000"/>
+                </a:solidFill>
+                <a:ea typeface="Times New Roman" panose="02020603050405020304" pitchFamily="18" charset="0"/>
+                <a:cs typeface="Times New Roman" panose="02020603050405020304" pitchFamily="18" charset="0"/>
+              </a:rPr>
+              <a:t> </a:t>
+            </a:r>
+            <a:r>
+              <a:rPr lang="en-US" sz="1600" dirty="0">
                 <a:solidFill>
                   <a:srgbClr val="C70040"/>
                 </a:solidFill>
                 <a:ea typeface="Times New Roman" panose="02020603050405020304" pitchFamily="18" charset="0"/>
                 <a:cs typeface="Times New Roman" panose="02020603050405020304" pitchFamily="18" charset="0"/>
               </a:rPr>
-              <a:t>fun</a:t>
-            </a:r>
-            <a:r>
-              <a:rPr lang="en-US" sz="1800" dirty="0">
+              <a:t>:</a:t>
+            </a:r>
+            <a:r>
+              <a:rPr lang="en-US" sz="1600" dirty="0">
                 <a:solidFill>
                   <a:srgbClr val="000000"/>
                 </a:solidFill>
@@ -7479,37 +8179,37 @@
               <a:t> </a:t>
             </a:r>
             <a:r>
-              <a:rPr lang="en-US" sz="1800" dirty="0">
-                <a:solidFill>
-                  <a:srgbClr val="427E00"/>
-                </a:solidFill>
-                <a:ea typeface="Times New Roman" panose="02020603050405020304" pitchFamily="18" charset="0"/>
-                <a:cs typeface="Times New Roman" panose="02020603050405020304" pitchFamily="18" charset="0"/>
-              </a:rPr>
-              <a:t>move</a:t>
-            </a:r>
-            <a:r>
-              <a:rPr lang="en-US" sz="1800" dirty="0">
-                <a:solidFill>
-                  <a:srgbClr val="000000"/>
-                </a:solidFill>
-                <a:ea typeface="Times New Roman" panose="02020603050405020304" pitchFamily="18" charset="0"/>
-                <a:cs typeface="Times New Roman" panose="02020603050405020304" pitchFamily="18" charset="0"/>
-              </a:rPr>
-              <a:t>(</a:t>
-            </a:r>
-            <a:r>
-              <a:rPr lang="en-US" sz="1800" i="1" dirty="0" err="1">
+              <a:rPr lang="en-US" sz="1600" i="1" dirty="0">
+                <a:solidFill>
+                  <a:srgbClr val="34A7BD"/>
+                </a:solidFill>
+                <a:ea typeface="Times New Roman" panose="02020603050405020304" pitchFamily="18" charset="0"/>
+                <a:cs typeface="Times New Roman" panose="02020603050405020304" pitchFamily="18" charset="0"/>
+              </a:rPr>
+              <a:t>Float</a:t>
+            </a:r>
+            <a:r>
+              <a:rPr lang="en-US" sz="1600" dirty="0">
+                <a:solidFill>
+                  <a:srgbClr val="000000"/>
+                </a:solidFill>
+                <a:ea typeface="Times New Roman" panose="02020603050405020304" pitchFamily="18" charset="0"/>
+                <a:cs typeface="Times New Roman" panose="02020603050405020304" pitchFamily="18" charset="0"/>
+              </a:rPr>
+              <a:t>, </a:t>
+            </a:r>
+            <a:r>
+              <a:rPr lang="en-US" sz="1600" i="1" dirty="0">
                 <a:solidFill>
                   <a:srgbClr val="CB6500"/>
                 </a:solidFill>
                 <a:ea typeface="Times New Roman" panose="02020603050405020304" pitchFamily="18" charset="0"/>
                 <a:cs typeface="Times New Roman" panose="02020603050405020304" pitchFamily="18" charset="0"/>
               </a:rPr>
-              <a:t>dt</a:t>
-            </a:r>
-            <a:r>
-              <a:rPr lang="en-US" sz="1800" dirty="0">
+              <a:t>t</a:t>
+            </a:r>
+            <a:r>
+              <a:rPr lang="en-US" sz="1600" dirty="0">
                 <a:solidFill>
                   <a:srgbClr val="000000"/>
                 </a:solidFill>
@@ -7519,7 +8219,7 @@
               <a:t> </a:t>
             </a:r>
             <a:r>
-              <a:rPr lang="en-US" sz="1800" dirty="0">
+              <a:rPr lang="en-US" sz="1600" dirty="0">
                 <a:solidFill>
                   <a:srgbClr val="C70040"/>
                 </a:solidFill>
@@ -7529,7 +8229,7 @@
               <a:t>:</a:t>
             </a:r>
             <a:r>
-              <a:rPr lang="en-US" sz="1800" dirty="0">
+              <a:rPr lang="en-US" sz="1600" dirty="0">
                 <a:solidFill>
                   <a:srgbClr val="000000"/>
                 </a:solidFill>
@@ -7539,7 +8239,7 @@
               <a:t> </a:t>
             </a:r>
             <a:r>
-              <a:rPr lang="en-US" sz="1800" i="1" dirty="0">
+              <a:rPr lang="en-US" sz="1600" i="1" dirty="0">
                 <a:solidFill>
                   <a:srgbClr val="34A7BD"/>
                 </a:solidFill>
@@ -7549,67 +8249,7 @@
               <a:t>Float</a:t>
             </a:r>
             <a:r>
-              <a:rPr lang="en-US" sz="1800" dirty="0">
-                <a:solidFill>
-                  <a:srgbClr val="000000"/>
-                </a:solidFill>
-                <a:ea typeface="Times New Roman" panose="02020603050405020304" pitchFamily="18" charset="0"/>
-                <a:cs typeface="Times New Roman" panose="02020603050405020304" pitchFamily="18" charset="0"/>
-              </a:rPr>
-              <a:t>, </a:t>
-            </a:r>
-            <a:r>
-              <a:rPr lang="en-US" sz="1800" i="1" dirty="0">
-                <a:solidFill>
-                  <a:srgbClr val="CB6500"/>
-                </a:solidFill>
-                <a:ea typeface="Times New Roman" panose="02020603050405020304" pitchFamily="18" charset="0"/>
-                <a:cs typeface="Times New Roman" panose="02020603050405020304" pitchFamily="18" charset="0"/>
-              </a:rPr>
-              <a:t>t</a:t>
-            </a:r>
-            <a:r>
-              <a:rPr lang="en-US" sz="1800" dirty="0">
-                <a:solidFill>
-                  <a:srgbClr val="000000"/>
-                </a:solidFill>
-                <a:ea typeface="Times New Roman" panose="02020603050405020304" pitchFamily="18" charset="0"/>
-                <a:cs typeface="Times New Roman" panose="02020603050405020304" pitchFamily="18" charset="0"/>
-              </a:rPr>
-              <a:t> </a:t>
-            </a:r>
-            <a:r>
-              <a:rPr lang="en-US" sz="1800" dirty="0">
-                <a:solidFill>
-                  <a:srgbClr val="C70040"/>
-                </a:solidFill>
-                <a:ea typeface="Times New Roman" panose="02020603050405020304" pitchFamily="18" charset="0"/>
-                <a:cs typeface="Times New Roman" panose="02020603050405020304" pitchFamily="18" charset="0"/>
-              </a:rPr>
-              <a:t>:</a:t>
-            </a:r>
-            <a:r>
-              <a:rPr lang="en-US" sz="1800" dirty="0">
-                <a:solidFill>
-                  <a:srgbClr val="000000"/>
-                </a:solidFill>
-                <a:ea typeface="Times New Roman" panose="02020603050405020304" pitchFamily="18" charset="0"/>
-                <a:cs typeface="Times New Roman" panose="02020603050405020304" pitchFamily="18" charset="0"/>
-              </a:rPr>
-              <a:t> </a:t>
-            </a:r>
-            <a:r>
-              <a:rPr lang="en-US" sz="1800" i="1" dirty="0">
-                <a:solidFill>
-                  <a:srgbClr val="34A7BD"/>
-                </a:solidFill>
-                <a:ea typeface="Times New Roman" panose="02020603050405020304" pitchFamily="18" charset="0"/>
-                <a:cs typeface="Times New Roman" panose="02020603050405020304" pitchFamily="18" charset="0"/>
-              </a:rPr>
-              <a:t>Float</a:t>
-            </a:r>
-            <a:r>
-              <a:rPr lang="en-US" sz="1800" dirty="0">
+              <a:rPr lang="en-US" sz="1600" dirty="0">
                 <a:solidFill>
                   <a:srgbClr val="000000"/>
                 </a:solidFill>
@@ -7647,47 +8287,137 @@
               </a:tabLst>
             </a:pPr>
             <a:r>
-              <a:rPr lang="en-US" sz="1800" i="1" dirty="0">
-                <a:solidFill>
-                  <a:srgbClr val="000000"/>
-                </a:solidFill>
-                <a:ea typeface="Times New Roman" panose="02020603050405020304" pitchFamily="18" charset="0"/>
-                <a:cs typeface="Times New Roman" panose="02020603050405020304" pitchFamily="18" charset="0"/>
-              </a:rPr>
-              <a:t>  </a:t>
-            </a:r>
-            <a:r>
-              <a:rPr lang="en-US" sz="1800" i="1" dirty="0">
+              <a:rPr lang="en-US" sz="1600" i="1" dirty="0">
+                <a:solidFill>
+                  <a:srgbClr val="000000"/>
+                </a:solidFill>
+                <a:ea typeface="Times New Roman" panose="02020603050405020304" pitchFamily="18" charset="0"/>
+                <a:cs typeface="Times New Roman" panose="02020603050405020304" pitchFamily="18" charset="0"/>
+              </a:rPr>
+              <a:t>    </a:t>
+            </a:r>
+            <a:r>
+              <a:rPr lang="en-US" sz="1600" i="1" dirty="0">
                 <a:solidFill>
                   <a:srgbClr val="CB6500"/>
                 </a:solidFill>
                 <a:ea typeface="Times New Roman" panose="02020603050405020304" pitchFamily="18" charset="0"/>
                 <a:cs typeface="Times New Roman" panose="02020603050405020304" pitchFamily="18" charset="0"/>
               </a:rPr>
+              <a:t>      </a:t>
+            </a:r>
+            <a:r>
+              <a:rPr lang="en-US" sz="1600" i="1" dirty="0" err="1">
+                <a:solidFill>
+                  <a:srgbClr val="CB6500"/>
+                </a:solidFill>
+                <a:ea typeface="Times New Roman" panose="02020603050405020304" pitchFamily="18" charset="0"/>
+                <a:cs typeface="Times New Roman" panose="02020603050405020304" pitchFamily="18" charset="0"/>
+              </a:rPr>
+              <a:t>keysPressed</a:t>
+            </a:r>
+            <a:r>
+              <a:rPr lang="en-US" sz="1600" dirty="0">
+                <a:solidFill>
+                  <a:srgbClr val="000000"/>
+                </a:solidFill>
+                <a:ea typeface="Times New Roman" panose="02020603050405020304" pitchFamily="18" charset="0"/>
+                <a:cs typeface="Times New Roman" panose="02020603050405020304" pitchFamily="18" charset="0"/>
+              </a:rPr>
               <a:t> </a:t>
             </a:r>
             <a:r>
-              <a:rPr lang="en-US" sz="1800" i="1" dirty="0" err="1">
+              <a:rPr lang="en-US" sz="1600" dirty="0">
+                <a:solidFill>
+                  <a:srgbClr val="C70040"/>
+                </a:solidFill>
+                <a:ea typeface="Times New Roman" panose="02020603050405020304" pitchFamily="18" charset="0"/>
+                <a:cs typeface="Times New Roman" panose="02020603050405020304" pitchFamily="18" charset="0"/>
+              </a:rPr>
+              <a:t>:</a:t>
+            </a:r>
+            <a:r>
+              <a:rPr lang="en-US" sz="1600" dirty="0">
+                <a:solidFill>
+                  <a:srgbClr val="000000"/>
+                </a:solidFill>
+                <a:ea typeface="Times New Roman" panose="02020603050405020304" pitchFamily="18" charset="0"/>
+                <a:cs typeface="Times New Roman" panose="02020603050405020304" pitchFamily="18" charset="0"/>
+              </a:rPr>
+              <a:t> </a:t>
+            </a:r>
+            <a:r>
+              <a:rPr lang="en-US" sz="1600" i="1" dirty="0">
+                <a:solidFill>
+                  <a:srgbClr val="34A7BD"/>
+                </a:solidFill>
+                <a:ea typeface="Times New Roman" panose="02020603050405020304" pitchFamily="18" charset="0"/>
+                <a:cs typeface="Times New Roman" panose="02020603050405020304" pitchFamily="18" charset="0"/>
+              </a:rPr>
+              <a:t>Set</a:t>
+            </a:r>
+            <a:r>
+              <a:rPr lang="en-US" sz="1600" dirty="0">
+                <a:solidFill>
+                  <a:srgbClr val="000000"/>
+                </a:solidFill>
+                <a:ea typeface="Times New Roman" panose="02020603050405020304" pitchFamily="18" charset="0"/>
+                <a:cs typeface="Times New Roman" panose="02020603050405020304" pitchFamily="18" charset="0"/>
+              </a:rPr>
+              <a:t>&lt;</a:t>
+            </a:r>
+            <a:r>
+              <a:rPr lang="en-US" sz="1600" i="1" dirty="0">
+                <a:solidFill>
+                  <a:srgbClr val="34A7BD"/>
+                </a:solidFill>
+                <a:ea typeface="Times New Roman" panose="02020603050405020304" pitchFamily="18" charset="0"/>
+                <a:cs typeface="Times New Roman" panose="02020603050405020304" pitchFamily="18" charset="0"/>
+              </a:rPr>
+              <a:t>String</a:t>
+            </a:r>
+            <a:r>
+              <a:rPr lang="en-US" sz="1600" dirty="0">
+                <a:solidFill>
+                  <a:srgbClr val="000000"/>
+                </a:solidFill>
+                <a:ea typeface="Times New Roman" panose="02020603050405020304" pitchFamily="18" charset="0"/>
+                <a:cs typeface="Times New Roman" panose="02020603050405020304" pitchFamily="18" charset="0"/>
+              </a:rPr>
+              <a:t>&gt;,</a:t>
+            </a:r>
+            <a:r>
+              <a:rPr lang="en-US" sz="1600" i="1" dirty="0">
                 <a:solidFill>
                   <a:srgbClr val="CB6500"/>
                 </a:solidFill>
                 <a:ea typeface="Times New Roman" panose="02020603050405020304" pitchFamily="18" charset="0"/>
                 <a:cs typeface="Times New Roman" panose="02020603050405020304" pitchFamily="18" charset="0"/>
               </a:rPr>
-              <a:t>keysPressed</a:t>
-            </a:r>
-            <a:r>
-              <a:rPr lang="en-US" sz="1800" dirty="0">
-                <a:solidFill>
-                  <a:srgbClr val="000000"/>
-                </a:solidFill>
-                <a:ea typeface="Times New Roman" panose="02020603050405020304" pitchFamily="18" charset="0"/>
-                <a:cs typeface="Times New Roman" panose="02020603050405020304" pitchFamily="18" charset="0"/>
-              </a:rPr>
               <a:t> </a:t>
             </a:r>
             <a:r>
-              <a:rPr lang="en-US" sz="1800" dirty="0">
+              <a:rPr lang="en-US" sz="1600" i="1" dirty="0" err="1">
+                <a:solidFill>
+                  <a:srgbClr val="CB6500"/>
+                </a:solidFill>
+                <a:ea typeface="Times New Roman" panose="02020603050405020304" pitchFamily="18" charset="0"/>
+                <a:cs typeface="Times New Roman" panose="02020603050405020304" pitchFamily="18" charset="0"/>
+              </a:rPr>
+              <a:t>gameObjects</a:t>
+            </a:r>
+            <a:r>
+              <a:rPr lang="en-US" sz="1600" dirty="0">
+                <a:solidFill>
+                  <a:srgbClr val="000000"/>
+                </a:solidFill>
+                <a:ea typeface="Times New Roman" panose="02020603050405020304" pitchFamily="18" charset="0"/>
+                <a:cs typeface="Times New Roman" panose="02020603050405020304" pitchFamily="18" charset="0"/>
+              </a:rPr>
+              <a:t> </a:t>
+            </a:r>
+            <a:r>
+              <a:rPr lang="en-US" sz="1600" dirty="0">
                 <a:solidFill>
                   <a:srgbClr val="C70040"/>
                 </a:solidFill>
@@ -7697,7 +8427,7 @@
               <a:t>:</a:t>
             </a:r>
             <a:r>
-              <a:rPr lang="en-US" sz="1800" dirty="0">
+              <a:rPr lang="en-US" sz="1600" dirty="0">
                 <a:solidFill>
                   <a:srgbClr val="000000"/>
                 </a:solidFill>
@@ -7707,17 +8437,17 @@
               <a:t> </a:t>
             </a:r>
             <a:r>
-              <a:rPr lang="en-US" sz="1800" i="1" dirty="0">
+              <a:rPr lang="en-US" sz="1600" i="1" dirty="0">
                 <a:solidFill>
                   <a:srgbClr val="34A7BD"/>
                 </a:solidFill>
                 <a:ea typeface="Times New Roman" panose="02020603050405020304" pitchFamily="18" charset="0"/>
                 <a:cs typeface="Times New Roman" panose="02020603050405020304" pitchFamily="18" charset="0"/>
               </a:rPr>
-              <a:t>Set</a:t>
-            </a:r>
-            <a:r>
-              <a:rPr lang="en-US" sz="1800" dirty="0">
+              <a:t>List</a:t>
+            </a:r>
+            <a:r>
+              <a:rPr lang="en-US" sz="1600" dirty="0">
                 <a:solidFill>
                   <a:srgbClr val="000000"/>
                 </a:solidFill>
@@ -7727,137 +8457,47 @@
               <a:t>&lt;</a:t>
             </a:r>
             <a:r>
-              <a:rPr lang="en-US" sz="1800" i="1" dirty="0">
+              <a:rPr lang="en-US" sz="1600" dirty="0" err="1">
+                <a:solidFill>
+                  <a:srgbClr val="000000"/>
+                </a:solidFill>
+                <a:ea typeface="Times New Roman" panose="02020603050405020304" pitchFamily="18" charset="0"/>
+                <a:cs typeface="Times New Roman" panose="02020603050405020304" pitchFamily="18" charset="0"/>
+              </a:rPr>
+              <a:t>GameObject</a:t>
+            </a:r>
+            <a:r>
+              <a:rPr lang="en-US" sz="1600" dirty="0">
+                <a:solidFill>
+                  <a:srgbClr val="000000"/>
+                </a:solidFill>
+                <a:ea typeface="Times New Roman" panose="02020603050405020304" pitchFamily="18" charset="0"/>
+                <a:cs typeface="Times New Roman" panose="02020603050405020304" pitchFamily="18" charset="0"/>
+              </a:rPr>
+              <a:t>&gt;)</a:t>
+            </a:r>
+            <a:r>
+              <a:rPr lang="en-US" sz="1600" dirty="0">
+                <a:solidFill>
+                  <a:srgbClr val="C70040"/>
+                </a:solidFill>
+                <a:ea typeface="Times New Roman" panose="02020603050405020304" pitchFamily="18" charset="0"/>
+                <a:cs typeface="Times New Roman" panose="02020603050405020304" pitchFamily="18" charset="0"/>
+              </a:rPr>
+              <a:t>:</a:t>
+            </a:r>
+            <a:r>
+              <a:rPr lang="en-US" sz="1600" i="1" dirty="0">
                 <a:solidFill>
                   <a:srgbClr val="34A7BD"/>
                 </a:solidFill>
                 <a:ea typeface="Times New Roman" panose="02020603050405020304" pitchFamily="18" charset="0"/>
                 <a:cs typeface="Times New Roman" panose="02020603050405020304" pitchFamily="18" charset="0"/>
               </a:rPr>
-              <a:t>String</a:t>
-            </a:r>
-            <a:r>
-              <a:rPr lang="en-US" sz="1800" dirty="0">
-                <a:solidFill>
-                  <a:srgbClr val="000000"/>
-                </a:solidFill>
-                <a:ea typeface="Times New Roman" panose="02020603050405020304" pitchFamily="18" charset="0"/>
-                <a:cs typeface="Times New Roman" panose="02020603050405020304" pitchFamily="18" charset="0"/>
-              </a:rPr>
-              <a:t>&gt;,</a:t>
-            </a:r>
-            <a:r>
-              <a:rPr lang="en-US" sz="1800" i="1" dirty="0">
-                <a:solidFill>
-                  <a:srgbClr val="CB6500"/>
-                </a:solidFill>
-                <a:ea typeface="Times New Roman" panose="02020603050405020304" pitchFamily="18" charset="0"/>
-                <a:cs typeface="Times New Roman" panose="02020603050405020304" pitchFamily="18" charset="0"/>
-              </a:rPr>
-              <a:t> </a:t>
-            </a:r>
-            <a:r>
-              <a:rPr lang="en-US" sz="1800" i="1" dirty="0" err="1">
-                <a:solidFill>
-                  <a:srgbClr val="CB6500"/>
-                </a:solidFill>
-                <a:ea typeface="Times New Roman" panose="02020603050405020304" pitchFamily="18" charset="0"/>
-                <a:cs typeface="Times New Roman" panose="02020603050405020304" pitchFamily="18" charset="0"/>
-              </a:rPr>
-              <a:t>gameObjects</a:t>
-            </a:r>
-            <a:r>
-              <a:rPr lang="en-US" sz="1800" dirty="0">
-                <a:solidFill>
-                  <a:srgbClr val="000000"/>
-                </a:solidFill>
-                <a:ea typeface="Times New Roman" panose="02020603050405020304" pitchFamily="18" charset="0"/>
-                <a:cs typeface="Times New Roman" panose="02020603050405020304" pitchFamily="18" charset="0"/>
-              </a:rPr>
-              <a:t> </a:t>
-            </a:r>
-            <a:r>
-              <a:rPr lang="en-US" sz="1800" dirty="0">
-                <a:solidFill>
-                  <a:srgbClr val="C70040"/>
-                </a:solidFill>
-                <a:ea typeface="Times New Roman" panose="02020603050405020304" pitchFamily="18" charset="0"/>
-                <a:cs typeface="Times New Roman" panose="02020603050405020304" pitchFamily="18" charset="0"/>
-              </a:rPr>
-              <a:t>:</a:t>
-            </a:r>
-            <a:r>
-              <a:rPr lang="en-US" sz="1800" dirty="0">
-                <a:solidFill>
-                  <a:srgbClr val="000000"/>
-                </a:solidFill>
-                <a:ea typeface="Times New Roman" panose="02020603050405020304" pitchFamily="18" charset="0"/>
-                <a:cs typeface="Times New Roman" panose="02020603050405020304" pitchFamily="18" charset="0"/>
-              </a:rPr>
-              <a:t> </a:t>
-            </a:r>
-            <a:r>
-              <a:rPr lang="en-US" sz="1800" i="1" dirty="0">
-                <a:solidFill>
-                  <a:srgbClr val="34A7BD"/>
-                </a:solidFill>
-                <a:ea typeface="Times New Roman" panose="02020603050405020304" pitchFamily="18" charset="0"/>
-                <a:cs typeface="Times New Roman" panose="02020603050405020304" pitchFamily="18" charset="0"/>
-              </a:rPr>
-              <a:t>List</a:t>
-            </a:r>
-            <a:r>
-              <a:rPr lang="en-US" sz="1800" dirty="0">
-                <a:solidFill>
-                  <a:srgbClr val="000000"/>
-                </a:solidFill>
-                <a:ea typeface="Times New Roman" panose="02020603050405020304" pitchFamily="18" charset="0"/>
-                <a:cs typeface="Times New Roman" panose="02020603050405020304" pitchFamily="18" charset="0"/>
-              </a:rPr>
-              <a:t>&lt;</a:t>
-            </a:r>
-            <a:r>
-              <a:rPr lang="en-US" sz="1800" dirty="0" err="1">
-                <a:solidFill>
-                  <a:srgbClr val="000000"/>
-                </a:solidFill>
-                <a:ea typeface="Times New Roman" panose="02020603050405020304" pitchFamily="18" charset="0"/>
-                <a:cs typeface="Times New Roman" panose="02020603050405020304" pitchFamily="18" charset="0"/>
-              </a:rPr>
-              <a:t>GameObject</a:t>
-            </a:r>
-            <a:r>
-              <a:rPr lang="en-US" sz="1800" dirty="0">
-                <a:solidFill>
-                  <a:srgbClr val="000000"/>
-                </a:solidFill>
-                <a:ea typeface="Times New Roman" panose="02020603050405020304" pitchFamily="18" charset="0"/>
-                <a:cs typeface="Times New Roman" panose="02020603050405020304" pitchFamily="18" charset="0"/>
-              </a:rPr>
-              <a:t>&gt;)</a:t>
-            </a:r>
-            <a:r>
-              <a:rPr lang="en-US" sz="1800" dirty="0">
-                <a:solidFill>
-                  <a:srgbClr val="C70040"/>
-                </a:solidFill>
-                <a:ea typeface="Times New Roman" panose="02020603050405020304" pitchFamily="18" charset="0"/>
-                <a:cs typeface="Times New Roman" panose="02020603050405020304" pitchFamily="18" charset="0"/>
-              </a:rPr>
-              <a:t>:</a:t>
-            </a:r>
-            <a:r>
-              <a:rPr lang="en-US" sz="1800" i="1" dirty="0">
-                <a:solidFill>
-                  <a:srgbClr val="34A7BD"/>
-                </a:solidFill>
-                <a:ea typeface="Times New Roman" panose="02020603050405020304" pitchFamily="18" charset="0"/>
-                <a:cs typeface="Times New Roman" panose="02020603050405020304" pitchFamily="18" charset="0"/>
-              </a:rPr>
               <a:t>Boolean</a:t>
             </a:r>
             <a:r>
-              <a:rPr lang="en-US" sz="1800" dirty="0">
+              <a:rPr lang="en-US" sz="1600" dirty="0">
                 <a:solidFill>
                   <a:srgbClr val="000000"/>
                 </a:solidFill>
@@ -7895,17 +8535,17 @@
               </a:tabLst>
             </a:pPr>
             <a:r>
-              <a:rPr lang="en-US" sz="1800" dirty="0">
-                <a:solidFill>
-                  <a:srgbClr val="000000"/>
-                </a:solidFill>
-                <a:ea typeface="Times New Roman" panose="02020603050405020304" pitchFamily="18" charset="0"/>
-                <a:cs typeface="Times New Roman" panose="02020603050405020304" pitchFamily="18" charset="0"/>
-              </a:rPr>
-              <a:t>    position </a:t>
-            </a:r>
-            <a:r>
-              <a:rPr lang="en-US" sz="1800" dirty="0">
+              <a:rPr lang="en-US" sz="1600" dirty="0">
+                <a:solidFill>
+                  <a:srgbClr val="000000"/>
+                </a:solidFill>
+                <a:ea typeface="Times New Roman" panose="02020603050405020304" pitchFamily="18" charset="0"/>
+                <a:cs typeface="Times New Roman" panose="02020603050405020304" pitchFamily="18" charset="0"/>
+              </a:rPr>
+              <a:t>      position </a:t>
+            </a:r>
+            <a:r>
+              <a:rPr lang="en-US" sz="1600" dirty="0">
                 <a:solidFill>
                   <a:srgbClr val="C70040"/>
                 </a:solidFill>
@@ -7915,7 +8555,7 @@
               <a:t>+=</a:t>
             </a:r>
             <a:r>
-              <a:rPr lang="en-US" sz="1800" dirty="0">
+              <a:rPr lang="en-US" sz="1600" dirty="0">
                 <a:solidFill>
                   <a:srgbClr val="000000"/>
                 </a:solidFill>
@@ -7925,26 +8565,16 @@
               <a:t> </a:t>
             </a:r>
             <a:r>
-              <a:rPr lang="en-US" sz="1800" dirty="0">
+              <a:rPr lang="en-US" sz="1600" dirty="0">
                 <a:solidFill>
                   <a:srgbClr val="7C4FCD"/>
                 </a:solidFill>
                 <a:ea typeface="Times New Roman" panose="02020603050405020304" pitchFamily="18" charset="0"/>
                 <a:cs typeface="Times New Roman" panose="02020603050405020304" pitchFamily="18" charset="0"/>
               </a:rPr>
-              <a:t>velocity * </a:t>
-            </a:r>
-            <a:r>
-              <a:rPr lang="en-US" sz="1800" dirty="0" err="1">
-                <a:solidFill>
-                  <a:srgbClr val="7C4FCD"/>
-                </a:solidFill>
-                <a:ea typeface="Times New Roman" panose="02020603050405020304" pitchFamily="18" charset="0"/>
-                <a:cs typeface="Times New Roman" panose="02020603050405020304" pitchFamily="18" charset="0"/>
-              </a:rPr>
-              <a:t>dt</a:t>
-            </a:r>
-            <a:endParaRPr lang="en-US" sz="1200" dirty="0">
+              <a:t>velocity * dt</a:t>
+            </a:r>
+            <a:endParaRPr lang="en-US" sz="1100" dirty="0">
               <a:latin typeface="Calibri" panose="020F0502020204030204" pitchFamily="34" charset="0"/>
               <a:ea typeface="Calibri" panose="020F0502020204030204" pitchFamily="34" charset="0"/>
               <a:cs typeface="Times New Roman" panose="02020603050405020304" pitchFamily="18" charset="0"/>
@@ -7978,17 +8608,17 @@
               </a:tabLst>
             </a:pPr>
             <a:r>
-              <a:rPr lang="en-US" sz="1800" dirty="0">
+              <a:rPr lang="en-US" sz="1600" dirty="0">
                 <a:solidFill>
                   <a:srgbClr val="C70040"/>
                 </a:solidFill>
                 <a:ea typeface="Times New Roman" panose="02020603050405020304" pitchFamily="18" charset="0"/>
                 <a:cs typeface="Times New Roman" panose="02020603050405020304" pitchFamily="18" charset="0"/>
               </a:rPr>
-              <a:t>    return</a:t>
-            </a:r>
-            <a:r>
-              <a:rPr lang="en-US" sz="1800" dirty="0">
+              <a:t>      return</a:t>
+            </a:r>
+            <a:r>
+              <a:rPr lang="en-US" sz="1600" dirty="0">
                 <a:solidFill>
                   <a:srgbClr val="000000"/>
                 </a:solidFill>
@@ -7998,7 +8628,7 @@
               <a:t> </a:t>
             </a:r>
             <a:r>
-              <a:rPr lang="en-US" sz="1800" dirty="0">
+              <a:rPr lang="en-US" sz="1600" dirty="0">
                 <a:solidFill>
                   <a:srgbClr val="7C4FCD"/>
                 </a:solidFill>
@@ -8036,14 +8666,14 @@
               </a:tabLst>
             </a:pPr>
             <a:r>
-              <a:rPr lang="en-US" sz="1800" dirty="0">
-                <a:solidFill>
-                  <a:srgbClr val="000000"/>
-                </a:solidFill>
-                <a:ea typeface="Times New Roman" panose="02020603050405020304" pitchFamily="18" charset="0"/>
-                <a:cs typeface="Times New Roman" panose="02020603050405020304" pitchFamily="18" charset="0"/>
-              </a:rPr>
-              <a:t>  }</a:t>
+              <a:rPr lang="en-US" sz="1600" dirty="0">
+                <a:solidFill>
+                  <a:srgbClr val="000000"/>
+                </a:solidFill>
+                <a:ea typeface="Times New Roman" panose="02020603050405020304" pitchFamily="18" charset="0"/>
+                <a:cs typeface="Times New Roman" panose="02020603050405020304" pitchFamily="18" charset="0"/>
+              </a:rPr>
+              <a:t>    }</a:t>
             </a:r>
           </a:p>
           <a:p>
@@ -8074,22 +8704,15 @@
               </a:tabLst>
             </a:pPr>
             <a:r>
-              <a:rPr lang="en-US" sz="1800" dirty="0">
-                <a:solidFill>
-                  <a:srgbClr val="000000"/>
-                </a:solidFill>
-                <a:ea typeface="Times New Roman" panose="02020603050405020304" pitchFamily="18" charset="0"/>
-                <a:cs typeface="Times New Roman" panose="02020603050405020304" pitchFamily="18" charset="0"/>
-              </a:rPr>
-              <a:t>}</a:t>
-            </a:r>
-            <a:endParaRPr lang="hu-HU" sz="1800" dirty="0">
-              <a:solidFill>
-                <a:srgbClr val="000000"/>
-              </a:solidFill>
-              <a:ea typeface="Times New Roman" panose="02020603050405020304" pitchFamily="18" charset="0"/>
-              <a:cs typeface="Times New Roman" panose="02020603050405020304" pitchFamily="18" charset="0"/>
-            </a:endParaRPr>
+              <a:rPr lang="en-US" sz="1600" dirty="0">
+                <a:solidFill>
+                  <a:srgbClr val="000000"/>
+                </a:solidFill>
+                <a:ea typeface="Times New Roman" panose="02020603050405020304" pitchFamily="18" charset="0"/>
+                <a:cs typeface="Times New Roman" panose="02020603050405020304" pitchFamily="18" charset="0"/>
+              </a:rPr>
+              <a:t>  }</a:t>
+            </a:r>
           </a:p>
           <a:p>
             <a:pPr>
@@ -8119,25 +8742,22 @@
               </a:tabLst>
             </a:pPr>
             <a:r>
-              <a:rPr lang="hu-HU" sz="1800" dirty="0">
-                <a:solidFill>
-                  <a:srgbClr val="000000"/>
-                </a:solidFill>
-                <a:ea typeface="Times New Roman" panose="02020603050405020304" pitchFamily="18" charset="0"/>
-                <a:cs typeface="Times New Roman" panose="02020603050405020304" pitchFamily="18" charset="0"/>
-              </a:rPr>
-              <a:t>init </a:t>
-            </a:r>
-            <a:r>
-              <a:rPr lang="en-US" sz="1800" dirty="0">
-                <a:solidFill>
-                  <a:srgbClr val="000000"/>
-                </a:solidFill>
-                <a:ea typeface="Times New Roman" panose="02020603050405020304" pitchFamily="18" charset="0"/>
-                <a:cs typeface="Times New Roman" panose="02020603050405020304" pitchFamily="18" charset="0"/>
-              </a:rPr>
-              <a:t>{</a:t>
-            </a:r>
+              <a:rPr lang="en-US" sz="1600" dirty="0">
+                <a:solidFill>
+                  <a:srgbClr val="000000"/>
+                </a:solidFill>
+                <a:ea typeface="Times New Roman" panose="02020603050405020304" pitchFamily="18" charset="0"/>
+                <a:cs typeface="Times New Roman" panose="02020603050405020304" pitchFamily="18" charset="0"/>
+              </a:rPr>
+              <a:t>}</a:t>
+            </a:r>
+            <a:endParaRPr lang="hu-HU" sz="1600" dirty="0">
+              <a:solidFill>
+                <a:srgbClr val="000000"/>
+              </a:solidFill>
+              <a:ea typeface="Times New Roman" panose="02020603050405020304" pitchFamily="18" charset="0"/>
+              <a:cs typeface="Times New Roman" panose="02020603050405020304" pitchFamily="18" charset="0"/>
+            </a:endParaRPr>
           </a:p>
           <a:p>
             <a:pPr>
@@ -8167,154 +8787,24 @@
               </a:tabLst>
             </a:pPr>
             <a:r>
-              <a:rPr lang="en-US" sz="1800" dirty="0">
-                <a:solidFill>
-                  <a:srgbClr val="000000"/>
-                </a:solidFill>
-                <a:ea typeface="Times New Roman" panose="02020603050405020304" pitchFamily="18" charset="0"/>
-                <a:cs typeface="Times New Roman" panose="02020603050405020304" pitchFamily="18" charset="0"/>
-              </a:rPr>
-              <a:t>  </a:t>
-            </a:r>
-            <a:r>
-              <a:rPr lang="en-US" sz="1800" dirty="0" err="1">
-                <a:solidFill>
-                  <a:srgbClr val="000000"/>
-                </a:solidFill>
-                <a:ea typeface="Times New Roman" panose="02020603050405020304" pitchFamily="18" charset="0"/>
-                <a:cs typeface="Times New Roman" panose="02020603050405020304" pitchFamily="18" charset="0"/>
-              </a:rPr>
-              <a:t>avatar</a:t>
-            </a:r>
-            <a:r>
-              <a:rPr lang="en-US" sz="1800" dirty="0" err="1">
-                <a:solidFill>
-                  <a:srgbClr val="C70040"/>
-                </a:solidFill>
-                <a:ea typeface="Times New Roman" panose="02020603050405020304" pitchFamily="18" charset="0"/>
-                <a:cs typeface="Times New Roman" panose="02020603050405020304" pitchFamily="18" charset="0"/>
-              </a:rPr>
-              <a:t>.</a:t>
-            </a:r>
-            <a:r>
-              <a:rPr lang="en-US" sz="1800" dirty="0" err="1">
-                <a:solidFill>
-                  <a:srgbClr val="000000"/>
-                </a:solidFill>
-                <a:ea typeface="Times New Roman" panose="02020603050405020304" pitchFamily="18" charset="0"/>
-                <a:cs typeface="Times New Roman" panose="02020603050405020304" pitchFamily="18" charset="0"/>
-              </a:rPr>
-              <a:t>position</a:t>
-            </a:r>
-            <a:r>
-              <a:rPr lang="en-US" sz="1800" dirty="0" err="1">
-                <a:solidFill>
-                  <a:srgbClr val="C70040"/>
-                </a:solidFill>
-                <a:ea typeface="Times New Roman" panose="02020603050405020304" pitchFamily="18" charset="0"/>
-                <a:cs typeface="Times New Roman" panose="02020603050405020304" pitchFamily="18" charset="0"/>
-              </a:rPr>
-              <a:t>.</a:t>
-            </a:r>
-            <a:r>
-              <a:rPr lang="en-US" sz="1800" dirty="0" err="1">
-                <a:solidFill>
-                  <a:srgbClr val="427E00"/>
-                </a:solidFill>
-                <a:ea typeface="Times New Roman" panose="02020603050405020304" pitchFamily="18" charset="0"/>
-                <a:cs typeface="Times New Roman" panose="02020603050405020304" pitchFamily="18" charset="0"/>
-              </a:rPr>
-              <a:t>set</a:t>
-            </a:r>
-            <a:r>
-              <a:rPr lang="en-US" sz="1800" dirty="0">
-                <a:solidFill>
-                  <a:srgbClr val="000000"/>
-                </a:solidFill>
-                <a:ea typeface="Times New Roman" panose="02020603050405020304" pitchFamily="18" charset="0"/>
-                <a:cs typeface="Times New Roman" panose="02020603050405020304" pitchFamily="18" charset="0"/>
-              </a:rPr>
-              <a:t>(</a:t>
-            </a:r>
-            <a:r>
-              <a:rPr lang="en-US" sz="1800" i="1" dirty="0">
-                <a:solidFill>
-                  <a:srgbClr val="CB6500"/>
-                </a:solidFill>
-                <a:ea typeface="Times New Roman" panose="02020603050405020304" pitchFamily="18" charset="0"/>
-                <a:cs typeface="Times New Roman" panose="02020603050405020304" pitchFamily="18" charset="0"/>
-              </a:rPr>
-              <a:t>0</a:t>
-            </a:r>
-            <a:r>
-              <a:rPr lang="en-US" sz="1800" dirty="0">
-                <a:solidFill>
-                  <a:srgbClr val="C70040"/>
-                </a:solidFill>
-                <a:ea typeface="Times New Roman" panose="02020603050405020304" pitchFamily="18" charset="0"/>
-                <a:cs typeface="Times New Roman" panose="02020603050405020304" pitchFamily="18" charset="0"/>
-              </a:rPr>
-              <a:t>.</a:t>
-            </a:r>
-            <a:r>
-              <a:rPr lang="en-US" sz="1800" i="1" dirty="0">
-                <a:solidFill>
-                  <a:srgbClr val="CB6500"/>
-                </a:solidFill>
-                <a:ea typeface="Times New Roman" panose="02020603050405020304" pitchFamily="18" charset="0"/>
-                <a:cs typeface="Times New Roman" panose="02020603050405020304" pitchFamily="18" charset="0"/>
-              </a:rPr>
-              <a:t>5f</a:t>
-            </a:r>
-            <a:r>
-              <a:rPr lang="en-US" sz="1800" dirty="0">
-                <a:solidFill>
-                  <a:srgbClr val="000000"/>
-                </a:solidFill>
-                <a:ea typeface="Times New Roman" panose="02020603050405020304" pitchFamily="18" charset="0"/>
-                <a:cs typeface="Times New Roman" panose="02020603050405020304" pitchFamily="18" charset="0"/>
-              </a:rPr>
-              <a:t>, </a:t>
-            </a:r>
-            <a:r>
-              <a:rPr lang="en-US" sz="1800" i="1" dirty="0">
-                <a:solidFill>
-                  <a:srgbClr val="CB6500"/>
-                </a:solidFill>
-                <a:ea typeface="Times New Roman" panose="02020603050405020304" pitchFamily="18" charset="0"/>
-                <a:cs typeface="Times New Roman" panose="02020603050405020304" pitchFamily="18" charset="0"/>
-              </a:rPr>
-              <a:t>0</a:t>
-            </a:r>
-            <a:r>
-              <a:rPr lang="en-US" sz="1800" dirty="0">
-                <a:solidFill>
-                  <a:srgbClr val="C70040"/>
-                </a:solidFill>
-                <a:ea typeface="Times New Roman" panose="02020603050405020304" pitchFamily="18" charset="0"/>
-                <a:cs typeface="Times New Roman" panose="02020603050405020304" pitchFamily="18" charset="0"/>
-              </a:rPr>
-              <a:t>.</a:t>
-            </a:r>
-            <a:r>
-              <a:rPr lang="en-US" sz="1800" i="1" dirty="0">
-                <a:solidFill>
-                  <a:srgbClr val="CB6500"/>
-                </a:solidFill>
-                <a:ea typeface="Times New Roman" panose="02020603050405020304" pitchFamily="18" charset="0"/>
-                <a:cs typeface="Times New Roman" panose="02020603050405020304" pitchFamily="18" charset="0"/>
-              </a:rPr>
-              <a:t>5f</a:t>
-            </a:r>
-            <a:r>
-              <a:rPr lang="en-US" sz="1800" dirty="0">
-                <a:solidFill>
-                  <a:srgbClr val="000000"/>
-                </a:solidFill>
-                <a:ea typeface="Times New Roman" panose="02020603050405020304" pitchFamily="18" charset="0"/>
-                <a:cs typeface="Times New Roman" panose="02020603050405020304" pitchFamily="18" charset="0"/>
-              </a:rPr>
-              <a:t>)</a:t>
+              <a:rPr lang="hu-HU" sz="1600" dirty="0">
+                <a:solidFill>
+                  <a:srgbClr val="000000"/>
+                </a:solidFill>
+                <a:ea typeface="Times New Roman" panose="02020603050405020304" pitchFamily="18" charset="0"/>
+                <a:cs typeface="Times New Roman" panose="02020603050405020304" pitchFamily="18" charset="0"/>
+              </a:rPr>
+              <a:t>init </a:t>
+            </a:r>
+            <a:r>
+              <a:rPr lang="en-US" sz="1600" dirty="0">
+                <a:solidFill>
+                  <a:srgbClr val="000000"/>
+                </a:solidFill>
+                <a:ea typeface="Times New Roman" panose="02020603050405020304" pitchFamily="18" charset="0"/>
+                <a:cs typeface="Times New Roman" panose="02020603050405020304" pitchFamily="18" charset="0"/>
+              </a:rPr>
+              <a:t>{</a:t>
             </a:r>
           </a:p>
           <a:p>
@@ -8345,7 +8835,7 @@
               </a:tabLst>
             </a:pPr>
             <a:r>
-              <a:rPr lang="en-US" sz="1800" dirty="0">
+              <a:rPr lang="en-US" sz="1600" dirty="0">
                 <a:solidFill>
                   <a:srgbClr val="000000"/>
                 </a:solidFill>
@@ -8355,17 +8845,17 @@
               <a:t>  </a:t>
             </a:r>
             <a:r>
-              <a:rPr lang="en-US" sz="1800" dirty="0" err="1">
-                <a:solidFill>
-                  <a:srgbClr val="000000"/>
-                </a:solidFill>
-                <a:ea typeface="Times New Roman" panose="02020603050405020304" pitchFamily="18" charset="0"/>
-                <a:cs typeface="Times New Roman" panose="02020603050405020304" pitchFamily="18" charset="0"/>
-              </a:rPr>
-              <a:t>gameObjects</a:t>
-            </a:r>
-            <a:r>
-              <a:rPr lang="en-US" sz="1800" dirty="0" err="1">
+              <a:rPr lang="en-US" sz="1600" dirty="0" err="1">
+                <a:solidFill>
+                  <a:srgbClr val="000000"/>
+                </a:solidFill>
+                <a:ea typeface="Times New Roman" panose="02020603050405020304" pitchFamily="18" charset="0"/>
+                <a:cs typeface="Times New Roman" panose="02020603050405020304" pitchFamily="18" charset="0"/>
+              </a:rPr>
+              <a:t>avatar</a:t>
+            </a:r>
+            <a:r>
+              <a:rPr lang="en-US" sz="1600" dirty="0" err="1">
                 <a:solidFill>
                   <a:srgbClr val="C70040"/>
                 </a:solidFill>
@@ -8375,24 +8865,124 @@
               <a:t>.</a:t>
             </a:r>
             <a:r>
-              <a:rPr lang="en-US" sz="1800" dirty="0" err="1">
-                <a:solidFill>
-                  <a:srgbClr val="000000"/>
-                </a:solidFill>
-                <a:ea typeface="Times New Roman" panose="02020603050405020304" pitchFamily="18" charset="0"/>
-                <a:cs typeface="Times New Roman" panose="02020603050405020304" pitchFamily="18" charset="0"/>
-              </a:rPr>
-              <a:t>add</a:t>
-            </a:r>
-            <a:r>
-              <a:rPr lang="en-US" sz="1800" dirty="0">
-                <a:solidFill>
-                  <a:srgbClr val="000000"/>
-                </a:solidFill>
-                <a:ea typeface="Times New Roman" panose="02020603050405020304" pitchFamily="18" charset="0"/>
-                <a:cs typeface="Times New Roman" panose="02020603050405020304" pitchFamily="18" charset="0"/>
-              </a:rPr>
-              <a:t>(avatar)</a:t>
+              <a:rPr lang="en-US" sz="1600" dirty="0" err="1">
+                <a:solidFill>
+                  <a:srgbClr val="000000"/>
+                </a:solidFill>
+                <a:ea typeface="Times New Roman" panose="02020603050405020304" pitchFamily="18" charset="0"/>
+                <a:cs typeface="Times New Roman" panose="02020603050405020304" pitchFamily="18" charset="0"/>
+              </a:rPr>
+              <a:t>position</a:t>
+            </a:r>
+            <a:r>
+              <a:rPr lang="en-US" sz="1600" dirty="0" err="1">
+                <a:solidFill>
+                  <a:srgbClr val="C70040"/>
+                </a:solidFill>
+                <a:ea typeface="Times New Roman" panose="02020603050405020304" pitchFamily="18" charset="0"/>
+                <a:cs typeface="Times New Roman" panose="02020603050405020304" pitchFamily="18" charset="0"/>
+              </a:rPr>
+              <a:t>.</a:t>
+            </a:r>
+            <a:r>
+              <a:rPr lang="en-US" sz="1600" dirty="0" err="1">
+                <a:solidFill>
+                  <a:srgbClr val="427E00"/>
+                </a:solidFill>
+                <a:ea typeface="Times New Roman" panose="02020603050405020304" pitchFamily="18" charset="0"/>
+                <a:cs typeface="Times New Roman" panose="02020603050405020304" pitchFamily="18" charset="0"/>
+              </a:rPr>
+              <a:t>set</a:t>
+            </a:r>
+            <a:r>
+              <a:rPr lang="en-US" sz="1600" dirty="0">
+                <a:solidFill>
+                  <a:srgbClr val="000000"/>
+                </a:solidFill>
+                <a:ea typeface="Times New Roman" panose="02020603050405020304" pitchFamily="18" charset="0"/>
+                <a:cs typeface="Times New Roman" panose="02020603050405020304" pitchFamily="18" charset="0"/>
+              </a:rPr>
+              <a:t>(</a:t>
+            </a:r>
+            <a:r>
+              <a:rPr lang="en-US" sz="1600" i="1" dirty="0">
+                <a:solidFill>
+                  <a:srgbClr val="CB6500"/>
+                </a:solidFill>
+                <a:ea typeface="Times New Roman" panose="02020603050405020304" pitchFamily="18" charset="0"/>
+                <a:cs typeface="Times New Roman" panose="02020603050405020304" pitchFamily="18" charset="0"/>
+              </a:rPr>
+              <a:t>0</a:t>
+            </a:r>
+            <a:r>
+              <a:rPr lang="en-US" sz="1600" dirty="0">
+                <a:solidFill>
+                  <a:srgbClr val="C70040"/>
+                </a:solidFill>
+                <a:ea typeface="Times New Roman" panose="02020603050405020304" pitchFamily="18" charset="0"/>
+                <a:cs typeface="Times New Roman" panose="02020603050405020304" pitchFamily="18" charset="0"/>
+              </a:rPr>
+              <a:t>.</a:t>
+            </a:r>
+            <a:r>
+              <a:rPr lang="en-US" sz="1600" i="1" dirty="0">
+                <a:solidFill>
+                  <a:srgbClr val="CB6500"/>
+                </a:solidFill>
+                <a:ea typeface="Times New Roman" panose="02020603050405020304" pitchFamily="18" charset="0"/>
+                <a:cs typeface="Times New Roman" panose="02020603050405020304" pitchFamily="18" charset="0"/>
+              </a:rPr>
+              <a:t>5f</a:t>
+            </a:r>
+            <a:r>
+              <a:rPr lang="en-US" sz="1600" dirty="0">
+                <a:solidFill>
+                  <a:srgbClr val="000000"/>
+                </a:solidFill>
+                <a:ea typeface="Times New Roman" panose="02020603050405020304" pitchFamily="18" charset="0"/>
+                <a:cs typeface="Times New Roman" panose="02020603050405020304" pitchFamily="18" charset="0"/>
+              </a:rPr>
+              <a:t>, </a:t>
+            </a:r>
+            <a:r>
+              <a:rPr lang="en-US" sz="1600" i="1" dirty="0">
+                <a:solidFill>
+                  <a:srgbClr val="CB6500"/>
+                </a:solidFill>
+                <a:ea typeface="Times New Roman" panose="02020603050405020304" pitchFamily="18" charset="0"/>
+                <a:cs typeface="Times New Roman" panose="02020603050405020304" pitchFamily="18" charset="0"/>
+              </a:rPr>
+              <a:t>0</a:t>
+            </a:r>
+            <a:r>
+              <a:rPr lang="en-US" sz="1600" dirty="0">
+                <a:solidFill>
+                  <a:srgbClr val="C70040"/>
+                </a:solidFill>
+                <a:ea typeface="Times New Roman" panose="02020603050405020304" pitchFamily="18" charset="0"/>
+                <a:cs typeface="Times New Roman" panose="02020603050405020304" pitchFamily="18" charset="0"/>
+              </a:rPr>
+              <a:t>.</a:t>
+            </a:r>
+            <a:r>
+              <a:rPr lang="en-US" sz="1600" i="1" dirty="0">
+                <a:solidFill>
+                  <a:srgbClr val="CB6500"/>
+                </a:solidFill>
+                <a:ea typeface="Times New Roman" panose="02020603050405020304" pitchFamily="18" charset="0"/>
+                <a:cs typeface="Times New Roman" panose="02020603050405020304" pitchFamily="18" charset="0"/>
+              </a:rPr>
+              <a:t>5f</a:t>
+            </a:r>
+            <a:r>
+              <a:rPr lang="en-US" sz="1600" dirty="0">
+                <a:solidFill>
+                  <a:srgbClr val="000000"/>
+                </a:solidFill>
+                <a:ea typeface="Times New Roman" panose="02020603050405020304" pitchFamily="18" charset="0"/>
+                <a:cs typeface="Times New Roman" panose="02020603050405020304" pitchFamily="18" charset="0"/>
+              </a:rPr>
+              <a:t>)</a:t>
             </a:r>
           </a:p>
           <a:p>
@@ -8423,14 +9013,54 @@
               </a:tabLst>
             </a:pPr>
             <a:r>
-              <a:rPr lang="en-US" sz="1800" dirty="0">
-                <a:solidFill>
-                  <a:srgbClr val="000000"/>
-                </a:solidFill>
-                <a:ea typeface="Times New Roman" panose="02020603050405020304" pitchFamily="18" charset="0"/>
-                <a:cs typeface="Times New Roman" panose="02020603050405020304" pitchFamily="18" charset="0"/>
-              </a:rPr>
-              <a:t>}</a:t>
+              <a:rPr lang="en-US" sz="1600" dirty="0">
+                <a:solidFill>
+                  <a:srgbClr val="000000"/>
+                </a:solidFill>
+                <a:ea typeface="Times New Roman" panose="02020603050405020304" pitchFamily="18" charset="0"/>
+                <a:cs typeface="Times New Roman" panose="02020603050405020304" pitchFamily="18" charset="0"/>
+              </a:rPr>
+              <a:t>  </a:t>
+            </a:r>
+            <a:r>
+              <a:rPr lang="en-US" sz="1600" dirty="0" err="1">
+                <a:solidFill>
+                  <a:srgbClr val="000000"/>
+                </a:solidFill>
+                <a:ea typeface="Times New Roman" panose="02020603050405020304" pitchFamily="18" charset="0"/>
+                <a:cs typeface="Times New Roman" panose="02020603050405020304" pitchFamily="18" charset="0"/>
+              </a:rPr>
+              <a:t>gameObjects</a:t>
+            </a:r>
+            <a:r>
+              <a:rPr lang="en-US" sz="1600" dirty="0" err="1">
+                <a:solidFill>
+                  <a:srgbClr val="C70040"/>
+                </a:solidFill>
+                <a:ea typeface="Times New Roman" panose="02020603050405020304" pitchFamily="18" charset="0"/>
+                <a:cs typeface="Times New Roman" panose="02020603050405020304" pitchFamily="18" charset="0"/>
+              </a:rPr>
+              <a:t>.</a:t>
+            </a:r>
+            <a:r>
+              <a:rPr lang="en-US" sz="1600" dirty="0" err="1">
+                <a:solidFill>
+                  <a:srgbClr val="000000"/>
+                </a:solidFill>
+                <a:ea typeface="Times New Roman" panose="02020603050405020304" pitchFamily="18" charset="0"/>
+                <a:cs typeface="Times New Roman" panose="02020603050405020304" pitchFamily="18" charset="0"/>
+              </a:rPr>
+              <a:t>add</a:t>
+            </a:r>
+            <a:r>
+              <a:rPr lang="en-US" sz="1600" dirty="0">
+                <a:solidFill>
+                  <a:srgbClr val="000000"/>
+                </a:solidFill>
+                <a:ea typeface="Times New Roman" panose="02020603050405020304" pitchFamily="18" charset="0"/>
+                <a:cs typeface="Times New Roman" panose="02020603050405020304" pitchFamily="18" charset="0"/>
+              </a:rPr>
+              <a:t>(avatar)</a:t>
             </a:r>
           </a:p>
           <a:p>
@@ -8461,147 +9091,15 @@
               </a:tabLst>
             </a:pPr>
             <a:r>
-              <a:rPr lang="en-US" sz="1800" dirty="0">
-                <a:solidFill>
-                  <a:schemeClr val="bg1">
-                    <a:lumMod val="50000"/>
-                  </a:schemeClr>
-                </a:solidFill>
-                <a:ea typeface="Times New Roman" panose="02020603050405020304" pitchFamily="18" charset="0"/>
-                <a:cs typeface="Times New Roman" panose="02020603050405020304" pitchFamily="18" charset="0"/>
-              </a:rPr>
-              <a:t>fun update(</a:t>
-            </a:r>
-            <a:r>
-              <a:rPr lang="en-US" sz="1800" i="1" dirty="0" err="1">
-                <a:solidFill>
-                  <a:schemeClr val="bg1">
-                    <a:lumMod val="50000"/>
-                  </a:schemeClr>
-                </a:solidFill>
-                <a:ea typeface="Times New Roman" panose="02020603050405020304" pitchFamily="18" charset="0"/>
-                <a:cs typeface="Times New Roman" panose="02020603050405020304" pitchFamily="18" charset="0"/>
-              </a:rPr>
-              <a:t>gl</a:t>
-            </a:r>
-            <a:r>
-              <a:rPr lang="en-US" sz="1800" i="1" dirty="0">
-                <a:solidFill>
-                  <a:schemeClr val="bg1">
-                    <a:lumMod val="50000"/>
-                  </a:schemeClr>
-                </a:solidFill>
-                <a:ea typeface="Times New Roman" panose="02020603050405020304" pitchFamily="18" charset="0"/>
-                <a:cs typeface="Times New Roman" panose="02020603050405020304" pitchFamily="18" charset="0"/>
-              </a:rPr>
-              <a:t> </a:t>
-            </a:r>
-            <a:r>
-              <a:rPr lang="en-US" sz="1800" dirty="0">
-                <a:solidFill>
-                  <a:schemeClr val="bg1">
-                    <a:lumMod val="50000"/>
-                  </a:schemeClr>
-                </a:solidFill>
-                <a:ea typeface="Times New Roman" panose="02020603050405020304" pitchFamily="18" charset="0"/>
-                <a:cs typeface="Times New Roman" panose="02020603050405020304" pitchFamily="18" charset="0"/>
-              </a:rPr>
-              <a:t>: WebGL2RenderingContext, </a:t>
-            </a:r>
-            <a:r>
-              <a:rPr lang="en-US" sz="1800" i="1" dirty="0" err="1">
-                <a:solidFill>
-                  <a:schemeClr val="bg1">
-                    <a:lumMod val="50000"/>
-                  </a:schemeClr>
-                </a:solidFill>
-                <a:ea typeface="Times New Roman" panose="02020603050405020304" pitchFamily="18" charset="0"/>
-                <a:cs typeface="Times New Roman" panose="02020603050405020304" pitchFamily="18" charset="0"/>
-              </a:rPr>
-              <a:t>keysPressed</a:t>
-            </a:r>
-            <a:r>
-              <a:rPr lang="en-US" sz="1800" i="1" dirty="0">
-                <a:solidFill>
-                  <a:schemeClr val="bg1">
-                    <a:lumMod val="50000"/>
-                  </a:schemeClr>
-                </a:solidFill>
-                <a:ea typeface="Times New Roman" panose="02020603050405020304" pitchFamily="18" charset="0"/>
-                <a:cs typeface="Times New Roman" panose="02020603050405020304" pitchFamily="18" charset="0"/>
-              </a:rPr>
-              <a:t> </a:t>
-            </a:r>
-            <a:r>
-              <a:rPr lang="en-US" sz="1800" dirty="0">
-                <a:solidFill>
-                  <a:schemeClr val="bg1">
-                    <a:lumMod val="50000"/>
-                  </a:schemeClr>
-                </a:solidFill>
-                <a:ea typeface="Times New Roman" panose="02020603050405020304" pitchFamily="18" charset="0"/>
-                <a:cs typeface="Times New Roman" panose="02020603050405020304" pitchFamily="18" charset="0"/>
-              </a:rPr>
-              <a:t>: </a:t>
-            </a:r>
-            <a:r>
-              <a:rPr lang="en-US" sz="1800" i="1" dirty="0">
-                <a:solidFill>
-                  <a:schemeClr val="bg1">
-                    <a:lumMod val="50000"/>
-                  </a:schemeClr>
-                </a:solidFill>
-                <a:ea typeface="Times New Roman" panose="02020603050405020304" pitchFamily="18" charset="0"/>
-                <a:cs typeface="Times New Roman" panose="02020603050405020304" pitchFamily="18" charset="0"/>
-              </a:rPr>
-              <a:t>Set</a:t>
-            </a:r>
-            <a:r>
-              <a:rPr lang="en-US" sz="1800" dirty="0">
-                <a:solidFill>
-                  <a:schemeClr val="bg1">
-                    <a:lumMod val="50000"/>
-                  </a:schemeClr>
-                </a:solidFill>
-                <a:ea typeface="Times New Roman" panose="02020603050405020304" pitchFamily="18" charset="0"/>
-                <a:cs typeface="Times New Roman" panose="02020603050405020304" pitchFamily="18" charset="0"/>
-              </a:rPr>
-              <a:t>&lt;</a:t>
-            </a:r>
-            <a:r>
-              <a:rPr lang="en-US" sz="1800" i="1" dirty="0">
-                <a:solidFill>
-                  <a:schemeClr val="bg1">
-                    <a:lumMod val="50000"/>
-                  </a:schemeClr>
-                </a:solidFill>
-                <a:ea typeface="Times New Roman" panose="02020603050405020304" pitchFamily="18" charset="0"/>
-                <a:cs typeface="Times New Roman" panose="02020603050405020304" pitchFamily="18" charset="0"/>
-              </a:rPr>
-              <a:t>String</a:t>
-            </a:r>
-            <a:r>
-              <a:rPr lang="en-US" sz="1800" dirty="0">
-                <a:solidFill>
-                  <a:schemeClr val="bg1">
-                    <a:lumMod val="50000"/>
-                  </a:schemeClr>
-                </a:solidFill>
-                <a:ea typeface="Times New Roman" panose="02020603050405020304" pitchFamily="18" charset="0"/>
-                <a:cs typeface="Times New Roman" panose="02020603050405020304" pitchFamily="18" charset="0"/>
-              </a:rPr>
-              <a:t>&gt;) {</a:t>
-            </a:r>
-            <a:endParaRPr lang="en-US" sz="1800" dirty="0">
-              <a:solidFill>
-                <a:schemeClr val="bg1">
-                  <a:lumMod val="50000"/>
-                </a:schemeClr>
-              </a:solidFill>
-              <a:latin typeface="Calibri" panose="020F0502020204030204" pitchFamily="34" charset="0"/>
-              <a:ea typeface="Calibri" panose="020F0502020204030204" pitchFamily="34" charset="0"/>
-              <a:cs typeface="Times New Roman" panose="02020603050405020304" pitchFamily="18" charset="0"/>
-            </a:endParaRPr>
+              <a:rPr lang="en-US" sz="1600" dirty="0">
+                <a:solidFill>
+                  <a:srgbClr val="000000"/>
+                </a:solidFill>
+                <a:ea typeface="Times New Roman" panose="02020603050405020304" pitchFamily="18" charset="0"/>
+                <a:cs typeface="Times New Roman" panose="02020603050405020304" pitchFamily="18" charset="0"/>
+              </a:rPr>
+              <a:t>}</a:t>
+            </a:r>
           </a:p>
           <a:p>
             <a:pPr>
@@ -8631,59 +9129,35 @@
               </a:tabLst>
             </a:pPr>
             <a:r>
-              <a:rPr lang="en-US" sz="1800" dirty="0">
-                <a:solidFill>
-                  <a:srgbClr val="000000"/>
-                </a:solidFill>
-                <a:ea typeface="Times New Roman" panose="02020603050405020304" pitchFamily="18" charset="0"/>
-                <a:cs typeface="Times New Roman" panose="02020603050405020304" pitchFamily="18" charset="0"/>
-              </a:rPr>
-              <a:t>  </a:t>
-            </a:r>
-            <a:r>
-              <a:rPr lang="en-US" sz="1800" dirty="0" err="1">
-                <a:solidFill>
-                  <a:srgbClr val="000000"/>
-                </a:solidFill>
-                <a:ea typeface="Times New Roman" panose="02020603050405020304" pitchFamily="18" charset="0"/>
-                <a:cs typeface="Times New Roman" panose="02020603050405020304" pitchFamily="18" charset="0"/>
-              </a:rPr>
-              <a:t>gameObjects</a:t>
-            </a:r>
-            <a:r>
-              <a:rPr lang="en-US" sz="1800" dirty="0" err="1">
-                <a:solidFill>
-                  <a:srgbClr val="C70040"/>
-                </a:solidFill>
-                <a:ea typeface="Times New Roman" panose="02020603050405020304" pitchFamily="18" charset="0"/>
-                <a:cs typeface="Times New Roman" panose="02020603050405020304" pitchFamily="18" charset="0"/>
-              </a:rPr>
-              <a:t>.</a:t>
-            </a:r>
-            <a:r>
-              <a:rPr lang="en-US" sz="1800" dirty="0" err="1">
-                <a:solidFill>
-                  <a:srgbClr val="000000"/>
-                </a:solidFill>
-                <a:ea typeface="Times New Roman" panose="02020603050405020304" pitchFamily="18" charset="0"/>
-                <a:cs typeface="Times New Roman" panose="02020603050405020304" pitchFamily="18" charset="0"/>
-              </a:rPr>
-              <a:t>forEach</a:t>
-            </a:r>
-            <a:r>
-              <a:rPr lang="en-US" sz="1800" dirty="0">
-                <a:solidFill>
-                  <a:srgbClr val="000000"/>
-                </a:solidFill>
-                <a:ea typeface="Times New Roman" panose="02020603050405020304" pitchFamily="18" charset="0"/>
-                <a:cs typeface="Times New Roman" panose="02020603050405020304" pitchFamily="18" charset="0"/>
-              </a:rPr>
-              <a:t>{</a:t>
-            </a:r>
-            <a:r>
-              <a:rPr lang="hu-HU" sz="1800" dirty="0">
-                <a:solidFill>
-                  <a:srgbClr val="000000"/>
+              <a:rPr lang="en-US" sz="1600" dirty="0">
+                <a:solidFill>
+                  <a:schemeClr val="bg1">
+                    <a:lumMod val="50000"/>
+                  </a:schemeClr>
+                </a:solidFill>
+                <a:ea typeface="Times New Roman" panose="02020603050405020304" pitchFamily="18" charset="0"/>
+                <a:cs typeface="Times New Roman" panose="02020603050405020304" pitchFamily="18" charset="0"/>
+              </a:rPr>
+              <a:t>fun update(</a:t>
+            </a:r>
+            <a:r>
+              <a:rPr lang="en-US" sz="1600" i="1" dirty="0" err="1">
+                <a:solidFill>
+                  <a:schemeClr val="bg1">
+                    <a:lumMod val="50000"/>
+                  </a:schemeClr>
+                </a:solidFill>
+                <a:ea typeface="Times New Roman" panose="02020603050405020304" pitchFamily="18" charset="0"/>
+                <a:cs typeface="Times New Roman" panose="02020603050405020304" pitchFamily="18" charset="0"/>
+              </a:rPr>
+              <a:t>gl</a:t>
+            </a:r>
+            <a:r>
+              <a:rPr lang="en-US" sz="1600" i="1" dirty="0">
+                <a:solidFill>
+                  <a:schemeClr val="bg1">
+                    <a:lumMod val="50000"/>
+                  </a:schemeClr>
                 </a:solidFill>
                 <a:ea typeface="Times New Roman" panose="02020603050405020304" pitchFamily="18" charset="0"/>
                 <a:cs typeface="Times New Roman" panose="02020603050405020304" pitchFamily="18" charset="0"/>
@@ -8691,79 +9165,23 @@
               <a:t> </a:t>
             </a:r>
             <a:r>
-              <a:rPr lang="en-US" sz="1800" dirty="0" err="1">
-                <a:solidFill>
-                  <a:srgbClr val="000000"/>
-                </a:solidFill>
-                <a:ea typeface="Times New Roman" panose="02020603050405020304" pitchFamily="18" charset="0"/>
-                <a:cs typeface="Times New Roman" panose="02020603050405020304" pitchFamily="18" charset="0"/>
-              </a:rPr>
-              <a:t>it</a:t>
-            </a:r>
-            <a:r>
-              <a:rPr lang="en-US" sz="1800" dirty="0" err="1">
-                <a:solidFill>
-                  <a:srgbClr val="C70040"/>
-                </a:solidFill>
-                <a:ea typeface="Times New Roman" panose="02020603050405020304" pitchFamily="18" charset="0"/>
-                <a:cs typeface="Times New Roman" panose="02020603050405020304" pitchFamily="18" charset="0"/>
-              </a:rPr>
-              <a:t>.</a:t>
-            </a:r>
-            <a:r>
-              <a:rPr lang="en-US" sz="1800" dirty="0" err="1">
-                <a:solidFill>
-                  <a:srgbClr val="000000"/>
-                </a:solidFill>
-                <a:ea typeface="Times New Roman" panose="02020603050405020304" pitchFamily="18" charset="0"/>
-                <a:cs typeface="Times New Roman" panose="02020603050405020304" pitchFamily="18" charset="0"/>
-              </a:rPr>
-              <a:t>move</a:t>
-            </a:r>
-            <a:r>
-              <a:rPr lang="en-US" sz="1800" dirty="0">
-                <a:solidFill>
-                  <a:srgbClr val="000000"/>
-                </a:solidFill>
-                <a:ea typeface="Times New Roman" panose="02020603050405020304" pitchFamily="18" charset="0"/>
-                <a:cs typeface="Times New Roman" panose="02020603050405020304" pitchFamily="18" charset="0"/>
-              </a:rPr>
-              <a:t>(</a:t>
-            </a:r>
-            <a:r>
-              <a:rPr lang="en-US" sz="1800" dirty="0">
-                <a:solidFill>
-                  <a:srgbClr val="7C4FCD"/>
-                </a:solidFill>
-                <a:ea typeface="Times New Roman" panose="02020603050405020304" pitchFamily="18" charset="0"/>
-                <a:cs typeface="Times New Roman" panose="02020603050405020304" pitchFamily="18" charset="0"/>
-              </a:rPr>
-              <a:t>t, </a:t>
-            </a:r>
-            <a:r>
-              <a:rPr lang="en-US" sz="1800" dirty="0" err="1">
-                <a:solidFill>
-                  <a:srgbClr val="7C4FCD"/>
-                </a:solidFill>
-                <a:ea typeface="Times New Roman" panose="02020603050405020304" pitchFamily="18" charset="0"/>
-                <a:cs typeface="Times New Roman" panose="02020603050405020304" pitchFamily="18" charset="0"/>
-              </a:rPr>
-              <a:t>dt</a:t>
-            </a:r>
-            <a:r>
-              <a:rPr lang="en-US" sz="1800" dirty="0">
-                <a:solidFill>
-                  <a:srgbClr val="000000"/>
-                </a:solidFill>
-                <a:ea typeface="Times New Roman" panose="02020603050405020304" pitchFamily="18" charset="0"/>
-                <a:cs typeface="Times New Roman" panose="02020603050405020304" pitchFamily="18" charset="0"/>
-              </a:rPr>
-              <a:t>, </a:t>
-            </a:r>
-            <a:r>
-              <a:rPr lang="en-US" sz="1800" dirty="0" err="1">
-                <a:solidFill>
-                  <a:srgbClr val="000000"/>
+              <a:rPr lang="en-US" sz="1600" dirty="0">
+                <a:solidFill>
+                  <a:schemeClr val="bg1">
+                    <a:lumMod val="50000"/>
+                  </a:schemeClr>
+                </a:solidFill>
+                <a:ea typeface="Times New Roman" panose="02020603050405020304" pitchFamily="18" charset="0"/>
+                <a:cs typeface="Times New Roman" panose="02020603050405020304" pitchFamily="18" charset="0"/>
+              </a:rPr>
+              <a:t>: WebGL2RenderingContext, </a:t>
+            </a:r>
+            <a:r>
+              <a:rPr lang="en-US" sz="1600" i="1" dirty="0" err="1">
+                <a:solidFill>
+                  <a:schemeClr val="bg1">
+                    <a:lumMod val="50000"/>
+                  </a:schemeClr>
                 </a:solidFill>
                 <a:ea typeface="Times New Roman" panose="02020603050405020304" pitchFamily="18" charset="0"/>
                 <a:cs typeface="Times New Roman" panose="02020603050405020304" pitchFamily="18" charset="0"/>
@@ -8771,36 +9189,83 @@
               <a:t>keysPressed</a:t>
             </a:r>
             <a:r>
-              <a:rPr lang="en-US" sz="1800" dirty="0">
-                <a:solidFill>
-                  <a:srgbClr val="000000"/>
-                </a:solidFill>
-                <a:ea typeface="Times New Roman" panose="02020603050405020304" pitchFamily="18" charset="0"/>
-                <a:cs typeface="Times New Roman" panose="02020603050405020304" pitchFamily="18" charset="0"/>
-              </a:rPr>
-              <a:t>, </a:t>
-            </a:r>
-            <a:r>
-              <a:rPr lang="en-US" sz="1800" dirty="0" err="1">
-                <a:solidFill>
-                  <a:srgbClr val="000000"/>
-                </a:solidFill>
-                <a:ea typeface="Times New Roman" panose="02020603050405020304" pitchFamily="18" charset="0"/>
-                <a:cs typeface="Times New Roman" panose="02020603050405020304" pitchFamily="18" charset="0"/>
-              </a:rPr>
-              <a:t>gameObjects</a:t>
-            </a:r>
-            <a:r>
-              <a:rPr lang="en-US" sz="1800" dirty="0">
-                <a:solidFill>
-                  <a:srgbClr val="000000"/>
-                </a:solidFill>
-                <a:ea typeface="Times New Roman" panose="02020603050405020304" pitchFamily="18" charset="0"/>
-                <a:cs typeface="Times New Roman" panose="02020603050405020304" pitchFamily="18" charset="0"/>
-              </a:rPr>
-              <a:t>) }</a:t>
-            </a:r>
-            <a:endParaRPr lang="en-US" sz="1800" dirty="0">
+              <a:rPr lang="en-US" sz="1600" i="1" dirty="0">
+                <a:solidFill>
+                  <a:schemeClr val="bg1">
+                    <a:lumMod val="50000"/>
+                  </a:schemeClr>
+                </a:solidFill>
+                <a:ea typeface="Times New Roman" panose="02020603050405020304" pitchFamily="18" charset="0"/>
+                <a:cs typeface="Times New Roman" panose="02020603050405020304" pitchFamily="18" charset="0"/>
+              </a:rPr>
+              <a:t> </a:t>
+            </a:r>
+            <a:r>
+              <a:rPr lang="en-US" sz="1600" dirty="0">
+                <a:solidFill>
+                  <a:schemeClr val="bg1">
+                    <a:lumMod val="50000"/>
+                  </a:schemeClr>
+                </a:solidFill>
+                <a:ea typeface="Times New Roman" panose="02020603050405020304" pitchFamily="18" charset="0"/>
+                <a:cs typeface="Times New Roman" panose="02020603050405020304" pitchFamily="18" charset="0"/>
+              </a:rPr>
+              <a:t>: </a:t>
+            </a:r>
+            <a:r>
+              <a:rPr lang="en-US" sz="1600" i="1" dirty="0">
+                <a:solidFill>
+                  <a:schemeClr val="bg1">
+                    <a:lumMod val="50000"/>
+                  </a:schemeClr>
+                </a:solidFill>
+                <a:ea typeface="Times New Roman" panose="02020603050405020304" pitchFamily="18" charset="0"/>
+                <a:cs typeface="Times New Roman" panose="02020603050405020304" pitchFamily="18" charset="0"/>
+              </a:rPr>
+              <a:t>Set</a:t>
+            </a:r>
+            <a:r>
+              <a:rPr lang="en-US" sz="1600" dirty="0">
+                <a:solidFill>
+                  <a:schemeClr val="bg1">
+                    <a:lumMod val="50000"/>
+                  </a:schemeClr>
+                </a:solidFill>
+                <a:ea typeface="Times New Roman" panose="02020603050405020304" pitchFamily="18" charset="0"/>
+                <a:cs typeface="Times New Roman" panose="02020603050405020304" pitchFamily="18" charset="0"/>
+              </a:rPr>
+              <a:t>&lt;</a:t>
+            </a:r>
+            <a:r>
+              <a:rPr lang="en-US" sz="1600" i="1" dirty="0">
+                <a:solidFill>
+                  <a:schemeClr val="bg1">
+                    <a:lumMod val="50000"/>
+                  </a:schemeClr>
+                </a:solidFill>
+                <a:ea typeface="Times New Roman" panose="02020603050405020304" pitchFamily="18" charset="0"/>
+                <a:cs typeface="Times New Roman" panose="02020603050405020304" pitchFamily="18" charset="0"/>
+              </a:rPr>
+              <a:t>String</a:t>
+            </a:r>
+            <a:r>
+              <a:rPr lang="en-US" sz="1600" dirty="0">
+                <a:solidFill>
+                  <a:schemeClr val="bg1">
+                    <a:lumMod val="50000"/>
+                  </a:schemeClr>
+                </a:solidFill>
+                <a:ea typeface="Times New Roman" panose="02020603050405020304" pitchFamily="18" charset="0"/>
+                <a:cs typeface="Times New Roman" panose="02020603050405020304" pitchFamily="18" charset="0"/>
+              </a:rPr>
+              <a:t>&gt;) {</a:t>
+            </a:r>
+            <a:endParaRPr lang="en-US" sz="1600" dirty="0">
+              <a:solidFill>
+                <a:schemeClr val="bg1">
+                  <a:lumMod val="50000"/>
+                </a:schemeClr>
+              </a:solidFill>
               <a:latin typeface="Calibri" panose="020F0502020204030204" pitchFamily="34" charset="0"/>
               <a:ea typeface="Calibri" panose="020F0502020204030204" pitchFamily="34" charset="0"/>
               <a:cs typeface="Times New Roman" panose="02020603050405020304" pitchFamily="18" charset="0"/>
@@ -8834,11 +9299,9 @@
               </a:tabLst>
             </a:pPr>
             <a:r>
-              <a:rPr lang="en-US" sz="1800" dirty="0">
-                <a:solidFill>
-                  <a:schemeClr val="bg1">
-                    <a:lumMod val="50000"/>
-                  </a:schemeClr>
+              <a:rPr lang="en-US" sz="1600" dirty="0">
+                <a:solidFill>
+                  <a:srgbClr val="000000"/>
                 </a:solidFill>
                 <a:ea typeface="Times New Roman" panose="02020603050405020304" pitchFamily="18" charset="0"/>
                 <a:cs typeface="Times New Roman" panose="02020603050405020304" pitchFamily="18" charset="0"/>
@@ -8846,59 +9309,156 @@
               <a:t>  </a:t>
             </a:r>
             <a:r>
-              <a:rPr lang="en-US" sz="1800" dirty="0" err="1">
-                <a:solidFill>
-                  <a:schemeClr val="bg1">
-                    <a:lumMod val="50000"/>
-                  </a:schemeClr>
-                </a:solidFill>
-                <a:ea typeface="Times New Roman" panose="02020603050405020304" pitchFamily="18" charset="0"/>
-                <a:cs typeface="Times New Roman" panose="02020603050405020304" pitchFamily="18" charset="0"/>
-              </a:rPr>
-              <a:t>gameObjects.forEach</a:t>
-            </a:r>
-            <a:r>
-              <a:rPr lang="en-US" sz="1800" dirty="0">
-                <a:solidFill>
-                  <a:schemeClr val="bg1">
-                    <a:lumMod val="50000"/>
-                  </a:schemeClr>
-                </a:solidFill>
-                <a:ea typeface="Times New Roman" panose="02020603050405020304" pitchFamily="18" charset="0"/>
-                <a:cs typeface="Times New Roman" panose="02020603050405020304" pitchFamily="18" charset="0"/>
-              </a:rPr>
-              <a:t>{ </a:t>
-            </a:r>
-            <a:r>
-              <a:rPr lang="en-US" sz="1800" dirty="0" err="1">
-                <a:solidFill>
-                  <a:schemeClr val="bg1">
-                    <a:lumMod val="50000"/>
-                  </a:schemeClr>
-                </a:solidFill>
-                <a:ea typeface="Times New Roman" panose="02020603050405020304" pitchFamily="18" charset="0"/>
-                <a:cs typeface="Times New Roman" panose="02020603050405020304" pitchFamily="18" charset="0"/>
-              </a:rPr>
-              <a:t>it.update</a:t>
-            </a:r>
-            <a:r>
-              <a:rPr lang="en-US" sz="1800" dirty="0">
-                <a:solidFill>
-                  <a:schemeClr val="bg1">
-                    <a:lumMod val="50000"/>
-                  </a:schemeClr>
-                </a:solidFill>
-                <a:ea typeface="Times New Roman" panose="02020603050405020304" pitchFamily="18" charset="0"/>
-                <a:cs typeface="Times New Roman" panose="02020603050405020304" pitchFamily="18" charset="0"/>
-              </a:rPr>
-              <a:t>() }</a:t>
-            </a:r>
-            <a:endParaRPr lang="en-US" sz="1800" dirty="0">
-              <a:solidFill>
-                <a:schemeClr val="bg1">
-                  <a:lumMod val="50000"/>
-                </a:schemeClr>
-              </a:solidFill>
+              <a:rPr lang="en-US" sz="1600" dirty="0" err="1">
+                <a:solidFill>
+                  <a:srgbClr val="000000"/>
+                </a:solidFill>
+                <a:ea typeface="Times New Roman" panose="02020603050405020304" pitchFamily="18" charset="0"/>
+                <a:cs typeface="Times New Roman" panose="02020603050405020304" pitchFamily="18" charset="0"/>
+              </a:rPr>
+              <a:t>gameObjects</a:t>
+            </a:r>
+            <a:r>
+              <a:rPr lang="en-US" sz="1600" dirty="0" err="1">
+                <a:solidFill>
+                  <a:srgbClr val="C70040"/>
+                </a:solidFill>
+                <a:ea typeface="Times New Roman" panose="02020603050405020304" pitchFamily="18" charset="0"/>
+                <a:cs typeface="Times New Roman" panose="02020603050405020304" pitchFamily="18" charset="0"/>
+              </a:rPr>
+              <a:t>.</a:t>
+            </a:r>
+            <a:r>
+              <a:rPr lang="en-US" sz="1600" dirty="0" err="1">
+                <a:solidFill>
+                  <a:srgbClr val="000000"/>
+                </a:solidFill>
+                <a:ea typeface="Times New Roman" panose="02020603050405020304" pitchFamily="18" charset="0"/>
+                <a:cs typeface="Times New Roman" panose="02020603050405020304" pitchFamily="18" charset="0"/>
+              </a:rPr>
+              <a:t>forEach</a:t>
+            </a:r>
+            <a:r>
+              <a:rPr lang="en-US" sz="1600" dirty="0">
+                <a:solidFill>
+                  <a:srgbClr val="000000"/>
+                </a:solidFill>
+                <a:ea typeface="Times New Roman" panose="02020603050405020304" pitchFamily="18" charset="0"/>
+                <a:cs typeface="Times New Roman" panose="02020603050405020304" pitchFamily="18" charset="0"/>
+              </a:rPr>
+              <a:t>{</a:t>
+            </a:r>
+            <a:r>
+              <a:rPr lang="hu-HU" sz="1600" dirty="0">
+                <a:solidFill>
+                  <a:srgbClr val="000000"/>
+                </a:solidFill>
+                <a:ea typeface="Times New Roman" panose="02020603050405020304" pitchFamily="18" charset="0"/>
+                <a:cs typeface="Times New Roman" panose="02020603050405020304" pitchFamily="18" charset="0"/>
+              </a:rPr>
+              <a:t> </a:t>
+            </a:r>
+            <a:r>
+              <a:rPr lang="en-US" sz="1600" dirty="0" err="1">
+                <a:solidFill>
+                  <a:srgbClr val="000000"/>
+                </a:solidFill>
+                <a:ea typeface="Times New Roman" panose="02020603050405020304" pitchFamily="18" charset="0"/>
+                <a:cs typeface="Times New Roman" panose="02020603050405020304" pitchFamily="18" charset="0"/>
+              </a:rPr>
+              <a:t>it</a:t>
+            </a:r>
+            <a:r>
+              <a:rPr lang="en-US" sz="1600" dirty="0" err="1">
+                <a:solidFill>
+                  <a:srgbClr val="C70040"/>
+                </a:solidFill>
+                <a:ea typeface="Times New Roman" panose="02020603050405020304" pitchFamily="18" charset="0"/>
+                <a:cs typeface="Times New Roman" panose="02020603050405020304" pitchFamily="18" charset="0"/>
+              </a:rPr>
+              <a:t>.</a:t>
+            </a:r>
+            <a:r>
+              <a:rPr lang="en-US" sz="1600" dirty="0" err="1">
+                <a:solidFill>
+                  <a:srgbClr val="000000"/>
+                </a:solidFill>
+                <a:ea typeface="Times New Roman" panose="02020603050405020304" pitchFamily="18" charset="0"/>
+                <a:cs typeface="Times New Roman" panose="02020603050405020304" pitchFamily="18" charset="0"/>
+              </a:rPr>
+              <a:t>move</a:t>
+            </a:r>
+            <a:r>
+              <a:rPr lang="en-US" sz="1600" dirty="0">
+                <a:solidFill>
+                  <a:srgbClr val="000000"/>
+                </a:solidFill>
+                <a:ea typeface="Times New Roman" panose="02020603050405020304" pitchFamily="18" charset="0"/>
+                <a:cs typeface="Times New Roman" panose="02020603050405020304" pitchFamily="18" charset="0"/>
+              </a:rPr>
+              <a:t>(</a:t>
+            </a:r>
+            <a:r>
+              <a:rPr lang="en-US" sz="1600" dirty="0">
+                <a:solidFill>
+                  <a:srgbClr val="7C4FCD"/>
+                </a:solidFill>
+                <a:ea typeface="Times New Roman" panose="02020603050405020304" pitchFamily="18" charset="0"/>
+                <a:cs typeface="Times New Roman" panose="02020603050405020304" pitchFamily="18" charset="0"/>
+              </a:rPr>
+              <a:t>t, dt</a:t>
+            </a:r>
+            <a:r>
+              <a:rPr lang="en-US" sz="1600" dirty="0">
+                <a:solidFill>
+                  <a:srgbClr val="000000"/>
+                </a:solidFill>
+                <a:ea typeface="Times New Roman" panose="02020603050405020304" pitchFamily="18" charset="0"/>
+                <a:cs typeface="Times New Roman" panose="02020603050405020304" pitchFamily="18" charset="0"/>
+              </a:rPr>
+              <a:t>, </a:t>
+            </a:r>
+            <a:r>
+              <a:rPr lang="en-US" sz="1600" dirty="0" err="1">
+                <a:solidFill>
+                  <a:srgbClr val="000000"/>
+                </a:solidFill>
+                <a:ea typeface="Times New Roman" panose="02020603050405020304" pitchFamily="18" charset="0"/>
+                <a:cs typeface="Times New Roman" panose="02020603050405020304" pitchFamily="18" charset="0"/>
+              </a:rPr>
+              <a:t>keysPressed</a:t>
+            </a:r>
+            <a:r>
+              <a:rPr lang="en-US" sz="1600" dirty="0">
+                <a:solidFill>
+                  <a:srgbClr val="000000"/>
+                </a:solidFill>
+                <a:ea typeface="Times New Roman" panose="02020603050405020304" pitchFamily="18" charset="0"/>
+                <a:cs typeface="Times New Roman" panose="02020603050405020304" pitchFamily="18" charset="0"/>
+              </a:rPr>
+              <a:t>, </a:t>
+            </a:r>
+            <a:r>
+              <a:rPr lang="en-US" sz="1600" dirty="0" err="1">
+                <a:solidFill>
+                  <a:srgbClr val="000000"/>
+                </a:solidFill>
+                <a:ea typeface="Times New Roman" panose="02020603050405020304" pitchFamily="18" charset="0"/>
+                <a:cs typeface="Times New Roman" panose="02020603050405020304" pitchFamily="18" charset="0"/>
+              </a:rPr>
+              <a:t>gameObjects</a:t>
+            </a:r>
+            <a:r>
+              <a:rPr lang="en-US" sz="1600" dirty="0">
+                <a:solidFill>
+                  <a:srgbClr val="000000"/>
+                </a:solidFill>
+                <a:ea typeface="Times New Roman" panose="02020603050405020304" pitchFamily="18" charset="0"/>
+                <a:cs typeface="Times New Roman" panose="02020603050405020304" pitchFamily="18" charset="0"/>
+              </a:rPr>
+              <a:t>) }</a:t>
+            </a:r>
+            <a:endParaRPr lang="en-US" sz="1600" dirty="0">
               <a:latin typeface="Calibri" panose="020F0502020204030204" pitchFamily="34" charset="0"/>
               <a:ea typeface="Calibri" panose="020F0502020204030204" pitchFamily="34" charset="0"/>
               <a:cs typeface="Times New Roman" panose="02020603050405020304" pitchFamily="18" charset="0"/>
@@ -8932,7 +9492,7 @@
               </a:tabLst>
             </a:pPr>
             <a:r>
-              <a:rPr lang="en-US" sz="1800" dirty="0">
+              <a:rPr lang="en-US" sz="1600" dirty="0">
                 <a:solidFill>
                   <a:schemeClr val="bg1">
                     <a:lumMod val="50000"/>
@@ -8944,7 +9504,7 @@
               <a:t>  </a:t>
             </a:r>
             <a:r>
-              <a:rPr lang="en-US" sz="1800" dirty="0" err="1">
+              <a:rPr lang="en-US" sz="1600" dirty="0" err="1">
                 <a:solidFill>
                   <a:schemeClr val="bg1">
                     <a:lumMod val="50000"/>
@@ -8956,7 +9516,7 @@
               <a:t>gameObjects.forEach</a:t>
             </a:r>
             <a:r>
-              <a:rPr lang="en-US" sz="1800" dirty="0">
+              <a:rPr lang="en-US" sz="1600" dirty="0">
                 <a:solidFill>
                   <a:schemeClr val="bg1">
                     <a:lumMod val="50000"/>
@@ -8968,7 +9528,7 @@
               <a:t>{ </a:t>
             </a:r>
             <a:r>
-              <a:rPr lang="en-US" sz="1800" dirty="0" err="1">
+              <a:rPr lang="en-US" sz="1600" dirty="0" err="1">
                 <a:solidFill>
                   <a:schemeClr val="bg1">
                     <a:lumMod val="50000"/>
@@ -8977,10 +9537,10 @@
                 <a:ea typeface="Times New Roman" panose="02020603050405020304" pitchFamily="18" charset="0"/>
                 <a:cs typeface="Times New Roman" panose="02020603050405020304" pitchFamily="18" charset="0"/>
               </a:rPr>
-              <a:t>it.draw</a:t>
-            </a:r>
-            <a:r>
-              <a:rPr lang="en-US" sz="1800" dirty="0">
+              <a:t>it.update</a:t>
+            </a:r>
+            <a:r>
+              <a:rPr lang="en-US" sz="1600" dirty="0">
                 <a:solidFill>
                   <a:schemeClr val="bg1">
                     <a:lumMod val="50000"/>
@@ -8991,7 +9551,7 @@
               </a:rPr>
               <a:t>() }</a:t>
             </a:r>
-            <a:endParaRPr lang="en-US" sz="1800" dirty="0">
+            <a:endParaRPr lang="en-US" sz="1600" dirty="0">
               <a:solidFill>
                 <a:schemeClr val="bg1">
                   <a:lumMod val="50000"/>
@@ -9030,7 +9590,7 @@
               </a:tabLst>
             </a:pPr>
             <a:r>
-              <a:rPr lang="en-US" sz="1800" dirty="0">
+              <a:rPr lang="en-US" sz="1600" dirty="0">
                 <a:solidFill>
                   <a:schemeClr val="bg1">
                     <a:lumMod val="50000"/>
@@ -9039,9 +9599,107 @@
                 <a:ea typeface="Times New Roman" panose="02020603050405020304" pitchFamily="18" charset="0"/>
                 <a:cs typeface="Times New Roman" panose="02020603050405020304" pitchFamily="18" charset="0"/>
               </a:rPr>
+              <a:t>  </a:t>
+            </a:r>
+            <a:r>
+              <a:rPr lang="en-US" sz="1600" dirty="0" err="1">
+                <a:solidFill>
+                  <a:schemeClr val="bg1">
+                    <a:lumMod val="50000"/>
+                  </a:schemeClr>
+                </a:solidFill>
+                <a:ea typeface="Times New Roman" panose="02020603050405020304" pitchFamily="18" charset="0"/>
+                <a:cs typeface="Times New Roman" panose="02020603050405020304" pitchFamily="18" charset="0"/>
+              </a:rPr>
+              <a:t>gameObjects.forEach</a:t>
+            </a:r>
+            <a:r>
+              <a:rPr lang="en-US" sz="1600" dirty="0">
+                <a:solidFill>
+                  <a:schemeClr val="bg1">
+                    <a:lumMod val="50000"/>
+                  </a:schemeClr>
+                </a:solidFill>
+                <a:ea typeface="Times New Roman" panose="02020603050405020304" pitchFamily="18" charset="0"/>
+                <a:cs typeface="Times New Roman" panose="02020603050405020304" pitchFamily="18" charset="0"/>
+              </a:rPr>
+              <a:t>{ </a:t>
+            </a:r>
+            <a:r>
+              <a:rPr lang="en-US" sz="1600" dirty="0" err="1">
+                <a:solidFill>
+                  <a:schemeClr val="bg1">
+                    <a:lumMod val="50000"/>
+                  </a:schemeClr>
+                </a:solidFill>
+                <a:ea typeface="Times New Roman" panose="02020603050405020304" pitchFamily="18" charset="0"/>
+                <a:cs typeface="Times New Roman" panose="02020603050405020304" pitchFamily="18" charset="0"/>
+              </a:rPr>
+              <a:t>it.draw</a:t>
+            </a:r>
+            <a:r>
+              <a:rPr lang="en-US" sz="1600" dirty="0">
+                <a:solidFill>
+                  <a:schemeClr val="bg1">
+                    <a:lumMod val="50000"/>
+                  </a:schemeClr>
+                </a:solidFill>
+                <a:ea typeface="Times New Roman" panose="02020603050405020304" pitchFamily="18" charset="0"/>
+                <a:cs typeface="Times New Roman" panose="02020603050405020304" pitchFamily="18" charset="0"/>
+              </a:rPr>
+              <a:t>() }</a:t>
+            </a:r>
+            <a:endParaRPr lang="en-US" sz="1600" dirty="0">
+              <a:solidFill>
+                <a:schemeClr val="bg1">
+                  <a:lumMod val="50000"/>
+                </a:schemeClr>
+              </a:solidFill>
+              <a:latin typeface="Calibri" panose="020F0502020204030204" pitchFamily="34" charset="0"/>
+              <a:ea typeface="Calibri" panose="020F0502020204030204" pitchFamily="34" charset="0"/>
+              <a:cs typeface="Times New Roman" panose="02020603050405020304" pitchFamily="18" charset="0"/>
+            </a:endParaRPr>
+          </a:p>
+          <a:p>
+            <a:pPr>
+              <a:lnSpc>
+                <a:spcPct val="107000"/>
+              </a:lnSpc>
+              <a:spcAft>
+                <a:spcPts val="0"/>
+              </a:spcAft>
+              <a:tabLst>
+                <a:tab pos="581660" algn="l"/>
+                <a:tab pos="1163320" algn="l"/>
+                <a:tab pos="1744980" algn="l"/>
+                <a:tab pos="2326640" algn="l"/>
+                <a:tab pos="2908300" algn="l"/>
+                <a:tab pos="3489960" algn="l"/>
+                <a:tab pos="4071620" algn="l"/>
+                <a:tab pos="4653280" algn="l"/>
+                <a:tab pos="5234940" algn="l"/>
+                <a:tab pos="5816600" algn="l"/>
+                <a:tab pos="6398260" algn="l"/>
+                <a:tab pos="6979920" algn="l"/>
+                <a:tab pos="7561580" algn="l"/>
+                <a:tab pos="8143240" algn="l"/>
+                <a:tab pos="8724900" algn="l"/>
+                <a:tab pos="9306560" algn="l"/>
+              </a:tabLst>
+            </a:pPr>
+            <a:r>
+              <a:rPr lang="en-US" sz="1600" dirty="0">
+                <a:solidFill>
+                  <a:schemeClr val="bg1">
+                    <a:lumMod val="50000"/>
+                  </a:schemeClr>
+                </a:solidFill>
+                <a:ea typeface="Times New Roman" panose="02020603050405020304" pitchFamily="18" charset="0"/>
+                <a:cs typeface="Times New Roman" panose="02020603050405020304" pitchFamily="18" charset="0"/>
+              </a:rPr>
               <a:t>}</a:t>
             </a:r>
-            <a:endParaRPr lang="en-US" sz="1800" dirty="0">
+            <a:endParaRPr lang="en-US" sz="1600" dirty="0">
               <a:solidFill>
                 <a:schemeClr val="bg1">
                   <a:lumMod val="50000"/>
@@ -9134,14 +9792,15 @@
         <p:nvCxnSpPr>
           <p:cNvPr id="5" name="Straight Arrow Connector 4"/>
           <p:cNvCxnSpPr>
+            <a:cxnSpLocks/>
             <a:stCxn id="4" idx="1"/>
           </p:cNvCxnSpPr>
           <p:nvPr/>
         </p:nvCxnSpPr>
         <p:spPr>
           <a:xfrm flipH="1" flipV="1">
-            <a:off x="3813048" y="3081528"/>
-            <a:ext cx="1579624" cy="1496187"/>
+            <a:off x="3649508" y="2937409"/>
+            <a:ext cx="1743164" cy="1640306"/>
           </a:xfrm>
           <a:prstGeom prst="straightConnector1">
             <a:avLst/>
@@ -9197,8 +9856,23 @@
                 </a:solidFill>
                 <a:latin typeface="Whipsmart" panose="020B0502030203050204" pitchFamily="34" charset="0"/>
               </a:rPr>
-              <a:t>új GameObject property</a:t>
-            </a:r>
+              <a:t>új </a:t>
+            </a:r>
+            <a:r>
+              <a:rPr lang="hu-HU" dirty="0" err="1">
+                <a:solidFill>
+                  <a:srgbClr val="FF0000"/>
+                </a:solidFill>
+                <a:latin typeface="Whipsmart" panose="020B0502030203050204" pitchFamily="34" charset="0"/>
+              </a:rPr>
+              <a:t>property</a:t>
+            </a:r>
+            <a:endParaRPr lang="hu-HU" dirty="0">
+              <a:solidFill>
+                <a:srgbClr val="FF0000"/>
+              </a:solidFill>
+              <a:latin typeface="Whipsmart" panose="020B0502030203050204" pitchFamily="34" charset="0"/>
+            </a:endParaRPr>
           </a:p>
         </p:txBody>
       </p:sp>
@@ -9206,14 +9880,15 @@
         <p:nvCxnSpPr>
           <p:cNvPr id="20" name="Straight Arrow Connector 19"/>
           <p:cNvCxnSpPr>
+            <a:cxnSpLocks/>
             <a:stCxn id="17" idx="1"/>
           </p:cNvCxnSpPr>
           <p:nvPr/>
         </p:nvCxnSpPr>
         <p:spPr>
           <a:xfrm flipH="1">
-            <a:off x="4306824" y="1357687"/>
-            <a:ext cx="1878328" cy="992561"/>
+            <a:off x="4070294" y="1357687"/>
+            <a:ext cx="2114858" cy="1200329"/>
           </a:xfrm>
           <a:prstGeom prst="straightConnector1">
             <a:avLst/>
@@ -9249,7 +9924,7 @@
         <p:spPr>
           <a:xfrm>
             <a:off x="3448810" y="104430"/>
-            <a:ext cx="2476498" cy="1200329"/>
+            <a:ext cx="2984358" cy="1200329"/>
           </a:xfrm>
           <a:prstGeom prst="rect">
             <a:avLst/>
@@ -9269,7 +9944,34 @@
                 </a:solidFill>
                 <a:latin typeface="Whipsmart" panose="020B0502030203050204" pitchFamily="34" charset="0"/>
               </a:rPr>
-              <a:t>helyben definiált és példányosított névtelen GameObject-alosztály</a:t>
+              <a:t>helyben definiált és példányosított névtelen </a:t>
+            </a:r>
+            <a:r>
+              <a:rPr lang="hu-HU" dirty="0" err="1">
+                <a:solidFill>
+                  <a:srgbClr val="FF0000"/>
+                </a:solidFill>
+                <a:latin typeface="Whipsmart" panose="020B0502030203050204" pitchFamily="34" charset="0"/>
+              </a:rPr>
+              <a:t>GameObject</a:t>
+            </a:r>
+            <a:r>
+              <a:rPr lang="en-US" dirty="0">
+                <a:solidFill>
+                  <a:srgbClr val="FF0000"/>
+                </a:solidFill>
+                <a:latin typeface="Whipsmart" panose="020B0502030203050204" pitchFamily="34" charset="0"/>
+              </a:rPr>
+              <a:t>.Motion</a:t>
+            </a:r>
+            <a:r>
+              <a:rPr lang="hu-HU" dirty="0">
+                <a:solidFill>
+                  <a:srgbClr val="FF0000"/>
+                </a:solidFill>
+                <a:latin typeface="Whipsmart" panose="020B0502030203050204" pitchFamily="34" charset="0"/>
+              </a:rPr>
+              <a:t>-alosztály</a:t>
             </a:r>
           </a:p>
           <a:p>
@@ -9288,13 +9990,109 @@
       <p:cxnSp>
         <p:nvCxnSpPr>
           <p:cNvPr id="22" name="Straight Arrow Connector 21"/>
-          <p:cNvCxnSpPr/>
+          <p:cNvCxnSpPr>
+            <a:cxnSpLocks/>
+          </p:cNvCxnSpPr>
           <p:nvPr/>
         </p:nvCxnSpPr>
         <p:spPr>
           <a:xfrm flipH="1">
-            <a:off x="2834640" y="675319"/>
-            <a:ext cx="614170" cy="1178648"/>
+            <a:off x="1691235" y="675319"/>
+            <a:ext cx="1757575" cy="1541899"/>
+          </a:xfrm>
+          <a:prstGeom prst="straightConnector1">
+            <a:avLst/>
+          </a:prstGeom>
+          <a:ln>
+            <a:solidFill>
+              <a:srgbClr val="FF0000"/>
+            </a:solidFill>
+            <a:tailEnd type="triangle"/>
+          </a:ln>
+        </p:spPr>
+        <p:style>
+          <a:lnRef idx="1">
+            <a:schemeClr val="accent1"/>
+          </a:lnRef>
+          <a:fillRef idx="0">
+            <a:schemeClr val="accent1"/>
+          </a:fillRef>
+          <a:effectRef idx="0">
+            <a:schemeClr val="accent1"/>
+          </a:effectRef>
+          <a:fontRef idx="minor">
+            <a:schemeClr val="tx1"/>
+          </a:fontRef>
+        </p:style>
+      </p:cxnSp>
+      <p:sp>
+        <p:nvSpPr>
+          <p:cNvPr id="13" name="TextBox 12">
+            <a:extLst>
+              <a:ext uri="{FF2B5EF4-FFF2-40B4-BE49-F238E27FC236}">
+                <a16:creationId xmlns:a16="http://schemas.microsoft.com/office/drawing/2014/main" id="{BE527B2B-123C-4E8B-AC8A-EF0509585009}"/>
+              </a:ext>
+            </a:extLst>
+          </p:cNvPr>
+          <p:cNvSpPr txBox="1"/>
+          <p:nvPr/>
+        </p:nvSpPr>
+        <p:spPr>
+          <a:xfrm>
+            <a:off x="2044592" y="4190337"/>
+            <a:ext cx="2476498" cy="369332"/>
+          </a:xfrm>
+          <a:prstGeom prst="rect">
+            <a:avLst/>
+          </a:prstGeom>
+          <a:noFill/>
+        </p:spPr>
+        <p:txBody>
+          <a:bodyPr wrap="square" rtlCol="0">
+            <a:spAutoFit/>
+          </a:bodyPr>
+          <a:lstStyle/>
+          <a:p>
+            <a:r>
+              <a:rPr lang="en-US" dirty="0">
+                <a:solidFill>
+                  <a:srgbClr val="FF0000"/>
+                </a:solidFill>
+                <a:latin typeface="Whipsmart" panose="020B0502030203050204" pitchFamily="34" charset="0"/>
+              </a:rPr>
+              <a:t>Inner class, </a:t>
+            </a:r>
+            <a:r>
+              <a:rPr lang="hu-HU" dirty="0">
+                <a:solidFill>
+                  <a:srgbClr val="FF0000"/>
+                </a:solidFill>
+                <a:latin typeface="Whipsmart" panose="020B0502030203050204" pitchFamily="34" charset="0"/>
+              </a:rPr>
+              <a:t>ezért eléri</a:t>
+            </a:r>
+          </a:p>
+        </p:txBody>
+      </p:sp>
+      <p:cxnSp>
+        <p:nvCxnSpPr>
+          <p:cNvPr id="14" name="Straight Arrow Connector 13">
+            <a:extLst>
+              <a:ext uri="{FF2B5EF4-FFF2-40B4-BE49-F238E27FC236}">
+                <a16:creationId xmlns:a16="http://schemas.microsoft.com/office/drawing/2014/main" id="{A85CB5E7-3585-4B3C-B7C0-89912515F204}"/>
+              </a:ext>
+            </a:extLst>
+          </p:cNvPr>
+          <p:cNvCxnSpPr>
+            <a:cxnSpLocks/>
+            <a:stCxn id="13" idx="1"/>
+          </p:cNvCxnSpPr>
+          <p:nvPr/>
+        </p:nvCxnSpPr>
+        <p:spPr>
+          <a:xfrm flipH="1" flipV="1">
+            <a:off x="1505119" y="3429000"/>
+            <a:ext cx="539473" cy="946003"/>
           </a:xfrm>
           <a:prstGeom prst="straightConnector1">
             <a:avLst/>
@@ -9324,7 +10122,7 @@
     </p:spTree>
     <p:extLst>
       <p:ext uri="{BB962C8B-B14F-4D97-AF65-F5344CB8AC3E}">
-        <p14:creationId xmlns:p14="http://schemas.microsoft.com/office/powerpoint/2010/main" val="631184804"/>
+        <p14:creationId xmlns:p14="http://schemas.microsoft.com/office/powerpoint/2010/main" val="1111471180"/>
       </p:ext>
     </p:extLst>
   </p:cSld>
@@ -18891,11 +19689,13 @@
               <a:rPr lang="en-US" dirty="0"/>
               <a:t>)</a:t>
             </a:r>
-          </a:p>
-          <a:p>
-            <a:r>
-              <a:rPr lang="en-US" dirty="0" err="1"/>
-              <a:t>init</a:t>
+            <a:r>
+              <a:rPr lang="hu-HU" dirty="0"/>
+              <a:t>.</a:t>
+            </a:r>
+            <a:r>
+              <a:rPr lang="hu-HU" dirty="0" err="1"/>
+              <a:t>apply</a:t>
             </a:r>
             <a:r>
               <a:rPr lang="en-US" dirty="0"/>
@@ -18903,9 +19703,12 @@
             </a:r>
           </a:p>
           <a:p>
+            <a:endParaRPr lang="en-US" dirty="0"/>
+          </a:p>
+          <a:p>
             <a:r>
               <a:rPr lang="en-US" dirty="0"/>
-              <a:t>  material["</a:t>
+              <a:t>  this["</a:t>
             </a:r>
             <a:r>
               <a:rPr lang="en-US" dirty="0" err="1"/>
@@ -18940,7 +19743,7 @@
           <a:p>
             <a:r>
               <a:rPr lang="en-US" dirty="0"/>
-              <a:t>  material["</a:t>
+              <a:t>  this["</a:t>
             </a:r>
             <a:r>
               <a:rPr lang="en-US" dirty="0" err="1"/>

--- a/projects/kog.3gr.020-gom/lab.pptx
+++ b/projects/kog.3gr.020-gom/lab.pptx
@@ -240,7 +240,7 @@
           <a:p>
             <a:fld id="{865F36A5-2623-498E-9F4A-90F99F2366D7}" type="datetimeFigureOut">
               <a:rPr lang="en-US" smtClean="0"/>
-              <a:t>3/2/2022</a:t>
+              <a:t>3/23/2022</a:t>
             </a:fld>
             <a:endParaRPr lang="en-US"/>
           </a:p>
@@ -939,7 +939,7 @@
           <a:p>
             <a:fld id="{233D5BDB-207A-4240-9DD0-70E5211C08C1}" type="datetimeFigureOut">
               <a:rPr lang="en-US" smtClean="0"/>
-              <a:t>3/2/2022</a:t>
+              <a:t>3/23/2022</a:t>
             </a:fld>
             <a:endParaRPr lang="en-US"/>
           </a:p>
@@ -1184,7 +1184,7 @@
             <a:fld id="{233D5BDB-207A-4240-9DD0-70E5211C08C1}" type="datetimeFigureOut">
               <a:rPr lang="en-US" smtClean="0"/>
               <a:pPr/>
-              <a:t>3/2/2022</a:t>
+              <a:t>3/23/2022</a:t>
             </a:fld>
             <a:endParaRPr lang="en-US"/>
           </a:p>
@@ -6199,7 +6199,7 @@
           <p:cNvPr id="5" name="Rectangle 4">
             <a:extLst>
               <a:ext uri="{FF2B5EF4-FFF2-40B4-BE49-F238E27FC236}">
-                <a16:creationId xmlns:a16="http://schemas.microsoft.com/office/drawing/2014/main" id="{59009544-E13B-4985-B863-2742A3B9D4E7}"/>
+                <a16:creationId xmlns:a16="http://schemas.microsoft.com/office/drawing/2014/main" xmlns="" id="{59009544-E13B-4985-B863-2742A3B9D4E7}"/>
               </a:ext>
             </a:extLst>
           </p:cNvPr>
@@ -6628,7 +6628,12 @@
             <p:ph type="title"/>
           </p:nvPr>
         </p:nvSpPr>
-        <p:spPr/>
+        <p:spPr>
+          <a:xfrm>
+            <a:off x="628650" y="383598"/>
+            <a:ext cx="7886700" cy="1325563"/>
+          </a:xfrm>
+        </p:spPr>
         <p:txBody>
           <a:bodyPr/>
           <a:lstStyle/>
@@ -10030,7 +10035,7 @@
           <p:cNvPr id="13" name="TextBox 12">
             <a:extLst>
               <a:ext uri="{FF2B5EF4-FFF2-40B4-BE49-F238E27FC236}">
-                <a16:creationId xmlns:a16="http://schemas.microsoft.com/office/drawing/2014/main" id="{BE527B2B-123C-4E8B-AC8A-EF0509585009}"/>
+                <a16:creationId xmlns:a16="http://schemas.microsoft.com/office/drawing/2014/main" xmlns="" id="{BE527B2B-123C-4E8B-AC8A-EF0509585009}"/>
               </a:ext>
             </a:extLst>
           </p:cNvPr>
@@ -10079,7 +10084,7 @@
           <p:cNvPr id="14" name="Straight Arrow Connector 13">
             <a:extLst>
               <a:ext uri="{FF2B5EF4-FFF2-40B4-BE49-F238E27FC236}">
-                <a16:creationId xmlns:a16="http://schemas.microsoft.com/office/drawing/2014/main" id="{A85CB5E7-3585-4B3C-B7C0-89912515F204}"/>
+                <a16:creationId xmlns:a16="http://schemas.microsoft.com/office/drawing/2014/main" xmlns="" id="{A85CB5E7-3585-4B3C-B7C0-89912515F204}"/>
               </a:ext>
             </a:extLst>
           </p:cNvPr>
@@ -20570,6 +20575,10 @@
             <a:r>
               <a:rPr lang="hu-HU" dirty="0"/>
               <a:t> osztály </a:t>
+            </a:r>
+            <a:r>
+              <a:rPr lang="en-US" dirty="0"/>
+              <a:t/>
             </a:r>
             <a:br>
               <a:rPr lang="en-US" dirty="0"/>

--- a/projects/kog.3gr.020-gom/lab.pptx
+++ b/projects/kog.3gr.020-gom/lab.pptx
@@ -5,7 +5,7 @@
     <p:sldMasterId id="2147483660" r:id="rId1"/>
   </p:sldMasterIdLst>
   <p:notesMasterIdLst>
-    <p:notesMasterId r:id="rId26"/>
+    <p:notesMasterId r:id="rId27"/>
   </p:notesMasterIdLst>
   <p:sldIdLst>
     <p:sldId id="256" r:id="rId2"/>
@@ -25,34 +25,35 @@
     <p:sldId id="300" r:id="rId16"/>
     <p:sldId id="357" r:id="rId17"/>
     <p:sldId id="358" r:id="rId18"/>
-    <p:sldId id="319" r:id="rId19"/>
-    <p:sldId id="354" r:id="rId20"/>
-    <p:sldId id="355" r:id="rId21"/>
-    <p:sldId id="318" r:id="rId22"/>
-    <p:sldId id="330" r:id="rId23"/>
-    <p:sldId id="356" r:id="rId24"/>
-    <p:sldId id="331" r:id="rId25"/>
+    <p:sldId id="359" r:id="rId19"/>
+    <p:sldId id="319" r:id="rId20"/>
+    <p:sldId id="354" r:id="rId21"/>
+    <p:sldId id="355" r:id="rId22"/>
+    <p:sldId id="318" r:id="rId23"/>
+    <p:sldId id="330" r:id="rId24"/>
+    <p:sldId id="356" r:id="rId25"/>
+    <p:sldId id="331" r:id="rId26"/>
   </p:sldIdLst>
   <p:sldSz cx="9144000" cy="6858000" type="screen4x3"/>
   <p:notesSz cx="6858000" cy="9144000"/>
   <p:embeddedFontLst>
     <p:embeddedFont>
       <p:font typeface="Calibri" panose="020F0502020204030204" pitchFamily="34" charset="0"/>
-      <p:regular r:id="rId27"/>
-      <p:bold r:id="rId28"/>
-      <p:italic r:id="rId29"/>
-      <p:boldItalic r:id="rId30"/>
+      <p:regular r:id="rId28"/>
+      <p:bold r:id="rId29"/>
+      <p:italic r:id="rId30"/>
+      <p:boldItalic r:id="rId31"/>
     </p:embeddedFont>
     <p:embeddedFont>
       <p:font typeface="Consolas" panose="020B0609020204030204" pitchFamily="49" charset="0"/>
-      <p:regular r:id="rId31"/>
-      <p:bold r:id="rId32"/>
-      <p:italic r:id="rId33"/>
-      <p:boldItalic r:id="rId34"/>
+      <p:regular r:id="rId32"/>
+      <p:bold r:id="rId33"/>
+      <p:italic r:id="rId34"/>
+      <p:boldItalic r:id="rId35"/>
     </p:embeddedFont>
     <p:embeddedFont>
       <p:font typeface="Whipsmart" panose="020B0502030203050204" pitchFamily="34" charset="0"/>
-      <p:regular r:id="rId35"/>
+      <p:regular r:id="rId36"/>
     </p:embeddedFont>
   </p:embeddedFontLst>
   <p:defaultTextStyle>
@@ -240,7 +241,7 @@
           <a:p>
             <a:fld id="{865F36A5-2623-498E-9F4A-90F99F2366D7}" type="datetimeFigureOut">
               <a:rPr lang="en-US" smtClean="0"/>
-              <a:t>3/23/2022</a:t>
+              <a:t>3/10/2023</a:t>
             </a:fld>
             <a:endParaRPr lang="en-US"/>
           </a:p>
@@ -939,7 +940,7 @@
           <a:p>
             <a:fld id="{233D5BDB-207A-4240-9DD0-70E5211C08C1}" type="datetimeFigureOut">
               <a:rPr lang="en-US" smtClean="0"/>
-              <a:t>3/23/2022</a:t>
+              <a:t>3/10/2023</a:t>
             </a:fld>
             <a:endParaRPr lang="en-US"/>
           </a:p>
@@ -1184,7 +1185,7 @@
             <a:fld id="{233D5BDB-207A-4240-9DD0-70E5211C08C1}" type="datetimeFigureOut">
               <a:rPr lang="en-US" smtClean="0"/>
               <a:pPr/>
-              <a:t>3/23/2022</a:t>
+              <a:t>3/10/2023</a:t>
             </a:fld>
             <a:endParaRPr lang="en-US"/>
           </a:p>
@@ -1791,36 +1792,22 @@
               <a:t>. </a:t>
             </a:r>
             <a:r>
-              <a:rPr lang="en-US" dirty="0">
+              <a:rPr lang="en-US" dirty="0" err="1">
                 <a:latin typeface="Consolas" panose="020B0609020204030204" pitchFamily="49" charset="0"/>
                 <a:cs typeface="Consolas" panose="020B0609020204030204" pitchFamily="49" charset="0"/>
               </a:rPr>
-              <a:t>yellow</a:t>
-            </a:r>
-            <a:r>
-              <a:rPr lang="hu-HU" dirty="0" err="1">
-                <a:latin typeface="Consolas" panose="020B0609020204030204" pitchFamily="49" charset="0"/>
-                <a:cs typeface="Consolas" panose="020B0609020204030204" pitchFamily="49" charset="0"/>
-              </a:rPr>
-              <a:t>Quad</a:t>
+              <a:t>raiderMesh</a:t>
             </a:r>
             <a:r>
               <a:rPr lang="en-US" dirty="0"/>
               <a:t>, </a:t>
             </a:r>
             <a:r>
-              <a:rPr lang="en-US" dirty="0">
+              <a:rPr lang="en-US" dirty="0" err="1">
                 <a:latin typeface="Consolas" panose="020B0609020204030204" pitchFamily="49" charset="0"/>
                 <a:cs typeface="Consolas" panose="020B0609020204030204" pitchFamily="49" charset="0"/>
               </a:rPr>
-              <a:t>cyan</a:t>
-            </a:r>
-            <a:r>
-              <a:rPr lang="hu-HU" dirty="0" err="1">
-                <a:latin typeface="Consolas" panose="020B0609020204030204" pitchFamily="49" charset="0"/>
-                <a:cs typeface="Consolas" panose="020B0609020204030204" pitchFamily="49" charset="0"/>
-              </a:rPr>
-              <a:t>Quad</a:t>
+              <a:t>asteroidMesh</a:t>
             </a:r>
             <a:endParaRPr lang="en-US" dirty="0">
               <a:latin typeface="Consolas" panose="020B0609020204030204" pitchFamily="49" charset="0"/>
@@ -1842,6 +1829,14 @@
             </a:r>
             <a:r>
               <a:rPr lang="en-US" dirty="0"/>
+              <a:t> p</a:t>
+            </a:r>
+            <a:r>
+              <a:rPr lang="hu-HU" dirty="0" err="1"/>
+              <a:t>éldány</a:t>
+            </a:r>
+            <a:r>
+              <a:rPr lang="en-US" dirty="0"/>
               <a:t>)</a:t>
             </a:r>
           </a:p>
@@ -1878,40 +1873,53 @@
               <a:t>. </a:t>
             </a:r>
             <a:r>
-              <a:rPr lang="en-US" dirty="0" err="1">
+              <a:rPr lang="hu-HU" dirty="0" err="1">
                 <a:solidFill>
                   <a:prstClr val="black"/>
                 </a:solidFill>
                 <a:latin typeface="Consolas" panose="020B0609020204030204" pitchFamily="49" charset="0"/>
                 <a:cs typeface="Consolas" panose="020B0609020204030204" pitchFamily="49" charset="0"/>
               </a:rPr>
-              <a:t>yellowMaterial</a:t>
+              <a:t>raider</a:t>
             </a:r>
             <a:r>
               <a:rPr lang="en-US" dirty="0">
                 <a:solidFill>
                   <a:prstClr val="black"/>
                 </a:solidFill>
+                <a:latin typeface="Consolas" panose="020B0609020204030204" pitchFamily="49" charset="0"/>
+                <a:cs typeface="Consolas" panose="020B0609020204030204" pitchFamily="49" charset="0"/>
+              </a:rPr>
+              <a:t>Material</a:t>
+            </a:r>
+            <a:r>
+              <a:rPr lang="en-US" dirty="0">
+                <a:solidFill>
+                  <a:prstClr val="black"/>
+                </a:solidFill>
               </a:rPr>
               <a:t>, </a:t>
             </a:r>
             <a:r>
-              <a:rPr lang="en-US" dirty="0" err="1">
+              <a:rPr lang="hu-HU" dirty="0" err="1">
                 <a:solidFill>
                   <a:prstClr val="black"/>
                 </a:solidFill>
                 <a:latin typeface="Consolas" panose="020B0609020204030204" pitchFamily="49" charset="0"/>
                 <a:cs typeface="Consolas" panose="020B0609020204030204" pitchFamily="49" charset="0"/>
               </a:rPr>
-              <a:t>cyanMaterial</a:t>
-            </a:r>
-            <a:endParaRPr lang="en-US" dirty="0">
-              <a:solidFill>
-                <a:prstClr val="black"/>
-              </a:solidFill>
-              <a:latin typeface="Consolas" panose="020B0609020204030204" pitchFamily="49" charset="0"/>
-              <a:cs typeface="Consolas" panose="020B0609020204030204" pitchFamily="49" charset="0"/>
-            </a:endParaRPr>
+              <a:t>asteroid</a:t>
+            </a:r>
+            <a:r>
+              <a:rPr lang="en-US" dirty="0">
+                <a:solidFill>
+                  <a:prstClr val="black"/>
+                </a:solidFill>
+                <a:latin typeface="Consolas" panose="020B0609020204030204" pitchFamily="49" charset="0"/>
+                <a:cs typeface="Consolas" panose="020B0609020204030204" pitchFamily="49" charset="0"/>
+              </a:rPr>
+              <a:t>Material</a:t>
+            </a:r>
           </a:p>
           <a:p>
             <a:endParaRPr lang="en-US" dirty="0"/>
@@ -1985,7 +1993,17 @@
                 <a:latin typeface="Consolas" panose="020B0609020204030204" pitchFamily="49" charset="0"/>
                 <a:cs typeface="Consolas" panose="020B0609020204030204" pitchFamily="49" charset="0"/>
               </a:rPr>
-              <a:t>getUniformHandle</a:t>
+              <a:t>getUniform</a:t>
+            </a:r>
+            <a:r>
+              <a:rPr lang="hu-HU" dirty="0" err="1">
+                <a:solidFill>
+                  <a:prstClr val="black"/>
+                </a:solidFill>
+                <a:latin typeface="Consolas" panose="020B0609020204030204" pitchFamily="49" charset="0"/>
+                <a:cs typeface="Consolas" panose="020B0609020204030204" pitchFamily="49" charset="0"/>
+              </a:rPr>
+              <a:t>Location</a:t>
             </a:r>
             <a:r>
               <a:rPr lang="en-US" dirty="0"/>
@@ -2037,7 +2055,7 @@
             </a:r>
             <a:r>
               <a:rPr lang="hu-HU" dirty="0"/>
-              <a:t>) van egy (hurrá!)</a:t>
+              <a:t>) lett egy (hurrá!)</a:t>
             </a:r>
             <a:endParaRPr lang="en-US" dirty="0"/>
           </a:p>
@@ -6199,7 +6217,7 @@
           <p:cNvPr id="5" name="Rectangle 4">
             <a:extLst>
               <a:ext uri="{FF2B5EF4-FFF2-40B4-BE49-F238E27FC236}">
-                <a16:creationId xmlns:a16="http://schemas.microsoft.com/office/drawing/2014/main" xmlns="" id="{59009544-E13B-4985-B863-2742A3B9D4E7}"/>
+                <a16:creationId xmlns:a16="http://schemas.microsoft.com/office/drawing/2014/main" id="{59009544-E13B-4985-B863-2742A3B9D4E7}"/>
               </a:ext>
             </a:extLst>
           </p:cNvPr>
@@ -6327,12 +6345,12 @@
               <a:t>(</a:t>
             </a:r>
             <a:r>
-              <a:rPr lang="en-US" sz="1200" dirty="0" err="1">
-                <a:latin typeface="Consolas" panose="020B0609020204030204" pitchFamily="49" charset="0"/>
-                <a:ea typeface="Times New Roman" panose="02020603050405020304" pitchFamily="18" charset="0"/>
-                <a:cs typeface="Times New Roman" panose="02020603050405020304" pitchFamily="18" charset="0"/>
-              </a:rPr>
-              <a:t>tealTriangleMesh</a:t>
+              <a:rPr lang="hu-HU" sz="1200" dirty="0" err="1">
+                <a:latin typeface="Consolas" panose="020B0609020204030204" pitchFamily="49" charset="0"/>
+                <a:ea typeface="Times New Roman" panose="02020603050405020304" pitchFamily="18" charset="0"/>
+                <a:cs typeface="Times New Roman" panose="02020603050405020304" pitchFamily="18" charset="0"/>
+              </a:rPr>
+              <a:t>raider</a:t>
             </a:r>
             <a:r>
               <a:rPr lang="en-US" sz="1200" dirty="0">
@@ -6340,7 +6358,7 @@
                 <a:ea typeface="Times New Roman" panose="02020603050405020304" pitchFamily="18" charset="0"/>
                 <a:cs typeface="Times New Roman" panose="02020603050405020304" pitchFamily="18" charset="0"/>
               </a:rPr>
-              <a:t>).apply{</a:t>
+              <a:t>Mesh).apply{</a:t>
             </a:r>
           </a:p>
           <a:p>
@@ -6523,7 +6541,28 @@
             <a:pPr lvl="1"/>
             <a:r>
               <a:rPr lang="hu-HU" dirty="0"/>
-              <a:t>leszármaztatás</a:t>
+              <a:t>leszármaztatás helyett delegálás egy </a:t>
+            </a:r>
+            <a:r>
+              <a:rPr lang="hu-HU" dirty="0" err="1">
+                <a:latin typeface="Consolas" panose="020B0609020204030204" pitchFamily="49" charset="0"/>
+              </a:rPr>
+              <a:t>GameObject.Motion</a:t>
+            </a:r>
+            <a:r>
+              <a:rPr lang="hu-HU" dirty="0"/>
+              <a:t> osztálynak</a:t>
+            </a:r>
+          </a:p>
+          <a:p>
+            <a:pPr lvl="2"/>
+            <a:r>
+              <a:rPr lang="hu-HU" dirty="0"/>
+              <a:t>ennek lehetnek </a:t>
+            </a:r>
+            <a:r>
+              <a:rPr lang="hu-HU" dirty="0" err="1"/>
+              <a:t>leszármazottai</a:t>
             </a:r>
             <a:endParaRPr lang="en-US" dirty="0"/>
           </a:p>
@@ -6842,7 +6881,67 @@
                 <a:ea typeface="Times New Roman" panose="02020603050405020304" pitchFamily="18" charset="0"/>
                 <a:cs typeface="Times New Roman" panose="02020603050405020304" pitchFamily="18" charset="0"/>
               </a:rPr>
-              <a:t>inner class Motion {</a:t>
+              <a:t>class Motion(</a:t>
+            </a:r>
+            <a:r>
+              <a:rPr lang="en-US" sz="2000" dirty="0" err="1">
+                <a:solidFill>
+                  <a:srgbClr val="C70040"/>
+                </a:solidFill>
+                <a:ea typeface="Times New Roman" panose="02020603050405020304" pitchFamily="18" charset="0"/>
+                <a:cs typeface="Times New Roman" panose="02020603050405020304" pitchFamily="18" charset="0"/>
+              </a:rPr>
+              <a:t>val</a:t>
+            </a:r>
+            <a:r>
+              <a:rPr lang="en-US" sz="2000" dirty="0">
+                <a:solidFill>
+                  <a:srgbClr val="C70040"/>
+                </a:solidFill>
+                <a:ea typeface="Times New Roman" panose="02020603050405020304" pitchFamily="18" charset="0"/>
+                <a:cs typeface="Times New Roman" panose="02020603050405020304" pitchFamily="18" charset="0"/>
+              </a:rPr>
+              <a:t> </a:t>
+            </a:r>
+            <a:r>
+              <a:rPr lang="en-US" sz="2000" dirty="0" err="1">
+                <a:solidFill>
+                  <a:srgbClr val="C70040"/>
+                </a:solidFill>
+                <a:ea typeface="Times New Roman" panose="02020603050405020304" pitchFamily="18" charset="0"/>
+                <a:cs typeface="Times New Roman" panose="02020603050405020304" pitchFamily="18" charset="0"/>
+              </a:rPr>
+              <a:t>gameObject</a:t>
+            </a:r>
+            <a:r>
+              <a:rPr lang="en-US" sz="2000" dirty="0">
+                <a:solidFill>
+                  <a:srgbClr val="C70040"/>
+                </a:solidFill>
+                <a:ea typeface="Times New Roman" panose="02020603050405020304" pitchFamily="18" charset="0"/>
+                <a:cs typeface="Times New Roman" panose="02020603050405020304" pitchFamily="18" charset="0"/>
+              </a:rPr>
+              <a:t> : </a:t>
+            </a:r>
+            <a:r>
+              <a:rPr lang="en-US" sz="2000" dirty="0" err="1">
+                <a:solidFill>
+                  <a:srgbClr val="C70040"/>
+                </a:solidFill>
+                <a:ea typeface="Times New Roman" panose="02020603050405020304" pitchFamily="18" charset="0"/>
+                <a:cs typeface="Times New Roman" panose="02020603050405020304" pitchFamily="18" charset="0"/>
+              </a:rPr>
+              <a:t>GameObject</a:t>
+            </a:r>
+            <a:r>
+              <a:rPr lang="en-US" sz="2000" dirty="0">
+                <a:solidFill>
+                  <a:srgbClr val="C70040"/>
+                </a:solidFill>
+                <a:ea typeface="Times New Roman" panose="02020603050405020304" pitchFamily="18" charset="0"/>
+                <a:cs typeface="Times New Roman" panose="02020603050405020304" pitchFamily="18" charset="0"/>
+              </a:rPr>
+              <a:t>) {</a:t>
             </a:r>
           </a:p>
           <a:p>
@@ -7239,12 +7338,143 @@
               <a:t>      </a:t>
             </a:r>
             <a:r>
+              <a:rPr lang="hu-HU" sz="2000" dirty="0" err="1">
+                <a:solidFill>
+                  <a:srgbClr val="CB6500"/>
+                </a:solidFill>
+              </a:rPr>
+              <a:t>interactors</a:t>
+            </a:r>
+            <a:r>
+              <a:rPr lang="en-US" sz="2000" dirty="0">
+                <a:solidFill>
+                  <a:srgbClr val="000000"/>
+                </a:solidFill>
+              </a:rPr>
+              <a:t> </a:t>
+            </a:r>
+            <a:r>
+              <a:rPr lang="en-US" sz="2000" dirty="0">
+                <a:solidFill>
+                  <a:srgbClr val="C70040"/>
+                </a:solidFill>
+              </a:rPr>
+              <a:t>:</a:t>
+            </a:r>
+            <a:r>
+              <a:rPr lang="en-US" sz="2000" dirty="0">
+                <a:solidFill>
+                  <a:srgbClr val="000000"/>
+                </a:solidFill>
+              </a:rPr>
+              <a:t> </a:t>
+            </a:r>
+            <a:r>
+              <a:rPr lang="en-US" sz="2000" dirty="0">
+                <a:solidFill>
+                  <a:srgbClr val="34A7BD"/>
+                </a:solidFill>
+              </a:rPr>
+              <a:t>List</a:t>
+            </a:r>
+            <a:r>
+              <a:rPr lang="en-US" sz="2000" dirty="0">
+                <a:solidFill>
+                  <a:srgbClr val="000000"/>
+                </a:solidFill>
+              </a:rPr>
+              <a:t>&lt;</a:t>
+            </a:r>
+            <a:r>
               <a:rPr lang="en-US" sz="2000" dirty="0" err="1">
                 <a:solidFill>
+                  <a:srgbClr val="000000"/>
+                </a:solidFill>
+              </a:rPr>
+              <a:t>GameObject</a:t>
+            </a:r>
+            <a:r>
+              <a:rPr lang="en-US" sz="2000" dirty="0">
+                <a:solidFill>
+                  <a:srgbClr val="000000"/>
+                </a:solidFill>
+              </a:rPr>
+              <a:t>&gt; </a:t>
+            </a:r>
+            <a:r>
+              <a:rPr lang="en-US" sz="2000" dirty="0">
+                <a:solidFill>
+                  <a:srgbClr val="C70040"/>
+                </a:solidFill>
+              </a:rPr>
+              <a:t>=</a:t>
+            </a:r>
+            <a:r>
+              <a:rPr lang="en-US" sz="2000" dirty="0">
+                <a:solidFill>
+                  <a:srgbClr val="000000"/>
+                </a:solidFill>
+              </a:rPr>
+              <a:t> </a:t>
+            </a:r>
+            <a:r>
+              <a:rPr lang="en-US" sz="2000" dirty="0" err="1">
+                <a:solidFill>
+                  <a:srgbClr val="000000"/>
+                </a:solidFill>
+              </a:rPr>
+              <a:t>emptyList</a:t>
+            </a:r>
+            <a:r>
+              <a:rPr lang="en-US" sz="2000" dirty="0">
+                <a:solidFill>
+                  <a:srgbClr val="000000"/>
+                </a:solidFill>
+              </a:rPr>
+              <a:t>&lt;</a:t>
+            </a:r>
+            <a:r>
+              <a:rPr lang="en-US" sz="2000" dirty="0" err="1">
+                <a:solidFill>
+                  <a:srgbClr val="000000"/>
+                </a:solidFill>
+              </a:rPr>
+              <a:t>GameObject</a:t>
+            </a:r>
+            <a:r>
+              <a:rPr lang="en-US" sz="2000" dirty="0">
+                <a:solidFill>
+                  <a:srgbClr val="000000"/>
+                </a:solidFill>
+              </a:rPr>
+              <a:t>&gt;()</a:t>
+            </a:r>
+            <a:r>
+              <a:rPr lang="hu-HU" sz="2000" dirty="0">
+                <a:solidFill>
+                  <a:srgbClr val="000000"/>
+                </a:solidFill>
+              </a:rPr>
+              <a:t>,</a:t>
+            </a:r>
+          </a:p>
+          <a:p>
+            <a:pPr fontAlgn="t"/>
+            <a:r>
+              <a:rPr lang="en-US" sz="2000" dirty="0">
+                <a:solidFill>
+                  <a:srgbClr val="000000"/>
+                </a:solidFill>
+              </a:rPr>
+              <a:t>      </a:t>
+            </a:r>
+            <a:r>
+              <a:rPr lang="hu-HU" sz="2000" dirty="0" err="1">
+                <a:solidFill>
                   <a:srgbClr val="CB6500"/>
                 </a:solidFill>
               </a:rPr>
-              <a:t>gameObjects</a:t>
+              <a:t>spawn</a:t>
             </a:r>
             <a:r>
               <a:rPr lang="en-US" sz="2000" dirty="0">
@@ -7469,7 +7699,7 @@
                   <a:srgbClr val="000000"/>
                 </a:solidFill>
               </a:rPr>
-              <a:t>  var move = Motion()</a:t>
+              <a:t>  var move = Motion(this)</a:t>
             </a:r>
             <a:endParaRPr lang="en-US" sz="2000" dirty="0"/>
           </a:p>
@@ -7603,14 +7833,15 @@
         <p:nvCxnSpPr>
           <p:cNvPr id="11" name="Straight Arrow Connector 10"/>
           <p:cNvCxnSpPr>
+            <a:cxnSpLocks/>
             <a:stCxn id="10" idx="1"/>
           </p:cNvCxnSpPr>
           <p:nvPr/>
         </p:nvCxnSpPr>
         <p:spPr>
           <a:xfrm flipH="1" flipV="1">
-            <a:off x="2793739" y="4842316"/>
-            <a:ext cx="4089972" cy="829894"/>
+            <a:off x="2807936" y="5178903"/>
+            <a:ext cx="4075775" cy="493307"/>
           </a:xfrm>
           <a:prstGeom prst="straightConnector1">
             <a:avLst/>
@@ -7807,6 +8038,18 @@
               </a:rPr>
               <a:t>Scene</a:t>
             </a:r>
+            <a:r>
+              <a:rPr lang="hu-HU" dirty="0"/>
+              <a:t>, </a:t>
+            </a:r>
+            <a:r>
+              <a:rPr lang="hu-HU" dirty="0" err="1"/>
+              <a:t>motion</a:t>
+            </a:r>
+            <a:r>
+              <a:rPr lang="hu-HU" dirty="0"/>
+              <a:t> példa</a:t>
+            </a:r>
             <a:endParaRPr lang="en-US" dirty="0"/>
           </a:p>
         </p:txBody>
@@ -7834,7 +8077,7 @@
               </a:lnSpc>
             </a:pPr>
             <a:r>
-              <a:rPr lang="en-US" sz="1600" dirty="0" err="1">
+              <a:rPr lang="en-US" sz="2000" dirty="0" err="1">
                 <a:solidFill>
                   <a:srgbClr val="C70040"/>
                 </a:solidFill>
@@ -7844,7 +8087,7 @@
               <a:t>val</a:t>
             </a:r>
             <a:r>
-              <a:rPr lang="en-US" sz="1600" dirty="0">
+              <a:rPr lang="en-US" sz="2000" dirty="0">
                 <a:solidFill>
                   <a:srgbClr val="000000"/>
                 </a:solidFill>
@@ -7854,7 +8097,7 @@
               <a:t> avatar </a:t>
             </a:r>
             <a:r>
-              <a:rPr lang="en-US" sz="1600" dirty="0">
+              <a:rPr lang="en-US" sz="2000" dirty="0">
                 <a:solidFill>
                   <a:srgbClr val="C70040"/>
                 </a:solidFill>
@@ -7864,7 +8107,7 @@
               <a:t>=</a:t>
             </a:r>
             <a:r>
-              <a:rPr lang="en-US" sz="1600" dirty="0">
+              <a:rPr lang="en-US" sz="2000" dirty="0">
                 <a:solidFill>
                   <a:srgbClr val="000000"/>
                 </a:solidFill>
@@ -7874,7 +8117,7 @@
               <a:t> </a:t>
             </a:r>
             <a:r>
-              <a:rPr lang="en-US" sz="1600" i="1" dirty="0" err="1">
+              <a:rPr lang="en-US" sz="2000" i="1" dirty="0" err="1">
                 <a:solidFill>
                   <a:srgbClr val="427E00"/>
                 </a:solidFill>
@@ -7884,54 +8127,34 @@
               <a:t>GameObject</a:t>
             </a:r>
             <a:r>
-              <a:rPr lang="en-US" sz="1600" dirty="0">
-                <a:solidFill>
-                  <a:srgbClr val="000000"/>
-                </a:solidFill>
-                <a:ea typeface="Times New Roman" panose="02020603050405020304" pitchFamily="18" charset="0"/>
-                <a:cs typeface="Times New Roman" panose="02020603050405020304" pitchFamily="18" charset="0"/>
-              </a:rPr>
-              <a:t>(Mesh(</a:t>
-            </a:r>
-            <a:r>
-              <a:rPr lang="en-US" sz="1600" dirty="0" err="1">
-                <a:solidFill>
-                  <a:srgbClr val="000000"/>
-                </a:solidFill>
-                <a:ea typeface="Times New Roman" panose="02020603050405020304" pitchFamily="18" charset="0"/>
-                <a:cs typeface="Times New Roman" panose="02020603050405020304" pitchFamily="18" charset="0"/>
-              </a:rPr>
-              <a:t>asteroidMaterial</a:t>
-            </a:r>
-            <a:r>
-              <a:rPr lang="en-US" sz="1600" dirty="0">
-                <a:solidFill>
-                  <a:srgbClr val="000000"/>
-                </a:solidFill>
-                <a:ea typeface="Times New Roman" panose="02020603050405020304" pitchFamily="18" charset="0"/>
-                <a:cs typeface="Times New Roman" panose="02020603050405020304" pitchFamily="18" charset="0"/>
-              </a:rPr>
-              <a:t>, </a:t>
-            </a:r>
-            <a:r>
-              <a:rPr lang="en-US" sz="1600" dirty="0" err="1">
-                <a:solidFill>
-                  <a:srgbClr val="000000"/>
-                </a:solidFill>
-                <a:ea typeface="Times New Roman" panose="02020603050405020304" pitchFamily="18" charset="0"/>
-                <a:cs typeface="Times New Roman" panose="02020603050405020304" pitchFamily="18" charset="0"/>
-              </a:rPr>
-              <a:t>quadGeometry</a:t>
-            </a:r>
-            <a:r>
-              <a:rPr lang="en-US" sz="1600" dirty="0">
-                <a:solidFill>
-                  <a:srgbClr val="000000"/>
-                </a:solidFill>
-                <a:ea typeface="Times New Roman" panose="02020603050405020304" pitchFamily="18" charset="0"/>
-                <a:cs typeface="Times New Roman" panose="02020603050405020304" pitchFamily="18" charset="0"/>
-              </a:rPr>
-              <a:t>)).apply{</a:t>
+              <a:rPr lang="en-US" sz="2000" dirty="0">
+                <a:solidFill>
+                  <a:srgbClr val="000000"/>
+                </a:solidFill>
+                <a:ea typeface="Times New Roman" panose="02020603050405020304" pitchFamily="18" charset="0"/>
+                <a:cs typeface="Times New Roman" panose="02020603050405020304" pitchFamily="18" charset="0"/>
+              </a:rPr>
+              <a:t>(</a:t>
+            </a:r>
+            <a:r>
+              <a:rPr lang="hu-HU" sz="2000" dirty="0" err="1">
+                <a:solidFill>
+                  <a:srgbClr val="000000"/>
+                </a:solidFill>
+                <a:ea typeface="Times New Roman" panose="02020603050405020304" pitchFamily="18" charset="0"/>
+                <a:cs typeface="Times New Roman" panose="02020603050405020304" pitchFamily="18" charset="0"/>
+              </a:rPr>
+              <a:t>raiderMesh</a:t>
+            </a:r>
+            <a:r>
+              <a:rPr lang="en-US" sz="2000" dirty="0">
+                <a:solidFill>
+                  <a:srgbClr val="000000"/>
+                </a:solidFill>
+                <a:ea typeface="Times New Roman" panose="02020603050405020304" pitchFamily="18" charset="0"/>
+                <a:cs typeface="Times New Roman" panose="02020603050405020304" pitchFamily="18" charset="0"/>
+              </a:rPr>
+              <a:t>).apply{</a:t>
             </a:r>
           </a:p>
           <a:p>
@@ -7941,7 +8164,7 @@
               </a:lnSpc>
             </a:pPr>
             <a:r>
-              <a:rPr lang="en-US" sz="1600" dirty="0">
+              <a:rPr lang="en-US" sz="2000" dirty="0">
                 <a:solidFill>
                   <a:srgbClr val="000000"/>
                 </a:solidFill>
@@ -7951,7 +8174,7 @@
               <a:t>  move = </a:t>
             </a:r>
             <a:r>
-              <a:rPr lang="en-US" sz="1600" dirty="0">
+              <a:rPr lang="en-US" sz="2000" dirty="0">
                 <a:solidFill>
                   <a:srgbClr val="C70040"/>
                 </a:solidFill>
@@ -7961,7 +8184,7 @@
               <a:t>object</a:t>
             </a:r>
             <a:r>
-              <a:rPr lang="en-US" sz="1600" dirty="0">
+              <a:rPr lang="en-US" sz="2000" dirty="0">
                 <a:solidFill>
                   <a:srgbClr val="000000"/>
                 </a:solidFill>
@@ -7971,7 +8194,7 @@
               <a:t> </a:t>
             </a:r>
             <a:r>
-              <a:rPr lang="en-US" sz="1600" dirty="0">
+              <a:rPr lang="en-US" sz="2000" dirty="0">
                 <a:solidFill>
                   <a:srgbClr val="C70040"/>
                 </a:solidFill>
@@ -7981,7 +8204,7 @@
               <a:t>: </a:t>
             </a:r>
             <a:r>
-              <a:rPr lang="en-US" sz="1600" i="1" dirty="0" err="1">
+              <a:rPr lang="en-US" sz="2000" i="1" dirty="0" err="1">
                 <a:solidFill>
                   <a:srgbClr val="427E00"/>
                 </a:solidFill>
@@ -7991,7 +8214,7 @@
               <a:t>GameObject</a:t>
             </a:r>
             <a:r>
-              <a:rPr lang="en-US" sz="1600" dirty="0" err="1">
+              <a:rPr lang="en-US" sz="2000" dirty="0" err="1">
                 <a:solidFill>
                   <a:srgbClr val="C70040"/>
                 </a:solidFill>
@@ -8000,7 +8223,7 @@
               <a:t>.</a:t>
             </a:r>
             <a:r>
-              <a:rPr lang="en-US" sz="1600" i="1" dirty="0" err="1">
+              <a:rPr lang="en-US" sz="2000" i="1" dirty="0" err="1">
                 <a:solidFill>
                   <a:srgbClr val="427E00"/>
                 </a:solidFill>
@@ -8010,13 +8233,13 @@
               <a:t>Motion</a:t>
             </a:r>
             <a:r>
-              <a:rPr lang="en-US" sz="1600" dirty="0">
-                <a:solidFill>
-                  <a:srgbClr val="000000"/>
-                </a:solidFill>
-                <a:cs typeface="Times New Roman" panose="02020603050405020304" pitchFamily="18" charset="0"/>
-              </a:rPr>
-              <a:t>(){</a:t>
+              <a:rPr lang="en-US" sz="2000" dirty="0">
+                <a:solidFill>
+                  <a:srgbClr val="000000"/>
+                </a:solidFill>
+                <a:cs typeface="Times New Roman" panose="02020603050405020304" pitchFamily="18" charset="0"/>
+              </a:rPr>
+              <a:t>(this){</a:t>
             </a:r>
           </a:p>
           <a:p>
@@ -8026,7 +8249,7 @@
               </a:lnSpc>
             </a:pPr>
             <a:r>
-              <a:rPr lang="en-US" sz="1600" dirty="0">
+              <a:rPr lang="en-US" sz="2000" dirty="0">
                 <a:solidFill>
                   <a:srgbClr val="C70040"/>
                 </a:solidFill>
@@ -8036,7 +8259,7 @@
               <a:t>    </a:t>
             </a:r>
             <a:r>
-              <a:rPr lang="en-US" sz="1600" dirty="0" err="1">
+              <a:rPr lang="en-US" sz="2000" dirty="0" err="1">
                 <a:solidFill>
                   <a:srgbClr val="C70040"/>
                 </a:solidFill>
@@ -8046,7 +8269,7 @@
               <a:t>val</a:t>
             </a:r>
             <a:r>
-              <a:rPr lang="en-US" sz="1600" dirty="0">
+              <a:rPr lang="en-US" sz="2000" dirty="0">
                 <a:solidFill>
                   <a:srgbClr val="C70040"/>
                 </a:solidFill>
@@ -8056,7 +8279,7 @@
               <a:t> </a:t>
             </a:r>
             <a:r>
-              <a:rPr lang="en-US" sz="1600" dirty="0">
+              <a:rPr lang="en-US" sz="2000" dirty="0">
                 <a:solidFill>
                   <a:srgbClr val="000000"/>
                 </a:solidFill>
@@ -8066,7 +8289,7 @@
               <a:t>velocity </a:t>
             </a:r>
             <a:r>
-              <a:rPr lang="en-US" sz="1600" dirty="0">
+              <a:rPr lang="en-US" sz="2000" dirty="0">
                 <a:solidFill>
                   <a:srgbClr val="C70040"/>
                 </a:solidFill>
@@ -8104,7 +8327,7 @@
               </a:tabLst>
             </a:pPr>
             <a:r>
-              <a:rPr lang="en-US" sz="1600" dirty="0">
+              <a:rPr lang="en-US" sz="2000" dirty="0">
                 <a:solidFill>
                   <a:srgbClr val="C70040"/>
                 </a:solidFill>
@@ -8114,7 +8337,7 @@
               <a:t>    override operator fun</a:t>
             </a:r>
             <a:r>
-              <a:rPr lang="en-US" sz="1600" dirty="0">
+              <a:rPr lang="en-US" sz="2000" dirty="0">
                 <a:solidFill>
                   <a:srgbClr val="000000"/>
                 </a:solidFill>
@@ -8124,7 +8347,7 @@
               <a:t> </a:t>
             </a:r>
             <a:r>
-              <a:rPr lang="en-US" sz="1600" dirty="0">
+              <a:rPr lang="en-US" sz="2000" dirty="0">
                 <a:solidFill>
                   <a:srgbClr val="427E00"/>
                 </a:solidFill>
@@ -8134,27 +8357,37 @@
               <a:t>invoke</a:t>
             </a:r>
             <a:r>
-              <a:rPr lang="en-US" sz="1600" dirty="0">
-                <a:solidFill>
-                  <a:srgbClr val="000000"/>
-                </a:solidFill>
-                <a:ea typeface="Times New Roman" panose="02020603050405020304" pitchFamily="18" charset="0"/>
-                <a:cs typeface="Times New Roman" panose="02020603050405020304" pitchFamily="18" charset="0"/>
-              </a:rPr>
-              <a:t>(</a:t>
-            </a:r>
-            <a:r>
-              <a:rPr lang="en-US" sz="1600" i="1" dirty="0">
-                <a:solidFill>
-                  <a:srgbClr val="CB6500"/>
-                </a:solidFill>
-                <a:ea typeface="Times New Roman" panose="02020603050405020304" pitchFamily="18" charset="0"/>
-                <a:cs typeface="Times New Roman" panose="02020603050405020304" pitchFamily="18" charset="0"/>
-              </a:rPr>
-              <a:t>dt</a:t>
-            </a:r>
-            <a:r>
-              <a:rPr lang="en-US" sz="1600" dirty="0">
+              <a:rPr lang="en-US" sz="2000" dirty="0">
+                <a:solidFill>
+                  <a:srgbClr val="000000"/>
+                </a:solidFill>
+                <a:ea typeface="Times New Roman" panose="02020603050405020304" pitchFamily="18" charset="0"/>
+                <a:cs typeface="Times New Roman" panose="02020603050405020304" pitchFamily="18" charset="0"/>
+              </a:rPr>
+              <a:t>( </a:t>
+            </a:r>
+            <a:r>
+              <a:rPr lang="hu-HU" sz="2000" dirty="0">
+                <a:solidFill>
+                  <a:srgbClr val="000000"/>
+                </a:solidFill>
+                <a:ea typeface="Times New Roman" panose="02020603050405020304" pitchFamily="18" charset="0"/>
+                <a:cs typeface="Times New Roman" panose="02020603050405020304" pitchFamily="18" charset="0"/>
+              </a:rPr>
+              <a:t>…</a:t>
+            </a:r>
+            <a:r>
+              <a:rPr lang="en-US" sz="2000" dirty="0">
+                <a:solidFill>
+                  <a:srgbClr val="000000"/>
+                </a:solidFill>
+                <a:ea typeface="Times New Roman" panose="02020603050405020304" pitchFamily="18" charset="0"/>
+                <a:cs typeface="Times New Roman" panose="02020603050405020304" pitchFamily="18" charset="0"/>
+              </a:rPr>
+              <a:t> )</a:t>
+            </a:r>
+            <a:r>
+              <a:rPr lang="hu-HU" sz="2000" dirty="0">
                 <a:solidFill>
                   <a:srgbClr val="000000"/>
                 </a:solidFill>
@@ -8164,7 +8397,7 @@
               <a:t> </a:t>
             </a:r>
             <a:r>
-              <a:rPr lang="en-US" sz="1600" dirty="0">
+              <a:rPr lang="en-US" sz="2000" dirty="0">
                 <a:solidFill>
                   <a:srgbClr val="C70040"/>
                 </a:solidFill>
@@ -8174,9 +8407,9 @@
               <a:t>:</a:t>
             </a:r>
             <a:r>
-              <a:rPr lang="en-US" sz="1600" dirty="0">
-                <a:solidFill>
-                  <a:srgbClr val="000000"/>
+              <a:rPr lang="hu-HU" sz="2000" dirty="0">
+                <a:solidFill>
+                  <a:srgbClr val="C70040"/>
                 </a:solidFill>
                 <a:ea typeface="Times New Roman" panose="02020603050405020304" pitchFamily="18" charset="0"/>
                 <a:cs typeface="Times New Roman" panose="02020603050405020304" pitchFamily="18" charset="0"/>
@@ -8184,84 +8417,24 @@
               <a:t> </a:t>
             </a:r>
             <a:r>
-              <a:rPr lang="en-US" sz="1600" i="1" dirty="0">
+              <a:rPr lang="en-US" sz="2000" i="1" dirty="0">
                 <a:solidFill>
                   <a:srgbClr val="34A7BD"/>
                 </a:solidFill>
                 <a:ea typeface="Times New Roman" panose="02020603050405020304" pitchFamily="18" charset="0"/>
                 <a:cs typeface="Times New Roman" panose="02020603050405020304" pitchFamily="18" charset="0"/>
               </a:rPr>
-              <a:t>Float</a:t>
-            </a:r>
-            <a:r>
-              <a:rPr lang="en-US" sz="1600" dirty="0">
-                <a:solidFill>
-                  <a:srgbClr val="000000"/>
-                </a:solidFill>
-                <a:ea typeface="Times New Roman" panose="02020603050405020304" pitchFamily="18" charset="0"/>
-                <a:cs typeface="Times New Roman" panose="02020603050405020304" pitchFamily="18" charset="0"/>
-              </a:rPr>
-              <a:t>, </a:t>
-            </a:r>
-            <a:r>
-              <a:rPr lang="en-US" sz="1600" i="1" dirty="0">
-                <a:solidFill>
-                  <a:srgbClr val="CB6500"/>
-                </a:solidFill>
-                <a:ea typeface="Times New Roman" panose="02020603050405020304" pitchFamily="18" charset="0"/>
-                <a:cs typeface="Times New Roman" panose="02020603050405020304" pitchFamily="18" charset="0"/>
-              </a:rPr>
-              <a:t>t</a:t>
-            </a:r>
-            <a:r>
-              <a:rPr lang="en-US" sz="1600" dirty="0">
-                <a:solidFill>
-                  <a:srgbClr val="000000"/>
-                </a:solidFill>
-                <a:ea typeface="Times New Roman" panose="02020603050405020304" pitchFamily="18" charset="0"/>
-                <a:cs typeface="Times New Roman" panose="02020603050405020304" pitchFamily="18" charset="0"/>
-              </a:rPr>
-              <a:t> </a:t>
-            </a:r>
-            <a:r>
-              <a:rPr lang="en-US" sz="1600" dirty="0">
-                <a:solidFill>
-                  <a:srgbClr val="C70040"/>
-                </a:solidFill>
-                <a:ea typeface="Times New Roman" panose="02020603050405020304" pitchFamily="18" charset="0"/>
-                <a:cs typeface="Times New Roman" panose="02020603050405020304" pitchFamily="18" charset="0"/>
-              </a:rPr>
-              <a:t>:</a:t>
-            </a:r>
-            <a:r>
-              <a:rPr lang="en-US" sz="1600" dirty="0">
-                <a:solidFill>
-                  <a:srgbClr val="000000"/>
-                </a:solidFill>
-                <a:ea typeface="Times New Roman" panose="02020603050405020304" pitchFamily="18" charset="0"/>
-                <a:cs typeface="Times New Roman" panose="02020603050405020304" pitchFamily="18" charset="0"/>
-              </a:rPr>
-              <a:t> </a:t>
-            </a:r>
-            <a:r>
-              <a:rPr lang="en-US" sz="1600" i="1" dirty="0">
-                <a:solidFill>
-                  <a:srgbClr val="34A7BD"/>
-                </a:solidFill>
-                <a:ea typeface="Times New Roman" panose="02020603050405020304" pitchFamily="18" charset="0"/>
-                <a:cs typeface="Times New Roman" panose="02020603050405020304" pitchFamily="18" charset="0"/>
-              </a:rPr>
-              <a:t>Float</a:t>
-            </a:r>
-            <a:r>
-              <a:rPr lang="en-US" sz="1600" dirty="0">
-                <a:solidFill>
-                  <a:srgbClr val="000000"/>
-                </a:solidFill>
-                <a:ea typeface="Times New Roman" panose="02020603050405020304" pitchFamily="18" charset="0"/>
-                <a:cs typeface="Times New Roman" panose="02020603050405020304" pitchFamily="18" charset="0"/>
-              </a:rPr>
-              <a:t>,</a:t>
+              <a:t>Boolean</a:t>
+            </a:r>
+            <a:r>
+              <a:rPr lang="en-US" sz="2000" dirty="0">
+                <a:solidFill>
+                  <a:srgbClr val="000000"/>
+                </a:solidFill>
+                <a:ea typeface="Times New Roman" panose="02020603050405020304" pitchFamily="18" charset="0"/>
+                <a:cs typeface="Times New Roman" panose="02020603050405020304" pitchFamily="18" charset="0"/>
+              </a:rPr>
+              <a:t> {</a:t>
             </a:r>
           </a:p>
           <a:p>
@@ -8292,19 +8465,9 @@
               </a:tabLst>
             </a:pPr>
             <a:r>
-              <a:rPr lang="en-US" sz="1600" i="1" dirty="0">
-                <a:solidFill>
-                  <a:srgbClr val="000000"/>
-                </a:solidFill>
-                <a:ea typeface="Times New Roman" panose="02020603050405020304" pitchFamily="18" charset="0"/>
-                <a:cs typeface="Times New Roman" panose="02020603050405020304" pitchFamily="18" charset="0"/>
-              </a:rPr>
-              <a:t>    </a:t>
-            </a:r>
-            <a:r>
-              <a:rPr lang="en-US" sz="1600" i="1" dirty="0">
-                <a:solidFill>
-                  <a:srgbClr val="CB6500"/>
+              <a:rPr lang="en-US" sz="2000" dirty="0">
+                <a:solidFill>
+                  <a:srgbClr val="000000"/>
                 </a:solidFill>
                 <a:ea typeface="Times New Roman" panose="02020603050405020304" pitchFamily="18" charset="0"/>
                 <a:cs typeface="Times New Roman" panose="02020603050405020304" pitchFamily="18" charset="0"/>
@@ -8312,17 +8475,47 @@
               <a:t>      </a:t>
             </a:r>
             <a:r>
-              <a:rPr lang="en-US" sz="1600" i="1" dirty="0" err="1">
-                <a:solidFill>
-                  <a:srgbClr val="CB6500"/>
-                </a:solidFill>
-                <a:ea typeface="Times New Roman" panose="02020603050405020304" pitchFamily="18" charset="0"/>
-                <a:cs typeface="Times New Roman" panose="02020603050405020304" pitchFamily="18" charset="0"/>
-              </a:rPr>
-              <a:t>keysPressed</a:t>
-            </a:r>
-            <a:r>
-              <a:rPr lang="en-US" sz="1600" dirty="0">
+              <a:rPr lang="hu-HU" sz="2000" dirty="0" err="1">
+                <a:solidFill>
+                  <a:srgbClr val="000000"/>
+                </a:solidFill>
+                <a:ea typeface="Times New Roman" panose="02020603050405020304" pitchFamily="18" charset="0"/>
+                <a:cs typeface="Times New Roman" panose="02020603050405020304" pitchFamily="18" charset="0"/>
+              </a:rPr>
+              <a:t>gameObject</a:t>
+            </a:r>
+            <a:r>
+              <a:rPr lang="hu-HU" sz="2000" dirty="0">
+                <a:solidFill>
+                  <a:srgbClr val="000000"/>
+                </a:solidFill>
+                <a:ea typeface="Times New Roman" panose="02020603050405020304" pitchFamily="18" charset="0"/>
+                <a:cs typeface="Times New Roman" panose="02020603050405020304" pitchFamily="18" charset="0"/>
+              </a:rPr>
+              <a:t>.</a:t>
+            </a:r>
+            <a:r>
+              <a:rPr lang="en-US" sz="2000" dirty="0">
+                <a:solidFill>
+                  <a:srgbClr val="000000"/>
+                </a:solidFill>
+                <a:ea typeface="Times New Roman" panose="02020603050405020304" pitchFamily="18" charset="0"/>
+                <a:cs typeface="Times New Roman" panose="02020603050405020304" pitchFamily="18" charset="0"/>
+              </a:rPr>
+              <a:t>position </a:t>
+            </a:r>
+            <a:r>
+              <a:rPr lang="en-US" sz="2000" dirty="0">
+                <a:solidFill>
+                  <a:srgbClr val="C70040"/>
+                </a:solidFill>
+                <a:ea typeface="Times New Roman" panose="02020603050405020304" pitchFamily="18" charset="0"/>
+                <a:cs typeface="Times New Roman" panose="02020603050405020304" pitchFamily="18" charset="0"/>
+              </a:rPr>
+              <a:t>+=</a:t>
+            </a:r>
+            <a:r>
+              <a:rPr lang="en-US" sz="2000" dirty="0">
                 <a:solidFill>
                   <a:srgbClr val="000000"/>
                 </a:solidFill>
@@ -8332,185 +8525,20 @@
               <a:t> </a:t>
             </a:r>
             <a:r>
-              <a:rPr lang="en-US" sz="1600" dirty="0">
-                <a:solidFill>
-                  <a:srgbClr val="C70040"/>
-                </a:solidFill>
-                <a:ea typeface="Times New Roman" panose="02020603050405020304" pitchFamily="18" charset="0"/>
-                <a:cs typeface="Times New Roman" panose="02020603050405020304" pitchFamily="18" charset="0"/>
-              </a:rPr>
-              <a:t>:</a:t>
-            </a:r>
-            <a:r>
-              <a:rPr lang="en-US" sz="1600" dirty="0">
-                <a:solidFill>
-                  <a:srgbClr val="000000"/>
-                </a:solidFill>
-                <a:ea typeface="Times New Roman" panose="02020603050405020304" pitchFamily="18" charset="0"/>
-                <a:cs typeface="Times New Roman" panose="02020603050405020304" pitchFamily="18" charset="0"/>
-              </a:rPr>
-              <a:t> </a:t>
-            </a:r>
-            <a:r>
-              <a:rPr lang="en-US" sz="1600" i="1" dirty="0">
-                <a:solidFill>
-                  <a:srgbClr val="34A7BD"/>
-                </a:solidFill>
-                <a:ea typeface="Times New Roman" panose="02020603050405020304" pitchFamily="18" charset="0"/>
-                <a:cs typeface="Times New Roman" panose="02020603050405020304" pitchFamily="18" charset="0"/>
-              </a:rPr>
-              <a:t>Set</a:t>
-            </a:r>
-            <a:r>
-              <a:rPr lang="en-US" sz="1600" dirty="0">
-                <a:solidFill>
-                  <a:srgbClr val="000000"/>
-                </a:solidFill>
-                <a:ea typeface="Times New Roman" panose="02020603050405020304" pitchFamily="18" charset="0"/>
-                <a:cs typeface="Times New Roman" panose="02020603050405020304" pitchFamily="18" charset="0"/>
-              </a:rPr>
-              <a:t>&lt;</a:t>
-            </a:r>
-            <a:r>
-              <a:rPr lang="en-US" sz="1600" i="1" dirty="0">
-                <a:solidFill>
-                  <a:srgbClr val="34A7BD"/>
-                </a:solidFill>
-                <a:ea typeface="Times New Roman" panose="02020603050405020304" pitchFamily="18" charset="0"/>
-                <a:cs typeface="Times New Roman" panose="02020603050405020304" pitchFamily="18" charset="0"/>
-              </a:rPr>
-              <a:t>String</a:t>
-            </a:r>
-            <a:r>
-              <a:rPr lang="en-US" sz="1600" dirty="0">
-                <a:solidFill>
-                  <a:srgbClr val="000000"/>
-                </a:solidFill>
-                <a:ea typeface="Times New Roman" panose="02020603050405020304" pitchFamily="18" charset="0"/>
-                <a:cs typeface="Times New Roman" panose="02020603050405020304" pitchFamily="18" charset="0"/>
-              </a:rPr>
-              <a:t>&gt;,</a:t>
-            </a:r>
-            <a:r>
-              <a:rPr lang="en-US" sz="1600" i="1" dirty="0">
-                <a:solidFill>
-                  <a:srgbClr val="CB6500"/>
-                </a:solidFill>
-                <a:ea typeface="Times New Roman" panose="02020603050405020304" pitchFamily="18" charset="0"/>
-                <a:cs typeface="Times New Roman" panose="02020603050405020304" pitchFamily="18" charset="0"/>
-              </a:rPr>
-              <a:t> </a:t>
-            </a:r>
-            <a:r>
-              <a:rPr lang="en-US" sz="1600" i="1" dirty="0" err="1">
-                <a:solidFill>
-                  <a:srgbClr val="CB6500"/>
-                </a:solidFill>
-                <a:ea typeface="Times New Roman" panose="02020603050405020304" pitchFamily="18" charset="0"/>
-                <a:cs typeface="Times New Roman" panose="02020603050405020304" pitchFamily="18" charset="0"/>
-              </a:rPr>
-              <a:t>gameObjects</a:t>
-            </a:r>
-            <a:r>
-              <a:rPr lang="en-US" sz="1600" dirty="0">
-                <a:solidFill>
-                  <a:srgbClr val="000000"/>
-                </a:solidFill>
-                <a:ea typeface="Times New Roman" panose="02020603050405020304" pitchFamily="18" charset="0"/>
-                <a:cs typeface="Times New Roman" panose="02020603050405020304" pitchFamily="18" charset="0"/>
-              </a:rPr>
-              <a:t> </a:t>
-            </a:r>
-            <a:r>
-              <a:rPr lang="en-US" sz="1600" dirty="0">
-                <a:solidFill>
-                  <a:srgbClr val="C70040"/>
-                </a:solidFill>
-                <a:ea typeface="Times New Roman" panose="02020603050405020304" pitchFamily="18" charset="0"/>
-                <a:cs typeface="Times New Roman" panose="02020603050405020304" pitchFamily="18" charset="0"/>
-              </a:rPr>
-              <a:t>:</a:t>
-            </a:r>
-            <a:r>
-              <a:rPr lang="en-US" sz="1600" dirty="0">
-                <a:solidFill>
-                  <a:srgbClr val="000000"/>
-                </a:solidFill>
-                <a:ea typeface="Times New Roman" panose="02020603050405020304" pitchFamily="18" charset="0"/>
-                <a:cs typeface="Times New Roman" panose="02020603050405020304" pitchFamily="18" charset="0"/>
-              </a:rPr>
-              <a:t> </a:t>
-            </a:r>
-            <a:r>
-              <a:rPr lang="en-US" sz="1600" i="1" dirty="0">
-                <a:solidFill>
-                  <a:srgbClr val="34A7BD"/>
-                </a:solidFill>
-                <a:ea typeface="Times New Roman" panose="02020603050405020304" pitchFamily="18" charset="0"/>
-                <a:cs typeface="Times New Roman" panose="02020603050405020304" pitchFamily="18" charset="0"/>
-              </a:rPr>
-              <a:t>List</a:t>
-            </a:r>
-            <a:r>
-              <a:rPr lang="en-US" sz="1600" dirty="0">
-                <a:solidFill>
-                  <a:srgbClr val="000000"/>
-                </a:solidFill>
-                <a:ea typeface="Times New Roman" panose="02020603050405020304" pitchFamily="18" charset="0"/>
-                <a:cs typeface="Times New Roman" panose="02020603050405020304" pitchFamily="18" charset="0"/>
-              </a:rPr>
-              <a:t>&lt;</a:t>
-            </a:r>
-            <a:r>
-              <a:rPr lang="en-US" sz="1600" dirty="0" err="1">
-                <a:solidFill>
-                  <a:srgbClr val="000000"/>
-                </a:solidFill>
-                <a:ea typeface="Times New Roman" panose="02020603050405020304" pitchFamily="18" charset="0"/>
-                <a:cs typeface="Times New Roman" panose="02020603050405020304" pitchFamily="18" charset="0"/>
-              </a:rPr>
-              <a:t>GameObject</a:t>
-            </a:r>
-            <a:r>
-              <a:rPr lang="en-US" sz="1600" dirty="0">
-                <a:solidFill>
-                  <a:srgbClr val="000000"/>
-                </a:solidFill>
-                <a:ea typeface="Times New Roman" panose="02020603050405020304" pitchFamily="18" charset="0"/>
-                <a:cs typeface="Times New Roman" panose="02020603050405020304" pitchFamily="18" charset="0"/>
-              </a:rPr>
-              <a:t>&gt;)</a:t>
-            </a:r>
-            <a:r>
-              <a:rPr lang="en-US" sz="1600" dirty="0">
-                <a:solidFill>
-                  <a:srgbClr val="C70040"/>
-                </a:solidFill>
-                <a:ea typeface="Times New Roman" panose="02020603050405020304" pitchFamily="18" charset="0"/>
-                <a:cs typeface="Times New Roman" panose="02020603050405020304" pitchFamily="18" charset="0"/>
-              </a:rPr>
-              <a:t>:</a:t>
-            </a:r>
-            <a:r>
-              <a:rPr lang="en-US" sz="1600" i="1" dirty="0">
-                <a:solidFill>
-                  <a:srgbClr val="34A7BD"/>
-                </a:solidFill>
-                <a:ea typeface="Times New Roman" panose="02020603050405020304" pitchFamily="18" charset="0"/>
-                <a:cs typeface="Times New Roman" panose="02020603050405020304" pitchFamily="18" charset="0"/>
-              </a:rPr>
-              <a:t>Boolean</a:t>
-            </a:r>
-            <a:r>
-              <a:rPr lang="en-US" sz="1600" dirty="0">
-                <a:solidFill>
-                  <a:srgbClr val="000000"/>
-                </a:solidFill>
-                <a:ea typeface="Times New Roman" panose="02020603050405020304" pitchFamily="18" charset="0"/>
-                <a:cs typeface="Times New Roman" panose="02020603050405020304" pitchFamily="18" charset="0"/>
-              </a:rPr>
-              <a:t> {</a:t>
-            </a:r>
+              <a:rPr lang="en-US" sz="2000" dirty="0">
+                <a:solidFill>
+                  <a:srgbClr val="7C4FCD"/>
+                </a:solidFill>
+                <a:ea typeface="Times New Roman" panose="02020603050405020304" pitchFamily="18" charset="0"/>
+                <a:cs typeface="Times New Roman" panose="02020603050405020304" pitchFamily="18" charset="0"/>
+              </a:rPr>
+              <a:t>velocity * dt</a:t>
+            </a:r>
+            <a:endParaRPr lang="en-US" sz="1400" dirty="0">
+              <a:latin typeface="Calibri" panose="020F0502020204030204" pitchFamily="34" charset="0"/>
+              <a:ea typeface="Calibri" panose="020F0502020204030204" pitchFamily="34" charset="0"/>
+              <a:cs typeface="Times New Roman" panose="02020603050405020304" pitchFamily="18" charset="0"/>
+            </a:endParaRPr>
           </a:p>
           <a:p>
             <a:pPr>
@@ -8540,27 +8568,17 @@
               </a:tabLst>
             </a:pPr>
             <a:r>
-              <a:rPr lang="en-US" sz="1600" dirty="0">
-                <a:solidFill>
-                  <a:srgbClr val="000000"/>
-                </a:solidFill>
-                <a:ea typeface="Times New Roman" panose="02020603050405020304" pitchFamily="18" charset="0"/>
-                <a:cs typeface="Times New Roman" panose="02020603050405020304" pitchFamily="18" charset="0"/>
-              </a:rPr>
-              <a:t>      position </a:t>
-            </a:r>
-            <a:r>
-              <a:rPr lang="en-US" sz="1600" dirty="0">
+              <a:rPr lang="en-US" sz="2000" dirty="0">
                 <a:solidFill>
                   <a:srgbClr val="C70040"/>
                 </a:solidFill>
                 <a:ea typeface="Times New Roman" panose="02020603050405020304" pitchFamily="18" charset="0"/>
                 <a:cs typeface="Times New Roman" panose="02020603050405020304" pitchFamily="18" charset="0"/>
               </a:rPr>
-              <a:t>+=</a:t>
-            </a:r>
-            <a:r>
-              <a:rPr lang="en-US" sz="1600" dirty="0">
+              <a:t>      return</a:t>
+            </a:r>
+            <a:r>
+              <a:rPr lang="en-US" sz="2000" dirty="0">
                 <a:solidFill>
                   <a:srgbClr val="000000"/>
                 </a:solidFill>
@@ -8570,20 +8588,15 @@
               <a:t> </a:t>
             </a:r>
             <a:r>
-              <a:rPr lang="en-US" sz="1600" dirty="0">
+              <a:rPr lang="en-US" sz="2000" dirty="0">
                 <a:solidFill>
                   <a:srgbClr val="7C4FCD"/>
                 </a:solidFill>
                 <a:ea typeface="Times New Roman" panose="02020603050405020304" pitchFamily="18" charset="0"/>
                 <a:cs typeface="Times New Roman" panose="02020603050405020304" pitchFamily="18" charset="0"/>
               </a:rPr>
-              <a:t>velocity * dt</a:t>
-            </a:r>
-            <a:endParaRPr lang="en-US" sz="1100" dirty="0">
-              <a:latin typeface="Calibri" panose="020F0502020204030204" pitchFamily="34" charset="0"/>
-              <a:ea typeface="Calibri" panose="020F0502020204030204" pitchFamily="34" charset="0"/>
-              <a:cs typeface="Times New Roman" panose="02020603050405020304" pitchFamily="18" charset="0"/>
-            </a:endParaRPr>
+              <a:t>true</a:t>
+            </a:r>
           </a:p>
           <a:p>
             <a:pPr>
@@ -8613,34 +8626,14 @@
               </a:tabLst>
             </a:pPr>
             <a:r>
-              <a:rPr lang="en-US" sz="1600" dirty="0">
-                <a:solidFill>
-                  <a:srgbClr val="C70040"/>
-                </a:solidFill>
-                <a:ea typeface="Times New Roman" panose="02020603050405020304" pitchFamily="18" charset="0"/>
-                <a:cs typeface="Times New Roman" panose="02020603050405020304" pitchFamily="18" charset="0"/>
-              </a:rPr>
-              <a:t>      return</a:t>
-            </a:r>
-            <a:r>
-              <a:rPr lang="en-US" sz="1600" dirty="0">
-                <a:solidFill>
-                  <a:srgbClr val="000000"/>
-                </a:solidFill>
-                <a:ea typeface="Times New Roman" panose="02020603050405020304" pitchFamily="18" charset="0"/>
-                <a:cs typeface="Times New Roman" panose="02020603050405020304" pitchFamily="18" charset="0"/>
-              </a:rPr>
-              <a:t> </a:t>
-            </a:r>
-            <a:r>
-              <a:rPr lang="en-US" sz="1600" dirty="0">
-                <a:solidFill>
-                  <a:srgbClr val="7C4FCD"/>
-                </a:solidFill>
-                <a:ea typeface="Times New Roman" panose="02020603050405020304" pitchFamily="18" charset="0"/>
-                <a:cs typeface="Times New Roman" panose="02020603050405020304" pitchFamily="18" charset="0"/>
-              </a:rPr>
-              <a:t>true</a:t>
+              <a:rPr lang="en-US" sz="2000" dirty="0">
+                <a:solidFill>
+                  <a:srgbClr val="000000"/>
+                </a:solidFill>
+                <a:ea typeface="Times New Roman" panose="02020603050405020304" pitchFamily="18" charset="0"/>
+                <a:cs typeface="Times New Roman" panose="02020603050405020304" pitchFamily="18" charset="0"/>
+              </a:rPr>
+              <a:t>    }</a:t>
             </a:r>
           </a:p>
           <a:p>
@@ -8671,14 +8664,14 @@
               </a:tabLst>
             </a:pPr>
             <a:r>
-              <a:rPr lang="en-US" sz="1600" dirty="0">
-                <a:solidFill>
-                  <a:srgbClr val="000000"/>
-                </a:solidFill>
-                <a:ea typeface="Times New Roman" panose="02020603050405020304" pitchFamily="18" charset="0"/>
-                <a:cs typeface="Times New Roman" panose="02020603050405020304" pitchFamily="18" charset="0"/>
-              </a:rPr>
-              <a:t>    }</a:t>
+              <a:rPr lang="en-US" sz="2000" dirty="0">
+                <a:solidFill>
+                  <a:srgbClr val="000000"/>
+                </a:solidFill>
+                <a:ea typeface="Times New Roman" panose="02020603050405020304" pitchFamily="18" charset="0"/>
+                <a:cs typeface="Times New Roman" panose="02020603050405020304" pitchFamily="18" charset="0"/>
+              </a:rPr>
+              <a:t>  }</a:t>
             </a:r>
           </a:p>
           <a:p>
@@ -8709,15 +8702,22 @@
               </a:tabLst>
             </a:pPr>
             <a:r>
-              <a:rPr lang="en-US" sz="1600" dirty="0">
-                <a:solidFill>
-                  <a:srgbClr val="000000"/>
-                </a:solidFill>
-                <a:ea typeface="Times New Roman" panose="02020603050405020304" pitchFamily="18" charset="0"/>
-                <a:cs typeface="Times New Roman" panose="02020603050405020304" pitchFamily="18" charset="0"/>
-              </a:rPr>
-              <a:t>  }</a:t>
-            </a:r>
+              <a:rPr lang="en-US" sz="2000" dirty="0">
+                <a:solidFill>
+                  <a:srgbClr val="000000"/>
+                </a:solidFill>
+                <a:ea typeface="Times New Roman" panose="02020603050405020304" pitchFamily="18" charset="0"/>
+                <a:cs typeface="Times New Roman" panose="02020603050405020304" pitchFamily="18" charset="0"/>
+              </a:rPr>
+              <a:t>}</a:t>
+            </a:r>
+            <a:endParaRPr lang="hu-HU" sz="2000" dirty="0">
+              <a:solidFill>
+                <a:srgbClr val="000000"/>
+              </a:solidFill>
+              <a:ea typeface="Times New Roman" panose="02020603050405020304" pitchFamily="18" charset="0"/>
+              <a:cs typeface="Times New Roman" panose="02020603050405020304" pitchFamily="18" charset="0"/>
+            </a:endParaRPr>
           </a:p>
           <a:p>
             <a:pPr>
@@ -8746,17 +8746,7 @@
                 <a:tab pos="9306560" algn="l"/>
               </a:tabLst>
             </a:pPr>
-            <a:r>
-              <a:rPr lang="en-US" sz="1600" dirty="0">
-                <a:solidFill>
-                  <a:srgbClr val="000000"/>
-                </a:solidFill>
-                <a:ea typeface="Times New Roman" panose="02020603050405020304" pitchFamily="18" charset="0"/>
-                <a:cs typeface="Times New Roman" panose="02020603050405020304" pitchFamily="18" charset="0"/>
-              </a:rPr>
-              <a:t>}</a:t>
-            </a:r>
-            <a:endParaRPr lang="hu-HU" sz="1600" dirty="0">
+            <a:endParaRPr lang="en-US" sz="2000" dirty="0">
               <a:solidFill>
                 <a:srgbClr val="000000"/>
               </a:solidFill>
@@ -8792,17 +8782,27 @@
               </a:tabLst>
             </a:pPr>
             <a:r>
-              <a:rPr lang="hu-HU" sz="1600" dirty="0">
-                <a:solidFill>
-                  <a:srgbClr val="000000"/>
-                </a:solidFill>
-                <a:ea typeface="Times New Roman" panose="02020603050405020304" pitchFamily="18" charset="0"/>
-                <a:cs typeface="Times New Roman" panose="02020603050405020304" pitchFamily="18" charset="0"/>
-              </a:rPr>
-              <a:t>init </a:t>
-            </a:r>
-            <a:r>
-              <a:rPr lang="en-US" sz="1600" dirty="0">
+              <a:rPr lang="hu-HU" sz="2000" dirty="0" err="1">
+                <a:solidFill>
+                  <a:srgbClr val="000000"/>
+                </a:solidFill>
+                <a:ea typeface="Times New Roman" panose="02020603050405020304" pitchFamily="18" charset="0"/>
+                <a:cs typeface="Times New Roman" panose="02020603050405020304" pitchFamily="18" charset="0"/>
+              </a:rPr>
+              <a:t>init</a:t>
+            </a:r>
+            <a:r>
+              <a:rPr lang="hu-HU" sz="2000" dirty="0">
+                <a:solidFill>
+                  <a:srgbClr val="000000"/>
+                </a:solidFill>
+                <a:ea typeface="Times New Roman" panose="02020603050405020304" pitchFamily="18" charset="0"/>
+                <a:cs typeface="Times New Roman" panose="02020603050405020304" pitchFamily="18" charset="0"/>
+              </a:rPr>
+              <a:t> </a:t>
+            </a:r>
+            <a:r>
+              <a:rPr lang="en-US" sz="2000" dirty="0">
                 <a:solidFill>
                   <a:srgbClr val="000000"/>
                 </a:solidFill>
@@ -8840,7 +8840,7 @@
               </a:tabLst>
             </a:pPr>
             <a:r>
-              <a:rPr lang="en-US" sz="1600" dirty="0">
+              <a:rPr lang="en-US" sz="2000" dirty="0">
                 <a:solidFill>
                   <a:srgbClr val="000000"/>
                 </a:solidFill>
@@ -8850,7 +8850,47 @@
               <a:t>  </a:t>
             </a:r>
             <a:r>
-              <a:rPr lang="en-US" sz="1600" dirty="0" err="1">
+              <a:rPr lang="en-US" sz="2000" dirty="0" err="1">
+                <a:solidFill>
+                  <a:srgbClr val="000000"/>
+                </a:solidFill>
+                <a:ea typeface="Times New Roman" panose="02020603050405020304" pitchFamily="18" charset="0"/>
+                <a:cs typeface="Times New Roman" panose="02020603050405020304" pitchFamily="18" charset="0"/>
+              </a:rPr>
+              <a:t>gameObjects</a:t>
+            </a:r>
+            <a:r>
+              <a:rPr lang="en-US" sz="2000" dirty="0">
+                <a:solidFill>
+                  <a:srgbClr val="C70040"/>
+                </a:solidFill>
+                <a:ea typeface="Times New Roman" panose="02020603050405020304" pitchFamily="18" charset="0"/>
+                <a:cs typeface="Times New Roman" panose="02020603050405020304" pitchFamily="18" charset="0"/>
+              </a:rPr>
+              <a:t> </a:t>
+            </a:r>
+            <a:r>
+              <a:rPr lang="hu-HU" sz="2000" dirty="0">
+                <a:solidFill>
+                  <a:srgbClr val="C70040"/>
+                </a:solidFill>
+                <a:ea typeface="Times New Roman" panose="02020603050405020304" pitchFamily="18" charset="0"/>
+                <a:cs typeface="Times New Roman" panose="02020603050405020304" pitchFamily="18" charset="0"/>
+              </a:rPr>
+              <a:t>+</a:t>
+            </a:r>
+            <a:r>
+              <a:rPr lang="en-US" sz="2000" dirty="0">
+                <a:solidFill>
+                  <a:srgbClr val="C70040"/>
+                </a:solidFill>
+                <a:ea typeface="Times New Roman" panose="02020603050405020304" pitchFamily="18" charset="0"/>
+                <a:cs typeface="Times New Roman" panose="02020603050405020304" pitchFamily="18" charset="0"/>
+              </a:rPr>
+              <a:t>= </a:t>
+            </a:r>
+            <a:r>
+              <a:rPr lang="en-US" sz="2000" dirty="0">
                 <a:solidFill>
                   <a:srgbClr val="000000"/>
                 </a:solidFill>
@@ -8858,136 +8898,6 @@
                 <a:cs typeface="Times New Roman" panose="02020603050405020304" pitchFamily="18" charset="0"/>
               </a:rPr>
               <a:t>avatar</a:t>
-            </a:r>
-            <a:r>
-              <a:rPr lang="en-US" sz="1600" dirty="0" err="1">
-                <a:solidFill>
-                  <a:srgbClr val="C70040"/>
-                </a:solidFill>
-                <a:ea typeface="Times New Roman" panose="02020603050405020304" pitchFamily="18" charset="0"/>
-                <a:cs typeface="Times New Roman" panose="02020603050405020304" pitchFamily="18" charset="0"/>
-              </a:rPr>
-              <a:t>.</a:t>
-            </a:r>
-            <a:r>
-              <a:rPr lang="en-US" sz="1600" dirty="0" err="1">
-                <a:solidFill>
-                  <a:srgbClr val="000000"/>
-                </a:solidFill>
-                <a:ea typeface="Times New Roman" panose="02020603050405020304" pitchFamily="18" charset="0"/>
-                <a:cs typeface="Times New Roman" panose="02020603050405020304" pitchFamily="18" charset="0"/>
-              </a:rPr>
-              <a:t>position</a:t>
-            </a:r>
-            <a:r>
-              <a:rPr lang="en-US" sz="1600" dirty="0" err="1">
-                <a:solidFill>
-                  <a:srgbClr val="C70040"/>
-                </a:solidFill>
-                <a:ea typeface="Times New Roman" panose="02020603050405020304" pitchFamily="18" charset="0"/>
-                <a:cs typeface="Times New Roman" panose="02020603050405020304" pitchFamily="18" charset="0"/>
-              </a:rPr>
-              <a:t>.</a:t>
-            </a:r>
-            <a:r>
-              <a:rPr lang="en-US" sz="1600" dirty="0" err="1">
-                <a:solidFill>
-                  <a:srgbClr val="427E00"/>
-                </a:solidFill>
-                <a:ea typeface="Times New Roman" panose="02020603050405020304" pitchFamily="18" charset="0"/>
-                <a:cs typeface="Times New Roman" panose="02020603050405020304" pitchFamily="18" charset="0"/>
-              </a:rPr>
-              <a:t>set</a:t>
-            </a:r>
-            <a:r>
-              <a:rPr lang="en-US" sz="1600" dirty="0">
-                <a:solidFill>
-                  <a:srgbClr val="000000"/>
-                </a:solidFill>
-                <a:ea typeface="Times New Roman" panose="02020603050405020304" pitchFamily="18" charset="0"/>
-                <a:cs typeface="Times New Roman" panose="02020603050405020304" pitchFamily="18" charset="0"/>
-              </a:rPr>
-              <a:t>(</a:t>
-            </a:r>
-            <a:r>
-              <a:rPr lang="en-US" sz="1600" i="1" dirty="0">
-                <a:solidFill>
-                  <a:srgbClr val="CB6500"/>
-                </a:solidFill>
-                <a:ea typeface="Times New Roman" panose="02020603050405020304" pitchFamily="18" charset="0"/>
-                <a:cs typeface="Times New Roman" panose="02020603050405020304" pitchFamily="18" charset="0"/>
-              </a:rPr>
-              <a:t>0</a:t>
-            </a:r>
-            <a:r>
-              <a:rPr lang="en-US" sz="1600" dirty="0">
-                <a:solidFill>
-                  <a:srgbClr val="C70040"/>
-                </a:solidFill>
-                <a:ea typeface="Times New Roman" panose="02020603050405020304" pitchFamily="18" charset="0"/>
-                <a:cs typeface="Times New Roman" panose="02020603050405020304" pitchFamily="18" charset="0"/>
-              </a:rPr>
-              <a:t>.</a:t>
-            </a:r>
-            <a:r>
-              <a:rPr lang="en-US" sz="1600" i="1" dirty="0">
-                <a:solidFill>
-                  <a:srgbClr val="CB6500"/>
-                </a:solidFill>
-                <a:ea typeface="Times New Roman" panose="02020603050405020304" pitchFamily="18" charset="0"/>
-                <a:cs typeface="Times New Roman" panose="02020603050405020304" pitchFamily="18" charset="0"/>
-              </a:rPr>
-              <a:t>5f</a:t>
-            </a:r>
-            <a:r>
-              <a:rPr lang="en-US" sz="1600" dirty="0">
-                <a:solidFill>
-                  <a:srgbClr val="000000"/>
-                </a:solidFill>
-                <a:ea typeface="Times New Roman" panose="02020603050405020304" pitchFamily="18" charset="0"/>
-                <a:cs typeface="Times New Roman" panose="02020603050405020304" pitchFamily="18" charset="0"/>
-              </a:rPr>
-              <a:t>, </a:t>
-            </a:r>
-            <a:r>
-              <a:rPr lang="en-US" sz="1600" i="1" dirty="0">
-                <a:solidFill>
-                  <a:srgbClr val="CB6500"/>
-                </a:solidFill>
-                <a:ea typeface="Times New Roman" panose="02020603050405020304" pitchFamily="18" charset="0"/>
-                <a:cs typeface="Times New Roman" panose="02020603050405020304" pitchFamily="18" charset="0"/>
-              </a:rPr>
-              <a:t>0</a:t>
-            </a:r>
-            <a:r>
-              <a:rPr lang="en-US" sz="1600" dirty="0">
-                <a:solidFill>
-                  <a:srgbClr val="C70040"/>
-                </a:solidFill>
-                <a:ea typeface="Times New Roman" panose="02020603050405020304" pitchFamily="18" charset="0"/>
-                <a:cs typeface="Times New Roman" panose="02020603050405020304" pitchFamily="18" charset="0"/>
-              </a:rPr>
-              <a:t>.</a:t>
-            </a:r>
-            <a:r>
-              <a:rPr lang="en-US" sz="1600" i="1" dirty="0">
-                <a:solidFill>
-                  <a:srgbClr val="CB6500"/>
-                </a:solidFill>
-                <a:ea typeface="Times New Roman" panose="02020603050405020304" pitchFamily="18" charset="0"/>
-                <a:cs typeface="Times New Roman" panose="02020603050405020304" pitchFamily="18" charset="0"/>
-              </a:rPr>
-              <a:t>5f</a:t>
-            </a:r>
-            <a:r>
-              <a:rPr lang="en-US" sz="1600" dirty="0">
-                <a:solidFill>
-                  <a:srgbClr val="000000"/>
-                </a:solidFill>
-                <a:ea typeface="Times New Roman" panose="02020603050405020304" pitchFamily="18" charset="0"/>
-                <a:cs typeface="Times New Roman" panose="02020603050405020304" pitchFamily="18" charset="0"/>
-              </a:rPr>
-              <a:t>)</a:t>
             </a:r>
           </a:p>
           <a:p>
@@ -9018,85 +8928,7 @@
               </a:tabLst>
             </a:pPr>
             <a:r>
-              <a:rPr lang="en-US" sz="1600" dirty="0">
-                <a:solidFill>
-                  <a:srgbClr val="000000"/>
-                </a:solidFill>
-                <a:ea typeface="Times New Roman" panose="02020603050405020304" pitchFamily="18" charset="0"/>
-                <a:cs typeface="Times New Roman" panose="02020603050405020304" pitchFamily="18" charset="0"/>
-              </a:rPr>
-              <a:t>  </a:t>
-            </a:r>
-            <a:r>
-              <a:rPr lang="en-US" sz="1600" dirty="0" err="1">
-                <a:solidFill>
-                  <a:srgbClr val="000000"/>
-                </a:solidFill>
-                <a:ea typeface="Times New Roman" panose="02020603050405020304" pitchFamily="18" charset="0"/>
-                <a:cs typeface="Times New Roman" panose="02020603050405020304" pitchFamily="18" charset="0"/>
-              </a:rPr>
-              <a:t>gameObjects</a:t>
-            </a:r>
-            <a:r>
-              <a:rPr lang="en-US" sz="1600" dirty="0" err="1">
-                <a:solidFill>
-                  <a:srgbClr val="C70040"/>
-                </a:solidFill>
-                <a:ea typeface="Times New Roman" panose="02020603050405020304" pitchFamily="18" charset="0"/>
-                <a:cs typeface="Times New Roman" panose="02020603050405020304" pitchFamily="18" charset="0"/>
-              </a:rPr>
-              <a:t>.</a:t>
-            </a:r>
-            <a:r>
-              <a:rPr lang="en-US" sz="1600" dirty="0" err="1">
-                <a:solidFill>
-                  <a:srgbClr val="000000"/>
-                </a:solidFill>
-                <a:ea typeface="Times New Roman" panose="02020603050405020304" pitchFamily="18" charset="0"/>
-                <a:cs typeface="Times New Roman" panose="02020603050405020304" pitchFamily="18" charset="0"/>
-              </a:rPr>
-              <a:t>add</a:t>
-            </a:r>
-            <a:r>
-              <a:rPr lang="en-US" sz="1600" dirty="0">
-                <a:solidFill>
-                  <a:srgbClr val="000000"/>
-                </a:solidFill>
-                <a:ea typeface="Times New Roman" panose="02020603050405020304" pitchFamily="18" charset="0"/>
-                <a:cs typeface="Times New Roman" panose="02020603050405020304" pitchFamily="18" charset="0"/>
-              </a:rPr>
-              <a:t>(avatar)</a:t>
-            </a:r>
-          </a:p>
-          <a:p>
-            <a:pPr>
-              <a:lnSpc>
-                <a:spcPct val="107000"/>
-              </a:lnSpc>
-              <a:spcAft>
-                <a:spcPts val="0"/>
-              </a:spcAft>
-              <a:tabLst>
-                <a:tab pos="581660" algn="l"/>
-                <a:tab pos="1163320" algn="l"/>
-                <a:tab pos="1744980" algn="l"/>
-                <a:tab pos="2326640" algn="l"/>
-                <a:tab pos="2908300" algn="l"/>
-                <a:tab pos="3489960" algn="l"/>
-                <a:tab pos="4071620" algn="l"/>
-                <a:tab pos="4653280" algn="l"/>
-                <a:tab pos="5234940" algn="l"/>
-                <a:tab pos="5816600" algn="l"/>
-                <a:tab pos="6398260" algn="l"/>
-                <a:tab pos="6979920" algn="l"/>
-                <a:tab pos="7561580" algn="l"/>
-                <a:tab pos="8143240" algn="l"/>
-                <a:tab pos="8724900" algn="l"/>
-                <a:tab pos="9306560" algn="l"/>
-              </a:tabLst>
-            </a:pPr>
-            <a:r>
-              <a:rPr lang="en-US" sz="1600" dirty="0">
+              <a:rPr lang="en-US" sz="2000" dirty="0">
                 <a:solidFill>
                   <a:srgbClr val="000000"/>
                 </a:solidFill>
@@ -9105,615 +8937,6 @@
               </a:rPr>
               <a:t>}</a:t>
             </a:r>
-          </a:p>
-          <a:p>
-            <a:pPr>
-              <a:lnSpc>
-                <a:spcPct val="107000"/>
-              </a:lnSpc>
-              <a:spcAft>
-                <a:spcPts val="0"/>
-              </a:spcAft>
-              <a:tabLst>
-                <a:tab pos="581660" algn="l"/>
-                <a:tab pos="1163320" algn="l"/>
-                <a:tab pos="1744980" algn="l"/>
-                <a:tab pos="2326640" algn="l"/>
-                <a:tab pos="2908300" algn="l"/>
-                <a:tab pos="3489960" algn="l"/>
-                <a:tab pos="4071620" algn="l"/>
-                <a:tab pos="4653280" algn="l"/>
-                <a:tab pos="5234940" algn="l"/>
-                <a:tab pos="5816600" algn="l"/>
-                <a:tab pos="6398260" algn="l"/>
-                <a:tab pos="6979920" algn="l"/>
-                <a:tab pos="7561580" algn="l"/>
-                <a:tab pos="8143240" algn="l"/>
-                <a:tab pos="8724900" algn="l"/>
-                <a:tab pos="9306560" algn="l"/>
-              </a:tabLst>
-            </a:pPr>
-            <a:r>
-              <a:rPr lang="en-US" sz="1600" dirty="0">
-                <a:solidFill>
-                  <a:schemeClr val="bg1">
-                    <a:lumMod val="50000"/>
-                  </a:schemeClr>
-                </a:solidFill>
-                <a:ea typeface="Times New Roman" panose="02020603050405020304" pitchFamily="18" charset="0"/>
-                <a:cs typeface="Times New Roman" panose="02020603050405020304" pitchFamily="18" charset="0"/>
-              </a:rPr>
-              <a:t>fun update(</a:t>
-            </a:r>
-            <a:r>
-              <a:rPr lang="en-US" sz="1600" i="1" dirty="0" err="1">
-                <a:solidFill>
-                  <a:schemeClr val="bg1">
-                    <a:lumMod val="50000"/>
-                  </a:schemeClr>
-                </a:solidFill>
-                <a:ea typeface="Times New Roman" panose="02020603050405020304" pitchFamily="18" charset="0"/>
-                <a:cs typeface="Times New Roman" panose="02020603050405020304" pitchFamily="18" charset="0"/>
-              </a:rPr>
-              <a:t>gl</a:t>
-            </a:r>
-            <a:r>
-              <a:rPr lang="en-US" sz="1600" i="1" dirty="0">
-                <a:solidFill>
-                  <a:schemeClr val="bg1">
-                    <a:lumMod val="50000"/>
-                  </a:schemeClr>
-                </a:solidFill>
-                <a:ea typeface="Times New Roman" panose="02020603050405020304" pitchFamily="18" charset="0"/>
-                <a:cs typeface="Times New Roman" panose="02020603050405020304" pitchFamily="18" charset="0"/>
-              </a:rPr>
-              <a:t> </a:t>
-            </a:r>
-            <a:r>
-              <a:rPr lang="en-US" sz="1600" dirty="0">
-                <a:solidFill>
-                  <a:schemeClr val="bg1">
-                    <a:lumMod val="50000"/>
-                  </a:schemeClr>
-                </a:solidFill>
-                <a:ea typeface="Times New Roman" panose="02020603050405020304" pitchFamily="18" charset="0"/>
-                <a:cs typeface="Times New Roman" panose="02020603050405020304" pitchFamily="18" charset="0"/>
-              </a:rPr>
-              <a:t>: WebGL2RenderingContext, </a:t>
-            </a:r>
-            <a:r>
-              <a:rPr lang="en-US" sz="1600" i="1" dirty="0" err="1">
-                <a:solidFill>
-                  <a:schemeClr val="bg1">
-                    <a:lumMod val="50000"/>
-                  </a:schemeClr>
-                </a:solidFill>
-                <a:ea typeface="Times New Roman" panose="02020603050405020304" pitchFamily="18" charset="0"/>
-                <a:cs typeface="Times New Roman" panose="02020603050405020304" pitchFamily="18" charset="0"/>
-              </a:rPr>
-              <a:t>keysPressed</a:t>
-            </a:r>
-            <a:r>
-              <a:rPr lang="en-US" sz="1600" i="1" dirty="0">
-                <a:solidFill>
-                  <a:schemeClr val="bg1">
-                    <a:lumMod val="50000"/>
-                  </a:schemeClr>
-                </a:solidFill>
-                <a:ea typeface="Times New Roman" panose="02020603050405020304" pitchFamily="18" charset="0"/>
-                <a:cs typeface="Times New Roman" panose="02020603050405020304" pitchFamily="18" charset="0"/>
-              </a:rPr>
-              <a:t> </a:t>
-            </a:r>
-            <a:r>
-              <a:rPr lang="en-US" sz="1600" dirty="0">
-                <a:solidFill>
-                  <a:schemeClr val="bg1">
-                    <a:lumMod val="50000"/>
-                  </a:schemeClr>
-                </a:solidFill>
-                <a:ea typeface="Times New Roman" panose="02020603050405020304" pitchFamily="18" charset="0"/>
-                <a:cs typeface="Times New Roman" panose="02020603050405020304" pitchFamily="18" charset="0"/>
-              </a:rPr>
-              <a:t>: </a:t>
-            </a:r>
-            <a:r>
-              <a:rPr lang="en-US" sz="1600" i="1" dirty="0">
-                <a:solidFill>
-                  <a:schemeClr val="bg1">
-                    <a:lumMod val="50000"/>
-                  </a:schemeClr>
-                </a:solidFill>
-                <a:ea typeface="Times New Roman" panose="02020603050405020304" pitchFamily="18" charset="0"/>
-                <a:cs typeface="Times New Roman" panose="02020603050405020304" pitchFamily="18" charset="0"/>
-              </a:rPr>
-              <a:t>Set</a:t>
-            </a:r>
-            <a:r>
-              <a:rPr lang="en-US" sz="1600" dirty="0">
-                <a:solidFill>
-                  <a:schemeClr val="bg1">
-                    <a:lumMod val="50000"/>
-                  </a:schemeClr>
-                </a:solidFill>
-                <a:ea typeface="Times New Roman" panose="02020603050405020304" pitchFamily="18" charset="0"/>
-                <a:cs typeface="Times New Roman" panose="02020603050405020304" pitchFamily="18" charset="0"/>
-              </a:rPr>
-              <a:t>&lt;</a:t>
-            </a:r>
-            <a:r>
-              <a:rPr lang="en-US" sz="1600" i="1" dirty="0">
-                <a:solidFill>
-                  <a:schemeClr val="bg1">
-                    <a:lumMod val="50000"/>
-                  </a:schemeClr>
-                </a:solidFill>
-                <a:ea typeface="Times New Roman" panose="02020603050405020304" pitchFamily="18" charset="0"/>
-                <a:cs typeface="Times New Roman" panose="02020603050405020304" pitchFamily="18" charset="0"/>
-              </a:rPr>
-              <a:t>String</a:t>
-            </a:r>
-            <a:r>
-              <a:rPr lang="en-US" sz="1600" dirty="0">
-                <a:solidFill>
-                  <a:schemeClr val="bg1">
-                    <a:lumMod val="50000"/>
-                  </a:schemeClr>
-                </a:solidFill>
-                <a:ea typeface="Times New Roman" panose="02020603050405020304" pitchFamily="18" charset="0"/>
-                <a:cs typeface="Times New Roman" panose="02020603050405020304" pitchFamily="18" charset="0"/>
-              </a:rPr>
-              <a:t>&gt;) {</a:t>
-            </a:r>
-            <a:endParaRPr lang="en-US" sz="1600" dirty="0">
-              <a:solidFill>
-                <a:schemeClr val="bg1">
-                  <a:lumMod val="50000"/>
-                </a:schemeClr>
-              </a:solidFill>
-              <a:latin typeface="Calibri" panose="020F0502020204030204" pitchFamily="34" charset="0"/>
-              <a:ea typeface="Calibri" panose="020F0502020204030204" pitchFamily="34" charset="0"/>
-              <a:cs typeface="Times New Roman" panose="02020603050405020304" pitchFamily="18" charset="0"/>
-            </a:endParaRPr>
-          </a:p>
-          <a:p>
-            <a:pPr>
-              <a:lnSpc>
-                <a:spcPct val="107000"/>
-              </a:lnSpc>
-              <a:spcAft>
-                <a:spcPts val="0"/>
-              </a:spcAft>
-              <a:tabLst>
-                <a:tab pos="581660" algn="l"/>
-                <a:tab pos="1163320" algn="l"/>
-                <a:tab pos="1744980" algn="l"/>
-                <a:tab pos="2326640" algn="l"/>
-                <a:tab pos="2908300" algn="l"/>
-                <a:tab pos="3489960" algn="l"/>
-                <a:tab pos="4071620" algn="l"/>
-                <a:tab pos="4653280" algn="l"/>
-                <a:tab pos="5234940" algn="l"/>
-                <a:tab pos="5816600" algn="l"/>
-                <a:tab pos="6398260" algn="l"/>
-                <a:tab pos="6979920" algn="l"/>
-                <a:tab pos="7561580" algn="l"/>
-                <a:tab pos="8143240" algn="l"/>
-                <a:tab pos="8724900" algn="l"/>
-                <a:tab pos="9306560" algn="l"/>
-              </a:tabLst>
-            </a:pPr>
-            <a:r>
-              <a:rPr lang="en-US" sz="1600" dirty="0">
-                <a:solidFill>
-                  <a:srgbClr val="000000"/>
-                </a:solidFill>
-                <a:ea typeface="Times New Roman" panose="02020603050405020304" pitchFamily="18" charset="0"/>
-                <a:cs typeface="Times New Roman" panose="02020603050405020304" pitchFamily="18" charset="0"/>
-              </a:rPr>
-              <a:t>  </a:t>
-            </a:r>
-            <a:r>
-              <a:rPr lang="en-US" sz="1600" dirty="0" err="1">
-                <a:solidFill>
-                  <a:srgbClr val="000000"/>
-                </a:solidFill>
-                <a:ea typeface="Times New Roman" panose="02020603050405020304" pitchFamily="18" charset="0"/>
-                <a:cs typeface="Times New Roman" panose="02020603050405020304" pitchFamily="18" charset="0"/>
-              </a:rPr>
-              <a:t>gameObjects</a:t>
-            </a:r>
-            <a:r>
-              <a:rPr lang="en-US" sz="1600" dirty="0" err="1">
-                <a:solidFill>
-                  <a:srgbClr val="C70040"/>
-                </a:solidFill>
-                <a:ea typeface="Times New Roman" panose="02020603050405020304" pitchFamily="18" charset="0"/>
-                <a:cs typeface="Times New Roman" panose="02020603050405020304" pitchFamily="18" charset="0"/>
-              </a:rPr>
-              <a:t>.</a:t>
-            </a:r>
-            <a:r>
-              <a:rPr lang="en-US" sz="1600" dirty="0" err="1">
-                <a:solidFill>
-                  <a:srgbClr val="000000"/>
-                </a:solidFill>
-                <a:ea typeface="Times New Roman" panose="02020603050405020304" pitchFamily="18" charset="0"/>
-                <a:cs typeface="Times New Roman" panose="02020603050405020304" pitchFamily="18" charset="0"/>
-              </a:rPr>
-              <a:t>forEach</a:t>
-            </a:r>
-            <a:r>
-              <a:rPr lang="en-US" sz="1600" dirty="0">
-                <a:solidFill>
-                  <a:srgbClr val="000000"/>
-                </a:solidFill>
-                <a:ea typeface="Times New Roman" panose="02020603050405020304" pitchFamily="18" charset="0"/>
-                <a:cs typeface="Times New Roman" panose="02020603050405020304" pitchFamily="18" charset="0"/>
-              </a:rPr>
-              <a:t>{</a:t>
-            </a:r>
-            <a:r>
-              <a:rPr lang="hu-HU" sz="1600" dirty="0">
-                <a:solidFill>
-                  <a:srgbClr val="000000"/>
-                </a:solidFill>
-                <a:ea typeface="Times New Roman" panose="02020603050405020304" pitchFamily="18" charset="0"/>
-                <a:cs typeface="Times New Roman" panose="02020603050405020304" pitchFamily="18" charset="0"/>
-              </a:rPr>
-              <a:t> </a:t>
-            </a:r>
-            <a:r>
-              <a:rPr lang="en-US" sz="1600" dirty="0" err="1">
-                <a:solidFill>
-                  <a:srgbClr val="000000"/>
-                </a:solidFill>
-                <a:ea typeface="Times New Roman" panose="02020603050405020304" pitchFamily="18" charset="0"/>
-                <a:cs typeface="Times New Roman" panose="02020603050405020304" pitchFamily="18" charset="0"/>
-              </a:rPr>
-              <a:t>it</a:t>
-            </a:r>
-            <a:r>
-              <a:rPr lang="en-US" sz="1600" dirty="0" err="1">
-                <a:solidFill>
-                  <a:srgbClr val="C70040"/>
-                </a:solidFill>
-                <a:ea typeface="Times New Roman" panose="02020603050405020304" pitchFamily="18" charset="0"/>
-                <a:cs typeface="Times New Roman" panose="02020603050405020304" pitchFamily="18" charset="0"/>
-              </a:rPr>
-              <a:t>.</a:t>
-            </a:r>
-            <a:r>
-              <a:rPr lang="en-US" sz="1600" dirty="0" err="1">
-                <a:solidFill>
-                  <a:srgbClr val="000000"/>
-                </a:solidFill>
-                <a:ea typeface="Times New Roman" panose="02020603050405020304" pitchFamily="18" charset="0"/>
-                <a:cs typeface="Times New Roman" panose="02020603050405020304" pitchFamily="18" charset="0"/>
-              </a:rPr>
-              <a:t>move</a:t>
-            </a:r>
-            <a:r>
-              <a:rPr lang="en-US" sz="1600" dirty="0">
-                <a:solidFill>
-                  <a:srgbClr val="000000"/>
-                </a:solidFill>
-                <a:ea typeface="Times New Roman" panose="02020603050405020304" pitchFamily="18" charset="0"/>
-                <a:cs typeface="Times New Roman" panose="02020603050405020304" pitchFamily="18" charset="0"/>
-              </a:rPr>
-              <a:t>(</a:t>
-            </a:r>
-            <a:r>
-              <a:rPr lang="en-US" sz="1600" dirty="0">
-                <a:solidFill>
-                  <a:srgbClr val="7C4FCD"/>
-                </a:solidFill>
-                <a:ea typeface="Times New Roman" panose="02020603050405020304" pitchFamily="18" charset="0"/>
-                <a:cs typeface="Times New Roman" panose="02020603050405020304" pitchFamily="18" charset="0"/>
-              </a:rPr>
-              <a:t>t, dt</a:t>
-            </a:r>
-            <a:r>
-              <a:rPr lang="en-US" sz="1600" dirty="0">
-                <a:solidFill>
-                  <a:srgbClr val="000000"/>
-                </a:solidFill>
-                <a:ea typeface="Times New Roman" panose="02020603050405020304" pitchFamily="18" charset="0"/>
-                <a:cs typeface="Times New Roman" panose="02020603050405020304" pitchFamily="18" charset="0"/>
-              </a:rPr>
-              <a:t>, </a:t>
-            </a:r>
-            <a:r>
-              <a:rPr lang="en-US" sz="1600" dirty="0" err="1">
-                <a:solidFill>
-                  <a:srgbClr val="000000"/>
-                </a:solidFill>
-                <a:ea typeface="Times New Roman" panose="02020603050405020304" pitchFamily="18" charset="0"/>
-                <a:cs typeface="Times New Roman" panose="02020603050405020304" pitchFamily="18" charset="0"/>
-              </a:rPr>
-              <a:t>keysPressed</a:t>
-            </a:r>
-            <a:r>
-              <a:rPr lang="en-US" sz="1600" dirty="0">
-                <a:solidFill>
-                  <a:srgbClr val="000000"/>
-                </a:solidFill>
-                <a:ea typeface="Times New Roman" panose="02020603050405020304" pitchFamily="18" charset="0"/>
-                <a:cs typeface="Times New Roman" panose="02020603050405020304" pitchFamily="18" charset="0"/>
-              </a:rPr>
-              <a:t>, </a:t>
-            </a:r>
-            <a:r>
-              <a:rPr lang="en-US" sz="1600" dirty="0" err="1">
-                <a:solidFill>
-                  <a:srgbClr val="000000"/>
-                </a:solidFill>
-                <a:ea typeface="Times New Roman" panose="02020603050405020304" pitchFamily="18" charset="0"/>
-                <a:cs typeface="Times New Roman" panose="02020603050405020304" pitchFamily="18" charset="0"/>
-              </a:rPr>
-              <a:t>gameObjects</a:t>
-            </a:r>
-            <a:r>
-              <a:rPr lang="en-US" sz="1600" dirty="0">
-                <a:solidFill>
-                  <a:srgbClr val="000000"/>
-                </a:solidFill>
-                <a:ea typeface="Times New Roman" panose="02020603050405020304" pitchFamily="18" charset="0"/>
-                <a:cs typeface="Times New Roman" panose="02020603050405020304" pitchFamily="18" charset="0"/>
-              </a:rPr>
-              <a:t>) }</a:t>
-            </a:r>
-            <a:endParaRPr lang="en-US" sz="1600" dirty="0">
-              <a:latin typeface="Calibri" panose="020F0502020204030204" pitchFamily="34" charset="0"/>
-              <a:ea typeface="Calibri" panose="020F0502020204030204" pitchFamily="34" charset="0"/>
-              <a:cs typeface="Times New Roman" panose="02020603050405020304" pitchFamily="18" charset="0"/>
-            </a:endParaRPr>
-          </a:p>
-          <a:p>
-            <a:pPr>
-              <a:lnSpc>
-                <a:spcPct val="107000"/>
-              </a:lnSpc>
-              <a:spcAft>
-                <a:spcPts val="0"/>
-              </a:spcAft>
-              <a:tabLst>
-                <a:tab pos="581660" algn="l"/>
-                <a:tab pos="1163320" algn="l"/>
-                <a:tab pos="1744980" algn="l"/>
-                <a:tab pos="2326640" algn="l"/>
-                <a:tab pos="2908300" algn="l"/>
-                <a:tab pos="3489960" algn="l"/>
-                <a:tab pos="4071620" algn="l"/>
-                <a:tab pos="4653280" algn="l"/>
-                <a:tab pos="5234940" algn="l"/>
-                <a:tab pos="5816600" algn="l"/>
-                <a:tab pos="6398260" algn="l"/>
-                <a:tab pos="6979920" algn="l"/>
-                <a:tab pos="7561580" algn="l"/>
-                <a:tab pos="8143240" algn="l"/>
-                <a:tab pos="8724900" algn="l"/>
-                <a:tab pos="9306560" algn="l"/>
-              </a:tabLst>
-            </a:pPr>
-            <a:r>
-              <a:rPr lang="en-US" sz="1600" dirty="0">
-                <a:solidFill>
-                  <a:schemeClr val="bg1">
-                    <a:lumMod val="50000"/>
-                  </a:schemeClr>
-                </a:solidFill>
-                <a:ea typeface="Times New Roman" panose="02020603050405020304" pitchFamily="18" charset="0"/>
-                <a:cs typeface="Times New Roman" panose="02020603050405020304" pitchFamily="18" charset="0"/>
-              </a:rPr>
-              <a:t>  </a:t>
-            </a:r>
-            <a:r>
-              <a:rPr lang="en-US" sz="1600" dirty="0" err="1">
-                <a:solidFill>
-                  <a:schemeClr val="bg1">
-                    <a:lumMod val="50000"/>
-                  </a:schemeClr>
-                </a:solidFill>
-                <a:ea typeface="Times New Roman" panose="02020603050405020304" pitchFamily="18" charset="0"/>
-                <a:cs typeface="Times New Roman" panose="02020603050405020304" pitchFamily="18" charset="0"/>
-              </a:rPr>
-              <a:t>gameObjects.forEach</a:t>
-            </a:r>
-            <a:r>
-              <a:rPr lang="en-US" sz="1600" dirty="0">
-                <a:solidFill>
-                  <a:schemeClr val="bg1">
-                    <a:lumMod val="50000"/>
-                  </a:schemeClr>
-                </a:solidFill>
-                <a:ea typeface="Times New Roman" panose="02020603050405020304" pitchFamily="18" charset="0"/>
-                <a:cs typeface="Times New Roman" panose="02020603050405020304" pitchFamily="18" charset="0"/>
-              </a:rPr>
-              <a:t>{ </a:t>
-            </a:r>
-            <a:r>
-              <a:rPr lang="en-US" sz="1600" dirty="0" err="1">
-                <a:solidFill>
-                  <a:schemeClr val="bg1">
-                    <a:lumMod val="50000"/>
-                  </a:schemeClr>
-                </a:solidFill>
-                <a:ea typeface="Times New Roman" panose="02020603050405020304" pitchFamily="18" charset="0"/>
-                <a:cs typeface="Times New Roman" panose="02020603050405020304" pitchFamily="18" charset="0"/>
-              </a:rPr>
-              <a:t>it.update</a:t>
-            </a:r>
-            <a:r>
-              <a:rPr lang="en-US" sz="1600" dirty="0">
-                <a:solidFill>
-                  <a:schemeClr val="bg1">
-                    <a:lumMod val="50000"/>
-                  </a:schemeClr>
-                </a:solidFill>
-                <a:ea typeface="Times New Roman" panose="02020603050405020304" pitchFamily="18" charset="0"/>
-                <a:cs typeface="Times New Roman" panose="02020603050405020304" pitchFamily="18" charset="0"/>
-              </a:rPr>
-              <a:t>() }</a:t>
-            </a:r>
-            <a:endParaRPr lang="en-US" sz="1600" dirty="0">
-              <a:solidFill>
-                <a:schemeClr val="bg1">
-                  <a:lumMod val="50000"/>
-                </a:schemeClr>
-              </a:solidFill>
-              <a:latin typeface="Calibri" panose="020F0502020204030204" pitchFamily="34" charset="0"/>
-              <a:ea typeface="Calibri" panose="020F0502020204030204" pitchFamily="34" charset="0"/>
-              <a:cs typeface="Times New Roman" panose="02020603050405020304" pitchFamily="18" charset="0"/>
-            </a:endParaRPr>
-          </a:p>
-          <a:p>
-            <a:pPr>
-              <a:lnSpc>
-                <a:spcPct val="107000"/>
-              </a:lnSpc>
-              <a:spcAft>
-                <a:spcPts val="0"/>
-              </a:spcAft>
-              <a:tabLst>
-                <a:tab pos="581660" algn="l"/>
-                <a:tab pos="1163320" algn="l"/>
-                <a:tab pos="1744980" algn="l"/>
-                <a:tab pos="2326640" algn="l"/>
-                <a:tab pos="2908300" algn="l"/>
-                <a:tab pos="3489960" algn="l"/>
-                <a:tab pos="4071620" algn="l"/>
-                <a:tab pos="4653280" algn="l"/>
-                <a:tab pos="5234940" algn="l"/>
-                <a:tab pos="5816600" algn="l"/>
-                <a:tab pos="6398260" algn="l"/>
-                <a:tab pos="6979920" algn="l"/>
-                <a:tab pos="7561580" algn="l"/>
-                <a:tab pos="8143240" algn="l"/>
-                <a:tab pos="8724900" algn="l"/>
-                <a:tab pos="9306560" algn="l"/>
-              </a:tabLst>
-            </a:pPr>
-            <a:r>
-              <a:rPr lang="en-US" sz="1600" dirty="0">
-                <a:solidFill>
-                  <a:schemeClr val="bg1">
-                    <a:lumMod val="50000"/>
-                  </a:schemeClr>
-                </a:solidFill>
-                <a:ea typeface="Times New Roman" panose="02020603050405020304" pitchFamily="18" charset="0"/>
-                <a:cs typeface="Times New Roman" panose="02020603050405020304" pitchFamily="18" charset="0"/>
-              </a:rPr>
-              <a:t>  </a:t>
-            </a:r>
-            <a:r>
-              <a:rPr lang="en-US" sz="1600" dirty="0" err="1">
-                <a:solidFill>
-                  <a:schemeClr val="bg1">
-                    <a:lumMod val="50000"/>
-                  </a:schemeClr>
-                </a:solidFill>
-                <a:ea typeface="Times New Roman" panose="02020603050405020304" pitchFamily="18" charset="0"/>
-                <a:cs typeface="Times New Roman" panose="02020603050405020304" pitchFamily="18" charset="0"/>
-              </a:rPr>
-              <a:t>gameObjects.forEach</a:t>
-            </a:r>
-            <a:r>
-              <a:rPr lang="en-US" sz="1600" dirty="0">
-                <a:solidFill>
-                  <a:schemeClr val="bg1">
-                    <a:lumMod val="50000"/>
-                  </a:schemeClr>
-                </a:solidFill>
-                <a:ea typeface="Times New Roman" panose="02020603050405020304" pitchFamily="18" charset="0"/>
-                <a:cs typeface="Times New Roman" panose="02020603050405020304" pitchFamily="18" charset="0"/>
-              </a:rPr>
-              <a:t>{ </a:t>
-            </a:r>
-            <a:r>
-              <a:rPr lang="en-US" sz="1600" dirty="0" err="1">
-                <a:solidFill>
-                  <a:schemeClr val="bg1">
-                    <a:lumMod val="50000"/>
-                  </a:schemeClr>
-                </a:solidFill>
-                <a:ea typeface="Times New Roman" panose="02020603050405020304" pitchFamily="18" charset="0"/>
-                <a:cs typeface="Times New Roman" panose="02020603050405020304" pitchFamily="18" charset="0"/>
-              </a:rPr>
-              <a:t>it.draw</a:t>
-            </a:r>
-            <a:r>
-              <a:rPr lang="en-US" sz="1600" dirty="0">
-                <a:solidFill>
-                  <a:schemeClr val="bg1">
-                    <a:lumMod val="50000"/>
-                  </a:schemeClr>
-                </a:solidFill>
-                <a:ea typeface="Times New Roman" panose="02020603050405020304" pitchFamily="18" charset="0"/>
-                <a:cs typeface="Times New Roman" panose="02020603050405020304" pitchFamily="18" charset="0"/>
-              </a:rPr>
-              <a:t>() }</a:t>
-            </a:r>
-            <a:endParaRPr lang="en-US" sz="1600" dirty="0">
-              <a:solidFill>
-                <a:schemeClr val="bg1">
-                  <a:lumMod val="50000"/>
-                </a:schemeClr>
-              </a:solidFill>
-              <a:latin typeface="Calibri" panose="020F0502020204030204" pitchFamily="34" charset="0"/>
-              <a:ea typeface="Calibri" panose="020F0502020204030204" pitchFamily="34" charset="0"/>
-              <a:cs typeface="Times New Roman" panose="02020603050405020304" pitchFamily="18" charset="0"/>
-            </a:endParaRPr>
-          </a:p>
-          <a:p>
-            <a:pPr>
-              <a:lnSpc>
-                <a:spcPct val="107000"/>
-              </a:lnSpc>
-              <a:spcAft>
-                <a:spcPts val="0"/>
-              </a:spcAft>
-              <a:tabLst>
-                <a:tab pos="581660" algn="l"/>
-                <a:tab pos="1163320" algn="l"/>
-                <a:tab pos="1744980" algn="l"/>
-                <a:tab pos="2326640" algn="l"/>
-                <a:tab pos="2908300" algn="l"/>
-                <a:tab pos="3489960" algn="l"/>
-                <a:tab pos="4071620" algn="l"/>
-                <a:tab pos="4653280" algn="l"/>
-                <a:tab pos="5234940" algn="l"/>
-                <a:tab pos="5816600" algn="l"/>
-                <a:tab pos="6398260" algn="l"/>
-                <a:tab pos="6979920" algn="l"/>
-                <a:tab pos="7561580" algn="l"/>
-                <a:tab pos="8143240" algn="l"/>
-                <a:tab pos="8724900" algn="l"/>
-                <a:tab pos="9306560" algn="l"/>
-              </a:tabLst>
-            </a:pPr>
-            <a:r>
-              <a:rPr lang="en-US" sz="1600" dirty="0">
-                <a:solidFill>
-                  <a:schemeClr val="bg1">
-                    <a:lumMod val="50000"/>
-                  </a:schemeClr>
-                </a:solidFill>
-                <a:ea typeface="Times New Roman" panose="02020603050405020304" pitchFamily="18" charset="0"/>
-                <a:cs typeface="Times New Roman" panose="02020603050405020304" pitchFamily="18" charset="0"/>
-              </a:rPr>
-              <a:t>}</a:t>
-            </a:r>
-            <a:endParaRPr lang="en-US" sz="1600" dirty="0">
-              <a:solidFill>
-                <a:schemeClr val="bg1">
-                  <a:lumMod val="50000"/>
-                </a:schemeClr>
-              </a:solidFill>
-              <a:latin typeface="Calibri" panose="020F0502020204030204" pitchFamily="34" charset="0"/>
-              <a:ea typeface="Calibri" panose="020F0502020204030204" pitchFamily="34" charset="0"/>
-              <a:cs typeface="Times New Roman" panose="02020603050405020304" pitchFamily="18" charset="0"/>
-            </a:endParaRPr>
           </a:p>
         </p:txBody>
       </p:sp>
@@ -9725,7 +8948,7 @@
         </p:nvSpPr>
         <p:spPr>
           <a:xfrm>
-            <a:off x="5392672" y="4254549"/>
+            <a:off x="5813458" y="4505402"/>
             <a:ext cx="2476498" cy="646331"/>
           </a:xfrm>
           <a:prstGeom prst="rect">
@@ -9804,7 +9027,7 @@
         </p:nvCxnSpPr>
         <p:spPr>
           <a:xfrm flipH="1" flipV="1">
-            <a:off x="3649508" y="2937409"/>
+            <a:off x="4070294" y="3188262"/>
             <a:ext cx="1743164" cy="1640306"/>
           </a:xfrm>
           <a:prstGeom prst="straightConnector1">
@@ -9840,7 +9063,7 @@
         </p:nvSpPr>
         <p:spPr>
           <a:xfrm>
-            <a:off x="6185152" y="1173021"/>
+            <a:off x="6268970" y="1196123"/>
             <a:ext cx="2476498" cy="369332"/>
           </a:xfrm>
           <a:prstGeom prst="rect">
@@ -9892,8 +9115,8 @@
         </p:nvCxnSpPr>
         <p:spPr>
           <a:xfrm flipH="1">
-            <a:off x="4070294" y="1357687"/>
-            <a:ext cx="2114858" cy="1200329"/>
+            <a:off x="5140045" y="1380789"/>
+            <a:ext cx="1128925" cy="1286608"/>
           </a:xfrm>
           <a:prstGeom prst="straightConnector1">
             <a:avLst/>
@@ -9928,7 +9151,7 @@
         </p:nvSpPr>
         <p:spPr>
           <a:xfrm>
-            <a:off x="3448810" y="104430"/>
+            <a:off x="2056980" y="4149104"/>
             <a:ext cx="2984358" cy="1200329"/>
           </a:xfrm>
           <a:prstGeom prst="rect">
@@ -9997,107 +9220,14 @@
           <p:cNvPr id="22" name="Straight Arrow Connector 21"/>
           <p:cNvCxnSpPr>
             <a:cxnSpLocks/>
-          </p:cNvCxnSpPr>
-          <p:nvPr/>
-        </p:nvCxnSpPr>
-        <p:spPr>
-          <a:xfrm flipH="1">
-            <a:off x="1691235" y="675319"/>
-            <a:ext cx="1757575" cy="1541899"/>
-          </a:xfrm>
-          <a:prstGeom prst="straightConnector1">
-            <a:avLst/>
-          </a:prstGeom>
-          <a:ln>
-            <a:solidFill>
-              <a:srgbClr val="FF0000"/>
-            </a:solidFill>
-            <a:tailEnd type="triangle"/>
-          </a:ln>
-        </p:spPr>
-        <p:style>
-          <a:lnRef idx="1">
-            <a:schemeClr val="accent1"/>
-          </a:lnRef>
-          <a:fillRef idx="0">
-            <a:schemeClr val="accent1"/>
-          </a:fillRef>
-          <a:effectRef idx="0">
-            <a:schemeClr val="accent1"/>
-          </a:effectRef>
-          <a:fontRef idx="minor">
-            <a:schemeClr val="tx1"/>
-          </a:fontRef>
-        </p:style>
-      </p:cxnSp>
-      <p:sp>
-        <p:nvSpPr>
-          <p:cNvPr id="13" name="TextBox 12">
-            <a:extLst>
-              <a:ext uri="{FF2B5EF4-FFF2-40B4-BE49-F238E27FC236}">
-                <a16:creationId xmlns:a16="http://schemas.microsoft.com/office/drawing/2014/main" xmlns="" id="{BE527B2B-123C-4E8B-AC8A-EF0509585009}"/>
-              </a:ext>
-            </a:extLst>
-          </p:cNvPr>
-          <p:cNvSpPr txBox="1"/>
-          <p:nvPr/>
-        </p:nvSpPr>
-        <p:spPr>
-          <a:xfrm>
-            <a:off x="2044592" y="4190337"/>
-            <a:ext cx="2476498" cy="369332"/>
-          </a:xfrm>
-          <a:prstGeom prst="rect">
-            <a:avLst/>
-          </a:prstGeom>
-          <a:noFill/>
-        </p:spPr>
-        <p:txBody>
-          <a:bodyPr wrap="square" rtlCol="0">
-            <a:spAutoFit/>
-          </a:bodyPr>
-          <a:lstStyle/>
-          <a:p>
-            <a:r>
-              <a:rPr lang="en-US" dirty="0">
-                <a:solidFill>
-                  <a:srgbClr val="FF0000"/>
-                </a:solidFill>
-                <a:latin typeface="Whipsmart" panose="020B0502030203050204" pitchFamily="34" charset="0"/>
-              </a:rPr>
-              <a:t>Inner class, </a:t>
-            </a:r>
-            <a:r>
-              <a:rPr lang="hu-HU" dirty="0">
-                <a:solidFill>
-                  <a:srgbClr val="FF0000"/>
-                </a:solidFill>
-                <a:latin typeface="Whipsmart" panose="020B0502030203050204" pitchFamily="34" charset="0"/>
-              </a:rPr>
-              <a:t>ezért eléri</a:t>
-            </a:r>
-          </a:p>
-        </p:txBody>
-      </p:sp>
-      <p:cxnSp>
-        <p:nvCxnSpPr>
-          <p:cNvPr id="14" name="Straight Arrow Connector 13">
-            <a:extLst>
-              <a:ext uri="{FF2B5EF4-FFF2-40B4-BE49-F238E27FC236}">
-                <a16:creationId xmlns:a16="http://schemas.microsoft.com/office/drawing/2014/main" xmlns="" id="{A85CB5E7-3585-4B3C-B7C0-89912515F204}"/>
-              </a:ext>
-            </a:extLst>
-          </p:cNvPr>
-          <p:cNvCxnSpPr>
-            <a:cxnSpLocks/>
-            <a:stCxn id="13" idx="1"/>
+            <a:stCxn id="21" idx="1"/>
           </p:cNvCxnSpPr>
           <p:nvPr/>
         </p:nvCxnSpPr>
         <p:spPr>
           <a:xfrm flipH="1" flipV="1">
-            <a:off x="1505119" y="3429000"/>
-            <a:ext cx="539473" cy="946003"/>
+            <a:off x="1631724" y="2524715"/>
+            <a:ext cx="425256" cy="2224554"/>
           </a:xfrm>
           <a:prstGeom prst="straightConnector1">
             <a:avLst/>
@@ -10170,8 +9300,11 @@
           <a:lstStyle/>
           <a:p>
             <a:r>
-              <a:rPr lang="hu-HU" dirty="0"/>
-              <a:t>Feladat</a:t>
+              <a:rPr lang="hu-HU" sz="4000" dirty="0" err="1">
+                <a:latin typeface="Consolas" panose="020B0609020204030204" pitchFamily="49" charset="0"/>
+                <a:cs typeface="Consolas" panose="020B0609020204030204" pitchFamily="49" charset="0"/>
+              </a:rPr>
+              <a:t>Scene</a:t>
             </a:r>
             <a:endParaRPr lang="en-US" dirty="0"/>
           </a:p>
@@ -10189,33 +9322,1330 @@
         </p:nvSpPr>
         <p:spPr/>
         <p:txBody>
-          <a:bodyPr/>
+          <a:bodyPr>
+            <a:noAutofit/>
+          </a:bodyPr>
           <a:lstStyle/>
           <a:p>
-            <a:r>
-              <a:rPr lang="hu-HU" dirty="0"/>
-              <a:t>magától forgó játékobjektum</a:t>
-            </a:r>
-          </a:p>
-          <a:p>
-            <a:r>
-              <a:rPr lang="hu-HU" dirty="0"/>
-              <a:t>különböző sebességekkel, de egyenes vonalban egyenletesen mozgó játékobjektumok</a:t>
-            </a:r>
-          </a:p>
-          <a:p>
-            <a:r>
-              <a:rPr lang="hu-HU" dirty="0"/>
-              <a:t>gombokkal forgatható játékobjektum</a:t>
-            </a:r>
-            <a:endParaRPr lang="en-US" dirty="0"/>
+            <a:pPr>
+              <a:lnSpc>
+                <a:spcPct val="107000"/>
+              </a:lnSpc>
+              <a:spcAft>
+                <a:spcPts val="0"/>
+              </a:spcAft>
+              <a:tabLst>
+                <a:tab pos="581660" algn="l"/>
+                <a:tab pos="1163320" algn="l"/>
+                <a:tab pos="1744980" algn="l"/>
+                <a:tab pos="2326640" algn="l"/>
+                <a:tab pos="2908300" algn="l"/>
+                <a:tab pos="3489960" algn="l"/>
+                <a:tab pos="4071620" algn="l"/>
+                <a:tab pos="4653280" algn="l"/>
+                <a:tab pos="5234940" algn="l"/>
+                <a:tab pos="5816600" algn="l"/>
+                <a:tab pos="6398260" algn="l"/>
+                <a:tab pos="6979920" algn="l"/>
+                <a:tab pos="7561580" algn="l"/>
+                <a:tab pos="8143240" algn="l"/>
+                <a:tab pos="8724900" algn="l"/>
+                <a:tab pos="9306560" algn="l"/>
+              </a:tabLst>
+            </a:pPr>
+            <a:endParaRPr lang="en-US" sz="1800" dirty="0">
+              <a:solidFill>
+                <a:schemeClr val="bg1">
+                  <a:lumMod val="50000"/>
+                </a:schemeClr>
+              </a:solidFill>
+              <a:ea typeface="Times New Roman" panose="02020603050405020304" pitchFamily="18" charset="0"/>
+              <a:cs typeface="Times New Roman" panose="02020603050405020304" pitchFamily="18" charset="0"/>
+            </a:endParaRPr>
+          </a:p>
+          <a:p>
+            <a:pPr>
+              <a:lnSpc>
+                <a:spcPct val="107000"/>
+              </a:lnSpc>
+              <a:spcAft>
+                <a:spcPts val="0"/>
+              </a:spcAft>
+              <a:tabLst>
+                <a:tab pos="581660" algn="l"/>
+                <a:tab pos="1163320" algn="l"/>
+                <a:tab pos="1744980" algn="l"/>
+                <a:tab pos="2326640" algn="l"/>
+                <a:tab pos="2908300" algn="l"/>
+                <a:tab pos="3489960" algn="l"/>
+                <a:tab pos="4071620" algn="l"/>
+                <a:tab pos="4653280" algn="l"/>
+                <a:tab pos="5234940" algn="l"/>
+                <a:tab pos="5816600" algn="l"/>
+                <a:tab pos="6398260" algn="l"/>
+                <a:tab pos="6979920" algn="l"/>
+                <a:tab pos="7561580" algn="l"/>
+                <a:tab pos="8143240" algn="l"/>
+                <a:tab pos="8724900" algn="l"/>
+                <a:tab pos="9306560" algn="l"/>
+              </a:tabLst>
+            </a:pPr>
+            <a:r>
+              <a:rPr lang="en-US" sz="1800" dirty="0">
+                <a:solidFill>
+                  <a:schemeClr val="bg1">
+                    <a:lumMod val="50000"/>
+                  </a:schemeClr>
+                </a:solidFill>
+                <a:ea typeface="Times New Roman" panose="02020603050405020304" pitchFamily="18" charset="0"/>
+                <a:cs typeface="Times New Roman" panose="02020603050405020304" pitchFamily="18" charset="0"/>
+              </a:rPr>
+              <a:t>fun update(</a:t>
+            </a:r>
+            <a:r>
+              <a:rPr lang="en-US" sz="1800" i="1" dirty="0" err="1">
+                <a:solidFill>
+                  <a:schemeClr val="bg1">
+                    <a:lumMod val="50000"/>
+                  </a:schemeClr>
+                </a:solidFill>
+                <a:ea typeface="Times New Roman" panose="02020603050405020304" pitchFamily="18" charset="0"/>
+                <a:cs typeface="Times New Roman" panose="02020603050405020304" pitchFamily="18" charset="0"/>
+              </a:rPr>
+              <a:t>gl</a:t>
+            </a:r>
+            <a:r>
+              <a:rPr lang="en-US" sz="1800" i="1" dirty="0">
+                <a:solidFill>
+                  <a:schemeClr val="bg1">
+                    <a:lumMod val="50000"/>
+                  </a:schemeClr>
+                </a:solidFill>
+                <a:ea typeface="Times New Roman" panose="02020603050405020304" pitchFamily="18" charset="0"/>
+                <a:cs typeface="Times New Roman" panose="02020603050405020304" pitchFamily="18" charset="0"/>
+              </a:rPr>
+              <a:t> </a:t>
+            </a:r>
+            <a:r>
+              <a:rPr lang="en-US" sz="1800" dirty="0">
+                <a:solidFill>
+                  <a:schemeClr val="bg1">
+                    <a:lumMod val="50000"/>
+                  </a:schemeClr>
+                </a:solidFill>
+                <a:ea typeface="Times New Roman" panose="02020603050405020304" pitchFamily="18" charset="0"/>
+                <a:cs typeface="Times New Roman" panose="02020603050405020304" pitchFamily="18" charset="0"/>
+              </a:rPr>
+              <a:t>: WebGL2RenderingContext, </a:t>
+            </a:r>
+            <a:r>
+              <a:rPr lang="en-US" sz="1800" i="1" dirty="0" err="1">
+                <a:solidFill>
+                  <a:schemeClr val="bg1">
+                    <a:lumMod val="50000"/>
+                  </a:schemeClr>
+                </a:solidFill>
+                <a:ea typeface="Times New Roman" panose="02020603050405020304" pitchFamily="18" charset="0"/>
+                <a:cs typeface="Times New Roman" panose="02020603050405020304" pitchFamily="18" charset="0"/>
+              </a:rPr>
+              <a:t>keysPressed</a:t>
+            </a:r>
+            <a:r>
+              <a:rPr lang="en-US" sz="1800" i="1" dirty="0">
+                <a:solidFill>
+                  <a:schemeClr val="bg1">
+                    <a:lumMod val="50000"/>
+                  </a:schemeClr>
+                </a:solidFill>
+                <a:ea typeface="Times New Roman" panose="02020603050405020304" pitchFamily="18" charset="0"/>
+                <a:cs typeface="Times New Roman" panose="02020603050405020304" pitchFamily="18" charset="0"/>
+              </a:rPr>
+              <a:t> </a:t>
+            </a:r>
+            <a:r>
+              <a:rPr lang="en-US" sz="1800" dirty="0">
+                <a:solidFill>
+                  <a:schemeClr val="bg1">
+                    <a:lumMod val="50000"/>
+                  </a:schemeClr>
+                </a:solidFill>
+                <a:ea typeface="Times New Roman" panose="02020603050405020304" pitchFamily="18" charset="0"/>
+                <a:cs typeface="Times New Roman" panose="02020603050405020304" pitchFamily="18" charset="0"/>
+              </a:rPr>
+              <a:t>: </a:t>
+            </a:r>
+            <a:r>
+              <a:rPr lang="en-US" sz="1800" i="1" dirty="0">
+                <a:solidFill>
+                  <a:schemeClr val="bg1">
+                    <a:lumMod val="50000"/>
+                  </a:schemeClr>
+                </a:solidFill>
+                <a:ea typeface="Times New Roman" panose="02020603050405020304" pitchFamily="18" charset="0"/>
+                <a:cs typeface="Times New Roman" panose="02020603050405020304" pitchFamily="18" charset="0"/>
+              </a:rPr>
+              <a:t>Set</a:t>
+            </a:r>
+            <a:r>
+              <a:rPr lang="en-US" sz="1800" dirty="0">
+                <a:solidFill>
+                  <a:schemeClr val="bg1">
+                    <a:lumMod val="50000"/>
+                  </a:schemeClr>
+                </a:solidFill>
+                <a:ea typeface="Times New Roman" panose="02020603050405020304" pitchFamily="18" charset="0"/>
+                <a:cs typeface="Times New Roman" panose="02020603050405020304" pitchFamily="18" charset="0"/>
+              </a:rPr>
+              <a:t>&lt;</a:t>
+            </a:r>
+            <a:r>
+              <a:rPr lang="en-US" sz="1800" i="1" dirty="0">
+                <a:solidFill>
+                  <a:schemeClr val="bg1">
+                    <a:lumMod val="50000"/>
+                  </a:schemeClr>
+                </a:solidFill>
+                <a:ea typeface="Times New Roman" panose="02020603050405020304" pitchFamily="18" charset="0"/>
+                <a:cs typeface="Times New Roman" panose="02020603050405020304" pitchFamily="18" charset="0"/>
+              </a:rPr>
+              <a:t>String</a:t>
+            </a:r>
+            <a:r>
+              <a:rPr lang="en-US" sz="1800" dirty="0">
+                <a:solidFill>
+                  <a:schemeClr val="bg1">
+                    <a:lumMod val="50000"/>
+                  </a:schemeClr>
+                </a:solidFill>
+                <a:ea typeface="Times New Roman" panose="02020603050405020304" pitchFamily="18" charset="0"/>
+                <a:cs typeface="Times New Roman" panose="02020603050405020304" pitchFamily="18" charset="0"/>
+              </a:rPr>
+              <a:t>&gt;) {</a:t>
+            </a:r>
+            <a:endParaRPr lang="en-US" sz="1800" dirty="0">
+              <a:solidFill>
+                <a:schemeClr val="bg1">
+                  <a:lumMod val="50000"/>
+                </a:schemeClr>
+              </a:solidFill>
+              <a:latin typeface="Calibri" panose="020F0502020204030204" pitchFamily="34" charset="0"/>
+              <a:ea typeface="Calibri" panose="020F0502020204030204" pitchFamily="34" charset="0"/>
+              <a:cs typeface="Times New Roman" panose="02020603050405020304" pitchFamily="18" charset="0"/>
+            </a:endParaRPr>
+          </a:p>
+          <a:p>
+            <a:pPr>
+              <a:lnSpc>
+                <a:spcPct val="107000"/>
+              </a:lnSpc>
+              <a:spcAft>
+                <a:spcPts val="0"/>
+              </a:spcAft>
+              <a:tabLst>
+                <a:tab pos="581660" algn="l"/>
+                <a:tab pos="1163320" algn="l"/>
+                <a:tab pos="1744980" algn="l"/>
+                <a:tab pos="2326640" algn="l"/>
+                <a:tab pos="2908300" algn="l"/>
+                <a:tab pos="3489960" algn="l"/>
+                <a:tab pos="4071620" algn="l"/>
+                <a:tab pos="4653280" algn="l"/>
+                <a:tab pos="5234940" algn="l"/>
+                <a:tab pos="5816600" algn="l"/>
+                <a:tab pos="6398260" algn="l"/>
+                <a:tab pos="6979920" algn="l"/>
+                <a:tab pos="7561580" algn="l"/>
+                <a:tab pos="8143240" algn="l"/>
+                <a:tab pos="8724900" algn="l"/>
+                <a:tab pos="9306560" algn="l"/>
+              </a:tabLst>
+            </a:pPr>
+            <a:r>
+              <a:rPr lang="en-US" sz="1800" dirty="0">
+                <a:solidFill>
+                  <a:srgbClr val="000000"/>
+                </a:solidFill>
+                <a:ea typeface="Times New Roman" panose="02020603050405020304" pitchFamily="18" charset="0"/>
+                <a:cs typeface="Times New Roman" panose="02020603050405020304" pitchFamily="18" charset="0"/>
+              </a:rPr>
+              <a:t>  </a:t>
+            </a:r>
+            <a:r>
+              <a:rPr lang="en-US" sz="1800" dirty="0" err="1">
+                <a:solidFill>
+                  <a:srgbClr val="000000"/>
+                </a:solidFill>
+                <a:ea typeface="Times New Roman" panose="02020603050405020304" pitchFamily="18" charset="0"/>
+                <a:cs typeface="Times New Roman" panose="02020603050405020304" pitchFamily="18" charset="0"/>
+              </a:rPr>
+              <a:t>val</a:t>
+            </a:r>
+            <a:r>
+              <a:rPr lang="en-US" sz="1800" dirty="0">
+                <a:solidFill>
+                  <a:srgbClr val="000000"/>
+                </a:solidFill>
+                <a:ea typeface="Times New Roman" panose="02020603050405020304" pitchFamily="18" charset="0"/>
+                <a:cs typeface="Times New Roman" panose="02020603050405020304" pitchFamily="18" charset="0"/>
+              </a:rPr>
+              <a:t> spawn = </a:t>
+            </a:r>
+            <a:r>
+              <a:rPr lang="en-US" sz="1800" dirty="0" err="1">
+                <a:solidFill>
+                  <a:srgbClr val="000000"/>
+                </a:solidFill>
+                <a:ea typeface="Times New Roman" panose="02020603050405020304" pitchFamily="18" charset="0"/>
+                <a:cs typeface="Times New Roman" panose="02020603050405020304" pitchFamily="18" charset="0"/>
+              </a:rPr>
+              <a:t>ArrayList</a:t>
+            </a:r>
+            <a:r>
+              <a:rPr lang="en-US" sz="1800" dirty="0">
+                <a:solidFill>
+                  <a:srgbClr val="000000"/>
+                </a:solidFill>
+                <a:ea typeface="Times New Roman" panose="02020603050405020304" pitchFamily="18" charset="0"/>
+                <a:cs typeface="Times New Roman" panose="02020603050405020304" pitchFamily="18" charset="0"/>
+              </a:rPr>
+              <a:t>&lt;</a:t>
+            </a:r>
+            <a:r>
+              <a:rPr lang="en-US" sz="1800" dirty="0" err="1">
+                <a:solidFill>
+                  <a:srgbClr val="000000"/>
+                </a:solidFill>
+                <a:ea typeface="Times New Roman" panose="02020603050405020304" pitchFamily="18" charset="0"/>
+                <a:cs typeface="Times New Roman" panose="02020603050405020304" pitchFamily="18" charset="0"/>
+              </a:rPr>
+              <a:t>GameObject</a:t>
+            </a:r>
+            <a:r>
+              <a:rPr lang="en-US" sz="1800" dirty="0">
+                <a:solidFill>
+                  <a:srgbClr val="000000"/>
+                </a:solidFill>
+                <a:ea typeface="Times New Roman" panose="02020603050405020304" pitchFamily="18" charset="0"/>
+                <a:cs typeface="Times New Roman" panose="02020603050405020304" pitchFamily="18" charset="0"/>
+              </a:rPr>
+              <a:t>&gt;()</a:t>
+            </a:r>
+          </a:p>
+          <a:p>
+            <a:pPr>
+              <a:lnSpc>
+                <a:spcPct val="107000"/>
+              </a:lnSpc>
+              <a:spcAft>
+                <a:spcPts val="0"/>
+              </a:spcAft>
+              <a:tabLst>
+                <a:tab pos="581660" algn="l"/>
+                <a:tab pos="1163320" algn="l"/>
+                <a:tab pos="1744980" algn="l"/>
+                <a:tab pos="2326640" algn="l"/>
+                <a:tab pos="2908300" algn="l"/>
+                <a:tab pos="3489960" algn="l"/>
+                <a:tab pos="4071620" algn="l"/>
+                <a:tab pos="4653280" algn="l"/>
+                <a:tab pos="5234940" algn="l"/>
+                <a:tab pos="5816600" algn="l"/>
+                <a:tab pos="6398260" algn="l"/>
+                <a:tab pos="6979920" algn="l"/>
+                <a:tab pos="7561580" algn="l"/>
+                <a:tab pos="8143240" algn="l"/>
+                <a:tab pos="8724900" algn="l"/>
+                <a:tab pos="9306560" algn="l"/>
+              </a:tabLst>
+            </a:pPr>
+            <a:r>
+              <a:rPr lang="en-US" sz="1800" dirty="0">
+                <a:solidFill>
+                  <a:srgbClr val="000000"/>
+                </a:solidFill>
+                <a:ea typeface="Times New Roman" panose="02020603050405020304" pitchFamily="18" charset="0"/>
+                <a:cs typeface="Times New Roman" panose="02020603050405020304" pitchFamily="18" charset="0"/>
+              </a:rPr>
+              <a:t>  </a:t>
+            </a:r>
+            <a:r>
+              <a:rPr lang="en-US" sz="1800" dirty="0" err="1">
+                <a:solidFill>
+                  <a:srgbClr val="000000"/>
+                </a:solidFill>
+                <a:ea typeface="Times New Roman" panose="02020603050405020304" pitchFamily="18" charset="0"/>
+                <a:cs typeface="Times New Roman" panose="02020603050405020304" pitchFamily="18" charset="0"/>
+              </a:rPr>
+              <a:t>val</a:t>
+            </a:r>
+            <a:r>
+              <a:rPr lang="en-US" sz="1800" dirty="0">
+                <a:solidFill>
+                  <a:srgbClr val="000000"/>
+                </a:solidFill>
+                <a:ea typeface="Times New Roman" panose="02020603050405020304" pitchFamily="18" charset="0"/>
+                <a:cs typeface="Times New Roman" panose="02020603050405020304" pitchFamily="18" charset="0"/>
+              </a:rPr>
+              <a:t> </a:t>
+            </a:r>
+            <a:r>
+              <a:rPr lang="en-US" sz="1800" dirty="0" err="1">
+                <a:solidFill>
+                  <a:srgbClr val="000000"/>
+                </a:solidFill>
+                <a:ea typeface="Times New Roman" panose="02020603050405020304" pitchFamily="18" charset="0"/>
+                <a:cs typeface="Times New Roman" panose="02020603050405020304" pitchFamily="18" charset="0"/>
+              </a:rPr>
+              <a:t>killList</a:t>
+            </a:r>
+            <a:r>
+              <a:rPr lang="en-US" sz="1800" dirty="0">
+                <a:solidFill>
+                  <a:srgbClr val="000000"/>
+                </a:solidFill>
+                <a:ea typeface="Times New Roman" panose="02020603050405020304" pitchFamily="18" charset="0"/>
+                <a:cs typeface="Times New Roman" panose="02020603050405020304" pitchFamily="18" charset="0"/>
+              </a:rPr>
+              <a:t> = </a:t>
+            </a:r>
+            <a:r>
+              <a:rPr lang="en-US" sz="1800" dirty="0" err="1">
+                <a:solidFill>
+                  <a:srgbClr val="000000"/>
+                </a:solidFill>
+                <a:ea typeface="Times New Roman" panose="02020603050405020304" pitchFamily="18" charset="0"/>
+                <a:cs typeface="Times New Roman" panose="02020603050405020304" pitchFamily="18" charset="0"/>
+              </a:rPr>
+              <a:t>ArrayList</a:t>
+            </a:r>
+            <a:r>
+              <a:rPr lang="en-US" sz="1800" dirty="0">
+                <a:solidFill>
+                  <a:srgbClr val="000000"/>
+                </a:solidFill>
+                <a:ea typeface="Times New Roman" panose="02020603050405020304" pitchFamily="18" charset="0"/>
+                <a:cs typeface="Times New Roman" panose="02020603050405020304" pitchFamily="18" charset="0"/>
+              </a:rPr>
+              <a:t>&lt;</a:t>
+            </a:r>
+            <a:r>
+              <a:rPr lang="en-US" sz="1800" dirty="0" err="1">
+                <a:solidFill>
+                  <a:srgbClr val="000000"/>
+                </a:solidFill>
+                <a:ea typeface="Times New Roman" panose="02020603050405020304" pitchFamily="18" charset="0"/>
+                <a:cs typeface="Times New Roman" panose="02020603050405020304" pitchFamily="18" charset="0"/>
+              </a:rPr>
+              <a:t>GameObject</a:t>
+            </a:r>
+            <a:r>
+              <a:rPr lang="en-US" sz="1800" dirty="0">
+                <a:solidFill>
+                  <a:srgbClr val="000000"/>
+                </a:solidFill>
+                <a:ea typeface="Times New Roman" panose="02020603050405020304" pitchFamily="18" charset="0"/>
+                <a:cs typeface="Times New Roman" panose="02020603050405020304" pitchFamily="18" charset="0"/>
+              </a:rPr>
+              <a:t>&gt;()    </a:t>
+            </a:r>
+          </a:p>
+          <a:p>
+            <a:pPr>
+              <a:lnSpc>
+                <a:spcPct val="107000"/>
+              </a:lnSpc>
+              <a:spcAft>
+                <a:spcPts val="0"/>
+              </a:spcAft>
+              <a:tabLst>
+                <a:tab pos="581660" algn="l"/>
+                <a:tab pos="1163320" algn="l"/>
+                <a:tab pos="1744980" algn="l"/>
+                <a:tab pos="2326640" algn="l"/>
+                <a:tab pos="2908300" algn="l"/>
+                <a:tab pos="3489960" algn="l"/>
+                <a:tab pos="4071620" algn="l"/>
+                <a:tab pos="4653280" algn="l"/>
+                <a:tab pos="5234940" algn="l"/>
+                <a:tab pos="5816600" algn="l"/>
+                <a:tab pos="6398260" algn="l"/>
+                <a:tab pos="6979920" algn="l"/>
+                <a:tab pos="7561580" algn="l"/>
+                <a:tab pos="8143240" algn="l"/>
+                <a:tab pos="8724900" algn="l"/>
+                <a:tab pos="9306560" algn="l"/>
+              </a:tabLst>
+            </a:pPr>
+            <a:r>
+              <a:rPr lang="en-US" sz="1800" dirty="0">
+                <a:solidFill>
+                  <a:srgbClr val="000000"/>
+                </a:solidFill>
+                <a:ea typeface="Times New Roman" panose="02020603050405020304" pitchFamily="18" charset="0"/>
+                <a:cs typeface="Times New Roman" panose="02020603050405020304" pitchFamily="18" charset="0"/>
+              </a:rPr>
+              <a:t>  </a:t>
+            </a:r>
+            <a:r>
+              <a:rPr lang="en-US" sz="1800" b="1" dirty="0" err="1">
+                <a:solidFill>
+                  <a:srgbClr val="000000"/>
+                </a:solidFill>
+                <a:ea typeface="Times New Roman" panose="02020603050405020304" pitchFamily="18" charset="0"/>
+                <a:cs typeface="Times New Roman" panose="02020603050405020304" pitchFamily="18" charset="0"/>
+              </a:rPr>
+              <a:t>gameObjects.forEach</a:t>
+            </a:r>
+            <a:r>
+              <a:rPr lang="en-US" sz="1800" b="1" dirty="0">
+                <a:solidFill>
+                  <a:srgbClr val="000000"/>
+                </a:solidFill>
+                <a:ea typeface="Times New Roman" panose="02020603050405020304" pitchFamily="18" charset="0"/>
+                <a:cs typeface="Times New Roman" panose="02020603050405020304" pitchFamily="18" charset="0"/>
+              </a:rPr>
+              <a:t> {</a:t>
+            </a:r>
+            <a:r>
+              <a:rPr lang="en-US" sz="1800" dirty="0">
+                <a:solidFill>
+                  <a:srgbClr val="000000"/>
+                </a:solidFill>
+                <a:ea typeface="Times New Roman" panose="02020603050405020304" pitchFamily="18" charset="0"/>
+                <a:cs typeface="Times New Roman" panose="02020603050405020304" pitchFamily="18" charset="0"/>
+              </a:rPr>
+              <a:t> </a:t>
+            </a:r>
+          </a:p>
+          <a:p>
+            <a:pPr>
+              <a:lnSpc>
+                <a:spcPct val="107000"/>
+              </a:lnSpc>
+              <a:spcAft>
+                <a:spcPts val="0"/>
+              </a:spcAft>
+              <a:tabLst>
+                <a:tab pos="581660" algn="l"/>
+                <a:tab pos="1163320" algn="l"/>
+                <a:tab pos="1744980" algn="l"/>
+                <a:tab pos="2326640" algn="l"/>
+                <a:tab pos="2908300" algn="l"/>
+                <a:tab pos="3489960" algn="l"/>
+                <a:tab pos="4071620" algn="l"/>
+                <a:tab pos="4653280" algn="l"/>
+                <a:tab pos="5234940" algn="l"/>
+                <a:tab pos="5816600" algn="l"/>
+                <a:tab pos="6398260" algn="l"/>
+                <a:tab pos="6979920" algn="l"/>
+                <a:tab pos="7561580" algn="l"/>
+                <a:tab pos="8143240" algn="l"/>
+                <a:tab pos="8724900" algn="l"/>
+                <a:tab pos="9306560" algn="l"/>
+              </a:tabLst>
+            </a:pPr>
+            <a:r>
+              <a:rPr lang="en-US" sz="1800" dirty="0">
+                <a:solidFill>
+                  <a:srgbClr val="000000"/>
+                </a:solidFill>
+                <a:ea typeface="Times New Roman" panose="02020603050405020304" pitchFamily="18" charset="0"/>
+                <a:cs typeface="Times New Roman" panose="02020603050405020304" pitchFamily="18" charset="0"/>
+              </a:rPr>
+              <a:t>    if(!</a:t>
+            </a:r>
+            <a:r>
+              <a:rPr lang="en-US" sz="1800" b="1" dirty="0" err="1">
+                <a:solidFill>
+                  <a:srgbClr val="000000"/>
+                </a:solidFill>
+                <a:ea typeface="Times New Roman" panose="02020603050405020304" pitchFamily="18" charset="0"/>
+                <a:cs typeface="Times New Roman" panose="02020603050405020304" pitchFamily="18" charset="0"/>
+              </a:rPr>
+              <a:t>it.move</a:t>
+            </a:r>
+            <a:r>
+              <a:rPr lang="en-US" sz="1800" dirty="0">
+                <a:solidFill>
+                  <a:srgbClr val="000000"/>
+                </a:solidFill>
+                <a:ea typeface="Times New Roman" panose="02020603050405020304" pitchFamily="18" charset="0"/>
+                <a:cs typeface="Times New Roman" panose="02020603050405020304" pitchFamily="18" charset="0"/>
+              </a:rPr>
+              <a:t>( … )){</a:t>
+            </a:r>
+          </a:p>
+          <a:p>
+            <a:pPr>
+              <a:lnSpc>
+                <a:spcPct val="107000"/>
+              </a:lnSpc>
+              <a:spcAft>
+                <a:spcPts val="0"/>
+              </a:spcAft>
+              <a:tabLst>
+                <a:tab pos="581660" algn="l"/>
+                <a:tab pos="1163320" algn="l"/>
+                <a:tab pos="1744980" algn="l"/>
+                <a:tab pos="2326640" algn="l"/>
+                <a:tab pos="2908300" algn="l"/>
+                <a:tab pos="3489960" algn="l"/>
+                <a:tab pos="4071620" algn="l"/>
+                <a:tab pos="4653280" algn="l"/>
+                <a:tab pos="5234940" algn="l"/>
+                <a:tab pos="5816600" algn="l"/>
+                <a:tab pos="6398260" algn="l"/>
+                <a:tab pos="6979920" algn="l"/>
+                <a:tab pos="7561580" algn="l"/>
+                <a:tab pos="8143240" algn="l"/>
+                <a:tab pos="8724900" algn="l"/>
+                <a:tab pos="9306560" algn="l"/>
+              </a:tabLst>
+            </a:pPr>
+            <a:r>
+              <a:rPr lang="en-US" sz="1800" dirty="0">
+                <a:solidFill>
+                  <a:srgbClr val="000000"/>
+                </a:solidFill>
+                <a:ea typeface="Times New Roman" panose="02020603050405020304" pitchFamily="18" charset="0"/>
+                <a:cs typeface="Times New Roman" panose="02020603050405020304" pitchFamily="18" charset="0"/>
+              </a:rPr>
+              <a:t>      </a:t>
+            </a:r>
+            <a:r>
+              <a:rPr lang="en-US" sz="1800" dirty="0" err="1">
+                <a:solidFill>
+                  <a:srgbClr val="000000"/>
+                </a:solidFill>
+                <a:ea typeface="Times New Roman" panose="02020603050405020304" pitchFamily="18" charset="0"/>
+                <a:cs typeface="Times New Roman" panose="02020603050405020304" pitchFamily="18" charset="0"/>
+              </a:rPr>
+              <a:t>killList.add</a:t>
+            </a:r>
+            <a:r>
+              <a:rPr lang="en-US" sz="1800" dirty="0">
+                <a:solidFill>
+                  <a:srgbClr val="000000"/>
+                </a:solidFill>
+                <a:ea typeface="Times New Roman" panose="02020603050405020304" pitchFamily="18" charset="0"/>
+                <a:cs typeface="Times New Roman" panose="02020603050405020304" pitchFamily="18" charset="0"/>
+              </a:rPr>
+              <a:t>(it)</a:t>
+            </a:r>
+          </a:p>
+          <a:p>
+            <a:pPr>
+              <a:lnSpc>
+                <a:spcPct val="107000"/>
+              </a:lnSpc>
+              <a:spcAft>
+                <a:spcPts val="0"/>
+              </a:spcAft>
+              <a:tabLst>
+                <a:tab pos="581660" algn="l"/>
+                <a:tab pos="1163320" algn="l"/>
+                <a:tab pos="1744980" algn="l"/>
+                <a:tab pos="2326640" algn="l"/>
+                <a:tab pos="2908300" algn="l"/>
+                <a:tab pos="3489960" algn="l"/>
+                <a:tab pos="4071620" algn="l"/>
+                <a:tab pos="4653280" algn="l"/>
+                <a:tab pos="5234940" algn="l"/>
+                <a:tab pos="5816600" algn="l"/>
+                <a:tab pos="6398260" algn="l"/>
+                <a:tab pos="6979920" algn="l"/>
+                <a:tab pos="7561580" algn="l"/>
+                <a:tab pos="8143240" algn="l"/>
+                <a:tab pos="8724900" algn="l"/>
+                <a:tab pos="9306560" algn="l"/>
+              </a:tabLst>
+            </a:pPr>
+            <a:r>
+              <a:rPr lang="en-US" sz="1800" dirty="0">
+                <a:solidFill>
+                  <a:srgbClr val="000000"/>
+                </a:solidFill>
+                <a:ea typeface="Times New Roman" panose="02020603050405020304" pitchFamily="18" charset="0"/>
+                <a:cs typeface="Times New Roman" panose="02020603050405020304" pitchFamily="18" charset="0"/>
+              </a:rPr>
+              <a:t>    }</a:t>
+            </a:r>
+          </a:p>
+          <a:p>
+            <a:pPr>
+              <a:lnSpc>
+                <a:spcPct val="107000"/>
+              </a:lnSpc>
+              <a:spcAft>
+                <a:spcPts val="0"/>
+              </a:spcAft>
+              <a:tabLst>
+                <a:tab pos="581660" algn="l"/>
+                <a:tab pos="1163320" algn="l"/>
+                <a:tab pos="1744980" algn="l"/>
+                <a:tab pos="2326640" algn="l"/>
+                <a:tab pos="2908300" algn="l"/>
+                <a:tab pos="3489960" algn="l"/>
+                <a:tab pos="4071620" algn="l"/>
+                <a:tab pos="4653280" algn="l"/>
+                <a:tab pos="5234940" algn="l"/>
+                <a:tab pos="5816600" algn="l"/>
+                <a:tab pos="6398260" algn="l"/>
+                <a:tab pos="6979920" algn="l"/>
+                <a:tab pos="7561580" algn="l"/>
+                <a:tab pos="8143240" algn="l"/>
+                <a:tab pos="8724900" algn="l"/>
+                <a:tab pos="9306560" algn="l"/>
+              </a:tabLst>
+            </a:pPr>
+            <a:r>
+              <a:rPr lang="en-US" sz="1800" b="1" dirty="0">
+                <a:solidFill>
+                  <a:srgbClr val="000000"/>
+                </a:solidFill>
+                <a:ea typeface="Times New Roman" panose="02020603050405020304" pitchFamily="18" charset="0"/>
+                <a:cs typeface="Times New Roman" panose="02020603050405020304" pitchFamily="18" charset="0"/>
+              </a:rPr>
+              <a:t>  }</a:t>
+            </a:r>
+          </a:p>
+          <a:p>
+            <a:pPr>
+              <a:lnSpc>
+                <a:spcPct val="107000"/>
+              </a:lnSpc>
+              <a:spcAft>
+                <a:spcPts val="0"/>
+              </a:spcAft>
+              <a:tabLst>
+                <a:tab pos="581660" algn="l"/>
+                <a:tab pos="1163320" algn="l"/>
+                <a:tab pos="1744980" algn="l"/>
+                <a:tab pos="2326640" algn="l"/>
+                <a:tab pos="2908300" algn="l"/>
+                <a:tab pos="3489960" algn="l"/>
+                <a:tab pos="4071620" algn="l"/>
+                <a:tab pos="4653280" algn="l"/>
+                <a:tab pos="5234940" algn="l"/>
+                <a:tab pos="5816600" algn="l"/>
+                <a:tab pos="6398260" algn="l"/>
+                <a:tab pos="6979920" algn="l"/>
+                <a:tab pos="7561580" algn="l"/>
+                <a:tab pos="8143240" algn="l"/>
+                <a:tab pos="8724900" algn="l"/>
+                <a:tab pos="9306560" algn="l"/>
+              </a:tabLst>
+            </a:pPr>
+            <a:r>
+              <a:rPr lang="en-US" sz="1800" dirty="0">
+                <a:solidFill>
+                  <a:srgbClr val="000000"/>
+                </a:solidFill>
+                <a:ea typeface="Times New Roman" panose="02020603050405020304" pitchFamily="18" charset="0"/>
+                <a:cs typeface="Times New Roman" panose="02020603050405020304" pitchFamily="18" charset="0"/>
+              </a:rPr>
+              <a:t>  </a:t>
+            </a:r>
+            <a:r>
+              <a:rPr lang="en-US" sz="1800" dirty="0" err="1">
+                <a:solidFill>
+                  <a:srgbClr val="000000"/>
+                </a:solidFill>
+                <a:ea typeface="Times New Roman" panose="02020603050405020304" pitchFamily="18" charset="0"/>
+                <a:cs typeface="Times New Roman" panose="02020603050405020304" pitchFamily="18" charset="0"/>
+              </a:rPr>
+              <a:t>killList.forEach</a:t>
+            </a:r>
+            <a:r>
+              <a:rPr lang="en-US" sz="1800" dirty="0">
+                <a:solidFill>
+                  <a:srgbClr val="000000"/>
+                </a:solidFill>
+                <a:ea typeface="Times New Roman" panose="02020603050405020304" pitchFamily="18" charset="0"/>
+                <a:cs typeface="Times New Roman" panose="02020603050405020304" pitchFamily="18" charset="0"/>
+              </a:rPr>
+              <a:t>{ </a:t>
+            </a:r>
+            <a:r>
+              <a:rPr lang="en-US" sz="1800" dirty="0" err="1">
+                <a:solidFill>
+                  <a:srgbClr val="000000"/>
+                </a:solidFill>
+                <a:ea typeface="Times New Roman" panose="02020603050405020304" pitchFamily="18" charset="0"/>
+                <a:cs typeface="Times New Roman" panose="02020603050405020304" pitchFamily="18" charset="0"/>
+              </a:rPr>
+              <a:t>gameObjects.remove</a:t>
+            </a:r>
+            <a:r>
+              <a:rPr lang="en-US" sz="1800" dirty="0">
+                <a:solidFill>
+                  <a:srgbClr val="000000"/>
+                </a:solidFill>
+                <a:ea typeface="Times New Roman" panose="02020603050405020304" pitchFamily="18" charset="0"/>
+                <a:cs typeface="Times New Roman" panose="02020603050405020304" pitchFamily="18" charset="0"/>
+              </a:rPr>
+              <a:t>(it) }</a:t>
+            </a:r>
+          </a:p>
+          <a:p>
+            <a:pPr>
+              <a:lnSpc>
+                <a:spcPct val="107000"/>
+              </a:lnSpc>
+              <a:spcAft>
+                <a:spcPts val="0"/>
+              </a:spcAft>
+              <a:tabLst>
+                <a:tab pos="581660" algn="l"/>
+                <a:tab pos="1163320" algn="l"/>
+                <a:tab pos="1744980" algn="l"/>
+                <a:tab pos="2326640" algn="l"/>
+                <a:tab pos="2908300" algn="l"/>
+                <a:tab pos="3489960" algn="l"/>
+                <a:tab pos="4071620" algn="l"/>
+                <a:tab pos="4653280" algn="l"/>
+                <a:tab pos="5234940" algn="l"/>
+                <a:tab pos="5816600" algn="l"/>
+                <a:tab pos="6398260" algn="l"/>
+                <a:tab pos="6979920" algn="l"/>
+                <a:tab pos="7561580" algn="l"/>
+                <a:tab pos="8143240" algn="l"/>
+                <a:tab pos="8724900" algn="l"/>
+                <a:tab pos="9306560" algn="l"/>
+              </a:tabLst>
+            </a:pPr>
+            <a:r>
+              <a:rPr lang="en-US" sz="1800" dirty="0">
+                <a:solidFill>
+                  <a:srgbClr val="000000"/>
+                </a:solidFill>
+                <a:ea typeface="Times New Roman" panose="02020603050405020304" pitchFamily="18" charset="0"/>
+                <a:cs typeface="Times New Roman" panose="02020603050405020304" pitchFamily="18" charset="0"/>
+              </a:rPr>
+              <a:t>  </a:t>
+            </a:r>
+            <a:r>
+              <a:rPr lang="en-US" sz="1800" dirty="0" err="1">
+                <a:solidFill>
+                  <a:srgbClr val="000000"/>
+                </a:solidFill>
+                <a:ea typeface="Times New Roman" panose="02020603050405020304" pitchFamily="18" charset="0"/>
+                <a:cs typeface="Times New Roman" panose="02020603050405020304" pitchFamily="18" charset="0"/>
+              </a:rPr>
+              <a:t>spawn.forEach</a:t>
+            </a:r>
+            <a:r>
+              <a:rPr lang="en-US" sz="1800" dirty="0">
+                <a:solidFill>
+                  <a:srgbClr val="000000"/>
+                </a:solidFill>
+                <a:ea typeface="Times New Roman" panose="02020603050405020304" pitchFamily="18" charset="0"/>
+                <a:cs typeface="Times New Roman" panose="02020603050405020304" pitchFamily="18" charset="0"/>
+              </a:rPr>
+              <a:t>{ </a:t>
+            </a:r>
+            <a:r>
+              <a:rPr lang="en-US" sz="1800" dirty="0" err="1">
+                <a:solidFill>
+                  <a:srgbClr val="000000"/>
+                </a:solidFill>
+                <a:ea typeface="Times New Roman" panose="02020603050405020304" pitchFamily="18" charset="0"/>
+                <a:cs typeface="Times New Roman" panose="02020603050405020304" pitchFamily="18" charset="0"/>
+              </a:rPr>
+              <a:t>gameObjects.add</a:t>
+            </a:r>
+            <a:r>
+              <a:rPr lang="en-US" sz="1800" dirty="0">
+                <a:solidFill>
+                  <a:srgbClr val="000000"/>
+                </a:solidFill>
+                <a:ea typeface="Times New Roman" panose="02020603050405020304" pitchFamily="18" charset="0"/>
+                <a:cs typeface="Times New Roman" panose="02020603050405020304" pitchFamily="18" charset="0"/>
+              </a:rPr>
+              <a:t>(it) }</a:t>
+            </a:r>
+            <a:endParaRPr lang="en-US" sz="1800" dirty="0">
+              <a:latin typeface="Calibri" panose="020F0502020204030204" pitchFamily="34" charset="0"/>
+              <a:ea typeface="Calibri" panose="020F0502020204030204" pitchFamily="34" charset="0"/>
+              <a:cs typeface="Times New Roman" panose="02020603050405020304" pitchFamily="18" charset="0"/>
+            </a:endParaRPr>
+          </a:p>
+          <a:p>
+            <a:pPr>
+              <a:lnSpc>
+                <a:spcPct val="107000"/>
+              </a:lnSpc>
+              <a:spcAft>
+                <a:spcPts val="0"/>
+              </a:spcAft>
+              <a:tabLst>
+                <a:tab pos="581660" algn="l"/>
+                <a:tab pos="1163320" algn="l"/>
+                <a:tab pos="1744980" algn="l"/>
+                <a:tab pos="2326640" algn="l"/>
+                <a:tab pos="2908300" algn="l"/>
+                <a:tab pos="3489960" algn="l"/>
+                <a:tab pos="4071620" algn="l"/>
+                <a:tab pos="4653280" algn="l"/>
+                <a:tab pos="5234940" algn="l"/>
+                <a:tab pos="5816600" algn="l"/>
+                <a:tab pos="6398260" algn="l"/>
+                <a:tab pos="6979920" algn="l"/>
+                <a:tab pos="7561580" algn="l"/>
+                <a:tab pos="8143240" algn="l"/>
+                <a:tab pos="8724900" algn="l"/>
+                <a:tab pos="9306560" algn="l"/>
+              </a:tabLst>
+            </a:pPr>
+            <a:r>
+              <a:rPr lang="en-US" sz="1800" dirty="0">
+                <a:solidFill>
+                  <a:schemeClr val="bg1">
+                    <a:lumMod val="50000"/>
+                  </a:schemeClr>
+                </a:solidFill>
+                <a:ea typeface="Times New Roman" panose="02020603050405020304" pitchFamily="18" charset="0"/>
+                <a:cs typeface="Times New Roman" panose="02020603050405020304" pitchFamily="18" charset="0"/>
+              </a:rPr>
+              <a:t>  </a:t>
+            </a:r>
+            <a:r>
+              <a:rPr lang="en-US" sz="1800" dirty="0" err="1">
+                <a:solidFill>
+                  <a:schemeClr val="bg1">
+                    <a:lumMod val="50000"/>
+                  </a:schemeClr>
+                </a:solidFill>
+                <a:ea typeface="Times New Roman" panose="02020603050405020304" pitchFamily="18" charset="0"/>
+                <a:cs typeface="Times New Roman" panose="02020603050405020304" pitchFamily="18" charset="0"/>
+              </a:rPr>
+              <a:t>gameObjects.forEach</a:t>
+            </a:r>
+            <a:r>
+              <a:rPr lang="en-US" sz="1800" dirty="0">
+                <a:solidFill>
+                  <a:schemeClr val="bg1">
+                    <a:lumMod val="50000"/>
+                  </a:schemeClr>
+                </a:solidFill>
+                <a:ea typeface="Times New Roman" panose="02020603050405020304" pitchFamily="18" charset="0"/>
+                <a:cs typeface="Times New Roman" panose="02020603050405020304" pitchFamily="18" charset="0"/>
+              </a:rPr>
+              <a:t>{ </a:t>
+            </a:r>
+            <a:r>
+              <a:rPr lang="en-US" sz="1800" dirty="0" err="1">
+                <a:solidFill>
+                  <a:schemeClr val="bg1">
+                    <a:lumMod val="50000"/>
+                  </a:schemeClr>
+                </a:solidFill>
+                <a:ea typeface="Times New Roman" panose="02020603050405020304" pitchFamily="18" charset="0"/>
+                <a:cs typeface="Times New Roman" panose="02020603050405020304" pitchFamily="18" charset="0"/>
+              </a:rPr>
+              <a:t>it.update</a:t>
+            </a:r>
+            <a:r>
+              <a:rPr lang="en-US" sz="1800" dirty="0">
+                <a:solidFill>
+                  <a:schemeClr val="bg1">
+                    <a:lumMod val="50000"/>
+                  </a:schemeClr>
+                </a:solidFill>
+                <a:ea typeface="Times New Roman" panose="02020603050405020304" pitchFamily="18" charset="0"/>
+                <a:cs typeface="Times New Roman" panose="02020603050405020304" pitchFamily="18" charset="0"/>
+              </a:rPr>
+              <a:t>() }</a:t>
+            </a:r>
+            <a:endParaRPr lang="en-US" sz="1800" dirty="0">
+              <a:solidFill>
+                <a:schemeClr val="bg1">
+                  <a:lumMod val="50000"/>
+                </a:schemeClr>
+              </a:solidFill>
+              <a:latin typeface="Calibri" panose="020F0502020204030204" pitchFamily="34" charset="0"/>
+              <a:ea typeface="Calibri" panose="020F0502020204030204" pitchFamily="34" charset="0"/>
+              <a:cs typeface="Times New Roman" panose="02020603050405020304" pitchFamily="18" charset="0"/>
+            </a:endParaRPr>
+          </a:p>
+          <a:p>
+            <a:pPr>
+              <a:lnSpc>
+                <a:spcPct val="107000"/>
+              </a:lnSpc>
+              <a:spcAft>
+                <a:spcPts val="0"/>
+              </a:spcAft>
+              <a:tabLst>
+                <a:tab pos="581660" algn="l"/>
+                <a:tab pos="1163320" algn="l"/>
+                <a:tab pos="1744980" algn="l"/>
+                <a:tab pos="2326640" algn="l"/>
+                <a:tab pos="2908300" algn="l"/>
+                <a:tab pos="3489960" algn="l"/>
+                <a:tab pos="4071620" algn="l"/>
+                <a:tab pos="4653280" algn="l"/>
+                <a:tab pos="5234940" algn="l"/>
+                <a:tab pos="5816600" algn="l"/>
+                <a:tab pos="6398260" algn="l"/>
+                <a:tab pos="6979920" algn="l"/>
+                <a:tab pos="7561580" algn="l"/>
+                <a:tab pos="8143240" algn="l"/>
+                <a:tab pos="8724900" algn="l"/>
+                <a:tab pos="9306560" algn="l"/>
+              </a:tabLst>
+            </a:pPr>
+            <a:r>
+              <a:rPr lang="en-US" sz="1800" dirty="0">
+                <a:solidFill>
+                  <a:schemeClr val="bg1">
+                    <a:lumMod val="50000"/>
+                  </a:schemeClr>
+                </a:solidFill>
+                <a:ea typeface="Times New Roman" panose="02020603050405020304" pitchFamily="18" charset="0"/>
+                <a:cs typeface="Times New Roman" panose="02020603050405020304" pitchFamily="18" charset="0"/>
+              </a:rPr>
+              <a:t>  </a:t>
+            </a:r>
+            <a:r>
+              <a:rPr lang="en-US" sz="1800" dirty="0" err="1">
+                <a:solidFill>
+                  <a:schemeClr val="bg1">
+                    <a:lumMod val="50000"/>
+                  </a:schemeClr>
+                </a:solidFill>
+                <a:ea typeface="Times New Roman" panose="02020603050405020304" pitchFamily="18" charset="0"/>
+                <a:cs typeface="Times New Roman" panose="02020603050405020304" pitchFamily="18" charset="0"/>
+              </a:rPr>
+              <a:t>gameObjects.forEach</a:t>
+            </a:r>
+            <a:r>
+              <a:rPr lang="en-US" sz="1800" dirty="0">
+                <a:solidFill>
+                  <a:schemeClr val="bg1">
+                    <a:lumMod val="50000"/>
+                  </a:schemeClr>
+                </a:solidFill>
+                <a:ea typeface="Times New Roman" panose="02020603050405020304" pitchFamily="18" charset="0"/>
+                <a:cs typeface="Times New Roman" panose="02020603050405020304" pitchFamily="18" charset="0"/>
+              </a:rPr>
+              <a:t>{ </a:t>
+            </a:r>
+            <a:r>
+              <a:rPr lang="en-US" sz="1800" dirty="0" err="1">
+                <a:solidFill>
+                  <a:schemeClr val="bg1">
+                    <a:lumMod val="50000"/>
+                  </a:schemeClr>
+                </a:solidFill>
+                <a:ea typeface="Times New Roman" panose="02020603050405020304" pitchFamily="18" charset="0"/>
+                <a:cs typeface="Times New Roman" panose="02020603050405020304" pitchFamily="18" charset="0"/>
+              </a:rPr>
+              <a:t>it.draw</a:t>
+            </a:r>
+            <a:r>
+              <a:rPr lang="en-US" sz="1800" dirty="0">
+                <a:solidFill>
+                  <a:schemeClr val="bg1">
+                    <a:lumMod val="50000"/>
+                  </a:schemeClr>
+                </a:solidFill>
+                <a:ea typeface="Times New Roman" panose="02020603050405020304" pitchFamily="18" charset="0"/>
+                <a:cs typeface="Times New Roman" panose="02020603050405020304" pitchFamily="18" charset="0"/>
+              </a:rPr>
+              <a:t>() }</a:t>
+            </a:r>
+            <a:endParaRPr lang="en-US" sz="1800" dirty="0">
+              <a:solidFill>
+                <a:schemeClr val="bg1">
+                  <a:lumMod val="50000"/>
+                </a:schemeClr>
+              </a:solidFill>
+              <a:latin typeface="Calibri" panose="020F0502020204030204" pitchFamily="34" charset="0"/>
+              <a:ea typeface="Calibri" panose="020F0502020204030204" pitchFamily="34" charset="0"/>
+              <a:cs typeface="Times New Roman" panose="02020603050405020304" pitchFamily="18" charset="0"/>
+            </a:endParaRPr>
+          </a:p>
+          <a:p>
+            <a:pPr>
+              <a:lnSpc>
+                <a:spcPct val="107000"/>
+              </a:lnSpc>
+              <a:spcAft>
+                <a:spcPts val="0"/>
+              </a:spcAft>
+              <a:tabLst>
+                <a:tab pos="581660" algn="l"/>
+                <a:tab pos="1163320" algn="l"/>
+                <a:tab pos="1744980" algn="l"/>
+                <a:tab pos="2326640" algn="l"/>
+                <a:tab pos="2908300" algn="l"/>
+                <a:tab pos="3489960" algn="l"/>
+                <a:tab pos="4071620" algn="l"/>
+                <a:tab pos="4653280" algn="l"/>
+                <a:tab pos="5234940" algn="l"/>
+                <a:tab pos="5816600" algn="l"/>
+                <a:tab pos="6398260" algn="l"/>
+                <a:tab pos="6979920" algn="l"/>
+                <a:tab pos="7561580" algn="l"/>
+                <a:tab pos="8143240" algn="l"/>
+                <a:tab pos="8724900" algn="l"/>
+                <a:tab pos="9306560" algn="l"/>
+              </a:tabLst>
+            </a:pPr>
+            <a:r>
+              <a:rPr lang="en-US" sz="1800" dirty="0">
+                <a:solidFill>
+                  <a:schemeClr val="bg1">
+                    <a:lumMod val="50000"/>
+                  </a:schemeClr>
+                </a:solidFill>
+                <a:ea typeface="Times New Roman" panose="02020603050405020304" pitchFamily="18" charset="0"/>
+                <a:cs typeface="Times New Roman" panose="02020603050405020304" pitchFamily="18" charset="0"/>
+              </a:rPr>
+              <a:t>}</a:t>
+            </a:r>
+            <a:endParaRPr lang="en-US" sz="1800" dirty="0">
+              <a:solidFill>
+                <a:schemeClr val="bg1">
+                  <a:lumMod val="50000"/>
+                </a:schemeClr>
+              </a:solidFill>
+              <a:latin typeface="Calibri" panose="020F0502020204030204" pitchFamily="34" charset="0"/>
+              <a:ea typeface="Calibri" panose="020F0502020204030204" pitchFamily="34" charset="0"/>
+              <a:cs typeface="Times New Roman" panose="02020603050405020304" pitchFamily="18" charset="0"/>
+            </a:endParaRPr>
           </a:p>
         </p:txBody>
       </p:sp>
+      <p:sp>
+        <p:nvSpPr>
+          <p:cNvPr id="6" name="TextBox 5">
+            <a:extLst>
+              <a:ext uri="{FF2B5EF4-FFF2-40B4-BE49-F238E27FC236}">
+                <a16:creationId xmlns:a16="http://schemas.microsoft.com/office/drawing/2014/main" id="{89170B8E-639B-E01F-D0A0-83BF139585D9}"/>
+              </a:ext>
+            </a:extLst>
+          </p:cNvPr>
+          <p:cNvSpPr txBox="1"/>
+          <p:nvPr/>
+        </p:nvSpPr>
+        <p:spPr>
+          <a:xfrm>
+            <a:off x="6038852" y="2911271"/>
+            <a:ext cx="2476498" cy="646331"/>
+          </a:xfrm>
+          <a:prstGeom prst="rect">
+            <a:avLst/>
+          </a:prstGeom>
+          <a:noFill/>
+        </p:spPr>
+        <p:txBody>
+          <a:bodyPr wrap="square" rtlCol="0">
+            <a:spAutoFit/>
+          </a:bodyPr>
+          <a:lstStyle/>
+          <a:p>
+            <a:r>
+              <a:rPr lang="en-US" dirty="0" err="1">
+                <a:solidFill>
+                  <a:srgbClr val="FF0000"/>
+                </a:solidFill>
+                <a:latin typeface="Whipsmart" panose="020B0502030203050204" pitchFamily="34" charset="0"/>
+              </a:rPr>
+              <a:t>megsz</a:t>
+            </a:r>
+            <a:r>
+              <a:rPr lang="hu-HU" dirty="0" err="1">
+                <a:solidFill>
+                  <a:srgbClr val="FF0000"/>
+                </a:solidFill>
+                <a:latin typeface="Whipsmart" panose="020B0502030203050204" pitchFamily="34" charset="0"/>
+              </a:rPr>
+              <a:t>űnő</a:t>
+            </a:r>
+            <a:r>
+              <a:rPr lang="hu-HU" dirty="0">
+                <a:solidFill>
+                  <a:srgbClr val="FF0000"/>
+                </a:solidFill>
+                <a:latin typeface="Whipsmart" panose="020B0502030203050204" pitchFamily="34" charset="0"/>
+              </a:rPr>
+              <a:t> </a:t>
+            </a:r>
+            <a:r>
+              <a:rPr lang="hu-HU" dirty="0" err="1">
+                <a:solidFill>
+                  <a:srgbClr val="FF0000"/>
+                </a:solidFill>
+                <a:latin typeface="Whipsmart" panose="020B0502030203050204" pitchFamily="34" charset="0"/>
+              </a:rPr>
+              <a:t>objectek</a:t>
+            </a:r>
+            <a:r>
+              <a:rPr lang="hu-HU" dirty="0">
+                <a:solidFill>
+                  <a:srgbClr val="FF0000"/>
+                </a:solidFill>
+                <a:latin typeface="Whipsmart" panose="020B0502030203050204" pitchFamily="34" charset="0"/>
+              </a:rPr>
+              <a:t> eltávolítása</a:t>
+            </a:r>
+          </a:p>
+        </p:txBody>
+      </p:sp>
+      <p:cxnSp>
+        <p:nvCxnSpPr>
+          <p:cNvPr id="7" name="Straight Arrow Connector 6">
+            <a:extLst>
+              <a:ext uri="{FF2B5EF4-FFF2-40B4-BE49-F238E27FC236}">
+                <a16:creationId xmlns:a16="http://schemas.microsoft.com/office/drawing/2014/main" id="{D5C1B8A9-7E43-F23B-E386-287BC0C8E400}"/>
+              </a:ext>
+            </a:extLst>
+          </p:cNvPr>
+          <p:cNvCxnSpPr>
+            <a:cxnSpLocks/>
+            <a:stCxn id="6" idx="1"/>
+          </p:cNvCxnSpPr>
+          <p:nvPr/>
+        </p:nvCxnSpPr>
+        <p:spPr>
+          <a:xfrm flipH="1">
+            <a:off x="4572000" y="3234437"/>
+            <a:ext cx="1466852" cy="1240459"/>
+          </a:xfrm>
+          <a:prstGeom prst="straightConnector1">
+            <a:avLst/>
+          </a:prstGeom>
+          <a:ln>
+            <a:solidFill>
+              <a:srgbClr val="FF0000"/>
+            </a:solidFill>
+            <a:tailEnd type="triangle"/>
+          </a:ln>
+        </p:spPr>
+        <p:style>
+          <a:lnRef idx="1">
+            <a:schemeClr val="accent1"/>
+          </a:lnRef>
+          <a:fillRef idx="0">
+            <a:schemeClr val="accent1"/>
+          </a:fillRef>
+          <a:effectRef idx="0">
+            <a:schemeClr val="accent1"/>
+          </a:effectRef>
+          <a:fontRef idx="minor">
+            <a:schemeClr val="tx1"/>
+          </a:fontRef>
+        </p:style>
+      </p:cxnSp>
+      <p:sp>
+        <p:nvSpPr>
+          <p:cNvPr id="9" name="TextBox 8">
+            <a:extLst>
+              <a:ext uri="{FF2B5EF4-FFF2-40B4-BE49-F238E27FC236}">
+                <a16:creationId xmlns:a16="http://schemas.microsoft.com/office/drawing/2014/main" id="{F135F7B5-6DE4-0122-CE02-0D78FA71C569}"/>
+              </a:ext>
+            </a:extLst>
+          </p:cNvPr>
+          <p:cNvSpPr txBox="1"/>
+          <p:nvPr/>
+        </p:nvSpPr>
+        <p:spPr>
+          <a:xfrm>
+            <a:off x="6126516" y="5337533"/>
+            <a:ext cx="2476498" cy="646331"/>
+          </a:xfrm>
+          <a:prstGeom prst="rect">
+            <a:avLst/>
+          </a:prstGeom>
+          <a:noFill/>
+        </p:spPr>
+        <p:txBody>
+          <a:bodyPr wrap="square" rtlCol="0">
+            <a:spAutoFit/>
+          </a:bodyPr>
+          <a:lstStyle/>
+          <a:p>
+            <a:r>
+              <a:rPr lang="hu-HU" dirty="0">
+                <a:solidFill>
+                  <a:srgbClr val="FF0000"/>
+                </a:solidFill>
+                <a:latin typeface="Whipsmart" panose="020B0502030203050204" pitchFamily="34" charset="0"/>
+              </a:rPr>
+              <a:t>újonnan létrehozott </a:t>
+            </a:r>
+            <a:r>
+              <a:rPr lang="hu-HU" dirty="0" err="1">
+                <a:solidFill>
+                  <a:srgbClr val="FF0000"/>
+                </a:solidFill>
+                <a:latin typeface="Whipsmart" panose="020B0502030203050204" pitchFamily="34" charset="0"/>
+              </a:rPr>
+              <a:t>objectek</a:t>
+            </a:r>
+            <a:r>
+              <a:rPr lang="hu-HU" dirty="0">
+                <a:solidFill>
+                  <a:srgbClr val="FF0000"/>
+                </a:solidFill>
+                <a:latin typeface="Whipsmart" panose="020B0502030203050204" pitchFamily="34" charset="0"/>
+              </a:rPr>
+              <a:t> hozzáadása</a:t>
+            </a:r>
+          </a:p>
+        </p:txBody>
+      </p:sp>
+      <p:cxnSp>
+        <p:nvCxnSpPr>
+          <p:cNvPr id="10" name="Straight Arrow Connector 9">
+            <a:extLst>
+              <a:ext uri="{FF2B5EF4-FFF2-40B4-BE49-F238E27FC236}">
+                <a16:creationId xmlns:a16="http://schemas.microsoft.com/office/drawing/2014/main" id="{F13B84E6-DF01-00D2-7B0A-C798246228FD}"/>
+              </a:ext>
+            </a:extLst>
+          </p:cNvPr>
+          <p:cNvCxnSpPr>
+            <a:cxnSpLocks/>
+            <a:stCxn id="9" idx="1"/>
+          </p:cNvCxnSpPr>
+          <p:nvPr/>
+        </p:nvCxnSpPr>
+        <p:spPr>
+          <a:xfrm flipH="1" flipV="1">
+            <a:off x="4572000" y="5065614"/>
+            <a:ext cx="1554516" cy="595085"/>
+          </a:xfrm>
+          <a:prstGeom prst="straightConnector1">
+            <a:avLst/>
+          </a:prstGeom>
+          <a:ln>
+            <a:solidFill>
+              <a:srgbClr val="FF0000"/>
+            </a:solidFill>
+            <a:tailEnd type="triangle"/>
+          </a:ln>
+        </p:spPr>
+        <p:style>
+          <a:lnRef idx="1">
+            <a:schemeClr val="accent1"/>
+          </a:lnRef>
+          <a:fillRef idx="0">
+            <a:schemeClr val="accent1"/>
+          </a:fillRef>
+          <a:effectRef idx="0">
+            <a:schemeClr val="accent1"/>
+          </a:effectRef>
+          <a:fontRef idx="minor">
+            <a:schemeClr val="tx1"/>
+          </a:fontRef>
+        </p:style>
+      </p:cxnSp>
     </p:spTree>
     <p:extLst>
       <p:ext uri="{BB962C8B-B14F-4D97-AF65-F5344CB8AC3E}">
-        <p14:creationId xmlns:p14="http://schemas.microsoft.com/office/powerpoint/2010/main" val="418130809"/>
+        <p14:creationId xmlns:p14="http://schemas.microsoft.com/office/powerpoint/2010/main" val="681425030"/>
       </p:ext>
     </p:extLst>
   </p:cSld>
@@ -10244,7 +10674,7 @@
       </p:grpSpPr>
       <p:sp>
         <p:nvSpPr>
-          <p:cNvPr id="4" name="Title 3"/>
+          <p:cNvPr id="2" name="Title 1"/>
           <p:cNvSpPr>
             <a:spLocks noGrp="1"/>
           </p:cNvSpPr>
@@ -10258,22 +10688,16 @@
           <a:lstStyle/>
           <a:p>
             <a:r>
-              <a:rPr lang="en-US" sz="4000" dirty="0" err="1">
-                <a:latin typeface="Consolas" panose="020B0609020204030204" pitchFamily="49" charset="0"/>
-                <a:cs typeface="Consolas" panose="020B0609020204030204" pitchFamily="49" charset="0"/>
-              </a:rPr>
-              <a:t>OrthoCamera</a:t>
-            </a:r>
-            <a:endParaRPr lang="en-US" dirty="0">
-              <a:latin typeface="Consolas" panose="020B0609020204030204" pitchFamily="49" charset="0"/>
-              <a:cs typeface="Consolas" panose="020B0609020204030204" pitchFamily="49" charset="0"/>
-            </a:endParaRPr>
+              <a:rPr lang="hu-HU" dirty="0"/>
+              <a:t>Feladat</a:t>
+            </a:r>
+            <a:endParaRPr lang="en-US" dirty="0"/>
           </a:p>
         </p:txBody>
       </p:sp>
       <p:sp>
         <p:nvSpPr>
-          <p:cNvPr id="5" name="Content Placeholder 4"/>
+          <p:cNvPr id="3" name="Content Placeholder 2"/>
           <p:cNvSpPr>
             <a:spLocks noGrp="1"/>
           </p:cNvSpPr>
@@ -10286,995 +10710,36 @@
           <a:bodyPr/>
           <a:lstStyle/>
           <a:p>
-            <a:pPr>
-              <a:lnSpc>
-                <a:spcPct val="107000"/>
-              </a:lnSpc>
-              <a:spcAft>
-                <a:spcPts val="0"/>
-              </a:spcAft>
-              <a:tabLst>
-                <a:tab pos="581660" algn="l"/>
-                <a:tab pos="1163320" algn="l"/>
-                <a:tab pos="1744980" algn="l"/>
-                <a:tab pos="2326640" algn="l"/>
-                <a:tab pos="2908300" algn="l"/>
-                <a:tab pos="3489960" algn="l"/>
-                <a:tab pos="4071620" algn="l"/>
-                <a:tab pos="4653280" algn="l"/>
-                <a:tab pos="5234940" algn="l"/>
-                <a:tab pos="5816600" algn="l"/>
-                <a:tab pos="6398260" algn="l"/>
-                <a:tab pos="6979920" algn="l"/>
-                <a:tab pos="7561580" algn="l"/>
-                <a:tab pos="8143240" algn="l"/>
-                <a:tab pos="8724900" algn="l"/>
-                <a:tab pos="9306560" algn="l"/>
-              </a:tabLst>
-            </a:pPr>
-            <a:r>
-              <a:rPr lang="en-US" dirty="0">
-                <a:solidFill>
-                  <a:srgbClr val="C70040"/>
-                </a:solidFill>
-                <a:ea typeface="Times New Roman" panose="02020603050405020304" pitchFamily="18" charset="0"/>
-                <a:cs typeface="Times New Roman" panose="02020603050405020304" pitchFamily="18" charset="0"/>
-              </a:rPr>
-              <a:t>class </a:t>
-            </a:r>
-            <a:r>
-              <a:rPr lang="en-US" dirty="0" err="1">
-                <a:solidFill>
-                  <a:srgbClr val="000000"/>
-                </a:solidFill>
-                <a:ea typeface="Times New Roman" panose="02020603050405020304" pitchFamily="18" charset="0"/>
-                <a:cs typeface="Times New Roman" panose="02020603050405020304" pitchFamily="18" charset="0"/>
-              </a:rPr>
-              <a:t>OrthoCamera</a:t>
-            </a:r>
-            <a:r>
-              <a:rPr lang="en-US" dirty="0">
-                <a:solidFill>
-                  <a:srgbClr val="000000"/>
-                </a:solidFill>
-                <a:ea typeface="Times New Roman" panose="02020603050405020304" pitchFamily="18" charset="0"/>
-                <a:cs typeface="Times New Roman" panose="02020603050405020304" pitchFamily="18" charset="0"/>
-              </a:rPr>
-              <a:t>(</a:t>
-            </a:r>
-            <a:r>
-              <a:rPr lang="en-US" dirty="0" err="1">
-                <a:solidFill>
-                  <a:srgbClr val="C70040"/>
-                </a:solidFill>
-                <a:ea typeface="Times New Roman" panose="02020603050405020304" pitchFamily="18" charset="0"/>
-                <a:cs typeface="Times New Roman" panose="02020603050405020304" pitchFamily="18" charset="0"/>
-              </a:rPr>
-              <a:t>vararg</a:t>
-            </a:r>
-            <a:r>
-              <a:rPr lang="en-US" dirty="0">
-                <a:solidFill>
-                  <a:srgbClr val="C70040"/>
-                </a:solidFill>
-                <a:ea typeface="Times New Roman" panose="02020603050405020304" pitchFamily="18" charset="0"/>
-                <a:cs typeface="Times New Roman" panose="02020603050405020304" pitchFamily="18" charset="0"/>
-              </a:rPr>
-              <a:t> </a:t>
-            </a:r>
-            <a:r>
-              <a:rPr lang="en-US" i="1" dirty="0">
-                <a:solidFill>
-                  <a:srgbClr val="CB6500"/>
-                </a:solidFill>
-                <a:ea typeface="Times New Roman" panose="02020603050405020304" pitchFamily="18" charset="0"/>
-                <a:cs typeface="Times New Roman" panose="02020603050405020304" pitchFamily="18" charset="0"/>
-              </a:rPr>
-              <a:t>programs </a:t>
-            </a:r>
-            <a:r>
-              <a:rPr lang="en-US" dirty="0">
-                <a:solidFill>
-                  <a:srgbClr val="C70040"/>
-                </a:solidFill>
-                <a:ea typeface="Times New Roman" panose="02020603050405020304" pitchFamily="18" charset="0"/>
-                <a:cs typeface="Times New Roman" panose="02020603050405020304" pitchFamily="18" charset="0"/>
-              </a:rPr>
-              <a:t>: </a:t>
-            </a:r>
-            <a:r>
-              <a:rPr lang="en-US" dirty="0">
-                <a:solidFill>
-                  <a:srgbClr val="000000"/>
-                </a:solidFill>
-                <a:ea typeface="Times New Roman" panose="02020603050405020304" pitchFamily="18" charset="0"/>
-                <a:cs typeface="Times New Roman" panose="02020603050405020304" pitchFamily="18" charset="0"/>
-              </a:rPr>
-              <a:t>Program) </a:t>
-            </a:r>
-            <a:r>
-              <a:rPr lang="en-US" dirty="0">
-                <a:solidFill>
-                  <a:srgbClr val="C70040"/>
-                </a:solidFill>
-                <a:ea typeface="Times New Roman" panose="02020603050405020304" pitchFamily="18" charset="0"/>
-                <a:cs typeface="Times New Roman" panose="02020603050405020304" pitchFamily="18" charset="0"/>
-              </a:rPr>
-              <a:t>:</a:t>
-            </a:r>
-            <a:r>
-              <a:rPr lang="hu-HU" dirty="0">
-                <a:solidFill>
-                  <a:srgbClr val="C70040"/>
-                </a:solidFill>
-                <a:ea typeface="Times New Roman" panose="02020603050405020304" pitchFamily="18" charset="0"/>
-                <a:cs typeface="Times New Roman" panose="02020603050405020304" pitchFamily="18" charset="0"/>
-              </a:rPr>
-              <a:t> </a:t>
-            </a:r>
-            <a:r>
-              <a:rPr lang="en-US" i="1" dirty="0" err="1">
-                <a:solidFill>
-                  <a:srgbClr val="427E00"/>
-                </a:solidFill>
-                <a:ea typeface="Times New Roman" panose="02020603050405020304" pitchFamily="18" charset="0"/>
-                <a:cs typeface="Times New Roman" panose="02020603050405020304" pitchFamily="18" charset="0"/>
-              </a:rPr>
-              <a:t>UniformProvider</a:t>
-            </a:r>
-            <a:r>
-              <a:rPr lang="en-US" dirty="0">
-                <a:solidFill>
-                  <a:srgbClr val="000000"/>
-                </a:solidFill>
-                <a:ea typeface="Times New Roman" panose="02020603050405020304" pitchFamily="18" charset="0"/>
-                <a:cs typeface="Times New Roman" panose="02020603050405020304" pitchFamily="18" charset="0"/>
-              </a:rPr>
-              <a:t>(</a:t>
-            </a:r>
-            <a:r>
-              <a:rPr lang="en-US" dirty="0">
-                <a:solidFill>
-                  <a:srgbClr val="8F8634"/>
-                </a:solidFill>
-                <a:ea typeface="Times New Roman" panose="02020603050405020304" pitchFamily="18" charset="0"/>
-                <a:cs typeface="Times New Roman" panose="02020603050405020304" pitchFamily="18" charset="0"/>
-              </a:rPr>
-              <a:t>"camera"</a:t>
-            </a:r>
-            <a:r>
-              <a:rPr lang="en-US" dirty="0">
-                <a:solidFill>
-                  <a:srgbClr val="000000"/>
-                </a:solidFill>
-                <a:ea typeface="Times New Roman" panose="02020603050405020304" pitchFamily="18" charset="0"/>
-                <a:cs typeface="Times New Roman" panose="02020603050405020304" pitchFamily="18" charset="0"/>
-              </a:rPr>
-              <a:t>) {</a:t>
-            </a:r>
-            <a:endParaRPr lang="en-US" sz="2000" dirty="0">
-              <a:latin typeface="Calibri" panose="020F0502020204030204" pitchFamily="34" charset="0"/>
-              <a:ea typeface="Calibri" panose="020F0502020204030204" pitchFamily="34" charset="0"/>
-              <a:cs typeface="Times New Roman" panose="02020603050405020304" pitchFamily="18" charset="0"/>
-            </a:endParaRPr>
-          </a:p>
-          <a:p>
-            <a:pPr>
-              <a:lnSpc>
-                <a:spcPct val="107000"/>
-              </a:lnSpc>
-              <a:spcAft>
-                <a:spcPts val="0"/>
-              </a:spcAft>
-              <a:tabLst>
-                <a:tab pos="581660" algn="l"/>
-                <a:tab pos="1163320" algn="l"/>
-                <a:tab pos="1744980" algn="l"/>
-                <a:tab pos="2326640" algn="l"/>
-                <a:tab pos="2908300" algn="l"/>
-                <a:tab pos="3489960" algn="l"/>
-                <a:tab pos="4071620" algn="l"/>
-                <a:tab pos="4653280" algn="l"/>
-                <a:tab pos="5234940" algn="l"/>
-                <a:tab pos="5816600" algn="l"/>
-                <a:tab pos="6398260" algn="l"/>
-                <a:tab pos="6979920" algn="l"/>
-                <a:tab pos="7561580" algn="l"/>
-                <a:tab pos="8143240" algn="l"/>
-                <a:tab pos="8724900" algn="l"/>
-                <a:tab pos="9306560" algn="l"/>
-              </a:tabLst>
-            </a:pPr>
-            <a:r>
-              <a:rPr lang="en-US" dirty="0">
-                <a:solidFill>
-                  <a:srgbClr val="000000"/>
-                </a:solidFill>
-                <a:ea typeface="Times New Roman" panose="02020603050405020304" pitchFamily="18" charset="0"/>
-                <a:cs typeface="Times New Roman" panose="02020603050405020304" pitchFamily="18" charset="0"/>
-              </a:rPr>
-              <a:t>  </a:t>
-            </a:r>
-            <a:r>
-              <a:rPr lang="en-US" dirty="0" err="1">
-                <a:solidFill>
-                  <a:srgbClr val="C70040"/>
-                </a:solidFill>
-                <a:ea typeface="Times New Roman" panose="02020603050405020304" pitchFamily="18" charset="0"/>
-                <a:cs typeface="Times New Roman" panose="02020603050405020304" pitchFamily="18" charset="0"/>
-              </a:rPr>
-              <a:t>val</a:t>
-            </a:r>
-            <a:r>
-              <a:rPr lang="en-US" dirty="0">
-                <a:solidFill>
-                  <a:srgbClr val="C70040"/>
-                </a:solidFill>
-                <a:ea typeface="Times New Roman" panose="02020603050405020304" pitchFamily="18" charset="0"/>
-                <a:cs typeface="Times New Roman" panose="02020603050405020304" pitchFamily="18" charset="0"/>
-              </a:rPr>
-              <a:t> </a:t>
-            </a:r>
-            <a:r>
-              <a:rPr lang="en-US" dirty="0">
-                <a:solidFill>
-                  <a:srgbClr val="000000"/>
-                </a:solidFill>
-                <a:ea typeface="Times New Roman" panose="02020603050405020304" pitchFamily="18" charset="0"/>
-                <a:cs typeface="Times New Roman" panose="02020603050405020304" pitchFamily="18" charset="0"/>
-              </a:rPr>
-              <a:t>position </a:t>
-            </a:r>
-            <a:r>
-              <a:rPr lang="en-US" dirty="0">
-                <a:solidFill>
-                  <a:srgbClr val="C70040"/>
-                </a:solidFill>
-                <a:ea typeface="Times New Roman" panose="02020603050405020304" pitchFamily="18" charset="0"/>
-                <a:cs typeface="Times New Roman" panose="02020603050405020304" pitchFamily="18" charset="0"/>
-              </a:rPr>
-              <a:t>= </a:t>
-            </a:r>
-            <a:r>
-              <a:rPr lang="en-US" dirty="0">
-                <a:solidFill>
-                  <a:srgbClr val="000000"/>
-                </a:solidFill>
-                <a:ea typeface="Times New Roman" panose="02020603050405020304" pitchFamily="18" charset="0"/>
-                <a:cs typeface="Times New Roman" panose="02020603050405020304" pitchFamily="18" charset="0"/>
-              </a:rPr>
-              <a:t>Vec2(</a:t>
-            </a:r>
-            <a:r>
-              <a:rPr lang="en-US" dirty="0">
-                <a:solidFill>
-                  <a:srgbClr val="7C4FCD"/>
-                </a:solidFill>
-                <a:ea typeface="Times New Roman" panose="02020603050405020304" pitchFamily="18" charset="0"/>
-                <a:cs typeface="Times New Roman" panose="02020603050405020304" pitchFamily="18" charset="0"/>
-              </a:rPr>
-              <a:t>0.0f</a:t>
-            </a:r>
-            <a:r>
-              <a:rPr lang="en-US" dirty="0">
-                <a:solidFill>
-                  <a:srgbClr val="000000"/>
-                </a:solidFill>
-                <a:ea typeface="Times New Roman" panose="02020603050405020304" pitchFamily="18" charset="0"/>
-                <a:cs typeface="Times New Roman" panose="02020603050405020304" pitchFamily="18" charset="0"/>
-              </a:rPr>
-              <a:t>, </a:t>
-            </a:r>
-            <a:r>
-              <a:rPr lang="en-US" dirty="0">
-                <a:solidFill>
-                  <a:srgbClr val="7C4FCD"/>
-                </a:solidFill>
-                <a:ea typeface="Times New Roman" panose="02020603050405020304" pitchFamily="18" charset="0"/>
-                <a:cs typeface="Times New Roman" panose="02020603050405020304" pitchFamily="18" charset="0"/>
-              </a:rPr>
-              <a:t>0.0f</a:t>
-            </a:r>
-            <a:r>
-              <a:rPr lang="en-US" dirty="0">
-                <a:solidFill>
-                  <a:srgbClr val="000000"/>
-                </a:solidFill>
-                <a:ea typeface="Times New Roman" panose="02020603050405020304" pitchFamily="18" charset="0"/>
-                <a:cs typeface="Times New Roman" panose="02020603050405020304" pitchFamily="18" charset="0"/>
-              </a:rPr>
-              <a:t>)</a:t>
-            </a:r>
-            <a:endParaRPr lang="en-US" sz="2000" dirty="0">
-              <a:latin typeface="Calibri" panose="020F0502020204030204" pitchFamily="34" charset="0"/>
-              <a:ea typeface="Calibri" panose="020F0502020204030204" pitchFamily="34" charset="0"/>
-              <a:cs typeface="Times New Roman" panose="02020603050405020304" pitchFamily="18" charset="0"/>
-            </a:endParaRPr>
-          </a:p>
-          <a:p>
-            <a:pPr>
-              <a:lnSpc>
-                <a:spcPct val="107000"/>
-              </a:lnSpc>
-              <a:spcAft>
-                <a:spcPts val="0"/>
-              </a:spcAft>
-              <a:tabLst>
-                <a:tab pos="581660" algn="l"/>
-                <a:tab pos="1163320" algn="l"/>
-                <a:tab pos="1744980" algn="l"/>
-                <a:tab pos="2326640" algn="l"/>
-                <a:tab pos="2908300" algn="l"/>
-                <a:tab pos="3489960" algn="l"/>
-                <a:tab pos="4071620" algn="l"/>
-                <a:tab pos="4653280" algn="l"/>
-                <a:tab pos="5234940" algn="l"/>
-                <a:tab pos="5816600" algn="l"/>
-                <a:tab pos="6398260" algn="l"/>
-                <a:tab pos="6979920" algn="l"/>
-                <a:tab pos="7561580" algn="l"/>
-                <a:tab pos="8143240" algn="l"/>
-                <a:tab pos="8724900" algn="l"/>
-                <a:tab pos="9306560" algn="l"/>
-              </a:tabLst>
-            </a:pPr>
-            <a:r>
-              <a:rPr lang="en-US" dirty="0">
-                <a:solidFill>
-                  <a:srgbClr val="000000"/>
-                </a:solidFill>
-                <a:ea typeface="Times New Roman" panose="02020603050405020304" pitchFamily="18" charset="0"/>
-                <a:cs typeface="Times New Roman" panose="02020603050405020304" pitchFamily="18" charset="0"/>
-              </a:rPr>
-              <a:t>  </a:t>
-            </a:r>
-            <a:r>
-              <a:rPr lang="en-US" dirty="0" err="1">
-                <a:solidFill>
-                  <a:srgbClr val="C70040"/>
-                </a:solidFill>
-                <a:ea typeface="Times New Roman" panose="02020603050405020304" pitchFamily="18" charset="0"/>
-                <a:cs typeface="Times New Roman" panose="02020603050405020304" pitchFamily="18" charset="0"/>
-              </a:rPr>
-              <a:t>va</a:t>
-            </a:r>
-            <a:r>
-              <a:rPr lang="hu-HU">
-                <a:solidFill>
-                  <a:srgbClr val="C70040"/>
-                </a:solidFill>
-                <a:ea typeface="Times New Roman" panose="02020603050405020304" pitchFamily="18" charset="0"/>
-                <a:cs typeface="Times New Roman" panose="02020603050405020304" pitchFamily="18" charset="0"/>
-              </a:rPr>
-              <a:t>r</a:t>
-            </a:r>
-            <a:r>
-              <a:rPr lang="en-US">
-                <a:solidFill>
-                  <a:srgbClr val="C70040"/>
-                </a:solidFill>
-                <a:ea typeface="Times New Roman" panose="02020603050405020304" pitchFamily="18" charset="0"/>
-                <a:cs typeface="Times New Roman" panose="02020603050405020304" pitchFamily="18" charset="0"/>
-              </a:rPr>
-              <a:t> </a:t>
-            </a:r>
-            <a:r>
-              <a:rPr lang="en-US" dirty="0">
-                <a:solidFill>
-                  <a:srgbClr val="000000"/>
-                </a:solidFill>
-                <a:ea typeface="Times New Roman" panose="02020603050405020304" pitchFamily="18" charset="0"/>
-                <a:cs typeface="Times New Roman" panose="02020603050405020304" pitchFamily="18" charset="0"/>
-              </a:rPr>
-              <a:t>roll </a:t>
-            </a:r>
-            <a:r>
-              <a:rPr lang="en-US" dirty="0">
-                <a:solidFill>
-                  <a:srgbClr val="C70040"/>
-                </a:solidFill>
-                <a:ea typeface="Times New Roman" panose="02020603050405020304" pitchFamily="18" charset="0"/>
-                <a:cs typeface="Times New Roman" panose="02020603050405020304" pitchFamily="18" charset="0"/>
-              </a:rPr>
-              <a:t>= </a:t>
-            </a:r>
-            <a:r>
-              <a:rPr lang="en-US" dirty="0">
-                <a:solidFill>
-                  <a:srgbClr val="7C4FCD"/>
-                </a:solidFill>
-                <a:ea typeface="Times New Roman" panose="02020603050405020304" pitchFamily="18" charset="0"/>
-                <a:cs typeface="Times New Roman" panose="02020603050405020304" pitchFamily="18" charset="0"/>
-              </a:rPr>
-              <a:t>0.0f</a:t>
-            </a:r>
-            <a:endParaRPr lang="en-US" sz="2000" dirty="0">
-              <a:latin typeface="Calibri" panose="020F0502020204030204" pitchFamily="34" charset="0"/>
-              <a:ea typeface="Calibri" panose="020F0502020204030204" pitchFamily="34" charset="0"/>
-              <a:cs typeface="Times New Roman" panose="02020603050405020304" pitchFamily="18" charset="0"/>
-            </a:endParaRPr>
-          </a:p>
-          <a:p>
-            <a:pPr>
-              <a:lnSpc>
-                <a:spcPct val="107000"/>
-              </a:lnSpc>
-              <a:spcAft>
-                <a:spcPts val="0"/>
-              </a:spcAft>
-              <a:tabLst>
-                <a:tab pos="581660" algn="l"/>
-                <a:tab pos="1163320" algn="l"/>
-                <a:tab pos="1744980" algn="l"/>
-                <a:tab pos="2326640" algn="l"/>
-                <a:tab pos="2908300" algn="l"/>
-                <a:tab pos="3489960" algn="l"/>
-                <a:tab pos="4071620" algn="l"/>
-                <a:tab pos="4653280" algn="l"/>
-                <a:tab pos="5234940" algn="l"/>
-                <a:tab pos="5816600" algn="l"/>
-                <a:tab pos="6398260" algn="l"/>
-                <a:tab pos="6979920" algn="l"/>
-                <a:tab pos="7561580" algn="l"/>
-                <a:tab pos="8143240" algn="l"/>
-                <a:tab pos="8724900" algn="l"/>
-                <a:tab pos="9306560" algn="l"/>
-              </a:tabLst>
-            </a:pPr>
-            <a:r>
-              <a:rPr lang="en-US" dirty="0">
-                <a:solidFill>
-                  <a:srgbClr val="7C4FCD"/>
-                </a:solidFill>
-                <a:ea typeface="Times New Roman" panose="02020603050405020304" pitchFamily="18" charset="0"/>
-                <a:cs typeface="Times New Roman" panose="02020603050405020304" pitchFamily="18" charset="0"/>
-              </a:rPr>
-              <a:t>  </a:t>
-            </a:r>
-            <a:r>
-              <a:rPr lang="en-US" dirty="0" err="1">
-                <a:solidFill>
-                  <a:srgbClr val="C70040"/>
-                </a:solidFill>
-                <a:ea typeface="Times New Roman" panose="02020603050405020304" pitchFamily="18" charset="0"/>
-                <a:cs typeface="Times New Roman" panose="02020603050405020304" pitchFamily="18" charset="0"/>
-              </a:rPr>
-              <a:t>val</a:t>
-            </a:r>
-            <a:r>
-              <a:rPr lang="en-US" dirty="0">
-                <a:solidFill>
-                  <a:srgbClr val="C70040"/>
-                </a:solidFill>
-                <a:ea typeface="Times New Roman" panose="02020603050405020304" pitchFamily="18" charset="0"/>
-                <a:cs typeface="Times New Roman" panose="02020603050405020304" pitchFamily="18" charset="0"/>
-              </a:rPr>
-              <a:t> </a:t>
-            </a:r>
-            <a:r>
-              <a:rPr lang="en-US" dirty="0" err="1">
-                <a:solidFill>
-                  <a:srgbClr val="000000"/>
-                </a:solidFill>
-                <a:ea typeface="Times New Roman" panose="02020603050405020304" pitchFamily="18" charset="0"/>
-                <a:cs typeface="Times New Roman" panose="02020603050405020304" pitchFamily="18" charset="0"/>
-              </a:rPr>
-              <a:t>windowSize</a:t>
-            </a:r>
-            <a:r>
-              <a:rPr lang="en-US" dirty="0">
-                <a:solidFill>
-                  <a:srgbClr val="000000"/>
-                </a:solidFill>
-                <a:ea typeface="Times New Roman" panose="02020603050405020304" pitchFamily="18" charset="0"/>
-                <a:cs typeface="Times New Roman" panose="02020603050405020304" pitchFamily="18" charset="0"/>
-              </a:rPr>
-              <a:t> </a:t>
-            </a:r>
-            <a:r>
-              <a:rPr lang="en-US" dirty="0">
-                <a:solidFill>
-                  <a:srgbClr val="C70040"/>
-                </a:solidFill>
-                <a:ea typeface="Times New Roman" panose="02020603050405020304" pitchFamily="18" charset="0"/>
-                <a:cs typeface="Times New Roman" panose="02020603050405020304" pitchFamily="18" charset="0"/>
-              </a:rPr>
-              <a:t>= </a:t>
-            </a:r>
-            <a:r>
-              <a:rPr lang="en-US" dirty="0">
-                <a:solidFill>
-                  <a:srgbClr val="000000"/>
-                </a:solidFill>
-                <a:ea typeface="Times New Roman" panose="02020603050405020304" pitchFamily="18" charset="0"/>
-                <a:cs typeface="Times New Roman" panose="02020603050405020304" pitchFamily="18" charset="0"/>
-              </a:rPr>
-              <a:t>Vec2(</a:t>
-            </a:r>
-            <a:r>
-              <a:rPr lang="en-US" dirty="0">
-                <a:solidFill>
-                  <a:srgbClr val="7C4FCD"/>
-                </a:solidFill>
-                <a:ea typeface="Times New Roman" panose="02020603050405020304" pitchFamily="18" charset="0"/>
-                <a:cs typeface="Times New Roman" panose="02020603050405020304" pitchFamily="18" charset="0"/>
-              </a:rPr>
-              <a:t>2.0f</a:t>
-            </a:r>
-            <a:r>
-              <a:rPr lang="en-US" dirty="0">
-                <a:solidFill>
-                  <a:srgbClr val="000000"/>
-                </a:solidFill>
-                <a:ea typeface="Times New Roman" panose="02020603050405020304" pitchFamily="18" charset="0"/>
-                <a:cs typeface="Times New Roman" panose="02020603050405020304" pitchFamily="18" charset="0"/>
-              </a:rPr>
-              <a:t>, </a:t>
-            </a:r>
-            <a:r>
-              <a:rPr lang="en-US" dirty="0">
-                <a:solidFill>
-                  <a:srgbClr val="7C4FCD"/>
-                </a:solidFill>
-                <a:ea typeface="Times New Roman" panose="02020603050405020304" pitchFamily="18" charset="0"/>
-                <a:cs typeface="Times New Roman" panose="02020603050405020304" pitchFamily="18" charset="0"/>
-              </a:rPr>
-              <a:t>2.0f</a:t>
-            </a:r>
-            <a:r>
-              <a:rPr lang="en-US" dirty="0">
-                <a:solidFill>
-                  <a:srgbClr val="000000"/>
-                </a:solidFill>
-                <a:ea typeface="Times New Roman" panose="02020603050405020304" pitchFamily="18" charset="0"/>
-                <a:cs typeface="Times New Roman" panose="02020603050405020304" pitchFamily="18" charset="0"/>
-              </a:rPr>
-              <a:t>)</a:t>
-            </a:r>
-            <a:endParaRPr lang="en-US" sz="2000" dirty="0">
-              <a:latin typeface="Calibri" panose="020F0502020204030204" pitchFamily="34" charset="0"/>
-              <a:ea typeface="Calibri" panose="020F0502020204030204" pitchFamily="34" charset="0"/>
-              <a:cs typeface="Times New Roman" panose="02020603050405020304" pitchFamily="18" charset="0"/>
-            </a:endParaRPr>
-          </a:p>
-          <a:p>
-            <a:pPr>
-              <a:lnSpc>
-                <a:spcPct val="107000"/>
-              </a:lnSpc>
-              <a:spcAft>
-                <a:spcPts val="0"/>
-              </a:spcAft>
-              <a:tabLst>
-                <a:tab pos="581660" algn="l"/>
-                <a:tab pos="1163320" algn="l"/>
-                <a:tab pos="1744980" algn="l"/>
-                <a:tab pos="2326640" algn="l"/>
-                <a:tab pos="2908300" algn="l"/>
-                <a:tab pos="3489960" algn="l"/>
-                <a:tab pos="4071620" algn="l"/>
-                <a:tab pos="4653280" algn="l"/>
-                <a:tab pos="5234940" algn="l"/>
-                <a:tab pos="5816600" algn="l"/>
-                <a:tab pos="6398260" algn="l"/>
-                <a:tab pos="6979920" algn="l"/>
-                <a:tab pos="7561580" algn="l"/>
-                <a:tab pos="8143240" algn="l"/>
-                <a:tab pos="8724900" algn="l"/>
-                <a:tab pos="9306560" algn="l"/>
-              </a:tabLst>
-            </a:pPr>
-            <a:endParaRPr lang="en-US" sz="2000" dirty="0">
-              <a:latin typeface="Calibri" panose="020F0502020204030204" pitchFamily="34" charset="0"/>
-              <a:ea typeface="Calibri" panose="020F0502020204030204" pitchFamily="34" charset="0"/>
-              <a:cs typeface="Times New Roman" panose="02020603050405020304" pitchFamily="18" charset="0"/>
-            </a:endParaRPr>
-          </a:p>
-          <a:p>
-            <a:pPr>
-              <a:lnSpc>
-                <a:spcPct val="107000"/>
-              </a:lnSpc>
-              <a:spcAft>
-                <a:spcPts val="0"/>
-              </a:spcAft>
-              <a:tabLst>
-                <a:tab pos="581660" algn="l"/>
-                <a:tab pos="1163320" algn="l"/>
-                <a:tab pos="1744980" algn="l"/>
-                <a:tab pos="2326640" algn="l"/>
-                <a:tab pos="2908300" algn="l"/>
-                <a:tab pos="3489960" algn="l"/>
-                <a:tab pos="4071620" algn="l"/>
-                <a:tab pos="4653280" algn="l"/>
-                <a:tab pos="5234940" algn="l"/>
-                <a:tab pos="5816600" algn="l"/>
-                <a:tab pos="6398260" algn="l"/>
-                <a:tab pos="6979920" algn="l"/>
-                <a:tab pos="7561580" algn="l"/>
-                <a:tab pos="8143240" algn="l"/>
-                <a:tab pos="8724900" algn="l"/>
-                <a:tab pos="9306560" algn="l"/>
-              </a:tabLst>
-            </a:pPr>
-            <a:r>
-              <a:rPr lang="en-US" dirty="0">
-                <a:solidFill>
-                  <a:srgbClr val="000000"/>
-                </a:solidFill>
-                <a:ea typeface="Times New Roman" panose="02020603050405020304" pitchFamily="18" charset="0"/>
-                <a:cs typeface="Times New Roman" panose="02020603050405020304" pitchFamily="18" charset="0"/>
-              </a:rPr>
-              <a:t>  </a:t>
-            </a:r>
-            <a:r>
-              <a:rPr lang="en-US" dirty="0" err="1">
-                <a:solidFill>
-                  <a:srgbClr val="C70040"/>
-                </a:solidFill>
-                <a:ea typeface="Times New Roman" panose="02020603050405020304" pitchFamily="18" charset="0"/>
-                <a:cs typeface="Times New Roman" panose="02020603050405020304" pitchFamily="18" charset="0"/>
-              </a:rPr>
-              <a:t>val</a:t>
-            </a:r>
-            <a:r>
-              <a:rPr lang="en-US" dirty="0">
-                <a:solidFill>
-                  <a:srgbClr val="C70040"/>
-                </a:solidFill>
-                <a:ea typeface="Times New Roman" panose="02020603050405020304" pitchFamily="18" charset="0"/>
-                <a:cs typeface="Times New Roman" panose="02020603050405020304" pitchFamily="18" charset="0"/>
-              </a:rPr>
-              <a:t> </a:t>
-            </a:r>
-            <a:r>
-              <a:rPr lang="en-US" dirty="0" err="1">
-                <a:solidFill>
-                  <a:srgbClr val="000000"/>
-                </a:solidFill>
-                <a:ea typeface="Times New Roman" panose="02020603050405020304" pitchFamily="18" charset="0"/>
-                <a:cs typeface="Times New Roman" panose="02020603050405020304" pitchFamily="18" charset="0"/>
-              </a:rPr>
-              <a:t>viewProjMatrix</a:t>
-            </a:r>
-            <a:r>
-              <a:rPr lang="en-US" dirty="0">
-                <a:solidFill>
-                  <a:srgbClr val="000000"/>
-                </a:solidFill>
-                <a:ea typeface="Times New Roman" panose="02020603050405020304" pitchFamily="18" charset="0"/>
-                <a:cs typeface="Times New Roman" panose="02020603050405020304" pitchFamily="18" charset="0"/>
-              </a:rPr>
-              <a:t> </a:t>
-            </a:r>
-            <a:r>
-              <a:rPr lang="en-US" dirty="0">
-                <a:solidFill>
-                  <a:srgbClr val="C70040"/>
-                </a:solidFill>
-                <a:ea typeface="Times New Roman" panose="02020603050405020304" pitchFamily="18" charset="0"/>
-                <a:cs typeface="Times New Roman" panose="02020603050405020304" pitchFamily="18" charset="0"/>
-              </a:rPr>
-              <a:t>by </a:t>
-            </a:r>
-            <a:r>
-              <a:rPr lang="en-US" dirty="0">
-                <a:solidFill>
-                  <a:srgbClr val="000000"/>
-                </a:solidFill>
-                <a:ea typeface="Times New Roman" panose="02020603050405020304" pitchFamily="18" charset="0"/>
-                <a:cs typeface="Times New Roman" panose="02020603050405020304" pitchFamily="18" charset="0"/>
-              </a:rPr>
-              <a:t>Mat4()</a:t>
-            </a:r>
-            <a:endParaRPr lang="en-US" sz="2000" dirty="0">
-              <a:latin typeface="Calibri" panose="020F0502020204030204" pitchFamily="34" charset="0"/>
-              <a:ea typeface="Calibri" panose="020F0502020204030204" pitchFamily="34" charset="0"/>
-              <a:cs typeface="Times New Roman" panose="02020603050405020304" pitchFamily="18" charset="0"/>
-            </a:endParaRPr>
-          </a:p>
-          <a:p>
-            <a:pPr>
-              <a:lnSpc>
-                <a:spcPct val="107000"/>
-              </a:lnSpc>
-              <a:spcAft>
-                <a:spcPts val="0"/>
-              </a:spcAft>
-              <a:tabLst>
-                <a:tab pos="581660" algn="l"/>
-                <a:tab pos="1163320" algn="l"/>
-                <a:tab pos="1744980" algn="l"/>
-                <a:tab pos="2326640" algn="l"/>
-                <a:tab pos="2908300" algn="l"/>
-                <a:tab pos="3489960" algn="l"/>
-                <a:tab pos="4071620" algn="l"/>
-                <a:tab pos="4653280" algn="l"/>
-                <a:tab pos="5234940" algn="l"/>
-                <a:tab pos="5816600" algn="l"/>
-                <a:tab pos="6398260" algn="l"/>
-                <a:tab pos="6979920" algn="l"/>
-                <a:tab pos="7561580" algn="l"/>
-                <a:tab pos="8143240" algn="l"/>
-                <a:tab pos="8724900" algn="l"/>
-                <a:tab pos="9306560" algn="l"/>
-              </a:tabLst>
-            </a:pPr>
-            <a:r>
-              <a:rPr lang="en-US" dirty="0">
-                <a:solidFill>
-                  <a:srgbClr val="000000"/>
-                </a:solidFill>
-                <a:ea typeface="Times New Roman" panose="02020603050405020304" pitchFamily="18" charset="0"/>
-                <a:cs typeface="Times New Roman" panose="02020603050405020304" pitchFamily="18" charset="0"/>
-              </a:rPr>
-              <a:t>  </a:t>
-            </a:r>
-            <a:r>
-              <a:rPr lang="en-US" dirty="0" err="1">
-                <a:solidFill>
-                  <a:srgbClr val="000000"/>
-                </a:solidFill>
-                <a:ea typeface="Times New Roman" panose="02020603050405020304" pitchFamily="18" charset="0"/>
-                <a:cs typeface="Times New Roman" panose="02020603050405020304" pitchFamily="18" charset="0"/>
-              </a:rPr>
-              <a:t>init</a:t>
-            </a:r>
-            <a:r>
-              <a:rPr lang="en-US" dirty="0">
-                <a:solidFill>
-                  <a:srgbClr val="000000"/>
-                </a:solidFill>
-                <a:ea typeface="Times New Roman" panose="02020603050405020304" pitchFamily="18" charset="0"/>
-                <a:cs typeface="Times New Roman" panose="02020603050405020304" pitchFamily="18" charset="0"/>
-              </a:rPr>
-              <a:t>{</a:t>
-            </a:r>
-            <a:endParaRPr lang="en-US" sz="2000" dirty="0">
-              <a:latin typeface="Calibri" panose="020F0502020204030204" pitchFamily="34" charset="0"/>
-              <a:ea typeface="Calibri" panose="020F0502020204030204" pitchFamily="34" charset="0"/>
-              <a:cs typeface="Times New Roman" panose="02020603050405020304" pitchFamily="18" charset="0"/>
-            </a:endParaRPr>
-          </a:p>
-          <a:p>
-            <a:pPr>
-              <a:lnSpc>
-                <a:spcPct val="107000"/>
-              </a:lnSpc>
-              <a:spcAft>
-                <a:spcPts val="0"/>
-              </a:spcAft>
-              <a:tabLst>
-                <a:tab pos="581660" algn="l"/>
-                <a:tab pos="1163320" algn="l"/>
-                <a:tab pos="1744980" algn="l"/>
-                <a:tab pos="2326640" algn="l"/>
-                <a:tab pos="2908300" algn="l"/>
-                <a:tab pos="3489960" algn="l"/>
-                <a:tab pos="4071620" algn="l"/>
-                <a:tab pos="4653280" algn="l"/>
-                <a:tab pos="5234940" algn="l"/>
-                <a:tab pos="5816600" algn="l"/>
-                <a:tab pos="6398260" algn="l"/>
-                <a:tab pos="6979920" algn="l"/>
-                <a:tab pos="7561580" algn="l"/>
-                <a:tab pos="8143240" algn="l"/>
-                <a:tab pos="8724900" algn="l"/>
-                <a:tab pos="9306560" algn="l"/>
-              </a:tabLst>
-            </a:pPr>
-            <a:r>
-              <a:rPr lang="en-US" dirty="0">
-                <a:solidFill>
-                  <a:srgbClr val="000000"/>
-                </a:solidFill>
-                <a:ea typeface="Times New Roman" panose="02020603050405020304" pitchFamily="18" charset="0"/>
-                <a:cs typeface="Times New Roman" panose="02020603050405020304" pitchFamily="18" charset="0"/>
-              </a:rPr>
-              <a:t>    </a:t>
-            </a:r>
-            <a:r>
-              <a:rPr lang="en-US" dirty="0" err="1">
-                <a:solidFill>
-                  <a:srgbClr val="000000"/>
-                </a:solidFill>
-                <a:ea typeface="Times New Roman" panose="02020603050405020304" pitchFamily="18" charset="0"/>
-                <a:cs typeface="Times New Roman" panose="02020603050405020304" pitchFamily="18" charset="0"/>
-              </a:rPr>
-              <a:t>updateViewProjMatrix</a:t>
-            </a:r>
-            <a:r>
-              <a:rPr lang="en-US" dirty="0">
-                <a:solidFill>
-                  <a:srgbClr val="000000"/>
-                </a:solidFill>
-                <a:ea typeface="Times New Roman" panose="02020603050405020304" pitchFamily="18" charset="0"/>
-                <a:cs typeface="Times New Roman" panose="02020603050405020304" pitchFamily="18" charset="0"/>
-              </a:rPr>
-              <a:t>()</a:t>
-            </a:r>
-            <a:endParaRPr lang="en-US" sz="2000" dirty="0">
-              <a:latin typeface="Calibri" panose="020F0502020204030204" pitchFamily="34" charset="0"/>
-              <a:ea typeface="Calibri" panose="020F0502020204030204" pitchFamily="34" charset="0"/>
-              <a:cs typeface="Times New Roman" panose="02020603050405020304" pitchFamily="18" charset="0"/>
-            </a:endParaRPr>
-          </a:p>
-          <a:p>
-            <a:pPr>
-              <a:lnSpc>
-                <a:spcPct val="107000"/>
-              </a:lnSpc>
-              <a:spcAft>
-                <a:spcPts val="0"/>
-              </a:spcAft>
-              <a:tabLst>
-                <a:tab pos="581660" algn="l"/>
-                <a:tab pos="1163320" algn="l"/>
-                <a:tab pos="1744980" algn="l"/>
-                <a:tab pos="2326640" algn="l"/>
-                <a:tab pos="2908300" algn="l"/>
-                <a:tab pos="3489960" algn="l"/>
-                <a:tab pos="4071620" algn="l"/>
-                <a:tab pos="4653280" algn="l"/>
-                <a:tab pos="5234940" algn="l"/>
-                <a:tab pos="5816600" algn="l"/>
-                <a:tab pos="6398260" algn="l"/>
-                <a:tab pos="6979920" algn="l"/>
-                <a:tab pos="7561580" algn="l"/>
-                <a:tab pos="8143240" algn="l"/>
-                <a:tab pos="8724900" algn="l"/>
-                <a:tab pos="9306560" algn="l"/>
-              </a:tabLst>
-            </a:pPr>
-            <a:r>
-              <a:rPr lang="en-US" dirty="0">
-                <a:solidFill>
-                  <a:srgbClr val="000000"/>
-                </a:solidFill>
-                <a:ea typeface="Times New Roman" panose="02020603050405020304" pitchFamily="18" charset="0"/>
-                <a:cs typeface="Times New Roman" panose="02020603050405020304" pitchFamily="18" charset="0"/>
-              </a:rPr>
-              <a:t>    </a:t>
-            </a:r>
-            <a:r>
-              <a:rPr lang="en-US" dirty="0" err="1">
-                <a:solidFill>
-                  <a:srgbClr val="000000"/>
-                </a:solidFill>
-                <a:ea typeface="Times New Roman" panose="02020603050405020304" pitchFamily="18" charset="0"/>
-                <a:cs typeface="Times New Roman" panose="02020603050405020304" pitchFamily="18" charset="0"/>
-              </a:rPr>
-              <a:t>addComponentsAndGatherUniforms</a:t>
-            </a:r>
-            <a:r>
-              <a:rPr lang="en-US" dirty="0">
-                <a:solidFill>
-                  <a:srgbClr val="000000"/>
-                </a:solidFill>
-                <a:ea typeface="Times New Roman" panose="02020603050405020304" pitchFamily="18" charset="0"/>
-                <a:cs typeface="Times New Roman" panose="02020603050405020304" pitchFamily="18" charset="0"/>
-              </a:rPr>
-              <a:t>(</a:t>
-            </a:r>
-            <a:r>
-              <a:rPr lang="en-US" dirty="0">
-                <a:solidFill>
-                  <a:srgbClr val="C70040"/>
-                </a:solidFill>
-                <a:ea typeface="Times New Roman" panose="02020603050405020304" pitchFamily="18" charset="0"/>
-                <a:cs typeface="Times New Roman" panose="02020603050405020304" pitchFamily="18" charset="0"/>
-              </a:rPr>
-              <a:t>*</a:t>
-            </a:r>
-            <a:r>
-              <a:rPr lang="en-US" dirty="0">
-                <a:solidFill>
-                  <a:srgbClr val="000000"/>
-                </a:solidFill>
-                <a:ea typeface="Times New Roman" panose="02020603050405020304" pitchFamily="18" charset="0"/>
-                <a:cs typeface="Times New Roman" panose="02020603050405020304" pitchFamily="18" charset="0"/>
-              </a:rPr>
-              <a:t>programs)</a:t>
-            </a:r>
-            <a:endParaRPr lang="en-US" sz="2000" dirty="0">
-              <a:latin typeface="Calibri" panose="020F0502020204030204" pitchFamily="34" charset="0"/>
-              <a:ea typeface="Calibri" panose="020F0502020204030204" pitchFamily="34" charset="0"/>
-              <a:cs typeface="Times New Roman" panose="02020603050405020304" pitchFamily="18" charset="0"/>
-            </a:endParaRPr>
-          </a:p>
-          <a:p>
-            <a:pPr>
-              <a:lnSpc>
-                <a:spcPct val="107000"/>
-              </a:lnSpc>
-              <a:spcAft>
-                <a:spcPts val="0"/>
-              </a:spcAft>
-              <a:tabLst>
-                <a:tab pos="581660" algn="l"/>
-                <a:tab pos="1163320" algn="l"/>
-                <a:tab pos="1744980" algn="l"/>
-                <a:tab pos="2326640" algn="l"/>
-                <a:tab pos="2908300" algn="l"/>
-                <a:tab pos="3489960" algn="l"/>
-                <a:tab pos="4071620" algn="l"/>
-                <a:tab pos="4653280" algn="l"/>
-                <a:tab pos="5234940" algn="l"/>
-                <a:tab pos="5816600" algn="l"/>
-                <a:tab pos="6398260" algn="l"/>
-                <a:tab pos="6979920" algn="l"/>
-                <a:tab pos="7561580" algn="l"/>
-                <a:tab pos="8143240" algn="l"/>
-                <a:tab pos="8724900" algn="l"/>
-                <a:tab pos="9306560" algn="l"/>
-              </a:tabLst>
-            </a:pPr>
-            <a:r>
-              <a:rPr lang="en-US" dirty="0">
-                <a:solidFill>
-                  <a:srgbClr val="000000"/>
-                </a:solidFill>
-                <a:ea typeface="Times New Roman" panose="02020603050405020304" pitchFamily="18" charset="0"/>
-                <a:cs typeface="Times New Roman" panose="02020603050405020304" pitchFamily="18" charset="0"/>
-              </a:rPr>
-              <a:t>  }</a:t>
-            </a:r>
-            <a:endParaRPr lang="en-US" sz="2000" dirty="0">
-              <a:latin typeface="Calibri" panose="020F0502020204030204" pitchFamily="34" charset="0"/>
-              <a:ea typeface="Calibri" panose="020F0502020204030204" pitchFamily="34" charset="0"/>
-              <a:cs typeface="Times New Roman" panose="02020603050405020304" pitchFamily="18" charset="0"/>
-            </a:endParaRPr>
-          </a:p>
-          <a:p>
-            <a:pPr>
-              <a:lnSpc>
-                <a:spcPct val="107000"/>
-              </a:lnSpc>
-              <a:spcAft>
-                <a:spcPts val="0"/>
-              </a:spcAft>
-              <a:tabLst>
-                <a:tab pos="581660" algn="l"/>
-                <a:tab pos="1163320" algn="l"/>
-                <a:tab pos="1744980" algn="l"/>
-                <a:tab pos="2326640" algn="l"/>
-                <a:tab pos="2908300" algn="l"/>
-                <a:tab pos="3489960" algn="l"/>
-                <a:tab pos="4071620" algn="l"/>
-                <a:tab pos="4653280" algn="l"/>
-                <a:tab pos="5234940" algn="l"/>
-                <a:tab pos="5816600" algn="l"/>
-                <a:tab pos="6398260" algn="l"/>
-                <a:tab pos="6979920" algn="l"/>
-                <a:tab pos="7561580" algn="l"/>
-                <a:tab pos="8143240" algn="l"/>
-                <a:tab pos="8724900" algn="l"/>
-                <a:tab pos="9306560" algn="l"/>
-              </a:tabLst>
-            </a:pPr>
-            <a:r>
-              <a:rPr lang="en-US" dirty="0">
-                <a:solidFill>
-                  <a:srgbClr val="000000"/>
-                </a:solidFill>
-                <a:ea typeface="Times New Roman" panose="02020603050405020304" pitchFamily="18" charset="0"/>
-                <a:cs typeface="Times New Roman" panose="02020603050405020304" pitchFamily="18" charset="0"/>
-              </a:rPr>
-              <a:t>}</a:t>
-            </a:r>
-            <a:endParaRPr lang="en-US" sz="2000" dirty="0">
-              <a:effectLst/>
-              <a:latin typeface="Calibri" panose="020F0502020204030204" pitchFamily="34" charset="0"/>
-              <a:ea typeface="Calibri" panose="020F0502020204030204" pitchFamily="34" charset="0"/>
-              <a:cs typeface="Times New Roman" panose="02020603050405020304" pitchFamily="18" charset="0"/>
-            </a:endParaRPr>
+            <a:r>
+              <a:rPr lang="hu-HU" dirty="0"/>
+              <a:t>magától forgó játékobjektum</a:t>
+            </a:r>
+          </a:p>
+          <a:p>
+            <a:r>
+              <a:rPr lang="hu-HU" dirty="0"/>
+              <a:t>különböző sebességekkel, de egyenes vonalban egyenletesen mozgó játékobjektumok</a:t>
+            </a:r>
+          </a:p>
+          <a:p>
+            <a:r>
+              <a:rPr lang="hu-HU" dirty="0"/>
+              <a:t>gombokkal forgatható játékobjektum</a:t>
+            </a:r>
+          </a:p>
+          <a:p>
+            <a:r>
+              <a:rPr lang="hu-HU" dirty="0"/>
+              <a:t>gombokkal mozgatható játékobjektum</a:t>
+            </a:r>
+            <a:endParaRPr lang="en-US" dirty="0"/>
           </a:p>
         </p:txBody>
       </p:sp>
     </p:spTree>
     <p:extLst>
       <p:ext uri="{BB962C8B-B14F-4D97-AF65-F5344CB8AC3E}">
-        <p14:creationId xmlns:p14="http://schemas.microsoft.com/office/powerpoint/2010/main" val="1488508662"/>
+        <p14:creationId xmlns:p14="http://schemas.microsoft.com/office/powerpoint/2010/main" val="418130809"/>
       </p:ext>
     </p:extLst>
   </p:cSld>
@@ -11742,26 +11207,6 @@
               </a:rPr>
               <a:t>OrthoCamera</a:t>
             </a:r>
-            <a:r>
-              <a:rPr lang="en-US" sz="4000" dirty="0">
-                <a:latin typeface="Consolas" panose="020B0609020204030204" pitchFamily="49" charset="0"/>
-                <a:cs typeface="Consolas" panose="020B0609020204030204" pitchFamily="49" charset="0"/>
-              </a:rPr>
-              <a:t>::</a:t>
-            </a:r>
-            <a:br>
-              <a:rPr lang="en-US" sz="4000" dirty="0">
-                <a:latin typeface="Consolas" panose="020B0609020204030204" pitchFamily="49" charset="0"/>
-                <a:cs typeface="Consolas" panose="020B0609020204030204" pitchFamily="49" charset="0"/>
-              </a:rPr>
-            </a:br>
-            <a:r>
-              <a:rPr lang="en-US" sz="4000" dirty="0" err="1">
-                <a:latin typeface="Consolas" panose="020B0609020204030204" pitchFamily="49" charset="0"/>
-                <a:cs typeface="Consolas" panose="020B0609020204030204" pitchFamily="49" charset="0"/>
-              </a:rPr>
-              <a:t>updateViewProjMatrix</a:t>
-            </a:r>
             <a:endParaRPr lang="en-US" dirty="0">
               <a:latin typeface="Consolas" panose="020B0609020204030204" pitchFamily="49" charset="0"/>
               <a:cs typeface="Consolas" panose="020B0609020204030204" pitchFamily="49" charset="0"/>
@@ -11813,32 +11258,62 @@
             <a:r>
               <a:rPr lang="en-US" dirty="0">
                 <a:solidFill>
-                  <a:srgbClr val="000000"/>
-                </a:solidFill>
-                <a:ea typeface="Times New Roman" panose="02020603050405020304" pitchFamily="18" charset="0"/>
-                <a:cs typeface="Times New Roman" panose="02020603050405020304" pitchFamily="18" charset="0"/>
-              </a:rPr>
-              <a:t>  </a:t>
+                  <a:srgbClr val="C70040"/>
+                </a:solidFill>
+                <a:ea typeface="Times New Roman" panose="02020603050405020304" pitchFamily="18" charset="0"/>
+                <a:cs typeface="Times New Roman" panose="02020603050405020304" pitchFamily="18" charset="0"/>
+              </a:rPr>
+              <a:t>class </a:t>
+            </a:r>
+            <a:r>
+              <a:rPr lang="en-US" dirty="0" err="1">
+                <a:solidFill>
+                  <a:srgbClr val="000000"/>
+                </a:solidFill>
+                <a:ea typeface="Times New Roman" panose="02020603050405020304" pitchFamily="18" charset="0"/>
+                <a:cs typeface="Times New Roman" panose="02020603050405020304" pitchFamily="18" charset="0"/>
+              </a:rPr>
+              <a:t>OrthoCamera</a:t>
             </a:r>
             <a:r>
               <a:rPr lang="en-US" dirty="0">
                 <a:solidFill>
+                  <a:srgbClr val="000000"/>
+                </a:solidFill>
+                <a:ea typeface="Times New Roman" panose="02020603050405020304" pitchFamily="18" charset="0"/>
+                <a:cs typeface="Times New Roman" panose="02020603050405020304" pitchFamily="18" charset="0"/>
+              </a:rPr>
+              <a:t>() </a:t>
+            </a:r>
+            <a:r>
+              <a:rPr lang="en-US" dirty="0">
+                <a:solidFill>
                   <a:srgbClr val="C70040"/>
                 </a:solidFill>
                 <a:ea typeface="Times New Roman" panose="02020603050405020304" pitchFamily="18" charset="0"/>
                 <a:cs typeface="Times New Roman" panose="02020603050405020304" pitchFamily="18" charset="0"/>
               </a:rPr>
-              <a:t>fun </a:t>
-            </a:r>
-            <a:r>
-              <a:rPr lang="en-US" dirty="0" err="1">
+              <a:t>:</a:t>
+            </a:r>
+            <a:r>
+              <a:rPr lang="hu-HU" dirty="0">
+                <a:solidFill>
+                  <a:srgbClr val="C70040"/>
+                </a:solidFill>
+                <a:ea typeface="Times New Roman" panose="02020603050405020304" pitchFamily="18" charset="0"/>
+                <a:cs typeface="Times New Roman" panose="02020603050405020304" pitchFamily="18" charset="0"/>
+              </a:rPr>
+              <a:t> </a:t>
+            </a:r>
+            <a:r>
+              <a:rPr lang="en-US" i="1" dirty="0" err="1">
                 <a:solidFill>
                   <a:srgbClr val="427E00"/>
                 </a:solidFill>
                 <a:ea typeface="Times New Roman" panose="02020603050405020304" pitchFamily="18" charset="0"/>
                 <a:cs typeface="Times New Roman" panose="02020603050405020304" pitchFamily="18" charset="0"/>
               </a:rPr>
-              <a:t>updateViewProjMatrix</a:t>
+              <a:t>UniformProvider</a:t>
             </a:r>
             <a:r>
               <a:rPr lang="en-US" dirty="0">
@@ -11848,7 +11323,27 @@
                 <a:ea typeface="Times New Roman" panose="02020603050405020304" pitchFamily="18" charset="0"/>
                 <a:cs typeface="Times New Roman" panose="02020603050405020304" pitchFamily="18" charset="0"/>
               </a:rPr>
-              <a:t>() {</a:t>
+              <a:t>(</a:t>
+            </a:r>
+            <a:r>
+              <a:rPr lang="en-US" dirty="0">
+                <a:solidFill>
+                  <a:srgbClr val="8F8634"/>
+                </a:solidFill>
+                <a:ea typeface="Times New Roman" panose="02020603050405020304" pitchFamily="18" charset="0"/>
+                <a:cs typeface="Times New Roman" panose="02020603050405020304" pitchFamily="18" charset="0"/>
+              </a:rPr>
+              <a:t>"camera"</a:t>
+            </a:r>
+            <a:r>
+              <a:rPr lang="en-US" dirty="0">
+                <a:solidFill>
+                  <a:srgbClr val="000000"/>
+                </a:solidFill>
+                <a:ea typeface="Times New Roman" panose="02020603050405020304" pitchFamily="18" charset="0"/>
+                <a:cs typeface="Times New Roman" panose="02020603050405020304" pitchFamily="18" charset="0"/>
+              </a:rPr>
+              <a:t>) {</a:t>
             </a:r>
             <a:endParaRPr lang="en-US" sz="2000" dirty="0">
               <a:latin typeface="Calibri" panose="020F0502020204030204" pitchFamily="34" charset="0"/>
@@ -11891,58 +11386,103 @@
                 <a:ea typeface="Times New Roman" panose="02020603050405020304" pitchFamily="18" charset="0"/>
                 <a:cs typeface="Times New Roman" panose="02020603050405020304" pitchFamily="18" charset="0"/>
               </a:rPr>
-              <a:t>    </a:t>
+              <a:t>  </a:t>
             </a:r>
             <a:r>
               <a:rPr lang="en-US" dirty="0" err="1">
                 <a:solidFill>
-                  <a:srgbClr val="000000"/>
-                </a:solidFill>
-                <a:ea typeface="Times New Roman" panose="02020603050405020304" pitchFamily="18" charset="0"/>
-                <a:cs typeface="Times New Roman" panose="02020603050405020304" pitchFamily="18" charset="0"/>
-              </a:rPr>
-              <a:t>viewProjMatrix</a:t>
-            </a:r>
-            <a:r>
-              <a:rPr lang="en-US" dirty="0" err="1">
-                <a:solidFill>
                   <a:srgbClr val="C70040"/>
                 </a:solidFill>
                 <a:ea typeface="Times New Roman" panose="02020603050405020304" pitchFamily="18" charset="0"/>
                 <a:cs typeface="Times New Roman" panose="02020603050405020304" pitchFamily="18" charset="0"/>
               </a:rPr>
-              <a:t>.</a:t>
-            </a:r>
-            <a:r>
-              <a:rPr lang="en-US" dirty="0" err="1">
-                <a:solidFill>
-                  <a:srgbClr val="427E00"/>
-                </a:solidFill>
-                <a:ea typeface="Times New Roman" panose="02020603050405020304" pitchFamily="18" charset="0"/>
-                <a:cs typeface="Times New Roman" panose="02020603050405020304" pitchFamily="18" charset="0"/>
-              </a:rPr>
-              <a:t>set</a:t>
+              <a:t>val</a:t>
             </a:r>
             <a:r>
               <a:rPr lang="en-US" dirty="0">
                 <a:solidFill>
-                  <a:srgbClr val="000000"/>
-                </a:solidFill>
-                <a:ea typeface="Times New Roman" panose="02020603050405020304" pitchFamily="18" charset="0"/>
-                <a:cs typeface="Times New Roman" panose="02020603050405020304" pitchFamily="18" charset="0"/>
-              </a:rPr>
-              <a:t>()</a:t>
+                  <a:srgbClr val="C70040"/>
+                </a:solidFill>
+                <a:ea typeface="Times New Roman" panose="02020603050405020304" pitchFamily="18" charset="0"/>
+                <a:cs typeface="Times New Roman" panose="02020603050405020304" pitchFamily="18" charset="0"/>
+              </a:rPr>
+              <a:t> </a:t>
             </a:r>
             <a:r>
               <a:rPr lang="en-US" dirty="0">
                 <a:solidFill>
+                  <a:srgbClr val="000000"/>
+                </a:solidFill>
+                <a:ea typeface="Times New Roman" panose="02020603050405020304" pitchFamily="18" charset="0"/>
+                <a:cs typeface="Times New Roman" panose="02020603050405020304" pitchFamily="18" charset="0"/>
+              </a:rPr>
+              <a:t>position </a:t>
+            </a:r>
+            <a:r>
+              <a:rPr lang="en-US" dirty="0">
+                <a:solidFill>
                   <a:srgbClr val="C70040"/>
                 </a:solidFill>
                 <a:ea typeface="Times New Roman" panose="02020603050405020304" pitchFamily="18" charset="0"/>
                 <a:cs typeface="Times New Roman" panose="02020603050405020304" pitchFamily="18" charset="0"/>
               </a:rPr>
-              <a:t>.</a:t>
-            </a:r>
+              <a:t>= </a:t>
+            </a:r>
+            <a:r>
+              <a:rPr lang="en-US" dirty="0">
+                <a:solidFill>
+                  <a:srgbClr val="000000"/>
+                </a:solidFill>
+                <a:ea typeface="Times New Roman" panose="02020603050405020304" pitchFamily="18" charset="0"/>
+                <a:cs typeface="Times New Roman" panose="02020603050405020304" pitchFamily="18" charset="0"/>
+              </a:rPr>
+              <a:t>Vec2(</a:t>
+            </a:r>
+            <a:r>
+              <a:rPr lang="en-US" dirty="0">
+                <a:solidFill>
+                  <a:srgbClr val="7C4FCD"/>
+                </a:solidFill>
+                <a:ea typeface="Times New Roman" panose="02020603050405020304" pitchFamily="18" charset="0"/>
+                <a:cs typeface="Times New Roman" panose="02020603050405020304" pitchFamily="18" charset="0"/>
+              </a:rPr>
+              <a:t>0.0f</a:t>
+            </a:r>
+            <a:r>
+              <a:rPr lang="en-US" dirty="0">
+                <a:solidFill>
+                  <a:srgbClr val="000000"/>
+                </a:solidFill>
+                <a:ea typeface="Times New Roman" panose="02020603050405020304" pitchFamily="18" charset="0"/>
+                <a:cs typeface="Times New Roman" panose="02020603050405020304" pitchFamily="18" charset="0"/>
+              </a:rPr>
+              <a:t>, </a:t>
+            </a:r>
+            <a:r>
+              <a:rPr lang="en-US" dirty="0">
+                <a:solidFill>
+                  <a:srgbClr val="7C4FCD"/>
+                </a:solidFill>
+                <a:ea typeface="Times New Roman" panose="02020603050405020304" pitchFamily="18" charset="0"/>
+                <a:cs typeface="Times New Roman" panose="02020603050405020304" pitchFamily="18" charset="0"/>
+              </a:rPr>
+              <a:t>0.0f</a:t>
+            </a:r>
+            <a:r>
+              <a:rPr lang="en-US" dirty="0">
+                <a:solidFill>
+                  <a:srgbClr val="000000"/>
+                </a:solidFill>
+                <a:ea typeface="Times New Roman" panose="02020603050405020304" pitchFamily="18" charset="0"/>
+                <a:cs typeface="Times New Roman" panose="02020603050405020304" pitchFamily="18" charset="0"/>
+              </a:rPr>
+              <a:t>)</a:t>
+            </a:r>
+            <a:endParaRPr lang="en-US" sz="2000" dirty="0">
+              <a:latin typeface="Calibri" panose="020F0502020204030204" pitchFamily="34" charset="0"/>
+              <a:ea typeface="Calibri" panose="020F0502020204030204" pitchFamily="34" charset="0"/>
+              <a:cs typeface="Times New Roman" panose="02020603050405020304" pitchFamily="18" charset="0"/>
+            </a:endParaRPr>
           </a:p>
           <a:p>
             <a:pPr>
@@ -11979,76 +11519,67 @@
                 <a:ea typeface="Times New Roman" panose="02020603050405020304" pitchFamily="18" charset="0"/>
                 <a:cs typeface="Times New Roman" panose="02020603050405020304" pitchFamily="18" charset="0"/>
               </a:rPr>
-              <a:t>      scale</a:t>
-            </a:r>
-            <a:r>
-              <a:rPr lang="en-US">
-                <a:solidFill>
-                  <a:srgbClr val="000000"/>
-                </a:solidFill>
-                <a:ea typeface="Times New Roman" panose="02020603050405020304" pitchFamily="18" charset="0"/>
-                <a:cs typeface="Times New Roman" panose="02020603050405020304" pitchFamily="18" charset="0"/>
-              </a:rPr>
-              <a:t>(</a:t>
-            </a:r>
-            <a:r>
-              <a:rPr lang="en-US">
+              <a:t>  </a:t>
+            </a:r>
+            <a:r>
+              <a:rPr lang="en-US" dirty="0" err="1">
+                <a:solidFill>
+                  <a:srgbClr val="C70040"/>
+                </a:solidFill>
+                <a:ea typeface="Times New Roman" panose="02020603050405020304" pitchFamily="18" charset="0"/>
+                <a:cs typeface="Times New Roman" panose="02020603050405020304" pitchFamily="18" charset="0"/>
+              </a:rPr>
+              <a:t>va</a:t>
+            </a:r>
+            <a:r>
+              <a:rPr lang="hu-HU" dirty="0">
+                <a:solidFill>
+                  <a:srgbClr val="C70040"/>
+                </a:solidFill>
+                <a:ea typeface="Times New Roman" panose="02020603050405020304" pitchFamily="18" charset="0"/>
+                <a:cs typeface="Times New Roman" panose="02020603050405020304" pitchFamily="18" charset="0"/>
+              </a:rPr>
+              <a:t>r</a:t>
+            </a:r>
+            <a:r>
+              <a:rPr lang="en-US" dirty="0">
+                <a:solidFill>
+                  <a:srgbClr val="C70040"/>
+                </a:solidFill>
+                <a:ea typeface="Times New Roman" panose="02020603050405020304" pitchFamily="18" charset="0"/>
+                <a:cs typeface="Times New Roman" panose="02020603050405020304" pitchFamily="18" charset="0"/>
+              </a:rPr>
+              <a:t> </a:t>
+            </a:r>
+            <a:r>
+              <a:rPr lang="en-US" dirty="0">
+                <a:solidFill>
+                  <a:srgbClr val="000000"/>
+                </a:solidFill>
+                <a:ea typeface="Times New Roman" panose="02020603050405020304" pitchFamily="18" charset="0"/>
+                <a:cs typeface="Times New Roman" panose="02020603050405020304" pitchFamily="18" charset="0"/>
+              </a:rPr>
+              <a:t>roll </a:t>
+            </a:r>
+            <a:r>
+              <a:rPr lang="en-US" dirty="0">
+                <a:solidFill>
+                  <a:srgbClr val="C70040"/>
+                </a:solidFill>
+                <a:ea typeface="Times New Roman" panose="02020603050405020304" pitchFamily="18" charset="0"/>
+                <a:cs typeface="Times New Roman" panose="02020603050405020304" pitchFamily="18" charset="0"/>
+              </a:rPr>
+              <a:t>= </a:t>
+            </a:r>
+            <a:r>
+              <a:rPr lang="en-US" dirty="0">
                 <a:solidFill>
                   <a:srgbClr val="7C4FCD"/>
                 </a:solidFill>
                 <a:ea typeface="Times New Roman" panose="02020603050405020304" pitchFamily="18" charset="0"/>
                 <a:cs typeface="Times New Roman" panose="02020603050405020304" pitchFamily="18" charset="0"/>
               </a:rPr>
-              <a:t>0.5f</a:t>
-            </a:r>
-            <a:r>
-              <a:rPr lang="hu-HU" dirty="0">
-                <a:solidFill>
-                  <a:srgbClr val="000000"/>
-                </a:solidFill>
-                <a:cs typeface="Times New Roman" panose="02020603050405020304" pitchFamily="18" charset="0"/>
-              </a:rPr>
-              <a:t>, </a:t>
-            </a:r>
-            <a:r>
-              <a:rPr lang="en-US">
-                <a:solidFill>
-                  <a:srgbClr val="7C4FCD"/>
-                </a:solidFill>
-                <a:ea typeface="Times New Roman" panose="02020603050405020304" pitchFamily="18" charset="0"/>
-                <a:cs typeface="Times New Roman" panose="02020603050405020304" pitchFamily="18" charset="0"/>
-              </a:rPr>
-              <a:t>0</a:t>
-            </a:r>
-            <a:r>
-              <a:rPr lang="hu-HU" dirty="0">
-                <a:solidFill>
-                  <a:srgbClr val="7C4FCD"/>
-                </a:solidFill>
-                <a:ea typeface="Times New Roman" panose="02020603050405020304" pitchFamily="18" charset="0"/>
-                <a:cs typeface="Times New Roman" panose="02020603050405020304" pitchFamily="18" charset="0"/>
-              </a:rPr>
-              <a:t>.5f</a:t>
-            </a:r>
-            <a:r>
-              <a:rPr lang="en-US" dirty="0">
-                <a:solidFill>
-                  <a:srgbClr val="000000"/>
-                </a:solidFill>
-                <a:ea typeface="Times New Roman" panose="02020603050405020304" pitchFamily="18" charset="0"/>
-                <a:cs typeface="Times New Roman" panose="02020603050405020304" pitchFamily="18" charset="0"/>
-              </a:rPr>
-              <a:t>)</a:t>
-            </a:r>
-            <a:r>
-              <a:rPr lang="en-US" dirty="0">
-                <a:solidFill>
-                  <a:srgbClr val="C70040"/>
-                </a:solidFill>
-                <a:ea typeface="Times New Roman" panose="02020603050405020304" pitchFamily="18" charset="0"/>
-                <a:cs typeface="Times New Roman" panose="02020603050405020304" pitchFamily="18" charset="0"/>
-              </a:rPr>
-              <a:t>.</a:t>
+              <a:t>0.0f</a:t>
             </a:r>
             <a:endParaRPr lang="en-US" sz="2000" dirty="0">
               <a:latin typeface="Calibri" panose="020F0502020204030204" pitchFamily="34" charset="0"/>
@@ -12086,22 +11617,32 @@
             <a:r>
               <a:rPr lang="en-US" dirty="0">
                 <a:solidFill>
+                  <a:srgbClr val="7C4FCD"/>
+                </a:solidFill>
+                <a:ea typeface="Times New Roman" panose="02020603050405020304" pitchFamily="18" charset="0"/>
+                <a:cs typeface="Times New Roman" panose="02020603050405020304" pitchFamily="18" charset="0"/>
+              </a:rPr>
+              <a:t>  </a:t>
+            </a:r>
+            <a:r>
+              <a:rPr lang="en-US" dirty="0" err="1">
+                <a:solidFill>
                   <a:srgbClr val="C70040"/>
                 </a:solidFill>
                 <a:ea typeface="Times New Roman" panose="02020603050405020304" pitchFamily="18" charset="0"/>
                 <a:cs typeface="Times New Roman" panose="02020603050405020304" pitchFamily="18" charset="0"/>
               </a:rPr>
-              <a:t>      </a:t>
+              <a:t>val</a:t>
             </a:r>
             <a:r>
               <a:rPr lang="en-US" dirty="0">
                 <a:solidFill>
-                  <a:srgbClr val="000000"/>
-                </a:solidFill>
-                <a:ea typeface="Times New Roman" panose="02020603050405020304" pitchFamily="18" charset="0"/>
-                <a:cs typeface="Times New Roman" panose="02020603050405020304" pitchFamily="18" charset="0"/>
-              </a:rPr>
-              <a:t>scale(</a:t>
+                  <a:srgbClr val="C70040"/>
+                </a:solidFill>
+                <a:ea typeface="Times New Roman" panose="02020603050405020304" pitchFamily="18" charset="0"/>
+                <a:cs typeface="Times New Roman" panose="02020603050405020304" pitchFamily="18" charset="0"/>
+              </a:rPr>
+              <a:t> </a:t>
             </a:r>
             <a:r>
               <a:rPr lang="en-US" dirty="0" err="1">
@@ -12121,17 +11662,67 @@
                 <a:ea typeface="Times New Roman" panose="02020603050405020304" pitchFamily="18" charset="0"/>
                 <a:cs typeface="Times New Roman" panose="02020603050405020304" pitchFamily="18" charset="0"/>
               </a:rPr>
+              <a:t> </a:t>
+            </a:r>
+            <a:r>
+              <a:rPr lang="en-US" dirty="0">
+                <a:solidFill>
+                  <a:srgbClr val="C70040"/>
+                </a:solidFill>
+                <a:ea typeface="Times New Roman" panose="02020603050405020304" pitchFamily="18" charset="0"/>
+                <a:cs typeface="Times New Roman" panose="02020603050405020304" pitchFamily="18" charset="0"/>
+              </a:rPr>
+              <a:t>= </a:t>
+            </a:r>
+            <a:r>
+              <a:rPr lang="en-US" dirty="0">
+                <a:solidFill>
+                  <a:srgbClr val="000000"/>
+                </a:solidFill>
+                <a:ea typeface="Times New Roman" panose="02020603050405020304" pitchFamily="18" charset="0"/>
+                <a:cs typeface="Times New Roman" panose="02020603050405020304" pitchFamily="18" charset="0"/>
+              </a:rPr>
+              <a:t>Vec2(</a:t>
+            </a:r>
+            <a:r>
+              <a:rPr lang="en-US" dirty="0">
+                <a:solidFill>
+                  <a:srgbClr val="7C4FCD"/>
+                </a:solidFill>
+                <a:ea typeface="Times New Roman" panose="02020603050405020304" pitchFamily="18" charset="0"/>
+                <a:cs typeface="Times New Roman" panose="02020603050405020304" pitchFamily="18" charset="0"/>
+              </a:rPr>
+              <a:t>2.0f</a:t>
+            </a:r>
+            <a:r>
+              <a:rPr lang="en-US" dirty="0">
+                <a:solidFill>
+                  <a:srgbClr val="000000"/>
+                </a:solidFill>
+                <a:ea typeface="Times New Roman" panose="02020603050405020304" pitchFamily="18" charset="0"/>
+                <a:cs typeface="Times New Roman" panose="02020603050405020304" pitchFamily="18" charset="0"/>
+              </a:rPr>
+              <a:t>, </a:t>
+            </a:r>
+            <a:r>
+              <a:rPr lang="en-US" dirty="0">
+                <a:solidFill>
+                  <a:srgbClr val="7C4FCD"/>
+                </a:solidFill>
+                <a:ea typeface="Times New Roman" panose="02020603050405020304" pitchFamily="18" charset="0"/>
+                <a:cs typeface="Times New Roman" panose="02020603050405020304" pitchFamily="18" charset="0"/>
+              </a:rPr>
+              <a:t>2.0f</a:t>
+            </a:r>
+            <a:r>
+              <a:rPr lang="en-US" dirty="0">
+                <a:solidFill>
+                  <a:srgbClr val="000000"/>
+                </a:solidFill>
+                <a:ea typeface="Times New Roman" panose="02020603050405020304" pitchFamily="18" charset="0"/>
+                <a:cs typeface="Times New Roman" panose="02020603050405020304" pitchFamily="18" charset="0"/>
+              </a:rPr>
               <a:t>)</a:t>
-            </a:r>
-            <a:r>
-              <a:rPr lang="en-US" dirty="0">
-                <a:solidFill>
-                  <a:srgbClr val="C70040"/>
-                </a:solidFill>
-                <a:ea typeface="Times New Roman" panose="02020603050405020304" pitchFamily="18" charset="0"/>
-                <a:cs typeface="Times New Roman" panose="02020603050405020304" pitchFamily="18" charset="0"/>
-              </a:rPr>
-              <a:t>.</a:t>
             </a:r>
             <a:endParaRPr lang="en-US" sz="2000" dirty="0">
               <a:latin typeface="Calibri" panose="020F0502020204030204" pitchFamily="34" charset="0"/>
@@ -12166,36 +11757,6 @@
                 <a:tab pos="9306560" algn="l"/>
               </a:tabLst>
             </a:pPr>
-            <a:r>
-              <a:rPr lang="en-US" dirty="0">
-                <a:solidFill>
-                  <a:srgbClr val="C70040"/>
-                </a:solidFill>
-                <a:ea typeface="Times New Roman" panose="02020603050405020304" pitchFamily="18" charset="0"/>
-                <a:cs typeface="Times New Roman" panose="02020603050405020304" pitchFamily="18" charset="0"/>
-              </a:rPr>
-              <a:t>      </a:t>
-            </a:r>
-            <a:r>
-              <a:rPr lang="en-US" dirty="0">
-                <a:solidFill>
-                  <a:srgbClr val="000000"/>
-                </a:solidFill>
-                <a:ea typeface="Times New Roman" panose="02020603050405020304" pitchFamily="18" charset="0"/>
-                <a:cs typeface="Times New Roman" panose="02020603050405020304" pitchFamily="18" charset="0"/>
-              </a:rPr>
-              <a:t>rotate(roll)</a:t>
-            </a:r>
-            <a:r>
-              <a:rPr lang="en-US" dirty="0">
-                <a:solidFill>
-                  <a:srgbClr val="C70040"/>
-                </a:solidFill>
-                <a:ea typeface="Times New Roman" panose="02020603050405020304" pitchFamily="18" charset="0"/>
-                <a:cs typeface="Times New Roman" panose="02020603050405020304" pitchFamily="18" charset="0"/>
-              </a:rPr>
-              <a:t>.</a:t>
-            </a:r>
             <a:endParaRPr lang="en-US" sz="2000" dirty="0">
               <a:latin typeface="Calibri" panose="020F0502020204030204" pitchFamily="34" charset="0"/>
               <a:ea typeface="Calibri" panose="020F0502020204030204" pitchFamily="34" charset="0"/>
@@ -12232,32 +11793,72 @@
             <a:r>
               <a:rPr lang="en-US" dirty="0">
                 <a:solidFill>
+                  <a:srgbClr val="000000"/>
+                </a:solidFill>
+                <a:ea typeface="Times New Roman" panose="02020603050405020304" pitchFamily="18" charset="0"/>
+                <a:cs typeface="Times New Roman" panose="02020603050405020304" pitchFamily="18" charset="0"/>
+              </a:rPr>
+              <a:t>  </a:t>
+            </a:r>
+            <a:r>
+              <a:rPr lang="en-US" dirty="0" err="1">
+                <a:solidFill>
                   <a:srgbClr val="C70040"/>
                 </a:solidFill>
                 <a:ea typeface="Times New Roman" panose="02020603050405020304" pitchFamily="18" charset="0"/>
                 <a:cs typeface="Times New Roman" panose="02020603050405020304" pitchFamily="18" charset="0"/>
               </a:rPr>
-              <a:t>      </a:t>
+              <a:t>val</a:t>
             </a:r>
             <a:r>
               <a:rPr lang="en-US" dirty="0">
                 <a:solidFill>
-                  <a:srgbClr val="000000"/>
-                </a:solidFill>
-                <a:ea typeface="Times New Roman" panose="02020603050405020304" pitchFamily="18" charset="0"/>
-                <a:cs typeface="Times New Roman" panose="02020603050405020304" pitchFamily="18" charset="0"/>
-              </a:rPr>
-              <a:t>translate(position)</a:t>
+                  <a:srgbClr val="C70040"/>
+                </a:solidFill>
+                <a:ea typeface="Times New Roman" panose="02020603050405020304" pitchFamily="18" charset="0"/>
+                <a:cs typeface="Times New Roman" panose="02020603050405020304" pitchFamily="18" charset="0"/>
+              </a:rPr>
+              <a:t> </a:t>
+            </a:r>
+            <a:r>
+              <a:rPr lang="en-US" dirty="0" err="1">
+                <a:solidFill>
+                  <a:srgbClr val="000000"/>
+                </a:solidFill>
+                <a:ea typeface="Times New Roman" panose="02020603050405020304" pitchFamily="18" charset="0"/>
+                <a:cs typeface="Times New Roman" panose="02020603050405020304" pitchFamily="18" charset="0"/>
+              </a:rPr>
+              <a:t>viewProjMatrix</a:t>
             </a:r>
             <a:r>
               <a:rPr lang="en-US" dirty="0">
                 <a:solidFill>
+                  <a:srgbClr val="000000"/>
+                </a:solidFill>
+                <a:ea typeface="Times New Roman" panose="02020603050405020304" pitchFamily="18" charset="0"/>
+                <a:cs typeface="Times New Roman" panose="02020603050405020304" pitchFamily="18" charset="0"/>
+              </a:rPr>
+              <a:t> </a:t>
+            </a:r>
+            <a:r>
+              <a:rPr lang="en-US" dirty="0">
+                <a:solidFill>
                   <a:srgbClr val="C70040"/>
                 </a:solidFill>
                 <a:ea typeface="Times New Roman" panose="02020603050405020304" pitchFamily="18" charset="0"/>
                 <a:cs typeface="Times New Roman" panose="02020603050405020304" pitchFamily="18" charset="0"/>
               </a:rPr>
-              <a:t>.</a:t>
+              <a:t>by </a:t>
+            </a:r>
+            <a:r>
+              <a:rPr lang="en-US" dirty="0">
+                <a:solidFill>
+                  <a:srgbClr val="000000"/>
+                </a:solidFill>
+                <a:ea typeface="Times New Roman" panose="02020603050405020304" pitchFamily="18" charset="0"/>
+                <a:cs typeface="Times New Roman" panose="02020603050405020304" pitchFamily="18" charset="0"/>
+              </a:rPr>
+              <a:t>Mat4()</a:t>
             </a:r>
             <a:endParaRPr lang="en-US" sz="2000" dirty="0">
               <a:latin typeface="Calibri" panose="020F0502020204030204" pitchFamily="34" charset="0"/>
@@ -12295,12 +11896,22 @@
             <a:r>
               <a:rPr lang="en-US" dirty="0">
                 <a:solidFill>
-                  <a:srgbClr val="C70040"/>
-                </a:solidFill>
-                <a:ea typeface="Times New Roman" panose="02020603050405020304" pitchFamily="18" charset="0"/>
-                <a:cs typeface="Times New Roman" panose="02020603050405020304" pitchFamily="18" charset="0"/>
-              </a:rPr>
-              <a:t>      </a:t>
+                  <a:srgbClr val="000000"/>
+                </a:solidFill>
+                <a:ea typeface="Times New Roman" panose="02020603050405020304" pitchFamily="18" charset="0"/>
+                <a:cs typeface="Times New Roman" panose="02020603050405020304" pitchFamily="18" charset="0"/>
+              </a:rPr>
+              <a:t>  </a:t>
+            </a:r>
+            <a:r>
+              <a:rPr lang="en-US" dirty="0" err="1">
+                <a:solidFill>
+                  <a:srgbClr val="000000"/>
+                </a:solidFill>
+                <a:ea typeface="Times New Roman" panose="02020603050405020304" pitchFamily="18" charset="0"/>
+                <a:cs typeface="Times New Roman" panose="02020603050405020304" pitchFamily="18" charset="0"/>
+              </a:rPr>
+              <a:t>init</a:t>
             </a:r>
             <a:r>
               <a:rPr lang="en-US" dirty="0">
@@ -12310,7 +11921,7 @@
                 <a:ea typeface="Times New Roman" panose="02020603050405020304" pitchFamily="18" charset="0"/>
                 <a:cs typeface="Times New Roman" panose="02020603050405020304" pitchFamily="18" charset="0"/>
               </a:rPr>
-              <a:t>invert()</a:t>
+              <a:t>{</a:t>
             </a:r>
             <a:endParaRPr lang="en-US" sz="2000" dirty="0">
               <a:latin typeface="Calibri" panose="020F0502020204030204" pitchFamily="34" charset="0"/>
@@ -12353,7 +11964,27 @@
                 <a:ea typeface="Times New Roman" panose="02020603050405020304" pitchFamily="18" charset="0"/>
                 <a:cs typeface="Times New Roman" panose="02020603050405020304" pitchFamily="18" charset="0"/>
               </a:rPr>
-              <a:t>  }</a:t>
+              <a:t>    </a:t>
+            </a:r>
+            <a:r>
+              <a:rPr lang="en-US" dirty="0" err="1">
+                <a:solidFill>
+                  <a:srgbClr val="000000"/>
+                </a:solidFill>
+                <a:ea typeface="Times New Roman" panose="02020603050405020304" pitchFamily="18" charset="0"/>
+                <a:cs typeface="Times New Roman" panose="02020603050405020304" pitchFamily="18" charset="0"/>
+              </a:rPr>
+              <a:t>updateViewProjMatrix</a:t>
+            </a:r>
+            <a:r>
+              <a:rPr lang="en-US" dirty="0">
+                <a:solidFill>
+                  <a:srgbClr val="000000"/>
+                </a:solidFill>
+                <a:ea typeface="Times New Roman" panose="02020603050405020304" pitchFamily="18" charset="0"/>
+                <a:cs typeface="Times New Roman" panose="02020603050405020304" pitchFamily="18" charset="0"/>
+              </a:rPr>
+              <a:t>()</a:t>
             </a:r>
             <a:endParaRPr lang="en-US" sz="2000" dirty="0">
               <a:latin typeface="Calibri" panose="020F0502020204030204" pitchFamily="34" charset="0"/>
@@ -12396,87 +12027,7 @@
                 <a:ea typeface="Times New Roman" panose="02020603050405020304" pitchFamily="18" charset="0"/>
                 <a:cs typeface="Times New Roman" panose="02020603050405020304" pitchFamily="18" charset="0"/>
               </a:rPr>
-              <a:t>  </a:t>
-            </a:r>
-            <a:r>
-              <a:rPr lang="en-US" dirty="0">
-                <a:solidFill>
-                  <a:srgbClr val="C70040"/>
-                </a:solidFill>
-                <a:ea typeface="Times New Roman" panose="02020603050405020304" pitchFamily="18" charset="0"/>
-                <a:cs typeface="Times New Roman" panose="02020603050405020304" pitchFamily="18" charset="0"/>
-              </a:rPr>
-              <a:t>fun </a:t>
-            </a:r>
-            <a:r>
-              <a:rPr lang="en-US" dirty="0" err="1">
-                <a:solidFill>
-                  <a:srgbClr val="427E00"/>
-                </a:solidFill>
-                <a:ea typeface="Times New Roman" panose="02020603050405020304" pitchFamily="18" charset="0"/>
-                <a:cs typeface="Times New Roman" panose="02020603050405020304" pitchFamily="18" charset="0"/>
-              </a:rPr>
-              <a:t>setAspectRatio</a:t>
-            </a:r>
-            <a:r>
-              <a:rPr lang="en-US" dirty="0">
-                <a:solidFill>
-                  <a:srgbClr val="000000"/>
-                </a:solidFill>
-                <a:ea typeface="Times New Roman" panose="02020603050405020304" pitchFamily="18" charset="0"/>
-                <a:cs typeface="Times New Roman" panose="02020603050405020304" pitchFamily="18" charset="0"/>
-              </a:rPr>
-              <a:t>(</a:t>
-            </a:r>
-            <a:r>
-              <a:rPr lang="en-US" i="1" dirty="0" err="1">
-                <a:solidFill>
-                  <a:srgbClr val="CB6500"/>
-                </a:solidFill>
-                <a:ea typeface="Times New Roman" panose="02020603050405020304" pitchFamily="18" charset="0"/>
-                <a:cs typeface="Times New Roman" panose="02020603050405020304" pitchFamily="18" charset="0"/>
-              </a:rPr>
-              <a:t>ar</a:t>
-            </a:r>
-            <a:r>
-              <a:rPr lang="en-US" i="1" dirty="0">
-                <a:solidFill>
-                  <a:srgbClr val="CB6500"/>
-                </a:solidFill>
-                <a:ea typeface="Times New Roman" panose="02020603050405020304" pitchFamily="18" charset="0"/>
-                <a:cs typeface="Times New Roman" panose="02020603050405020304" pitchFamily="18" charset="0"/>
-              </a:rPr>
-              <a:t> </a:t>
-            </a:r>
-            <a:r>
-              <a:rPr lang="en-US" dirty="0">
-                <a:solidFill>
-                  <a:srgbClr val="C70040"/>
-                </a:solidFill>
-                <a:ea typeface="Times New Roman" panose="02020603050405020304" pitchFamily="18" charset="0"/>
-                <a:cs typeface="Times New Roman" panose="02020603050405020304" pitchFamily="18" charset="0"/>
-              </a:rPr>
-              <a:t>: </a:t>
-            </a:r>
-            <a:r>
-              <a:rPr lang="en-US" i="1" dirty="0">
-                <a:solidFill>
-                  <a:srgbClr val="34A7BD"/>
-                </a:solidFill>
-                <a:ea typeface="Times New Roman" panose="02020603050405020304" pitchFamily="18" charset="0"/>
-                <a:cs typeface="Times New Roman" panose="02020603050405020304" pitchFamily="18" charset="0"/>
-              </a:rPr>
-              <a:t>Float</a:t>
-            </a:r>
-            <a:r>
-              <a:rPr lang="en-US" dirty="0">
-                <a:solidFill>
-                  <a:srgbClr val="000000"/>
-                </a:solidFill>
-                <a:ea typeface="Times New Roman" panose="02020603050405020304" pitchFamily="18" charset="0"/>
-                <a:cs typeface="Times New Roman" panose="02020603050405020304" pitchFamily="18" charset="0"/>
-              </a:rPr>
-              <a:t>) {</a:t>
+              <a:t>  }</a:t>
             </a:r>
             <a:endParaRPr lang="en-US" sz="2000" dirty="0">
               <a:latin typeface="Calibri" panose="020F0502020204030204" pitchFamily="34" charset="0"/>
@@ -12519,223 +12070,7 @@
                 <a:ea typeface="Times New Roman" panose="02020603050405020304" pitchFamily="18" charset="0"/>
                 <a:cs typeface="Times New Roman" panose="02020603050405020304" pitchFamily="18" charset="0"/>
               </a:rPr>
-              <a:t>    </a:t>
-            </a:r>
-            <a:r>
-              <a:rPr lang="en-US" dirty="0" err="1">
-                <a:solidFill>
-                  <a:srgbClr val="000000"/>
-                </a:solidFill>
-                <a:ea typeface="Times New Roman" panose="02020603050405020304" pitchFamily="18" charset="0"/>
-                <a:cs typeface="Times New Roman" panose="02020603050405020304" pitchFamily="18" charset="0"/>
-              </a:rPr>
-              <a:t>windowSize</a:t>
-            </a:r>
-            <a:r>
-              <a:rPr lang="en-US" dirty="0" err="1">
-                <a:solidFill>
-                  <a:srgbClr val="C70040"/>
-                </a:solidFill>
-                <a:ea typeface="Times New Roman" panose="02020603050405020304" pitchFamily="18" charset="0"/>
-                <a:cs typeface="Times New Roman" panose="02020603050405020304" pitchFamily="18" charset="0"/>
-              </a:rPr>
-              <a:t>.</a:t>
-            </a:r>
-            <a:r>
-              <a:rPr lang="en-US" dirty="0" err="1">
-                <a:solidFill>
-                  <a:srgbClr val="000000"/>
-                </a:solidFill>
-                <a:ea typeface="Times New Roman" panose="02020603050405020304" pitchFamily="18" charset="0"/>
-                <a:cs typeface="Times New Roman" panose="02020603050405020304" pitchFamily="18" charset="0"/>
-              </a:rPr>
-              <a:t>x</a:t>
-            </a:r>
-            <a:r>
-              <a:rPr lang="en-US" dirty="0">
-                <a:solidFill>
-                  <a:srgbClr val="000000"/>
-                </a:solidFill>
-                <a:ea typeface="Times New Roman" panose="02020603050405020304" pitchFamily="18" charset="0"/>
-                <a:cs typeface="Times New Roman" panose="02020603050405020304" pitchFamily="18" charset="0"/>
-              </a:rPr>
-              <a:t> </a:t>
-            </a:r>
-            <a:r>
-              <a:rPr lang="en-US" dirty="0">
-                <a:solidFill>
-                  <a:srgbClr val="C70040"/>
-                </a:solidFill>
-                <a:ea typeface="Times New Roman" panose="02020603050405020304" pitchFamily="18" charset="0"/>
-                <a:cs typeface="Times New Roman" panose="02020603050405020304" pitchFamily="18" charset="0"/>
-              </a:rPr>
-              <a:t>= </a:t>
-            </a:r>
-            <a:r>
-              <a:rPr lang="en-US" dirty="0" err="1">
-                <a:solidFill>
-                  <a:srgbClr val="000000"/>
-                </a:solidFill>
-                <a:ea typeface="Times New Roman" panose="02020603050405020304" pitchFamily="18" charset="0"/>
-                <a:cs typeface="Times New Roman" panose="02020603050405020304" pitchFamily="18" charset="0"/>
-              </a:rPr>
-              <a:t>windowSize</a:t>
-            </a:r>
-            <a:r>
-              <a:rPr lang="en-US" dirty="0" err="1">
-                <a:solidFill>
-                  <a:srgbClr val="C70040"/>
-                </a:solidFill>
-                <a:ea typeface="Times New Roman" panose="02020603050405020304" pitchFamily="18" charset="0"/>
-                <a:cs typeface="Times New Roman" panose="02020603050405020304" pitchFamily="18" charset="0"/>
-              </a:rPr>
-              <a:t>.</a:t>
-            </a:r>
-            <a:r>
-              <a:rPr lang="en-US" dirty="0" err="1">
-                <a:solidFill>
-                  <a:srgbClr val="000000"/>
-                </a:solidFill>
-                <a:ea typeface="Times New Roman" panose="02020603050405020304" pitchFamily="18" charset="0"/>
-                <a:cs typeface="Times New Roman" panose="02020603050405020304" pitchFamily="18" charset="0"/>
-              </a:rPr>
-              <a:t>y</a:t>
-            </a:r>
-            <a:r>
-              <a:rPr lang="en-US" dirty="0">
-                <a:solidFill>
-                  <a:srgbClr val="000000"/>
-                </a:solidFill>
-                <a:ea typeface="Times New Roman" panose="02020603050405020304" pitchFamily="18" charset="0"/>
-                <a:cs typeface="Times New Roman" panose="02020603050405020304" pitchFamily="18" charset="0"/>
-              </a:rPr>
-              <a:t> </a:t>
-            </a:r>
-            <a:r>
-              <a:rPr lang="en-US" dirty="0">
-                <a:solidFill>
-                  <a:srgbClr val="C70040"/>
-                </a:solidFill>
-                <a:ea typeface="Times New Roman" panose="02020603050405020304" pitchFamily="18" charset="0"/>
-                <a:cs typeface="Times New Roman" panose="02020603050405020304" pitchFamily="18" charset="0"/>
-              </a:rPr>
-              <a:t>* </a:t>
-            </a:r>
-            <a:r>
-              <a:rPr lang="en-US" dirty="0" err="1">
-                <a:solidFill>
-                  <a:srgbClr val="000000"/>
-                </a:solidFill>
-                <a:ea typeface="Times New Roman" panose="02020603050405020304" pitchFamily="18" charset="0"/>
-                <a:cs typeface="Times New Roman" panose="02020603050405020304" pitchFamily="18" charset="0"/>
-              </a:rPr>
-              <a:t>ar</a:t>
-            </a:r>
-            <a:endParaRPr lang="en-US" sz="2000" dirty="0">
-              <a:latin typeface="Calibri" panose="020F0502020204030204" pitchFamily="34" charset="0"/>
-              <a:ea typeface="Calibri" panose="020F0502020204030204" pitchFamily="34" charset="0"/>
-              <a:cs typeface="Times New Roman" panose="02020603050405020304" pitchFamily="18" charset="0"/>
-            </a:endParaRPr>
-          </a:p>
-          <a:p>
-            <a:pPr>
-              <a:lnSpc>
-                <a:spcPct val="107000"/>
-              </a:lnSpc>
-              <a:spcAft>
-                <a:spcPts val="0"/>
-              </a:spcAft>
-              <a:tabLst>
-                <a:tab pos="581660" algn="l"/>
-                <a:tab pos="1163320" algn="l"/>
-                <a:tab pos="1744980" algn="l"/>
-                <a:tab pos="2326640" algn="l"/>
-                <a:tab pos="2908300" algn="l"/>
-                <a:tab pos="3489960" algn="l"/>
-                <a:tab pos="4071620" algn="l"/>
-                <a:tab pos="4653280" algn="l"/>
-                <a:tab pos="5234940" algn="l"/>
-                <a:tab pos="5816600" algn="l"/>
-                <a:tab pos="6398260" algn="l"/>
-                <a:tab pos="6979920" algn="l"/>
-                <a:tab pos="7561580" algn="l"/>
-                <a:tab pos="8143240" algn="l"/>
-                <a:tab pos="8724900" algn="l"/>
-                <a:tab pos="9306560" algn="l"/>
-              </a:tabLst>
-            </a:pPr>
-            <a:r>
-              <a:rPr lang="en-US" dirty="0">
-                <a:solidFill>
-                  <a:srgbClr val="000000"/>
-                </a:solidFill>
-                <a:ea typeface="Times New Roman" panose="02020603050405020304" pitchFamily="18" charset="0"/>
-                <a:cs typeface="Times New Roman" panose="02020603050405020304" pitchFamily="18" charset="0"/>
-              </a:rPr>
-              <a:t>    </a:t>
-            </a:r>
-            <a:r>
-              <a:rPr lang="en-US" dirty="0" err="1">
-                <a:solidFill>
-                  <a:srgbClr val="000000"/>
-                </a:solidFill>
-                <a:ea typeface="Times New Roman" panose="02020603050405020304" pitchFamily="18" charset="0"/>
-                <a:cs typeface="Times New Roman" panose="02020603050405020304" pitchFamily="18" charset="0"/>
-              </a:rPr>
-              <a:t>updateViewProjMatrix</a:t>
-            </a:r>
-            <a:r>
-              <a:rPr lang="en-US" dirty="0">
-                <a:solidFill>
-                  <a:srgbClr val="000000"/>
-                </a:solidFill>
-                <a:ea typeface="Times New Roman" panose="02020603050405020304" pitchFamily="18" charset="0"/>
-                <a:cs typeface="Times New Roman" panose="02020603050405020304" pitchFamily="18" charset="0"/>
-              </a:rPr>
-              <a:t>()</a:t>
-            </a:r>
-            <a:endParaRPr lang="en-US" sz="2000" dirty="0">
-              <a:latin typeface="Calibri" panose="020F0502020204030204" pitchFamily="34" charset="0"/>
-              <a:ea typeface="Calibri" panose="020F0502020204030204" pitchFamily="34" charset="0"/>
-              <a:cs typeface="Times New Roman" panose="02020603050405020304" pitchFamily="18" charset="0"/>
-            </a:endParaRPr>
-          </a:p>
-          <a:p>
-            <a:pPr>
-              <a:lnSpc>
-                <a:spcPct val="107000"/>
-              </a:lnSpc>
-              <a:spcAft>
-                <a:spcPts val="0"/>
-              </a:spcAft>
-              <a:tabLst>
-                <a:tab pos="581660" algn="l"/>
-                <a:tab pos="1163320" algn="l"/>
-                <a:tab pos="1744980" algn="l"/>
-                <a:tab pos="2326640" algn="l"/>
-                <a:tab pos="2908300" algn="l"/>
-                <a:tab pos="3489960" algn="l"/>
-                <a:tab pos="4071620" algn="l"/>
-                <a:tab pos="4653280" algn="l"/>
-                <a:tab pos="5234940" algn="l"/>
-                <a:tab pos="5816600" algn="l"/>
-                <a:tab pos="6398260" algn="l"/>
-                <a:tab pos="6979920" algn="l"/>
-                <a:tab pos="7561580" algn="l"/>
-                <a:tab pos="8143240" algn="l"/>
-                <a:tab pos="8724900" algn="l"/>
-                <a:tab pos="9306560" algn="l"/>
-              </a:tabLst>
-            </a:pPr>
-            <a:r>
-              <a:rPr lang="en-US" dirty="0">
-                <a:solidFill>
-                  <a:srgbClr val="000000"/>
-                </a:solidFill>
-                <a:ea typeface="Times New Roman" panose="02020603050405020304" pitchFamily="18" charset="0"/>
-                <a:cs typeface="Times New Roman" panose="02020603050405020304" pitchFamily="18" charset="0"/>
-              </a:rPr>
-              <a:t>  }</a:t>
+              <a:t>}</a:t>
             </a:r>
             <a:endParaRPr lang="en-US" sz="2000" dirty="0">
               <a:effectLst/>
@@ -12749,7 +12084,7 @@
     </p:spTree>
     <p:extLst>
       <p:ext uri="{BB962C8B-B14F-4D97-AF65-F5344CB8AC3E}">
-        <p14:creationId xmlns:p14="http://schemas.microsoft.com/office/powerpoint/2010/main" val="170068518"/>
+        <p14:creationId xmlns:p14="http://schemas.microsoft.com/office/powerpoint/2010/main" val="1488508662"/>
       </p:ext>
     </p:extLst>
   </p:cSld>
@@ -12778,7 +12113,7 @@
       </p:grpSpPr>
       <p:sp>
         <p:nvSpPr>
-          <p:cNvPr id="2" name="Title 1"/>
+          <p:cNvPr id="4" name="Title 3"/>
           <p:cNvSpPr>
             <a:spLocks noGrp="1"/>
           </p:cNvSpPr>
@@ -12792,16 +12127,42 @@
           <a:lstStyle/>
           <a:p>
             <a:r>
-              <a:rPr lang="hu-HU" dirty="0"/>
-              <a:t>Használja a kamerát!</a:t>
-            </a:r>
-            <a:endParaRPr lang="en-US" dirty="0"/>
+              <a:rPr lang="en-US" sz="4000" dirty="0" err="1">
+                <a:latin typeface="Consolas" panose="020B0609020204030204" pitchFamily="49" charset="0"/>
+                <a:cs typeface="Consolas" panose="020B0609020204030204" pitchFamily="49" charset="0"/>
+              </a:rPr>
+              <a:t>OrthoCamera</a:t>
+            </a:r>
+            <a:r>
+              <a:rPr lang="en-US" sz="4000" dirty="0">
+                <a:latin typeface="Consolas" panose="020B0609020204030204" pitchFamily="49" charset="0"/>
+                <a:cs typeface="Consolas" panose="020B0609020204030204" pitchFamily="49" charset="0"/>
+              </a:rPr>
+              <a:t>::</a:t>
+            </a:r>
+            <a:br>
+              <a:rPr lang="en-US" sz="4000" dirty="0">
+                <a:latin typeface="Consolas" panose="020B0609020204030204" pitchFamily="49" charset="0"/>
+                <a:cs typeface="Consolas" panose="020B0609020204030204" pitchFamily="49" charset="0"/>
+              </a:rPr>
+            </a:br>
+            <a:r>
+              <a:rPr lang="en-US" sz="4000" dirty="0" err="1">
+                <a:latin typeface="Consolas" panose="020B0609020204030204" pitchFamily="49" charset="0"/>
+                <a:cs typeface="Consolas" panose="020B0609020204030204" pitchFamily="49" charset="0"/>
+              </a:rPr>
+              <a:t>updateViewProjMatrix</a:t>
+            </a:r>
+            <a:endParaRPr lang="en-US" dirty="0">
+              <a:latin typeface="Consolas" panose="020B0609020204030204" pitchFamily="49" charset="0"/>
+              <a:cs typeface="Consolas" panose="020B0609020204030204" pitchFamily="49" charset="0"/>
+            </a:endParaRPr>
           </a:p>
         </p:txBody>
       </p:sp>
       <p:sp>
         <p:nvSpPr>
-          <p:cNvPr id="4" name="Content Placeholder 3"/>
+          <p:cNvPr id="5" name="Content Placeholder 4"/>
           <p:cNvSpPr>
             <a:spLocks noGrp="1"/>
           </p:cNvSpPr>
@@ -12814,186 +12175,972 @@
           <a:bodyPr/>
           <a:lstStyle/>
           <a:p>
-            <a:r>
-              <a:rPr lang="hu-HU" dirty="0"/>
-              <a:t>vegyen fel a színtérbe egy kamerát</a:t>
-            </a:r>
-          </a:p>
-          <a:p>
-            <a:pPr lvl="1"/>
+            <a:pPr>
+              <a:lnSpc>
+                <a:spcPct val="107000"/>
+              </a:lnSpc>
+              <a:spcAft>
+                <a:spcPts val="0"/>
+              </a:spcAft>
+              <a:tabLst>
+                <a:tab pos="581660" algn="l"/>
+                <a:tab pos="1163320" algn="l"/>
+                <a:tab pos="1744980" algn="l"/>
+                <a:tab pos="2326640" algn="l"/>
+                <a:tab pos="2908300" algn="l"/>
+                <a:tab pos="3489960" algn="l"/>
+                <a:tab pos="4071620" algn="l"/>
+                <a:tab pos="4653280" algn="l"/>
+                <a:tab pos="5234940" algn="l"/>
+                <a:tab pos="5816600" algn="l"/>
+                <a:tab pos="6398260" algn="l"/>
+                <a:tab pos="6979920" algn="l"/>
+                <a:tab pos="7561580" algn="l"/>
+                <a:tab pos="8143240" algn="l"/>
+                <a:tab pos="8724900" algn="l"/>
+                <a:tab pos="9306560" algn="l"/>
+              </a:tabLst>
+            </a:pPr>
+            <a:r>
+              <a:rPr lang="en-US" dirty="0">
+                <a:solidFill>
+                  <a:srgbClr val="000000"/>
+                </a:solidFill>
+                <a:ea typeface="Times New Roman" panose="02020603050405020304" pitchFamily="18" charset="0"/>
+                <a:cs typeface="Times New Roman" panose="02020603050405020304" pitchFamily="18" charset="0"/>
+              </a:rPr>
+              <a:t>  </a:t>
+            </a:r>
+            <a:r>
+              <a:rPr lang="en-US" dirty="0">
+                <a:solidFill>
+                  <a:srgbClr val="C70040"/>
+                </a:solidFill>
+                <a:ea typeface="Times New Roman" panose="02020603050405020304" pitchFamily="18" charset="0"/>
+                <a:cs typeface="Times New Roman" panose="02020603050405020304" pitchFamily="18" charset="0"/>
+              </a:rPr>
+              <a:t>fun </a:t>
+            </a:r>
+            <a:r>
+              <a:rPr lang="en-US" dirty="0" err="1">
+                <a:solidFill>
+                  <a:srgbClr val="427E00"/>
+                </a:solidFill>
+                <a:ea typeface="Times New Roman" panose="02020603050405020304" pitchFamily="18" charset="0"/>
+                <a:cs typeface="Times New Roman" panose="02020603050405020304" pitchFamily="18" charset="0"/>
+              </a:rPr>
+              <a:t>updateViewProjMatrix</a:t>
+            </a:r>
+            <a:r>
+              <a:rPr lang="en-US" dirty="0">
+                <a:solidFill>
+                  <a:srgbClr val="000000"/>
+                </a:solidFill>
+                <a:ea typeface="Times New Roman" panose="02020603050405020304" pitchFamily="18" charset="0"/>
+                <a:cs typeface="Times New Roman" panose="02020603050405020304" pitchFamily="18" charset="0"/>
+              </a:rPr>
+              <a:t>() {</a:t>
+            </a:r>
+            <a:endParaRPr lang="en-US" sz="2000" dirty="0">
+              <a:latin typeface="Calibri" panose="020F0502020204030204" pitchFamily="34" charset="0"/>
+              <a:ea typeface="Calibri" panose="020F0502020204030204" pitchFamily="34" charset="0"/>
+              <a:cs typeface="Times New Roman" panose="02020603050405020304" pitchFamily="18" charset="0"/>
+            </a:endParaRPr>
+          </a:p>
+          <a:p>
+            <a:pPr>
+              <a:lnSpc>
+                <a:spcPct val="107000"/>
+              </a:lnSpc>
+              <a:spcAft>
+                <a:spcPts val="0"/>
+              </a:spcAft>
+              <a:tabLst>
+                <a:tab pos="581660" algn="l"/>
+                <a:tab pos="1163320" algn="l"/>
+                <a:tab pos="1744980" algn="l"/>
+                <a:tab pos="2326640" algn="l"/>
+                <a:tab pos="2908300" algn="l"/>
+                <a:tab pos="3489960" algn="l"/>
+                <a:tab pos="4071620" algn="l"/>
+                <a:tab pos="4653280" algn="l"/>
+                <a:tab pos="5234940" algn="l"/>
+                <a:tab pos="5816600" algn="l"/>
+                <a:tab pos="6398260" algn="l"/>
+                <a:tab pos="6979920" algn="l"/>
+                <a:tab pos="7561580" algn="l"/>
+                <a:tab pos="8143240" algn="l"/>
+                <a:tab pos="8724900" algn="l"/>
+                <a:tab pos="9306560" algn="l"/>
+              </a:tabLst>
+            </a:pPr>
+            <a:r>
+              <a:rPr lang="en-US" dirty="0">
+                <a:solidFill>
+                  <a:srgbClr val="000000"/>
+                </a:solidFill>
+                <a:ea typeface="Times New Roman" panose="02020603050405020304" pitchFamily="18" charset="0"/>
+                <a:cs typeface="Times New Roman" panose="02020603050405020304" pitchFamily="18" charset="0"/>
+              </a:rPr>
+              <a:t>    </a:t>
+            </a:r>
+            <a:r>
+              <a:rPr lang="en-US" dirty="0" err="1">
+                <a:solidFill>
+                  <a:srgbClr val="000000"/>
+                </a:solidFill>
+                <a:ea typeface="Times New Roman" panose="02020603050405020304" pitchFamily="18" charset="0"/>
+                <a:cs typeface="Times New Roman" panose="02020603050405020304" pitchFamily="18" charset="0"/>
+              </a:rPr>
+              <a:t>viewProjMatrix</a:t>
+            </a:r>
+            <a:r>
+              <a:rPr lang="en-US" dirty="0" err="1">
+                <a:solidFill>
+                  <a:srgbClr val="C70040"/>
+                </a:solidFill>
+                <a:ea typeface="Times New Roman" panose="02020603050405020304" pitchFamily="18" charset="0"/>
+                <a:cs typeface="Times New Roman" panose="02020603050405020304" pitchFamily="18" charset="0"/>
+              </a:rPr>
+              <a:t>.</a:t>
+            </a:r>
+            <a:r>
+              <a:rPr lang="en-US" dirty="0" err="1">
+                <a:solidFill>
+                  <a:srgbClr val="427E00"/>
+                </a:solidFill>
+                <a:ea typeface="Times New Roman" panose="02020603050405020304" pitchFamily="18" charset="0"/>
+                <a:cs typeface="Times New Roman" panose="02020603050405020304" pitchFamily="18" charset="0"/>
+              </a:rPr>
+              <a:t>set</a:t>
+            </a:r>
+            <a:r>
+              <a:rPr lang="en-US" dirty="0">
+                <a:solidFill>
+                  <a:srgbClr val="000000"/>
+                </a:solidFill>
+                <a:ea typeface="Times New Roman" panose="02020603050405020304" pitchFamily="18" charset="0"/>
+                <a:cs typeface="Times New Roman" panose="02020603050405020304" pitchFamily="18" charset="0"/>
+              </a:rPr>
+              <a:t>()</a:t>
+            </a:r>
+            <a:r>
+              <a:rPr lang="en-US" dirty="0">
+                <a:solidFill>
+                  <a:srgbClr val="C70040"/>
+                </a:solidFill>
+                <a:ea typeface="Times New Roman" panose="02020603050405020304" pitchFamily="18" charset="0"/>
+                <a:cs typeface="Times New Roman" panose="02020603050405020304" pitchFamily="18" charset="0"/>
+              </a:rPr>
+              <a:t>.</a:t>
+            </a:r>
+          </a:p>
+          <a:p>
+            <a:pPr>
+              <a:lnSpc>
+                <a:spcPct val="107000"/>
+              </a:lnSpc>
+              <a:spcAft>
+                <a:spcPts val="0"/>
+              </a:spcAft>
+              <a:tabLst>
+                <a:tab pos="581660" algn="l"/>
+                <a:tab pos="1163320" algn="l"/>
+                <a:tab pos="1744980" algn="l"/>
+                <a:tab pos="2326640" algn="l"/>
+                <a:tab pos="2908300" algn="l"/>
+                <a:tab pos="3489960" algn="l"/>
+                <a:tab pos="4071620" algn="l"/>
+                <a:tab pos="4653280" algn="l"/>
+                <a:tab pos="5234940" algn="l"/>
+                <a:tab pos="5816600" algn="l"/>
+                <a:tab pos="6398260" algn="l"/>
+                <a:tab pos="6979920" algn="l"/>
+                <a:tab pos="7561580" algn="l"/>
+                <a:tab pos="8143240" algn="l"/>
+                <a:tab pos="8724900" algn="l"/>
+                <a:tab pos="9306560" algn="l"/>
+              </a:tabLst>
+            </a:pPr>
+            <a:r>
+              <a:rPr lang="en-US" dirty="0">
+                <a:solidFill>
+                  <a:srgbClr val="000000"/>
+                </a:solidFill>
+                <a:ea typeface="Times New Roman" panose="02020603050405020304" pitchFamily="18" charset="0"/>
+                <a:cs typeface="Times New Roman" panose="02020603050405020304" pitchFamily="18" charset="0"/>
+              </a:rPr>
+              <a:t>      scale(</a:t>
+            </a:r>
+            <a:r>
+              <a:rPr lang="en-US" dirty="0">
+                <a:solidFill>
+                  <a:srgbClr val="7C4FCD"/>
+                </a:solidFill>
+                <a:ea typeface="Times New Roman" panose="02020603050405020304" pitchFamily="18" charset="0"/>
+                <a:cs typeface="Times New Roman" panose="02020603050405020304" pitchFamily="18" charset="0"/>
+              </a:rPr>
+              <a:t>0.5f</a:t>
+            </a:r>
             <a:r>
               <a:rPr lang="hu-HU" dirty="0">
-                <a:latin typeface="Consolas" panose="020B0609020204030204" pitchFamily="49" charset="0"/>
-                <a:cs typeface="Consolas" panose="020B0609020204030204" pitchFamily="49" charset="0"/>
-              </a:rPr>
-              <a:t>*</a:t>
-            </a:r>
-            <a:r>
-              <a:rPr lang="hu-HU" dirty="0" err="1">
-                <a:latin typeface="Consolas" panose="020B0609020204030204" pitchFamily="49" charset="0"/>
-                <a:cs typeface="Consolas" panose="020B0609020204030204" pitchFamily="49" charset="0"/>
-              </a:rPr>
-              <a:t>Program.all</a:t>
-            </a:r>
-            <a:r>
-              <a:rPr lang="hu-HU" dirty="0"/>
-              <a:t> a konstruktorparaméter</a:t>
-            </a:r>
-          </a:p>
-          <a:p>
-            <a:r>
-              <a:rPr lang="hu-HU" dirty="0" err="1">
-                <a:latin typeface="Consolas" panose="020B0609020204030204" pitchFamily="49" charset="0"/>
-                <a:cs typeface="Consolas" panose="020B0609020204030204" pitchFamily="49" charset="0"/>
-              </a:rPr>
-              <a:t>resize</a:t>
-            </a:r>
-            <a:r>
-              <a:rPr lang="hu-HU" dirty="0"/>
-              <a:t> metódusban</a:t>
-            </a:r>
-            <a:r>
-              <a:rPr lang="en-US" dirty="0"/>
+                <a:solidFill>
+                  <a:srgbClr val="000000"/>
+                </a:solidFill>
+                <a:cs typeface="Times New Roman" panose="02020603050405020304" pitchFamily="18" charset="0"/>
+              </a:rPr>
+              <a:t>, </a:t>
+            </a:r>
+            <a:r>
+              <a:rPr lang="en-US" dirty="0">
+                <a:solidFill>
+                  <a:srgbClr val="7C4FCD"/>
+                </a:solidFill>
+                <a:ea typeface="Times New Roman" panose="02020603050405020304" pitchFamily="18" charset="0"/>
+                <a:cs typeface="Times New Roman" panose="02020603050405020304" pitchFamily="18" charset="0"/>
+              </a:rPr>
+              <a:t>0</a:t>
+            </a:r>
+            <a:r>
+              <a:rPr lang="hu-HU" dirty="0">
+                <a:solidFill>
+                  <a:srgbClr val="7C4FCD"/>
+                </a:solidFill>
+                <a:ea typeface="Times New Roman" panose="02020603050405020304" pitchFamily="18" charset="0"/>
+                <a:cs typeface="Times New Roman" panose="02020603050405020304" pitchFamily="18" charset="0"/>
+              </a:rPr>
+              <a:t>.5f</a:t>
+            </a:r>
+            <a:r>
+              <a:rPr lang="en-US" dirty="0">
+                <a:solidFill>
+                  <a:srgbClr val="7C4FCD"/>
+                </a:solidFill>
+                <a:ea typeface="Times New Roman" panose="02020603050405020304" pitchFamily="18" charset="0"/>
+                <a:cs typeface="Times New Roman" panose="02020603050405020304" pitchFamily="18" charset="0"/>
+              </a:rPr>
+              <a:t>, 1.0f</a:t>
+            </a:r>
+            <a:r>
+              <a:rPr lang="en-US" dirty="0">
+                <a:solidFill>
+                  <a:srgbClr val="000000"/>
+                </a:solidFill>
+                <a:ea typeface="Times New Roman" panose="02020603050405020304" pitchFamily="18" charset="0"/>
+                <a:cs typeface="Times New Roman" panose="02020603050405020304" pitchFamily="18" charset="0"/>
+              </a:rPr>
+              <a:t>)</a:t>
+            </a:r>
+            <a:r>
+              <a:rPr lang="en-US" dirty="0">
+                <a:solidFill>
+                  <a:srgbClr val="C70040"/>
+                </a:solidFill>
+                <a:ea typeface="Times New Roman" panose="02020603050405020304" pitchFamily="18" charset="0"/>
+                <a:cs typeface="Times New Roman" panose="02020603050405020304" pitchFamily="18" charset="0"/>
+              </a:rPr>
+              <a:t>.</a:t>
+            </a:r>
+            <a:endParaRPr lang="en-US" sz="2000" dirty="0">
+              <a:latin typeface="Calibri" panose="020F0502020204030204" pitchFamily="34" charset="0"/>
+              <a:ea typeface="Calibri" panose="020F0502020204030204" pitchFamily="34" charset="0"/>
+              <a:cs typeface="Times New Roman" panose="02020603050405020304" pitchFamily="18" charset="0"/>
+            </a:endParaRPr>
+          </a:p>
+          <a:p>
+            <a:pPr>
+              <a:lnSpc>
+                <a:spcPct val="107000"/>
+              </a:lnSpc>
+              <a:spcAft>
+                <a:spcPts val="0"/>
+              </a:spcAft>
+              <a:tabLst>
+                <a:tab pos="581660" algn="l"/>
+                <a:tab pos="1163320" algn="l"/>
+                <a:tab pos="1744980" algn="l"/>
+                <a:tab pos="2326640" algn="l"/>
+                <a:tab pos="2908300" algn="l"/>
+                <a:tab pos="3489960" algn="l"/>
+                <a:tab pos="4071620" algn="l"/>
+                <a:tab pos="4653280" algn="l"/>
+                <a:tab pos="5234940" algn="l"/>
+                <a:tab pos="5816600" algn="l"/>
+                <a:tab pos="6398260" algn="l"/>
+                <a:tab pos="6979920" algn="l"/>
+                <a:tab pos="7561580" algn="l"/>
+                <a:tab pos="8143240" algn="l"/>
+                <a:tab pos="8724900" algn="l"/>
+                <a:tab pos="9306560" algn="l"/>
+              </a:tabLst>
+            </a:pPr>
+            <a:r>
+              <a:rPr lang="en-US" dirty="0">
+                <a:solidFill>
+                  <a:srgbClr val="C70040"/>
+                </a:solidFill>
+                <a:ea typeface="Times New Roman" panose="02020603050405020304" pitchFamily="18" charset="0"/>
+                <a:cs typeface="Times New Roman" panose="02020603050405020304" pitchFamily="18" charset="0"/>
+              </a:rPr>
+              <a:t>      </a:t>
+            </a:r>
+            <a:r>
+              <a:rPr lang="en-US" dirty="0">
+                <a:solidFill>
+                  <a:srgbClr val="000000"/>
+                </a:solidFill>
+                <a:ea typeface="Times New Roman" panose="02020603050405020304" pitchFamily="18" charset="0"/>
+                <a:cs typeface="Times New Roman" panose="02020603050405020304" pitchFamily="18" charset="0"/>
+              </a:rPr>
+              <a:t>scale(</a:t>
+            </a:r>
+            <a:r>
+              <a:rPr lang="en-US" dirty="0" err="1">
+                <a:solidFill>
+                  <a:srgbClr val="000000"/>
+                </a:solidFill>
+                <a:ea typeface="Times New Roman" panose="02020603050405020304" pitchFamily="18" charset="0"/>
+                <a:cs typeface="Times New Roman" panose="02020603050405020304" pitchFamily="18" charset="0"/>
+              </a:rPr>
+              <a:t>windowSize</a:t>
+            </a:r>
+            <a:r>
+              <a:rPr lang="en-US" dirty="0">
+                <a:solidFill>
+                  <a:srgbClr val="000000"/>
+                </a:solidFill>
+                <a:ea typeface="Times New Roman" panose="02020603050405020304" pitchFamily="18" charset="0"/>
+                <a:cs typeface="Times New Roman" panose="02020603050405020304" pitchFamily="18" charset="0"/>
+              </a:rPr>
+              <a:t>)</a:t>
+            </a:r>
+            <a:r>
+              <a:rPr lang="en-US" dirty="0">
+                <a:solidFill>
+                  <a:srgbClr val="C70040"/>
+                </a:solidFill>
+                <a:ea typeface="Times New Roman" panose="02020603050405020304" pitchFamily="18" charset="0"/>
+                <a:cs typeface="Times New Roman" panose="02020603050405020304" pitchFamily="18" charset="0"/>
+              </a:rPr>
+              <a:t>.</a:t>
+            </a:r>
+            <a:endParaRPr lang="en-US" sz="2000" dirty="0">
+              <a:latin typeface="Calibri" panose="020F0502020204030204" pitchFamily="34" charset="0"/>
+              <a:ea typeface="Calibri" panose="020F0502020204030204" pitchFamily="34" charset="0"/>
+              <a:cs typeface="Times New Roman" panose="02020603050405020304" pitchFamily="18" charset="0"/>
+            </a:endParaRPr>
+          </a:p>
+          <a:p>
+            <a:pPr>
+              <a:lnSpc>
+                <a:spcPct val="107000"/>
+              </a:lnSpc>
+              <a:spcAft>
+                <a:spcPts val="0"/>
+              </a:spcAft>
+              <a:tabLst>
+                <a:tab pos="581660" algn="l"/>
+                <a:tab pos="1163320" algn="l"/>
+                <a:tab pos="1744980" algn="l"/>
+                <a:tab pos="2326640" algn="l"/>
+                <a:tab pos="2908300" algn="l"/>
+                <a:tab pos="3489960" algn="l"/>
+                <a:tab pos="4071620" algn="l"/>
+                <a:tab pos="4653280" algn="l"/>
+                <a:tab pos="5234940" algn="l"/>
+                <a:tab pos="5816600" algn="l"/>
+                <a:tab pos="6398260" algn="l"/>
+                <a:tab pos="6979920" algn="l"/>
+                <a:tab pos="7561580" algn="l"/>
+                <a:tab pos="8143240" algn="l"/>
+                <a:tab pos="8724900" algn="l"/>
+                <a:tab pos="9306560" algn="l"/>
+              </a:tabLst>
+            </a:pPr>
+            <a:r>
+              <a:rPr lang="en-US" dirty="0">
+                <a:solidFill>
+                  <a:srgbClr val="C70040"/>
+                </a:solidFill>
+                <a:ea typeface="Times New Roman" panose="02020603050405020304" pitchFamily="18" charset="0"/>
+                <a:cs typeface="Times New Roman" panose="02020603050405020304" pitchFamily="18" charset="0"/>
+              </a:rPr>
+              <a:t>      </a:t>
+            </a:r>
+            <a:r>
+              <a:rPr lang="en-US" dirty="0">
+                <a:solidFill>
+                  <a:srgbClr val="000000"/>
+                </a:solidFill>
+                <a:ea typeface="Times New Roman" panose="02020603050405020304" pitchFamily="18" charset="0"/>
+                <a:cs typeface="Times New Roman" panose="02020603050405020304" pitchFamily="18" charset="0"/>
+              </a:rPr>
+              <a:t>rotate(roll)</a:t>
+            </a:r>
+            <a:r>
+              <a:rPr lang="en-US" dirty="0">
+                <a:solidFill>
+                  <a:srgbClr val="C70040"/>
+                </a:solidFill>
+                <a:ea typeface="Times New Roman" panose="02020603050405020304" pitchFamily="18" charset="0"/>
+                <a:cs typeface="Times New Roman" panose="02020603050405020304" pitchFamily="18" charset="0"/>
+              </a:rPr>
+              <a:t>.</a:t>
+            </a:r>
+            <a:endParaRPr lang="en-US" sz="2000" dirty="0">
+              <a:latin typeface="Calibri" panose="020F0502020204030204" pitchFamily="34" charset="0"/>
+              <a:ea typeface="Calibri" panose="020F0502020204030204" pitchFamily="34" charset="0"/>
+              <a:cs typeface="Times New Roman" panose="02020603050405020304" pitchFamily="18" charset="0"/>
+            </a:endParaRPr>
+          </a:p>
+          <a:p>
+            <a:pPr>
+              <a:lnSpc>
+                <a:spcPct val="107000"/>
+              </a:lnSpc>
+              <a:spcAft>
+                <a:spcPts val="0"/>
+              </a:spcAft>
+              <a:tabLst>
+                <a:tab pos="581660" algn="l"/>
+                <a:tab pos="1163320" algn="l"/>
+                <a:tab pos="1744980" algn="l"/>
+                <a:tab pos="2326640" algn="l"/>
+                <a:tab pos="2908300" algn="l"/>
+                <a:tab pos="3489960" algn="l"/>
+                <a:tab pos="4071620" algn="l"/>
+                <a:tab pos="4653280" algn="l"/>
+                <a:tab pos="5234940" algn="l"/>
+                <a:tab pos="5816600" algn="l"/>
+                <a:tab pos="6398260" algn="l"/>
+                <a:tab pos="6979920" algn="l"/>
+                <a:tab pos="7561580" algn="l"/>
+                <a:tab pos="8143240" algn="l"/>
+                <a:tab pos="8724900" algn="l"/>
+                <a:tab pos="9306560" algn="l"/>
+              </a:tabLst>
+            </a:pPr>
+            <a:r>
+              <a:rPr lang="en-US" dirty="0">
+                <a:solidFill>
+                  <a:srgbClr val="C70040"/>
+                </a:solidFill>
+                <a:ea typeface="Times New Roman" panose="02020603050405020304" pitchFamily="18" charset="0"/>
+                <a:cs typeface="Times New Roman" panose="02020603050405020304" pitchFamily="18" charset="0"/>
+              </a:rPr>
+              <a:t>      </a:t>
+            </a:r>
+            <a:r>
+              <a:rPr lang="en-US" dirty="0">
+                <a:solidFill>
+                  <a:srgbClr val="000000"/>
+                </a:solidFill>
+                <a:ea typeface="Times New Roman" panose="02020603050405020304" pitchFamily="18" charset="0"/>
+                <a:cs typeface="Times New Roman" panose="02020603050405020304" pitchFamily="18" charset="0"/>
+              </a:rPr>
+              <a:t>translate(position)</a:t>
+            </a:r>
+            <a:r>
+              <a:rPr lang="en-US" dirty="0">
+                <a:solidFill>
+                  <a:srgbClr val="C70040"/>
+                </a:solidFill>
+                <a:ea typeface="Times New Roman" panose="02020603050405020304" pitchFamily="18" charset="0"/>
+                <a:cs typeface="Times New Roman" panose="02020603050405020304" pitchFamily="18" charset="0"/>
+              </a:rPr>
+              <a:t>.</a:t>
+            </a:r>
+            <a:endParaRPr lang="en-US" sz="2000" dirty="0">
+              <a:latin typeface="Calibri" panose="020F0502020204030204" pitchFamily="34" charset="0"/>
+              <a:ea typeface="Calibri" panose="020F0502020204030204" pitchFamily="34" charset="0"/>
+              <a:cs typeface="Times New Roman" panose="02020603050405020304" pitchFamily="18" charset="0"/>
+            </a:endParaRPr>
+          </a:p>
+          <a:p>
+            <a:pPr>
+              <a:lnSpc>
+                <a:spcPct val="107000"/>
+              </a:lnSpc>
+              <a:spcAft>
+                <a:spcPts val="0"/>
+              </a:spcAft>
+              <a:tabLst>
+                <a:tab pos="581660" algn="l"/>
+                <a:tab pos="1163320" algn="l"/>
+                <a:tab pos="1744980" algn="l"/>
+                <a:tab pos="2326640" algn="l"/>
+                <a:tab pos="2908300" algn="l"/>
+                <a:tab pos="3489960" algn="l"/>
+                <a:tab pos="4071620" algn="l"/>
+                <a:tab pos="4653280" algn="l"/>
+                <a:tab pos="5234940" algn="l"/>
+                <a:tab pos="5816600" algn="l"/>
+                <a:tab pos="6398260" algn="l"/>
+                <a:tab pos="6979920" algn="l"/>
+                <a:tab pos="7561580" algn="l"/>
+                <a:tab pos="8143240" algn="l"/>
+                <a:tab pos="8724900" algn="l"/>
+                <a:tab pos="9306560" algn="l"/>
+              </a:tabLst>
+            </a:pPr>
+            <a:r>
+              <a:rPr lang="en-US" dirty="0">
+                <a:solidFill>
+                  <a:srgbClr val="C70040"/>
+                </a:solidFill>
+                <a:ea typeface="Times New Roman" panose="02020603050405020304" pitchFamily="18" charset="0"/>
+                <a:cs typeface="Times New Roman" panose="02020603050405020304" pitchFamily="18" charset="0"/>
+              </a:rPr>
+              <a:t>      </a:t>
+            </a:r>
+            <a:r>
+              <a:rPr lang="en-US" dirty="0">
+                <a:solidFill>
+                  <a:srgbClr val="000000"/>
+                </a:solidFill>
+                <a:ea typeface="Times New Roman" panose="02020603050405020304" pitchFamily="18" charset="0"/>
+                <a:cs typeface="Times New Roman" panose="02020603050405020304" pitchFamily="18" charset="0"/>
+              </a:rPr>
+              <a:t>invert()</a:t>
+            </a:r>
+            <a:endParaRPr lang="en-US" sz="2000" dirty="0">
+              <a:latin typeface="Calibri" panose="020F0502020204030204" pitchFamily="34" charset="0"/>
+              <a:ea typeface="Calibri" panose="020F0502020204030204" pitchFamily="34" charset="0"/>
+              <a:cs typeface="Times New Roman" panose="02020603050405020304" pitchFamily="18" charset="0"/>
+            </a:endParaRPr>
+          </a:p>
+          <a:p>
+            <a:pPr>
+              <a:lnSpc>
+                <a:spcPct val="107000"/>
+              </a:lnSpc>
+              <a:spcAft>
+                <a:spcPts val="0"/>
+              </a:spcAft>
+              <a:tabLst>
+                <a:tab pos="581660" algn="l"/>
+                <a:tab pos="1163320" algn="l"/>
+                <a:tab pos="1744980" algn="l"/>
+                <a:tab pos="2326640" algn="l"/>
+                <a:tab pos="2908300" algn="l"/>
+                <a:tab pos="3489960" algn="l"/>
+                <a:tab pos="4071620" algn="l"/>
+                <a:tab pos="4653280" algn="l"/>
+                <a:tab pos="5234940" algn="l"/>
+                <a:tab pos="5816600" algn="l"/>
+                <a:tab pos="6398260" algn="l"/>
+                <a:tab pos="6979920" algn="l"/>
+                <a:tab pos="7561580" algn="l"/>
+                <a:tab pos="8143240" algn="l"/>
+                <a:tab pos="8724900" algn="l"/>
+                <a:tab pos="9306560" algn="l"/>
+              </a:tabLst>
+            </a:pPr>
+            <a:r>
+              <a:rPr lang="en-US" dirty="0">
+                <a:solidFill>
+                  <a:srgbClr val="000000"/>
+                </a:solidFill>
+                <a:ea typeface="Times New Roman" panose="02020603050405020304" pitchFamily="18" charset="0"/>
+                <a:cs typeface="Times New Roman" panose="02020603050405020304" pitchFamily="18" charset="0"/>
+              </a:rPr>
+              <a:t>  }</a:t>
+            </a:r>
+            <a:endParaRPr lang="en-US" sz="2000" dirty="0">
+              <a:latin typeface="Calibri" panose="020F0502020204030204" pitchFamily="34" charset="0"/>
+              <a:ea typeface="Calibri" panose="020F0502020204030204" pitchFamily="34" charset="0"/>
+              <a:cs typeface="Times New Roman" panose="02020603050405020304" pitchFamily="18" charset="0"/>
+            </a:endParaRPr>
+          </a:p>
+          <a:p>
+            <a:pPr>
+              <a:lnSpc>
+                <a:spcPct val="107000"/>
+              </a:lnSpc>
+              <a:spcAft>
+                <a:spcPts val="0"/>
+              </a:spcAft>
+              <a:tabLst>
+                <a:tab pos="581660" algn="l"/>
+                <a:tab pos="1163320" algn="l"/>
+                <a:tab pos="1744980" algn="l"/>
+                <a:tab pos="2326640" algn="l"/>
+                <a:tab pos="2908300" algn="l"/>
+                <a:tab pos="3489960" algn="l"/>
+                <a:tab pos="4071620" algn="l"/>
+                <a:tab pos="4653280" algn="l"/>
+                <a:tab pos="5234940" algn="l"/>
+                <a:tab pos="5816600" algn="l"/>
+                <a:tab pos="6398260" algn="l"/>
+                <a:tab pos="6979920" algn="l"/>
+                <a:tab pos="7561580" algn="l"/>
+                <a:tab pos="8143240" algn="l"/>
+                <a:tab pos="8724900" algn="l"/>
+                <a:tab pos="9306560" algn="l"/>
+              </a:tabLst>
+            </a:pPr>
+            <a:r>
+              <a:rPr lang="en-US" dirty="0">
+                <a:solidFill>
+                  <a:srgbClr val="000000"/>
+                </a:solidFill>
+                <a:ea typeface="Times New Roman" panose="02020603050405020304" pitchFamily="18" charset="0"/>
+                <a:cs typeface="Times New Roman" panose="02020603050405020304" pitchFamily="18" charset="0"/>
+              </a:rPr>
+              <a:t>  </a:t>
+            </a:r>
+            <a:r>
+              <a:rPr lang="en-US" dirty="0">
+                <a:solidFill>
+                  <a:srgbClr val="C70040"/>
+                </a:solidFill>
+                <a:ea typeface="Times New Roman" panose="02020603050405020304" pitchFamily="18" charset="0"/>
+                <a:cs typeface="Times New Roman" panose="02020603050405020304" pitchFamily="18" charset="0"/>
+              </a:rPr>
+              <a:t>fun </a:t>
+            </a:r>
+            <a:r>
+              <a:rPr lang="en-US" dirty="0" err="1">
+                <a:solidFill>
+                  <a:srgbClr val="427E00"/>
+                </a:solidFill>
+                <a:ea typeface="Times New Roman" panose="02020603050405020304" pitchFamily="18" charset="0"/>
+                <a:cs typeface="Times New Roman" panose="02020603050405020304" pitchFamily="18" charset="0"/>
+              </a:rPr>
+              <a:t>setAspectRatio</a:t>
+            </a:r>
+            <a:r>
+              <a:rPr lang="en-US" dirty="0">
+                <a:solidFill>
+                  <a:srgbClr val="000000"/>
+                </a:solidFill>
+                <a:ea typeface="Times New Roman" panose="02020603050405020304" pitchFamily="18" charset="0"/>
+                <a:cs typeface="Times New Roman" panose="02020603050405020304" pitchFamily="18" charset="0"/>
+              </a:rPr>
+              <a:t>(</a:t>
+            </a:r>
+            <a:r>
+              <a:rPr lang="en-US" i="1" dirty="0" err="1">
+                <a:solidFill>
+                  <a:srgbClr val="CB6500"/>
+                </a:solidFill>
+                <a:ea typeface="Times New Roman" panose="02020603050405020304" pitchFamily="18" charset="0"/>
+                <a:cs typeface="Times New Roman" panose="02020603050405020304" pitchFamily="18" charset="0"/>
+              </a:rPr>
+              <a:t>ar</a:t>
+            </a:r>
+            <a:r>
+              <a:rPr lang="en-US" i="1" dirty="0">
+                <a:solidFill>
+                  <a:srgbClr val="CB6500"/>
+                </a:solidFill>
+                <a:ea typeface="Times New Roman" panose="02020603050405020304" pitchFamily="18" charset="0"/>
+                <a:cs typeface="Times New Roman" panose="02020603050405020304" pitchFamily="18" charset="0"/>
+              </a:rPr>
               <a:t> </a:t>
             </a:r>
             <a:r>
-              <a:rPr lang="hu-HU" dirty="0">
-                <a:latin typeface="Consolas" panose="020B0609020204030204" pitchFamily="49" charset="0"/>
-                <a:cs typeface="Consolas" panose="020B0609020204030204" pitchFamily="49" charset="0"/>
-              </a:rPr>
-              <a:t>camera.</a:t>
+              <a:rPr lang="en-US" dirty="0">
+                <a:solidFill>
+                  <a:srgbClr val="C70040"/>
+                </a:solidFill>
+                <a:ea typeface="Times New Roman" panose="02020603050405020304" pitchFamily="18" charset="0"/>
+                <a:cs typeface="Times New Roman" panose="02020603050405020304" pitchFamily="18" charset="0"/>
+              </a:rPr>
+              <a:t>: </a:t>
+            </a:r>
+            <a:r>
+              <a:rPr lang="en-US" i="1" dirty="0">
+                <a:solidFill>
+                  <a:srgbClr val="34A7BD"/>
+                </a:solidFill>
+                <a:ea typeface="Times New Roman" panose="02020603050405020304" pitchFamily="18" charset="0"/>
+                <a:cs typeface="Times New Roman" panose="02020603050405020304" pitchFamily="18" charset="0"/>
+              </a:rPr>
+              <a:t>Float</a:t>
+            </a:r>
+            <a:r>
+              <a:rPr lang="en-US" dirty="0">
+                <a:solidFill>
+                  <a:srgbClr val="000000"/>
+                </a:solidFill>
+                <a:ea typeface="Times New Roman" panose="02020603050405020304" pitchFamily="18" charset="0"/>
+                <a:cs typeface="Times New Roman" panose="02020603050405020304" pitchFamily="18" charset="0"/>
+              </a:rPr>
+              <a:t>) {</a:t>
+            </a:r>
+            <a:endParaRPr lang="en-US" sz="2000" dirty="0">
+              <a:latin typeface="Calibri" panose="020F0502020204030204" pitchFamily="34" charset="0"/>
+              <a:ea typeface="Calibri" panose="020F0502020204030204" pitchFamily="34" charset="0"/>
+              <a:cs typeface="Times New Roman" panose="02020603050405020304" pitchFamily="18" charset="0"/>
+            </a:endParaRPr>
+          </a:p>
+          <a:p>
+            <a:pPr>
+              <a:lnSpc>
+                <a:spcPct val="107000"/>
+              </a:lnSpc>
+              <a:spcAft>
+                <a:spcPts val="0"/>
+              </a:spcAft>
+              <a:tabLst>
+                <a:tab pos="581660" algn="l"/>
+                <a:tab pos="1163320" algn="l"/>
+                <a:tab pos="1744980" algn="l"/>
+                <a:tab pos="2326640" algn="l"/>
+                <a:tab pos="2908300" algn="l"/>
+                <a:tab pos="3489960" algn="l"/>
+                <a:tab pos="4071620" algn="l"/>
+                <a:tab pos="4653280" algn="l"/>
+                <a:tab pos="5234940" algn="l"/>
+                <a:tab pos="5816600" algn="l"/>
+                <a:tab pos="6398260" algn="l"/>
+                <a:tab pos="6979920" algn="l"/>
+                <a:tab pos="7561580" algn="l"/>
+                <a:tab pos="8143240" algn="l"/>
+                <a:tab pos="8724900" algn="l"/>
+                <a:tab pos="9306560" algn="l"/>
+              </a:tabLst>
+            </a:pPr>
+            <a:r>
+              <a:rPr lang="en-US" dirty="0">
+                <a:solidFill>
+                  <a:srgbClr val="000000"/>
+                </a:solidFill>
+                <a:ea typeface="Times New Roman" panose="02020603050405020304" pitchFamily="18" charset="0"/>
+                <a:cs typeface="Times New Roman" panose="02020603050405020304" pitchFamily="18" charset="0"/>
+              </a:rPr>
+              <a:t>    </a:t>
             </a:r>
             <a:r>
               <a:rPr lang="en-US" dirty="0" err="1">
-                <a:latin typeface="Consolas" panose="020B0609020204030204" pitchFamily="49" charset="0"/>
-                <a:cs typeface="Consolas" panose="020B0609020204030204" pitchFamily="49" charset="0"/>
-              </a:rPr>
-              <a:t>setAspectRatio</a:t>
-            </a:r>
-            <a:endParaRPr lang="en-US" dirty="0">
-              <a:latin typeface="Consolas" panose="020B0609020204030204" pitchFamily="49" charset="0"/>
-              <a:cs typeface="Consolas" panose="020B0609020204030204" pitchFamily="49" charset="0"/>
+                <a:solidFill>
+                  <a:srgbClr val="000000"/>
+                </a:solidFill>
+                <a:ea typeface="Times New Roman" panose="02020603050405020304" pitchFamily="18" charset="0"/>
+                <a:cs typeface="Times New Roman" panose="02020603050405020304" pitchFamily="18" charset="0"/>
+              </a:rPr>
+              <a:t>windowSize</a:t>
+            </a:r>
+            <a:r>
+              <a:rPr lang="en-US" dirty="0" err="1">
+                <a:solidFill>
+                  <a:srgbClr val="C70040"/>
+                </a:solidFill>
+                <a:ea typeface="Times New Roman" panose="02020603050405020304" pitchFamily="18" charset="0"/>
+                <a:cs typeface="Times New Roman" panose="02020603050405020304" pitchFamily="18" charset="0"/>
+              </a:rPr>
+              <a:t>.</a:t>
+            </a:r>
+            <a:r>
+              <a:rPr lang="en-US" dirty="0" err="1">
+                <a:solidFill>
+                  <a:srgbClr val="000000"/>
+                </a:solidFill>
+                <a:ea typeface="Times New Roman" panose="02020603050405020304" pitchFamily="18" charset="0"/>
+                <a:cs typeface="Times New Roman" panose="02020603050405020304" pitchFamily="18" charset="0"/>
+              </a:rPr>
+              <a:t>x</a:t>
+            </a:r>
+            <a:r>
+              <a:rPr lang="en-US" dirty="0">
+                <a:solidFill>
+                  <a:srgbClr val="000000"/>
+                </a:solidFill>
+                <a:ea typeface="Times New Roman" panose="02020603050405020304" pitchFamily="18" charset="0"/>
+                <a:cs typeface="Times New Roman" panose="02020603050405020304" pitchFamily="18" charset="0"/>
+              </a:rPr>
+              <a:t> </a:t>
+            </a:r>
+            <a:r>
+              <a:rPr lang="en-US" dirty="0">
+                <a:solidFill>
+                  <a:srgbClr val="C70040"/>
+                </a:solidFill>
+                <a:ea typeface="Times New Roman" panose="02020603050405020304" pitchFamily="18" charset="0"/>
+                <a:cs typeface="Times New Roman" panose="02020603050405020304" pitchFamily="18" charset="0"/>
+              </a:rPr>
+              <a:t>= </a:t>
+            </a:r>
+            <a:r>
+              <a:rPr lang="en-US" dirty="0" err="1">
+                <a:solidFill>
+                  <a:srgbClr val="000000"/>
+                </a:solidFill>
+                <a:ea typeface="Times New Roman" panose="02020603050405020304" pitchFamily="18" charset="0"/>
+                <a:cs typeface="Times New Roman" panose="02020603050405020304" pitchFamily="18" charset="0"/>
+              </a:rPr>
+              <a:t>windowSize</a:t>
+            </a:r>
+            <a:r>
+              <a:rPr lang="en-US" dirty="0" err="1">
+                <a:solidFill>
+                  <a:srgbClr val="C70040"/>
+                </a:solidFill>
+                <a:ea typeface="Times New Roman" panose="02020603050405020304" pitchFamily="18" charset="0"/>
+                <a:cs typeface="Times New Roman" panose="02020603050405020304" pitchFamily="18" charset="0"/>
+              </a:rPr>
+              <a:t>.</a:t>
+            </a:r>
+            <a:r>
+              <a:rPr lang="en-US" dirty="0" err="1">
+                <a:solidFill>
+                  <a:srgbClr val="000000"/>
+                </a:solidFill>
+                <a:ea typeface="Times New Roman" panose="02020603050405020304" pitchFamily="18" charset="0"/>
+                <a:cs typeface="Times New Roman" panose="02020603050405020304" pitchFamily="18" charset="0"/>
+              </a:rPr>
+              <a:t>y</a:t>
+            </a:r>
+            <a:r>
+              <a:rPr lang="en-US" dirty="0">
+                <a:solidFill>
+                  <a:srgbClr val="000000"/>
+                </a:solidFill>
+                <a:ea typeface="Times New Roman" panose="02020603050405020304" pitchFamily="18" charset="0"/>
+                <a:cs typeface="Times New Roman" panose="02020603050405020304" pitchFamily="18" charset="0"/>
+              </a:rPr>
+              <a:t> </a:t>
+            </a:r>
+            <a:r>
+              <a:rPr lang="en-US" dirty="0">
+                <a:solidFill>
+                  <a:srgbClr val="C70040"/>
+                </a:solidFill>
+                <a:ea typeface="Times New Roman" panose="02020603050405020304" pitchFamily="18" charset="0"/>
+                <a:cs typeface="Times New Roman" panose="02020603050405020304" pitchFamily="18" charset="0"/>
+              </a:rPr>
+              <a:t>* </a:t>
+            </a:r>
+            <a:r>
+              <a:rPr lang="en-US" dirty="0" err="1">
+                <a:solidFill>
+                  <a:srgbClr val="000000"/>
+                </a:solidFill>
+                <a:ea typeface="Times New Roman" panose="02020603050405020304" pitchFamily="18" charset="0"/>
+                <a:cs typeface="Times New Roman" panose="02020603050405020304" pitchFamily="18" charset="0"/>
+              </a:rPr>
+              <a:t>ar</a:t>
+            </a:r>
+            <a:endParaRPr lang="en-US" sz="2000" dirty="0">
+              <a:latin typeface="Calibri" panose="020F0502020204030204" pitchFamily="34" charset="0"/>
+              <a:ea typeface="Calibri" panose="020F0502020204030204" pitchFamily="34" charset="0"/>
+              <a:cs typeface="Times New Roman" panose="02020603050405020304" pitchFamily="18" charset="0"/>
             </a:endParaRPr>
           </a:p>
           <a:p>
-            <a:pPr lvl="1"/>
+            <a:pPr>
+              <a:lnSpc>
+                <a:spcPct val="107000"/>
+              </a:lnSpc>
+              <a:spcAft>
+                <a:spcPts val="0"/>
+              </a:spcAft>
+              <a:tabLst>
+                <a:tab pos="581660" algn="l"/>
+                <a:tab pos="1163320" algn="l"/>
+                <a:tab pos="1744980" algn="l"/>
+                <a:tab pos="2326640" algn="l"/>
+                <a:tab pos="2908300" algn="l"/>
+                <a:tab pos="3489960" algn="l"/>
+                <a:tab pos="4071620" algn="l"/>
+                <a:tab pos="4653280" algn="l"/>
+                <a:tab pos="5234940" algn="l"/>
+                <a:tab pos="5816600" algn="l"/>
+                <a:tab pos="6398260" algn="l"/>
+                <a:tab pos="6979920" algn="l"/>
+                <a:tab pos="7561580" algn="l"/>
+                <a:tab pos="8143240" algn="l"/>
+                <a:tab pos="8724900" algn="l"/>
+                <a:tab pos="9306560" algn="l"/>
+              </a:tabLst>
+            </a:pPr>
+            <a:r>
+              <a:rPr lang="en-US" dirty="0">
+                <a:solidFill>
+                  <a:srgbClr val="000000"/>
+                </a:solidFill>
+                <a:ea typeface="Times New Roman" panose="02020603050405020304" pitchFamily="18" charset="0"/>
+                <a:cs typeface="Times New Roman" panose="02020603050405020304" pitchFamily="18" charset="0"/>
+              </a:rPr>
+              <a:t>    </a:t>
+            </a:r>
             <a:r>
               <a:rPr lang="en-US" dirty="0" err="1">
-                <a:latin typeface="Consolas" panose="020B0609020204030204" pitchFamily="49" charset="0"/>
-                <a:cs typeface="Consolas" panose="020B0609020204030204" pitchFamily="49" charset="0"/>
-              </a:rPr>
-              <a:t>toFloat</a:t>
+                <a:solidFill>
+                  <a:srgbClr val="000000"/>
+                </a:solidFill>
+                <a:ea typeface="Times New Roman" panose="02020603050405020304" pitchFamily="18" charset="0"/>
+                <a:cs typeface="Times New Roman" panose="02020603050405020304" pitchFamily="18" charset="0"/>
+              </a:rPr>
+              <a:t>updateViewProjMatrix</a:t>
             </a:r>
             <a:r>
               <a:rPr lang="en-US" dirty="0">
-                <a:latin typeface="Consolas" panose="020B0609020204030204" pitchFamily="49" charset="0"/>
-                <a:cs typeface="Consolas" panose="020B0609020204030204" pitchFamily="49" charset="0"/>
+                <a:solidFill>
+                  <a:srgbClr val="000000"/>
+                </a:solidFill>
+                <a:ea typeface="Times New Roman" panose="02020603050405020304" pitchFamily="18" charset="0"/>
+                <a:cs typeface="Times New Roman" panose="02020603050405020304" pitchFamily="18" charset="0"/>
               </a:rPr>
               <a:t>()</a:t>
             </a:r>
-            <a:r>
-              <a:rPr lang="en-US" sz="2800" dirty="0"/>
-              <a:t> j</a:t>
-            </a:r>
-            <a:r>
-              <a:rPr lang="hu-HU" sz="2800" dirty="0"/>
-              <a:t>ól jön</a:t>
-            </a:r>
-          </a:p>
-          <a:p>
-            <a:r>
-              <a:rPr lang="hu-HU" dirty="0" err="1"/>
-              <a:t>vertex</a:t>
-            </a:r>
-            <a:r>
-              <a:rPr lang="hu-HU" dirty="0"/>
-              <a:t> </a:t>
-            </a:r>
-            <a:r>
-              <a:rPr lang="hu-HU" dirty="0" err="1"/>
-              <a:t>shader</a:t>
-            </a:r>
-            <a:r>
-              <a:rPr lang="hu-HU" dirty="0"/>
-              <a:t> használja a </a:t>
-            </a:r>
-            <a:r>
-              <a:rPr lang="hu-HU" dirty="0" err="1">
-                <a:latin typeface="Consolas" panose="020B0609020204030204" pitchFamily="49" charset="0"/>
-                <a:cs typeface="Consolas" panose="020B0609020204030204" pitchFamily="49" charset="0"/>
-              </a:rPr>
-              <a:t>camera.viewProjMatrix</a:t>
-            </a:r>
-            <a:r>
-              <a:rPr lang="hu-HU" dirty="0"/>
-              <a:t> uniformot</a:t>
-            </a:r>
-          </a:p>
-          <a:p>
-            <a:pPr lvl="1"/>
-            <a:r>
-              <a:rPr lang="hu-HU" sz="2800" dirty="0"/>
-              <a:t>transzformálja vele a világkoordinátás pozíciót</a:t>
-            </a:r>
-          </a:p>
-          <a:p>
-            <a:r>
-              <a:rPr lang="hu-HU" dirty="0" err="1">
-                <a:latin typeface="Consolas" panose="020B0609020204030204" pitchFamily="49" charset="0"/>
-                <a:cs typeface="Consolas" panose="020B0609020204030204" pitchFamily="49" charset="0"/>
-              </a:rPr>
-              <a:t>gameObject</a:t>
-            </a:r>
-            <a:r>
-              <a:rPr lang="hu-HU" dirty="0" err="1"/>
-              <a:t>ek</a:t>
-            </a:r>
-            <a:r>
-              <a:rPr lang="hu-HU" dirty="0"/>
-              <a:t> rajzolásakor a </a:t>
-            </a:r>
-            <a:r>
-              <a:rPr lang="hu-HU" dirty="0" err="1">
-                <a:latin typeface="Consolas" panose="020B0609020204030204" pitchFamily="49" charset="0"/>
-                <a:cs typeface="Consolas" panose="020B0609020204030204" pitchFamily="49" charset="0"/>
-              </a:rPr>
-              <a:t>draw</a:t>
-            </a:r>
-            <a:r>
-              <a:rPr lang="hu-HU" dirty="0"/>
-              <a:t> metódusnak adjuk paraméterül a </a:t>
-            </a:r>
-            <a:r>
-              <a:rPr lang="hu-HU" dirty="0" err="1">
-                <a:latin typeface="Consolas" panose="020B0609020204030204" pitchFamily="49" charset="0"/>
-                <a:cs typeface="Consolas" panose="020B0609020204030204" pitchFamily="49" charset="0"/>
-              </a:rPr>
-              <a:t>camera</a:t>
-            </a:r>
-            <a:r>
-              <a:rPr lang="hu-HU" dirty="0" err="1"/>
-              <a:t>t</a:t>
-            </a:r>
-            <a:endParaRPr lang="hu-HU" dirty="0"/>
-          </a:p>
-          <a:p>
-            <a:pPr lvl="1"/>
-            <a:r>
-              <a:rPr lang="hu-HU" sz="2800" dirty="0"/>
-              <a:t>mivel ő adja a </a:t>
-            </a:r>
-            <a:r>
-              <a:rPr lang="hu-HU" sz="2800" dirty="0" err="1"/>
-              <a:t>uniformértéket</a:t>
-            </a:r>
-            <a:endParaRPr lang="hu-HU" sz="2800" dirty="0"/>
+            <a:endParaRPr lang="en-US" sz="2000" dirty="0">
+              <a:latin typeface="Calibri" panose="020F0502020204030204" pitchFamily="34" charset="0"/>
+              <a:ea typeface="Calibri" panose="020F0502020204030204" pitchFamily="34" charset="0"/>
+              <a:cs typeface="Times New Roman" panose="02020603050405020304" pitchFamily="18" charset="0"/>
+            </a:endParaRPr>
+          </a:p>
+          <a:p>
+            <a:pPr>
+              <a:lnSpc>
+                <a:spcPct val="107000"/>
+              </a:lnSpc>
+              <a:spcAft>
+                <a:spcPts val="0"/>
+              </a:spcAft>
+              <a:tabLst>
+                <a:tab pos="581660" algn="l"/>
+                <a:tab pos="1163320" algn="l"/>
+                <a:tab pos="1744980" algn="l"/>
+                <a:tab pos="2326640" algn="l"/>
+                <a:tab pos="2908300" algn="l"/>
+                <a:tab pos="3489960" algn="l"/>
+                <a:tab pos="4071620" algn="l"/>
+                <a:tab pos="4653280" algn="l"/>
+                <a:tab pos="5234940" algn="l"/>
+                <a:tab pos="5816600" algn="l"/>
+                <a:tab pos="6398260" algn="l"/>
+                <a:tab pos="6979920" algn="l"/>
+                <a:tab pos="7561580" algn="l"/>
+                <a:tab pos="8143240" algn="l"/>
+                <a:tab pos="8724900" algn="l"/>
+                <a:tab pos="9306560" algn="l"/>
+              </a:tabLst>
+            </a:pPr>
+            <a:r>
+              <a:rPr lang="en-US" dirty="0">
+                <a:solidFill>
+                  <a:srgbClr val="000000"/>
+                </a:solidFill>
+                <a:ea typeface="Times New Roman" panose="02020603050405020304" pitchFamily="18" charset="0"/>
+                <a:cs typeface="Times New Roman" panose="02020603050405020304" pitchFamily="18" charset="0"/>
+              </a:rPr>
+              <a:t>  }</a:t>
+            </a:r>
+            <a:endParaRPr lang="en-US" sz="2000" dirty="0">
+              <a:effectLst/>
+              <a:latin typeface="Calibri" panose="020F0502020204030204" pitchFamily="34" charset="0"/>
+              <a:ea typeface="Calibri" panose="020F0502020204030204" pitchFamily="34" charset="0"/>
+              <a:cs typeface="Times New Roman" panose="02020603050405020304" pitchFamily="18" charset="0"/>
+            </a:endParaRPr>
           </a:p>
         </p:txBody>
       </p:sp>
     </p:spTree>
     <p:extLst>
       <p:ext uri="{BB962C8B-B14F-4D97-AF65-F5344CB8AC3E}">
-        <p14:creationId xmlns:p14="http://schemas.microsoft.com/office/powerpoint/2010/main" val="3740216557"/>
+        <p14:creationId xmlns:p14="http://schemas.microsoft.com/office/powerpoint/2010/main" val="170068518"/>
       </p:ext>
     </p:extLst>
   </p:cSld>
@@ -13037,7 +13184,7 @@
           <a:p>
             <a:r>
               <a:rPr lang="hu-HU" dirty="0"/>
-              <a:t>Feladat</a:t>
+              <a:t>Használja a kamerát!</a:t>
             </a:r>
             <a:endParaRPr lang="en-US" dirty="0"/>
           </a:p>
@@ -13045,7 +13192,7 @@
       </p:sp>
       <p:sp>
         <p:nvSpPr>
-          <p:cNvPr id="3" name="Content Placeholder 2"/>
+          <p:cNvPr id="4" name="Content Placeholder 3"/>
           <p:cNvSpPr>
             <a:spLocks noGrp="1"/>
           </p:cNvSpPr>
@@ -13060,23 +13207,163 @@
           <a:p>
             <a:r>
               <a:rPr lang="hu-HU" dirty="0"/>
-              <a:t>a kamera kövesse az egyik objektumot</a:t>
-            </a:r>
+              <a:t>vegyen fel a színtérbe egy kamerát</a:t>
+            </a:r>
+          </a:p>
+          <a:p>
+            <a:r>
+              <a:rPr lang="hu-HU" dirty="0" err="1">
+                <a:latin typeface="Consolas" panose="020B0609020204030204" pitchFamily="49" charset="0"/>
+                <a:cs typeface="Consolas" panose="020B0609020204030204" pitchFamily="49" charset="0"/>
+              </a:rPr>
+              <a:t>resize</a:t>
+            </a:r>
+            <a:r>
+              <a:rPr lang="hu-HU" dirty="0"/>
+              <a:t> metódusban</a:t>
+            </a:r>
+            <a:r>
+              <a:rPr lang="en-US" dirty="0"/>
+              <a:t> </a:t>
+            </a:r>
+            <a:r>
+              <a:rPr lang="hu-HU" dirty="0">
+                <a:latin typeface="Consolas" panose="020B0609020204030204" pitchFamily="49" charset="0"/>
+                <a:cs typeface="Consolas" panose="020B0609020204030204" pitchFamily="49" charset="0"/>
+              </a:rPr>
+              <a:t>camera.</a:t>
+            </a:r>
+            <a:r>
+              <a:rPr lang="en-US" dirty="0" err="1">
+                <a:latin typeface="Consolas" panose="020B0609020204030204" pitchFamily="49" charset="0"/>
+                <a:cs typeface="Consolas" panose="020B0609020204030204" pitchFamily="49" charset="0"/>
+              </a:rPr>
+              <a:t>setAspectRatio</a:t>
+            </a:r>
+            <a:endParaRPr lang="en-US" dirty="0">
+              <a:latin typeface="Consolas" panose="020B0609020204030204" pitchFamily="49" charset="0"/>
+              <a:cs typeface="Consolas" panose="020B0609020204030204" pitchFamily="49" charset="0"/>
+            </a:endParaRPr>
           </a:p>
           <a:p>
             <a:pPr lvl="1"/>
             <a:r>
+              <a:rPr lang="en-US" dirty="0" err="1">
+                <a:latin typeface="Consolas" panose="020B0609020204030204" pitchFamily="49" charset="0"/>
+                <a:cs typeface="Consolas" panose="020B0609020204030204" pitchFamily="49" charset="0"/>
+              </a:rPr>
+              <a:t>toFloat</a:t>
+            </a:r>
+            <a:r>
+              <a:rPr lang="en-US" dirty="0">
+                <a:latin typeface="Consolas" panose="020B0609020204030204" pitchFamily="49" charset="0"/>
+                <a:cs typeface="Consolas" panose="020B0609020204030204" pitchFamily="49" charset="0"/>
+              </a:rPr>
+              <a:t>()</a:t>
+            </a:r>
+            <a:r>
+              <a:rPr lang="en-US" sz="2800" dirty="0"/>
+              <a:t> j</a:t>
+            </a:r>
+            <a:r>
+              <a:rPr lang="hu-HU" sz="2800" dirty="0"/>
+              <a:t>ól jön</a:t>
+            </a:r>
+          </a:p>
+          <a:p>
+            <a:r>
+              <a:rPr lang="hu-HU" dirty="0" err="1"/>
+              <a:t>vertex</a:t>
+            </a:r>
+            <a:r>
               <a:rPr lang="hu-HU" dirty="0"/>
-              <a:t>a kamera pozícióját kell minden képkockában átállítani</a:t>
-            </a:r>
-            <a:endParaRPr lang="en-US" dirty="0"/>
+              <a:t> </a:t>
+            </a:r>
+            <a:r>
+              <a:rPr lang="hu-HU" dirty="0" err="1"/>
+              <a:t>shader</a:t>
+            </a:r>
+            <a:r>
+              <a:rPr lang="hu-HU" dirty="0"/>
+              <a:t> használja a </a:t>
+            </a:r>
+            <a:r>
+              <a:rPr lang="hu-HU" dirty="0" err="1">
+                <a:latin typeface="Consolas" panose="020B0609020204030204" pitchFamily="49" charset="0"/>
+                <a:cs typeface="Consolas" panose="020B0609020204030204" pitchFamily="49" charset="0"/>
+              </a:rPr>
+              <a:t>camera.viewProjMatrix</a:t>
+            </a:r>
+            <a:r>
+              <a:rPr lang="hu-HU" dirty="0"/>
+              <a:t> uniformot</a:t>
+            </a:r>
+          </a:p>
+          <a:p>
+            <a:pPr lvl="1"/>
+            <a:r>
+              <a:rPr lang="hu-HU" sz="2800" dirty="0"/>
+              <a:t>transzformálja vele a világkoordinátás pozíciót</a:t>
+            </a:r>
+          </a:p>
+          <a:p>
+            <a:r>
+              <a:rPr lang="hu-HU" dirty="0" err="1">
+                <a:latin typeface="Consolas" panose="020B0609020204030204" pitchFamily="49" charset="0"/>
+                <a:cs typeface="Consolas" panose="020B0609020204030204" pitchFamily="49" charset="0"/>
+              </a:rPr>
+              <a:t>gameObject</a:t>
+            </a:r>
+            <a:r>
+              <a:rPr lang="hu-HU" dirty="0" err="1"/>
+              <a:t>ek</a:t>
+            </a:r>
+            <a:r>
+              <a:rPr lang="hu-HU" dirty="0"/>
+              <a:t> rajzolásakor a </a:t>
+            </a:r>
+            <a:r>
+              <a:rPr lang="hu-HU" dirty="0" err="1">
+                <a:latin typeface="Consolas" panose="020B0609020204030204" pitchFamily="49" charset="0"/>
+                <a:cs typeface="Consolas" panose="020B0609020204030204" pitchFamily="49" charset="0"/>
+              </a:rPr>
+              <a:t>draw</a:t>
+            </a:r>
+            <a:r>
+              <a:rPr lang="hu-HU" dirty="0"/>
+              <a:t> metódusnak adjuk paraméterül a </a:t>
+            </a:r>
+            <a:r>
+              <a:rPr lang="hu-HU" dirty="0" err="1">
+                <a:latin typeface="Consolas" panose="020B0609020204030204" pitchFamily="49" charset="0"/>
+                <a:cs typeface="Consolas" panose="020B0609020204030204" pitchFamily="49" charset="0"/>
+              </a:rPr>
+              <a:t>camera</a:t>
+            </a:r>
+            <a:r>
+              <a:rPr lang="hu-HU" dirty="0" err="1"/>
+              <a:t>t</a:t>
+            </a:r>
+            <a:endParaRPr lang="hu-HU" dirty="0"/>
+          </a:p>
+          <a:p>
+            <a:pPr lvl="1"/>
+            <a:r>
+              <a:rPr lang="hu-HU" sz="2800" dirty="0"/>
+              <a:t>mivel ő adja a </a:t>
+            </a:r>
+            <a:r>
+              <a:rPr lang="hu-HU" sz="2800" dirty="0" err="1"/>
+              <a:t>uniformértéket</a:t>
+            </a:r>
+            <a:endParaRPr lang="hu-HU" sz="2800" dirty="0"/>
           </a:p>
         </p:txBody>
       </p:sp>
     </p:spTree>
     <p:extLst>
       <p:ext uri="{BB962C8B-B14F-4D97-AF65-F5344CB8AC3E}">
-        <p14:creationId xmlns:p14="http://schemas.microsoft.com/office/powerpoint/2010/main" val="3069100251"/>
+        <p14:creationId xmlns:p14="http://schemas.microsoft.com/office/powerpoint/2010/main" val="3740216557"/>
       </p:ext>
     </p:extLst>
   </p:cSld>
@@ -13120,14 +13407,7 @@
           <a:p>
             <a:r>
               <a:rPr lang="hu-HU" dirty="0"/>
-              <a:t>Bónusz feladat:</a:t>
-            </a:r>
-            <a:br>
-              <a:rPr lang="hu-HU" dirty="0"/>
-            </a:br>
-            <a:r>
-              <a:rPr lang="hu-HU" dirty="0"/>
-              <a:t>eltűnő objektumok</a:t>
+              <a:t>Feladat</a:t>
             </a:r>
             <a:endParaRPr lang="en-US" dirty="0"/>
           </a:p>
@@ -13150,124 +13430,14 @@
           <a:p>
             <a:r>
               <a:rPr lang="hu-HU" dirty="0"/>
-              <a:t>ha a </a:t>
-            </a:r>
-            <a:r>
-              <a:rPr lang="hu-HU" sz="2400" dirty="0">
-                <a:latin typeface="Consolas" panose="020B0609020204030204" pitchFamily="49" charset="0"/>
-                <a:cs typeface="Consolas" panose="020B0609020204030204" pitchFamily="49" charset="0"/>
-              </a:rPr>
-              <a:t>GameObject</a:t>
-            </a:r>
-            <a:r>
-              <a:rPr lang="en-US" sz="2400" dirty="0">
-                <a:latin typeface="Consolas" panose="020B0609020204030204" pitchFamily="49" charset="0"/>
-                <a:cs typeface="Consolas" panose="020B0609020204030204" pitchFamily="49" charset="0"/>
-              </a:rPr>
-              <a:t>::move</a:t>
-            </a:r>
-            <a:r>
-              <a:rPr lang="en-US" dirty="0"/>
-              <a:t> </a:t>
-            </a:r>
-            <a:r>
-              <a:rPr lang="en-US" sz="2400" dirty="0">
-                <a:latin typeface="Consolas" panose="020B0609020204030204" pitchFamily="49" charset="0"/>
-                <a:cs typeface="Consolas" panose="020B0609020204030204" pitchFamily="49" charset="0"/>
-              </a:rPr>
-              <a:t>false</a:t>
-            </a:r>
-            <a:r>
-              <a:rPr lang="en-US" dirty="0"/>
-              <a:t>-</a:t>
-            </a:r>
-            <a:r>
-              <a:rPr lang="en-US" dirty="0" err="1"/>
-              <a:t>ot</a:t>
-            </a:r>
-            <a:r>
-              <a:rPr lang="en-US" dirty="0"/>
-              <a:t> ad </a:t>
-            </a:r>
-            <a:r>
-              <a:rPr lang="en-US" dirty="0" err="1"/>
-              <a:t>vissza</a:t>
-            </a:r>
-            <a:r>
-              <a:rPr lang="en-US" dirty="0"/>
-              <a:t>, </a:t>
-            </a:r>
-            <a:r>
-              <a:rPr lang="en-US" dirty="0" err="1"/>
-              <a:t>az</a:t>
-            </a:r>
-            <a:r>
-              <a:rPr lang="en-US" dirty="0"/>
-              <a:t> </a:t>
-            </a:r>
-            <a:r>
-              <a:rPr lang="en-US" dirty="0" err="1"/>
-              <a:t>objektumot</a:t>
-            </a:r>
-            <a:r>
-              <a:rPr lang="en-US" dirty="0"/>
-              <a:t> </a:t>
-            </a:r>
-            <a:r>
-              <a:rPr lang="en-US" dirty="0" err="1"/>
-              <a:t>dobjuk</a:t>
-            </a:r>
-            <a:r>
-              <a:rPr lang="en-US" dirty="0"/>
-              <a:t> </a:t>
-            </a:r>
-            <a:r>
-              <a:rPr lang="en-US" dirty="0" err="1"/>
-              <a:t>ki</a:t>
-            </a:r>
-            <a:r>
-              <a:rPr lang="en-US" dirty="0"/>
-              <a:t> a </a:t>
-            </a:r>
-            <a:r>
-              <a:rPr lang="en-US" sz="2400" dirty="0" err="1">
-                <a:latin typeface="Consolas" panose="020B0609020204030204" pitchFamily="49" charset="0"/>
-                <a:cs typeface="Consolas" panose="020B0609020204030204" pitchFamily="49" charset="0"/>
-              </a:rPr>
-              <a:t>gameObjects</a:t>
-            </a:r>
-            <a:r>
-              <a:rPr lang="en-US" dirty="0"/>
-              <a:t>-b</a:t>
-            </a:r>
+              <a:t>a kamera kövesse az egyik objektumot</a:t>
+            </a:r>
+          </a:p>
+          <a:p>
+            <a:pPr lvl="1"/>
             <a:r>
               <a:rPr lang="hu-HU" dirty="0"/>
-              <a:t>ől</a:t>
-            </a:r>
-          </a:p>
-          <a:p>
-            <a:pPr lvl="1"/>
-            <a:r>
-              <a:rPr lang="hu-HU" dirty="0"/>
-              <a:t>ne azonnal, csak ha már minden move lement</a:t>
-            </a:r>
-          </a:p>
-          <a:p>
-            <a:r>
-              <a:rPr lang="hu-HU" dirty="0"/>
-              <a:t>legyen egy játékobjektum, aki ha pl. a világ jobb oldalára téved (x</a:t>
-            </a:r>
-            <a:r>
-              <a:rPr lang="en-US" dirty="0"/>
-              <a:t>&gt;0</a:t>
-            </a:r>
-            <a:r>
-              <a:rPr lang="hu-HU"/>
-              <a:t>), </a:t>
-            </a:r>
-            <a:r>
-              <a:rPr lang="hu-HU" dirty="0"/>
-              <a:t>megsemmisül</a:t>
+              <a:t>a kamera pozícióját kell minden képkockában átállítani</a:t>
             </a:r>
             <a:endParaRPr lang="en-US" dirty="0"/>
           </a:p>
@@ -13276,7 +13446,7 @@
     </p:spTree>
     <p:extLst>
       <p:ext uri="{BB962C8B-B14F-4D97-AF65-F5344CB8AC3E}">
-        <p14:creationId xmlns:p14="http://schemas.microsoft.com/office/powerpoint/2010/main" val="3256759605"/>
+        <p14:creationId xmlns:p14="http://schemas.microsoft.com/office/powerpoint/2010/main" val="3069100251"/>
       </p:ext>
     </p:extLst>
   </p:cSld>
@@ -13327,7 +13497,7 @@
             </a:br>
             <a:r>
               <a:rPr lang="hu-HU" dirty="0"/>
-              <a:t>scrollozó háttérkép</a:t>
+              <a:t>eltűnő objektumok</a:t>
             </a:r>
             <a:endParaRPr lang="en-US" dirty="0"/>
           </a:p>
@@ -13350,6 +13520,269 @@
           <a:p>
             <a:r>
               <a:rPr lang="hu-HU" dirty="0"/>
+              <a:t>ha a </a:t>
+            </a:r>
+            <a:r>
+              <a:rPr lang="hu-HU" sz="2400" dirty="0">
+                <a:latin typeface="Consolas" panose="020B0609020204030204" pitchFamily="49" charset="0"/>
+                <a:cs typeface="Consolas" panose="020B0609020204030204" pitchFamily="49" charset="0"/>
+              </a:rPr>
+              <a:t>GameObject</a:t>
+            </a:r>
+            <a:r>
+              <a:rPr lang="en-US" sz="2400" dirty="0">
+                <a:latin typeface="Consolas" panose="020B0609020204030204" pitchFamily="49" charset="0"/>
+                <a:cs typeface="Consolas" panose="020B0609020204030204" pitchFamily="49" charset="0"/>
+              </a:rPr>
+              <a:t>::move</a:t>
+            </a:r>
+            <a:r>
+              <a:rPr lang="en-US" dirty="0"/>
+              <a:t> </a:t>
+            </a:r>
+            <a:r>
+              <a:rPr lang="en-US" sz="2400" dirty="0">
+                <a:latin typeface="Consolas" panose="020B0609020204030204" pitchFamily="49" charset="0"/>
+                <a:cs typeface="Consolas" panose="020B0609020204030204" pitchFamily="49" charset="0"/>
+              </a:rPr>
+              <a:t>false</a:t>
+            </a:r>
+            <a:r>
+              <a:rPr lang="en-US" dirty="0"/>
+              <a:t>-</a:t>
+            </a:r>
+            <a:r>
+              <a:rPr lang="en-US" dirty="0" err="1"/>
+              <a:t>ot</a:t>
+            </a:r>
+            <a:r>
+              <a:rPr lang="en-US" dirty="0"/>
+              <a:t> ad </a:t>
+            </a:r>
+            <a:r>
+              <a:rPr lang="en-US" dirty="0" err="1"/>
+              <a:t>vissza</a:t>
+            </a:r>
+            <a:r>
+              <a:rPr lang="en-US" dirty="0"/>
+              <a:t>, </a:t>
+            </a:r>
+            <a:r>
+              <a:rPr lang="en-US" dirty="0" err="1"/>
+              <a:t>az</a:t>
+            </a:r>
+            <a:r>
+              <a:rPr lang="en-US" dirty="0"/>
+              <a:t> </a:t>
+            </a:r>
+            <a:r>
+              <a:rPr lang="en-US" dirty="0" err="1"/>
+              <a:t>objektumot</a:t>
+            </a:r>
+            <a:r>
+              <a:rPr lang="en-US" dirty="0"/>
+              <a:t> </a:t>
+            </a:r>
+            <a:r>
+              <a:rPr lang="en-US" dirty="0" err="1"/>
+              <a:t>dobjuk</a:t>
+            </a:r>
+            <a:r>
+              <a:rPr lang="en-US" dirty="0"/>
+              <a:t> </a:t>
+            </a:r>
+            <a:r>
+              <a:rPr lang="en-US" dirty="0" err="1"/>
+              <a:t>ki</a:t>
+            </a:r>
+            <a:r>
+              <a:rPr lang="en-US" dirty="0"/>
+              <a:t> a </a:t>
+            </a:r>
+            <a:r>
+              <a:rPr lang="en-US" sz="2400" dirty="0" err="1">
+                <a:latin typeface="Consolas" panose="020B0609020204030204" pitchFamily="49" charset="0"/>
+                <a:cs typeface="Consolas" panose="020B0609020204030204" pitchFamily="49" charset="0"/>
+              </a:rPr>
+              <a:t>gameObjects</a:t>
+            </a:r>
+            <a:r>
+              <a:rPr lang="en-US" dirty="0"/>
+              <a:t>-b</a:t>
+            </a:r>
+            <a:r>
+              <a:rPr lang="hu-HU" dirty="0"/>
+              <a:t>ől</a:t>
+            </a:r>
+          </a:p>
+          <a:p>
+            <a:pPr lvl="1"/>
+            <a:r>
+              <a:rPr lang="hu-HU" dirty="0"/>
+              <a:t>ne azonnal, csak ha már minden move lement</a:t>
+            </a:r>
+          </a:p>
+          <a:p>
+            <a:r>
+              <a:rPr lang="hu-HU" dirty="0"/>
+              <a:t>legyen egy játékobjektum, aki ha pl. a világ jobb oldalára téved (x</a:t>
+            </a:r>
+            <a:r>
+              <a:rPr lang="en-US" dirty="0"/>
+              <a:t>&gt;0</a:t>
+            </a:r>
+            <a:r>
+              <a:rPr lang="hu-HU"/>
+              <a:t>), </a:t>
+            </a:r>
+            <a:r>
+              <a:rPr lang="hu-HU" dirty="0"/>
+              <a:t>megsemmisül</a:t>
+            </a:r>
+            <a:endParaRPr lang="en-US" dirty="0"/>
+          </a:p>
+        </p:txBody>
+      </p:sp>
+      <p:sp>
+        <p:nvSpPr>
+          <p:cNvPr id="4" name="5-Point Star 3">
+            <a:extLst>
+              <a:ext uri="{FF2B5EF4-FFF2-40B4-BE49-F238E27FC236}">
+                <a16:creationId xmlns:a16="http://schemas.microsoft.com/office/drawing/2014/main" id="{1DE2CD11-4816-AAC7-0186-EE30A255D0AE}"/>
+              </a:ext>
+            </a:extLst>
+          </p:cNvPr>
+          <p:cNvSpPr/>
+          <p:nvPr/>
+        </p:nvSpPr>
+        <p:spPr>
+          <a:xfrm rot="2420425">
+            <a:off x="7148286" y="106250"/>
+            <a:ext cx="1843314" cy="1843314"/>
+          </a:xfrm>
+          <a:prstGeom prst="star5">
+            <a:avLst/>
+          </a:prstGeom>
+          <a:solidFill>
+            <a:srgbClr val="FFFF00"/>
+          </a:solidFill>
+        </p:spPr>
+        <p:style>
+          <a:lnRef idx="2">
+            <a:schemeClr val="accent1">
+              <a:shade val="50000"/>
+            </a:schemeClr>
+          </a:lnRef>
+          <a:fillRef idx="1">
+            <a:schemeClr val="accent1"/>
+          </a:fillRef>
+          <a:effectRef idx="0">
+            <a:schemeClr val="accent1"/>
+          </a:effectRef>
+          <a:fontRef idx="minor">
+            <a:schemeClr val="lt1"/>
+          </a:fontRef>
+        </p:style>
+        <p:txBody>
+          <a:bodyPr rtlCol="0" anchor="ctr"/>
+          <a:lstStyle/>
+          <a:p>
+            <a:pPr algn="ctr"/>
+            <a:r>
+              <a:rPr lang="en-US" dirty="0" err="1">
+                <a:solidFill>
+                  <a:schemeClr val="tx1"/>
+                </a:solidFill>
+                <a:latin typeface="Whipsmart" panose="020B0502030203050204" pitchFamily="34" charset="0"/>
+              </a:rPr>
+              <a:t>iMSc</a:t>
+            </a:r>
+            <a:endParaRPr lang="en-US" dirty="0">
+              <a:solidFill>
+                <a:schemeClr val="tx1"/>
+              </a:solidFill>
+              <a:latin typeface="Whipsmart" panose="020B0502030203050204" pitchFamily="34" charset="0"/>
+            </a:endParaRPr>
+          </a:p>
+        </p:txBody>
+      </p:sp>
+    </p:spTree>
+    <p:extLst>
+      <p:ext uri="{BB962C8B-B14F-4D97-AF65-F5344CB8AC3E}">
+        <p14:creationId xmlns:p14="http://schemas.microsoft.com/office/powerpoint/2010/main" val="3256759605"/>
+      </p:ext>
+    </p:extLst>
+  </p:cSld>
+  <p:clrMapOvr>
+    <a:masterClrMapping/>
+  </p:clrMapOvr>
+</p:sld>
+</file>
+
+<file path=ppt/slides/slide25.xml><?xml version="1.0" encoding="utf-8"?>
+<p:sld xmlns:a="http://schemas.openxmlformats.org/drawingml/2006/main" xmlns:r="http://schemas.openxmlformats.org/officeDocument/2006/relationships" xmlns:p="http://schemas.openxmlformats.org/presentationml/2006/main">
+  <p:cSld>
+    <p:spTree>
+      <p:nvGrpSpPr>
+        <p:cNvPr id="1" name=""/>
+        <p:cNvGrpSpPr/>
+        <p:nvPr/>
+      </p:nvGrpSpPr>
+      <p:grpSpPr>
+        <a:xfrm>
+          <a:off x="0" y="0"/>
+          <a:ext cx="0" cy="0"/>
+          <a:chOff x="0" y="0"/>
+          <a:chExt cx="0" cy="0"/>
+        </a:xfrm>
+      </p:grpSpPr>
+      <p:sp>
+        <p:nvSpPr>
+          <p:cNvPr id="2" name="Title 1"/>
+          <p:cNvSpPr>
+            <a:spLocks noGrp="1"/>
+          </p:cNvSpPr>
+          <p:nvPr>
+            <p:ph type="title"/>
+          </p:nvPr>
+        </p:nvSpPr>
+        <p:spPr/>
+        <p:txBody>
+          <a:bodyPr/>
+          <a:lstStyle/>
+          <a:p>
+            <a:r>
+              <a:rPr lang="hu-HU" dirty="0"/>
+              <a:t>Bónusz feladat:</a:t>
+            </a:r>
+            <a:br>
+              <a:rPr lang="hu-HU" dirty="0"/>
+            </a:br>
+            <a:r>
+              <a:rPr lang="hu-HU" dirty="0"/>
+              <a:t>scrollozó háttérkép</a:t>
+            </a:r>
+            <a:endParaRPr lang="en-US" dirty="0"/>
+          </a:p>
+        </p:txBody>
+      </p:sp>
+      <p:sp>
+        <p:nvSpPr>
+          <p:cNvPr id="3" name="Content Placeholder 2"/>
+          <p:cNvSpPr>
+            <a:spLocks noGrp="1"/>
+          </p:cNvSpPr>
+          <p:nvPr>
+            <p:ph idx="1"/>
+          </p:nvPr>
+        </p:nvSpPr>
+        <p:spPr/>
+        <p:txBody>
+          <a:bodyPr/>
+          <a:lstStyle/>
+          <a:p>
+            <a:r>
+              <a:rPr lang="hu-HU" dirty="0"/>
               <a:t>1db háttérobjektum</a:t>
             </a:r>
           </a:p>
@@ -13396,7 +13829,7 @@
             <a:pPr lvl="1"/>
             <a:r>
               <a:rPr lang="hu-HU" dirty="0"/>
-              <a:t>ehhez a kamera view matrixának inverzét uniformban megkapja</a:t>
+              <a:t>ehhez a kamera view matrixának inverzét uniformban megkapja a kamerától</a:t>
             </a:r>
           </a:p>
           <a:p>
@@ -17727,13 +18160,22 @@
           <a:lstStyle/>
           <a:p>
             <a:r>
+              <a:rPr lang="en-US" dirty="0">
+                <a:solidFill>
+                  <a:srgbClr val="FF0000"/>
+                </a:solidFill>
+                <a:latin typeface="Whipsmart" panose="020B0502030203050204" pitchFamily="34" charset="0"/>
+              </a:rPr>
+              <a:t>safe access</a:t>
+            </a:r>
+            <a:r>
               <a:rPr lang="hu-HU" dirty="0">
                 <a:solidFill>
                   <a:srgbClr val="FF0000"/>
                 </a:solidFill>
                 <a:latin typeface="Whipsmart" panose="020B0502030203050204" pitchFamily="34" charset="0"/>
               </a:rPr>
-              <a:t>Elvis operátor, hogy null esetén ne legyen hiba, semmi se történjen</a:t>
+              <a:t>, hogy null esetén ne legyen hiba, semmi se történjen</a:t>
             </a:r>
             <a:endParaRPr lang="en-US" dirty="0">
               <a:solidFill>
@@ -19669,8 +20111,12 @@
               <a:t> </a:t>
             </a:r>
             <a:r>
+              <a:rPr lang="en-US" dirty="0" err="1"/>
+              <a:t>raiderMaterial</a:t>
+            </a:r>
+            <a:r>
               <a:rPr lang="en-US" dirty="0"/>
-              <a:t>material </a:t>
+              <a:t> </a:t>
             </a:r>
             <a:r>
               <a:rPr lang="en-US" dirty="0">
@@ -19742,7 +20188,7 @@
             </a:r>
             <a:r>
               <a:rPr lang="en-US" dirty="0"/>
-              <a:t>, "media/asteroid.png"))</a:t>
+              <a:t>, "media/raider.png"))</a:t>
             </a:r>
           </a:p>
           <a:p>
@@ -20424,7 +20870,7 @@
                 <a:latin typeface="Consolas" panose="020B0609020204030204" pitchFamily="49" charset="0"/>
                 <a:cs typeface="Consolas" panose="020B0609020204030204" pitchFamily="49" charset="0"/>
               </a:rPr>
-              <a:t>landerMaterial</a:t>
+              <a:t>raiderMaterial</a:t>
             </a:r>
             <a:endParaRPr lang="en-US" dirty="0">
               <a:latin typeface="Consolas" panose="020B0609020204030204" pitchFamily="49" charset="0"/>
@@ -20453,18 +20899,15 @@
             </a:r>
             <a:r>
               <a:rPr lang="en-US" dirty="0"/>
-              <a:t>. </a:t>
-            </a:r>
-            <a:r>
-              <a:rPr lang="en-US" dirty="0" err="1">
-                <a:latin typeface="Consolas" panose="020B0609020204030204" pitchFamily="49" charset="0"/>
-                <a:cs typeface="Consolas" panose="020B0609020204030204" pitchFamily="49" charset="0"/>
-              </a:rPr>
-              <a:t>solidColor</a:t>
+              <a:t>. m</a:t>
             </a:r>
             <a:r>
               <a:rPr lang="hu-HU" dirty="0"/>
-              <a:t>, </a:t>
+              <a:t>ás</a:t>
+            </a:r>
+            <a:r>
+              <a:rPr lang="en-US" dirty="0"/>
+              <a:t> </a:t>
             </a:r>
             <a:r>
               <a:rPr lang="hu-HU" dirty="0" err="1">
@@ -20575,10 +21018,6 @@
             <a:r>
               <a:rPr lang="hu-HU" dirty="0"/>
               <a:t> osztály </a:t>
-            </a:r>
-            <a:r>
-              <a:rPr lang="en-US" dirty="0"/>
-              <a:t/>
             </a:r>
             <a:br>
               <a:rPr lang="en-US" dirty="0"/>
